--- a/Open Source Prezentacija.pptx
+++ b/Open Source Prezentacija.pptx
@@ -6889,15 +6889,67 @@
             <p:ph type="body" sz="quarter" idx="11"/>
           </p:nvPr>
         </p:nvSpPr>
-        <p:spPr/>
+        <p:spPr>
+          <a:xfrm>
+            <a:off x="838199" y="1885568"/>
+            <a:ext cx="10667999" cy="3827335"/>
+          </a:xfrm>
+        </p:spPr>
         <p:txBody>
           <a:bodyPr/>
           <a:lstStyle/>
           <a:p>
             <a:r>
-              <a:rPr lang="hr-HR" dirty="0"/>
-              <a:t>/*moram dotat tekst*/</a:t>
+              <a:rPr lang="hr-HR" sz="1800" dirty="0">
+                <a:effectLst/>
+                <a:ea typeface="Times New Roman" panose="02020603050405020304" pitchFamily="18" charset="0"/>
+              </a:rPr>
+              <a:t>Mozilla zajednica sastoji se od preko 40.000 aktivnih suradnika iz cijelog svijeta.</a:t>
             </a:r>
+            <a:r>
+              <a:rPr lang="hr-HR" sz="1800" dirty="0">
+                <a:effectLst/>
+                <a:latin typeface="Times New Roman" panose="02020603050405020304" pitchFamily="18" charset="0"/>
+                <a:ea typeface="Times New Roman" panose="02020603050405020304" pitchFamily="18" charset="0"/>
+              </a:rPr>
+              <a:t> </a:t>
+            </a:r>
+          </a:p>
+          <a:p>
+            <a:r>
+              <a:rPr lang="hr-HR" sz="1800" dirty="0">
+                <a:effectLst/>
+                <a:ea typeface="Times New Roman" panose="02020603050405020304" pitchFamily="18" charset="0"/>
+              </a:rPr>
+              <a:t>Postoji niz podzajednica na temelju njihove geografske lokacije.</a:t>
+            </a:r>
+          </a:p>
+          <a:p>
+            <a:endParaRPr lang="hr-HR" dirty="0"/>
+          </a:p>
+          <a:p>
+            <a:r>
+              <a:rPr lang="hr-HR" sz="1800" dirty="0">
+                <a:effectLst/>
+                <a:ea typeface="Times New Roman" panose="02020603050405020304" pitchFamily="18" charset="0"/>
+              </a:rPr>
+              <a:t>Program Mozilla Reps je volonterski program - volonteri moraju imati 18 godina ili više. </a:t>
+            </a:r>
+          </a:p>
+          <a:p>
+            <a:endParaRPr lang="hr-HR" dirty="0"/>
+          </a:p>
+          <a:p>
+            <a:r>
+              <a:rPr lang="hr-HR" sz="1800" dirty="0">
+                <a:effectLst/>
+                <a:ea typeface="Times New Roman" panose="02020603050405020304" pitchFamily="18" charset="0"/>
+              </a:rPr>
+              <a:t>Mozilla festival (MozFest) je jedinstvena hibridna aktivnost (sudionici iz više od 87 zemalja).</a:t>
+            </a:r>
+          </a:p>
+          <a:p>
+            <a:endParaRPr lang="hr-HR" dirty="0"/>
           </a:p>
         </p:txBody>
       </p:sp>
@@ -6911,6 +6963,18 @@
   <p:clrMapOvr>
     <a:masterClrMapping/>
   </p:clrMapOvr>
+  <mc:AlternateContent xmlns:mc="http://schemas.openxmlformats.org/markup-compatibility/2006">
+    <mc:Choice xmlns:p14="http://schemas.microsoft.com/office/powerpoint/2010/main" Requires="p14">
+      <p:transition spd="med" p14:dur="700">
+        <p:fade/>
+      </p:transition>
+    </mc:Choice>
+    <mc:Fallback>
+      <p:transition spd="med">
+        <p:fade/>
+      </p:transition>
+    </mc:Fallback>
+  </mc:AlternateContent>
 </p:sld>
 </file>
 
@@ -9599,6 +9663,18 @@
   <p:clrMapOvr>
     <a:masterClrMapping/>
   </p:clrMapOvr>
+  <mc:AlternateContent xmlns:mc="http://schemas.openxmlformats.org/markup-compatibility/2006">
+    <mc:Choice xmlns:p14="http://schemas.microsoft.com/office/powerpoint/2010/main" Requires="p14">
+      <p:transition spd="med" p14:dur="700">
+        <p:fade/>
+      </p:transition>
+    </mc:Choice>
+    <mc:Fallback>
+      <p:transition spd="med">
+        <p:fade/>
+      </p:transition>
+    </mc:Fallback>
+  </mc:AlternateContent>
 </p:sld>
 </file>
 
@@ -12023,18 +12099,18 @@
 </file>
 
 <file path=customXml/item1.xml><?xml version="1.0" encoding="utf-8"?>
-<p:properties xmlns:p="http://schemas.microsoft.com/office/2006/metadata/properties" xmlns:xsi="http://www.w3.org/2001/XMLSchema-instance" xmlns:pc="http://schemas.microsoft.com/office/infopath/2007/PartnerControls">
-  <documentManagement/>
-</p:properties>
-</file>
-
-<file path=customXml/item2.xml><?xml version="1.0" encoding="utf-8"?>
 <?mso-contentType ?>
 <FormTemplates xmlns="http://schemas.microsoft.com/sharepoint/v3/contenttype/forms">
   <Display>DocumentLibraryForm</Display>
   <Edit>DocumentLibraryForm</Edit>
   <New>DocumentLibraryForm</New>
 </FormTemplates>
+</file>
+
+<file path=customXml/item2.xml><?xml version="1.0" encoding="utf-8"?>
+<p:properties xmlns:p="http://schemas.microsoft.com/office/2006/metadata/properties" xmlns:xsi="http://www.w3.org/2001/XMLSchema-instance" xmlns:pc="http://schemas.microsoft.com/office/infopath/2007/PartnerControls">
+  <documentManagement/>
+</p:properties>
 </file>
 
 <file path=customXml/item3.xml><?xml version="1.0" encoding="utf-8"?>
@@ -12152,6 +12228,14 @@
 </file>
 
 <file path=customXml/itemProps1.xml><?xml version="1.0" encoding="utf-8"?>
+<ds:datastoreItem xmlns:ds="http://schemas.openxmlformats.org/officeDocument/2006/customXml" ds:itemID="{915C1F8C-D27A-4CE7-9DF4-4AFDB2880FA9}">
+  <ds:schemaRefs>
+    <ds:schemaRef ds:uri="http://schemas.microsoft.com/sharepoint/v3/contenttype/forms"/>
+  </ds:schemaRefs>
+</ds:datastoreItem>
+</file>
+
+<file path=customXml/itemProps2.xml><?xml version="1.0" encoding="utf-8"?>
 <ds:datastoreItem xmlns:ds="http://schemas.openxmlformats.org/officeDocument/2006/customXml" ds:itemID="{FDF283A3-AA81-4663-8764-64F64C723FD1}">
   <ds:schemaRefs>
     <ds:schemaRef ds:uri="http://purl.org/dc/terms/"/>
@@ -12162,14 +12246,6 @@
     <ds:schemaRef ds:uri="http://schemas.microsoft.com/office/infopath/2007/PartnerControls"/>
     <ds:schemaRef ds:uri="http://www.w3.org/XML/1998/namespace"/>
     <ds:schemaRef ds:uri="http://purl.org/dc/elements/1.1/"/>
-  </ds:schemaRefs>
-</ds:datastoreItem>
-</file>
-
-<file path=customXml/itemProps2.xml><?xml version="1.0" encoding="utf-8"?>
-<ds:datastoreItem xmlns:ds="http://schemas.openxmlformats.org/officeDocument/2006/customXml" ds:itemID="{915C1F8C-D27A-4CE7-9DF4-4AFDB2880FA9}">
-  <ds:schemaRefs>
-    <ds:schemaRef ds:uri="http://schemas.microsoft.com/sharepoint/v3/contenttype/forms"/>
   </ds:schemaRefs>
 </ds:datastoreItem>
 </file>

--- a/Open Source Prezentacija.pptx
+++ b/Open Source Prezentacija.pptx
@@ -6963,13 +6963,13 @@
   <p:clrMapOvr>
     <a:masterClrMapping/>
   </p:clrMapOvr>
-  <mc:AlternateContent xmlns:mc="http://schemas.openxmlformats.org/markup-compatibility/2006">
-    <mc:Choice xmlns:p14="http://schemas.microsoft.com/office/powerpoint/2010/main" Requires="p14">
+  <mc:AlternateContent xmlns:mc="http://schemas.openxmlformats.org/markup-compatibility/2006" xmlns:p14="http://schemas.microsoft.com/office/powerpoint/2010/main">
+    <mc:Choice Requires="p14">
       <p:transition spd="med" p14:dur="700">
         <p:fade/>
       </p:transition>
     </mc:Choice>
-    <mc:Fallback>
+    <mc:Fallback xmlns="">
       <p:transition spd="med">
         <p:fade/>
       </p:transition>
@@ -9558,10 +9558,22 @@
           <a:lstStyle/>
           <a:p>
             <a:r>
-              <a:rPr lang="hr-HR" dirty="0"/>
+              <a:rPr lang="hr-HR" dirty="0">
+                <a:solidFill>
+                  <a:schemeClr val="accent3">
+                    <a:lumMod val="75000"/>
+                  </a:schemeClr>
+                </a:solidFill>
+              </a:rPr>
               <a:t>Općenito o Mozilli</a:t>
             </a:r>
-            <a:endParaRPr lang="en-US" dirty="0"/>
+            <a:endParaRPr lang="en-US" dirty="0">
+              <a:solidFill>
+                <a:schemeClr val="accent3">
+                  <a:lumMod val="75000"/>
+                </a:schemeClr>
+              </a:solidFill>
+            </a:endParaRPr>
           </a:p>
         </p:txBody>
       </p:sp>
@@ -9663,13 +9675,13 @@
   <p:clrMapOvr>
     <a:masterClrMapping/>
   </p:clrMapOvr>
-  <mc:AlternateContent xmlns:mc="http://schemas.openxmlformats.org/markup-compatibility/2006">
-    <mc:Choice xmlns:p14="http://schemas.microsoft.com/office/powerpoint/2010/main" Requires="p14">
+  <mc:AlternateContent xmlns:mc="http://schemas.openxmlformats.org/markup-compatibility/2006" xmlns:p14="http://schemas.microsoft.com/office/powerpoint/2010/main">
+    <mc:Choice Requires="p14">
       <p:transition spd="med" p14:dur="700">
         <p:fade/>
       </p:transition>
     </mc:Choice>
-    <mc:Fallback>
+    <mc:Fallback xmlns="">
       <p:transition spd="med">
         <p:fade/>
       </p:transition>
@@ -12099,18 +12111,18 @@
 </file>
 
 <file path=customXml/item1.xml><?xml version="1.0" encoding="utf-8"?>
+<p:properties xmlns:p="http://schemas.microsoft.com/office/2006/metadata/properties" xmlns:xsi="http://www.w3.org/2001/XMLSchema-instance" xmlns:pc="http://schemas.microsoft.com/office/infopath/2007/PartnerControls">
+  <documentManagement/>
+</p:properties>
+</file>
+
+<file path=customXml/item2.xml><?xml version="1.0" encoding="utf-8"?>
 <?mso-contentType ?>
 <FormTemplates xmlns="http://schemas.microsoft.com/sharepoint/v3/contenttype/forms">
   <Display>DocumentLibraryForm</Display>
   <Edit>DocumentLibraryForm</Edit>
   <New>DocumentLibraryForm</New>
 </FormTemplates>
-</file>
-
-<file path=customXml/item2.xml><?xml version="1.0" encoding="utf-8"?>
-<p:properties xmlns:p="http://schemas.microsoft.com/office/2006/metadata/properties" xmlns:xsi="http://www.w3.org/2001/XMLSchema-instance" xmlns:pc="http://schemas.microsoft.com/office/infopath/2007/PartnerControls">
-  <documentManagement/>
-</p:properties>
 </file>
 
 <file path=customXml/item3.xml><?xml version="1.0" encoding="utf-8"?>
@@ -12228,14 +12240,6 @@
 </file>
 
 <file path=customXml/itemProps1.xml><?xml version="1.0" encoding="utf-8"?>
-<ds:datastoreItem xmlns:ds="http://schemas.openxmlformats.org/officeDocument/2006/customXml" ds:itemID="{915C1F8C-D27A-4CE7-9DF4-4AFDB2880FA9}">
-  <ds:schemaRefs>
-    <ds:schemaRef ds:uri="http://schemas.microsoft.com/sharepoint/v3/contenttype/forms"/>
-  </ds:schemaRefs>
-</ds:datastoreItem>
-</file>
-
-<file path=customXml/itemProps2.xml><?xml version="1.0" encoding="utf-8"?>
 <ds:datastoreItem xmlns:ds="http://schemas.openxmlformats.org/officeDocument/2006/customXml" ds:itemID="{FDF283A3-AA81-4663-8764-64F64C723FD1}">
   <ds:schemaRefs>
     <ds:schemaRef ds:uri="http://purl.org/dc/terms/"/>
@@ -12246,6 +12250,14 @@
     <ds:schemaRef ds:uri="http://schemas.microsoft.com/office/infopath/2007/PartnerControls"/>
     <ds:schemaRef ds:uri="http://www.w3.org/XML/1998/namespace"/>
     <ds:schemaRef ds:uri="http://purl.org/dc/elements/1.1/"/>
+  </ds:schemaRefs>
+</ds:datastoreItem>
+</file>
+
+<file path=customXml/itemProps2.xml><?xml version="1.0" encoding="utf-8"?>
+<ds:datastoreItem xmlns:ds="http://schemas.openxmlformats.org/officeDocument/2006/customXml" ds:itemID="{915C1F8C-D27A-4CE7-9DF4-4AFDB2880FA9}">
+  <ds:schemaRefs>
+    <ds:schemaRef ds:uri="http://schemas.microsoft.com/sharepoint/v3/contenttype/forms"/>
   </ds:schemaRefs>
 </ds:datastoreItem>
 </file>

--- a/Open Source Prezentacija.pptx
+++ b/Open Source Prezentacija.pptx
@@ -5,22 +5,27 @@
     <p:sldMasterId id="2147483687" r:id="rId4"/>
   </p:sldMasterIdLst>
   <p:notesMasterIdLst>
-    <p:notesMasterId r:id="rId18"/>
+    <p:notesMasterId r:id="rId23"/>
   </p:notesMasterIdLst>
   <p:sldIdLst>
     <p:sldId id="1864" r:id="rId5"/>
     <p:sldId id="1848" r:id="rId6"/>
-    <p:sldId id="1849" r:id="rId7"/>
-    <p:sldId id="1866" r:id="rId8"/>
-    <p:sldId id="1852" r:id="rId9"/>
-    <p:sldId id="1865" r:id="rId10"/>
-    <p:sldId id="1868" r:id="rId11"/>
-    <p:sldId id="1869" r:id="rId12"/>
-    <p:sldId id="1870" r:id="rId13"/>
-    <p:sldId id="1871" r:id="rId14"/>
-    <p:sldId id="1859" r:id="rId15"/>
-    <p:sldId id="1858" r:id="rId16"/>
-    <p:sldId id="1867" r:id="rId17"/>
+    <p:sldId id="1872" r:id="rId7"/>
+    <p:sldId id="1875" r:id="rId8"/>
+    <p:sldId id="1876" r:id="rId9"/>
+    <p:sldId id="1877" r:id="rId10"/>
+    <p:sldId id="1878" r:id="rId11"/>
+    <p:sldId id="1849" r:id="rId12"/>
+    <p:sldId id="1866" r:id="rId13"/>
+    <p:sldId id="1852" r:id="rId14"/>
+    <p:sldId id="1865" r:id="rId15"/>
+    <p:sldId id="1868" r:id="rId16"/>
+    <p:sldId id="1869" r:id="rId17"/>
+    <p:sldId id="1870" r:id="rId18"/>
+    <p:sldId id="1871" r:id="rId19"/>
+    <p:sldId id="1859" r:id="rId20"/>
+    <p:sldId id="1858" r:id="rId21"/>
+    <p:sldId id="1867" r:id="rId22"/>
   </p:sldIdLst>
   <p:sldSz cx="12192000" cy="6858000"/>
   <p:notesSz cx="6858000" cy="9144000"/>
@@ -3949,7 +3954,7 @@
             <a:fld id="{6DEB7EE2-04A2-4FB2-9625-C9C73AC4D32F}" type="slidenum">
               <a:rPr lang="en-US" altLang="en-US" smtClean="0"/>
               <a:pPr/>
-              <a:t>11</a:t>
+              <a:t>16</a:t>
             </a:fld>
             <a:endParaRPr lang="en-US" altLang="en-US" dirty="0"/>
           </a:p>
@@ -6843,6 +6848,1942 @@
       </p:grpSpPr>
       <p:sp>
         <p:nvSpPr>
+          <p:cNvPr id="9219" name="Rectangle 8">
+            <a:extLst>
+              <a:ext uri="{FF2B5EF4-FFF2-40B4-BE49-F238E27FC236}">
+                <a16:creationId xmlns:a16="http://schemas.microsoft.com/office/drawing/2014/main" id="{A17D04F1-4318-4DD6-B27E-D66AE4D426B2}"/>
+              </a:ext>
+            </a:extLst>
+          </p:cNvPr>
+          <p:cNvSpPr>
+            <a:spLocks noGrp="1" noChangeArrowheads="1"/>
+          </p:cNvSpPr>
+          <p:nvPr>
+            <p:ph type="body" sz="quarter" idx="11"/>
+          </p:nvPr>
+        </p:nvSpPr>
+        <p:spPr>
+          <a:xfrm>
+            <a:off x="762000" y="1905000"/>
+            <a:ext cx="5334000" cy="3276600"/>
+          </a:xfrm>
+        </p:spPr>
+        <p:txBody>
+          <a:bodyPr vert="horz" lIns="91440" tIns="45720" rIns="91440" bIns="45720" rtlCol="0" anchor="t">
+            <a:normAutofit/>
+          </a:bodyPr>
+          <a:lstStyle/>
+          <a:p>
+            <a:r>
+              <a:rPr lang="hr-HR" altLang="en-US" dirty="0"/>
+              <a:t>Što je Manifest? </a:t>
+            </a:r>
+          </a:p>
+          <a:p>
+            <a:endParaRPr lang="en-US" altLang="en-US" dirty="0"/>
+          </a:p>
+          <a:p>
+            <a:pPr lvl="1"/>
+            <a:r>
+              <a:rPr lang="hr-HR" sz="1800" dirty="0">
+                <a:effectLst/>
+                <a:ea typeface="Times New Roman" panose="02020603050405020304" pitchFamily="18" charset="0"/>
+              </a:rPr>
+              <a:t>Opisuje Mozilline ciljeve i načela.</a:t>
+            </a:r>
+          </a:p>
+          <a:p>
+            <a:pPr marL="0" lvl="1" indent="0">
+              <a:buNone/>
+            </a:pPr>
+            <a:endParaRPr lang="hr-HR" sz="1800" dirty="0">
+              <a:effectLst/>
+              <a:ea typeface="Times New Roman" panose="02020603050405020304" pitchFamily="18" charset="0"/>
+            </a:endParaRPr>
+          </a:p>
+          <a:p>
+            <a:pPr lvl="1"/>
+            <a:r>
+              <a:rPr lang="hr-HR" dirty="0">
+                <a:ea typeface="Times New Roman" panose="02020603050405020304" pitchFamily="18" charset="0"/>
+              </a:rPr>
+              <a:t>O</a:t>
+            </a:r>
+            <a:r>
+              <a:rPr lang="hr-HR" sz="1800" dirty="0">
+                <a:effectLst/>
+                <a:ea typeface="Times New Roman" panose="02020603050405020304" pitchFamily="18" charset="0"/>
+              </a:rPr>
+              <a:t>crtava ono što Mozilla vidi kao svoje mjesto u razvoju interneta.</a:t>
+            </a:r>
+          </a:p>
+          <a:p>
+            <a:pPr lvl="1"/>
+            <a:endParaRPr lang="hr-HR" altLang="en-US" dirty="0"/>
+          </a:p>
+          <a:p>
+            <a:pPr lvl="1"/>
+            <a:r>
+              <a:rPr lang="hr-HR" altLang="en-US" dirty="0"/>
+              <a:t>Izlaže 10 njihovih principa.</a:t>
+            </a:r>
+            <a:endParaRPr lang="en-US" altLang="en-US" dirty="0"/>
+          </a:p>
+        </p:txBody>
+      </p:sp>
+      <p:sp>
+        <p:nvSpPr>
+          <p:cNvPr id="12" name="Title 2">
+            <a:extLst>
+              <a:ext uri="{FF2B5EF4-FFF2-40B4-BE49-F238E27FC236}">
+                <a16:creationId xmlns:a16="http://schemas.microsoft.com/office/drawing/2014/main" id="{FDC014BA-00DC-45BF-903B-A883CEB0B4E7}"/>
+              </a:ext>
+            </a:extLst>
+          </p:cNvPr>
+          <p:cNvSpPr>
+            <a:spLocks noGrp="1"/>
+          </p:cNvSpPr>
+          <p:nvPr>
+            <p:ph type="title"/>
+          </p:nvPr>
+        </p:nvSpPr>
+        <p:spPr>
+          <a:xfrm>
+            <a:off x="762000" y="600634"/>
+            <a:ext cx="4320746" cy="379668"/>
+          </a:xfrm>
+        </p:spPr>
+        <p:txBody>
+          <a:bodyPr>
+            <a:normAutofit fontScale="90000"/>
+          </a:bodyPr>
+          <a:lstStyle/>
+          <a:p>
+            <a:r>
+              <a:rPr lang="hr-HR" dirty="0">
+                <a:solidFill>
+                  <a:schemeClr val="accent3">
+                    <a:lumMod val="75000"/>
+                  </a:schemeClr>
+                </a:solidFill>
+              </a:rPr>
+              <a:t>Mozillin ”Manifest”</a:t>
+            </a:r>
+            <a:endParaRPr lang="en-US" dirty="0">
+              <a:solidFill>
+                <a:schemeClr val="accent3">
+                  <a:lumMod val="75000"/>
+                </a:schemeClr>
+              </a:solidFill>
+            </a:endParaRPr>
+          </a:p>
+        </p:txBody>
+      </p:sp>
+      <p:pic>
+        <p:nvPicPr>
+          <p:cNvPr id="6" name="Picture 5">
+            <a:extLst>
+              <a:ext uri="{FF2B5EF4-FFF2-40B4-BE49-F238E27FC236}">
+                <a16:creationId xmlns:a16="http://schemas.microsoft.com/office/drawing/2014/main" id="{43CD0E0C-F9A4-4F38-8264-10EB9D147E43}"/>
+              </a:ext>
+            </a:extLst>
+          </p:cNvPr>
+          <p:cNvPicPr>
+            <a:picLocks noChangeAspect="1"/>
+          </p:cNvPicPr>
+          <p:nvPr/>
+        </p:nvPicPr>
+        <p:blipFill>
+          <a:blip r:embed="rId3"/>
+          <a:stretch>
+            <a:fillRect/>
+          </a:stretch>
+        </p:blipFill>
+        <p:spPr>
+          <a:xfrm>
+            <a:off x="7250212" y="400458"/>
+            <a:ext cx="3679092" cy="2350980"/>
+          </a:xfrm>
+          <a:prstGeom prst="rect">
+            <a:avLst/>
+          </a:prstGeom>
+          <a:ln>
+            <a:noFill/>
+          </a:ln>
+          <a:effectLst>
+            <a:outerShdw blurRad="292100" dist="139700" dir="2700000" algn="tl" rotWithShape="0">
+              <a:srgbClr val="333333">
+                <a:alpha val="65000"/>
+              </a:srgbClr>
+            </a:outerShdw>
+          </a:effectLst>
+        </p:spPr>
+      </p:pic>
+      <p:pic>
+        <p:nvPicPr>
+          <p:cNvPr id="7" name="Picture 6">
+            <a:extLst>
+              <a:ext uri="{FF2B5EF4-FFF2-40B4-BE49-F238E27FC236}">
+                <a16:creationId xmlns:a16="http://schemas.microsoft.com/office/drawing/2014/main" id="{F32EAB65-FD6E-4F0F-AB4E-19DE4FF39B26}"/>
+              </a:ext>
+            </a:extLst>
+          </p:cNvPr>
+          <p:cNvPicPr>
+            <a:picLocks noChangeAspect="1"/>
+          </p:cNvPicPr>
+          <p:nvPr/>
+        </p:nvPicPr>
+        <p:blipFill>
+          <a:blip r:embed="rId4"/>
+          <a:stretch>
+            <a:fillRect/>
+          </a:stretch>
+        </p:blipFill>
+        <p:spPr>
+          <a:xfrm>
+            <a:off x="7250211" y="3396564"/>
+            <a:ext cx="3673162" cy="2066154"/>
+          </a:xfrm>
+          <a:prstGeom prst="rect">
+            <a:avLst/>
+          </a:prstGeom>
+          <a:ln>
+            <a:noFill/>
+          </a:ln>
+          <a:effectLst>
+            <a:outerShdw blurRad="292100" dist="139700" dir="2700000" algn="tl" rotWithShape="0">
+              <a:srgbClr val="333333">
+                <a:alpha val="65000"/>
+              </a:srgbClr>
+            </a:outerShdw>
+          </a:effectLst>
+        </p:spPr>
+      </p:pic>
+    </p:spTree>
+  </p:cSld>
+  <p:clrMapOvr>
+    <a:masterClrMapping/>
+  </p:clrMapOvr>
+  <mc:AlternateContent xmlns:mc="http://schemas.openxmlformats.org/markup-compatibility/2006" xmlns:p14="http://schemas.microsoft.com/office/powerpoint/2010/main">
+    <mc:Choice Requires="p14">
+      <p:transition spd="med" p14:dur="700">
+        <p:fade/>
+      </p:transition>
+    </mc:Choice>
+    <mc:Fallback xmlns="">
+      <p:transition spd="med">
+        <p:fade/>
+      </p:transition>
+    </mc:Fallback>
+  </mc:AlternateContent>
+</p:sld>
+</file>
+
+<file path=ppt/slides/slide11.xml><?xml version="1.0" encoding="utf-8"?>
+<p:sld xmlns:a="http://schemas.openxmlformats.org/drawingml/2006/main" xmlns:r="http://schemas.openxmlformats.org/officeDocument/2006/relationships" xmlns:p="http://schemas.openxmlformats.org/presentationml/2006/main">
+  <p:cSld>
+    <p:spTree>
+      <p:nvGrpSpPr>
+        <p:cNvPr id="1" name=""/>
+        <p:cNvGrpSpPr/>
+        <p:nvPr/>
+      </p:nvGrpSpPr>
+      <p:grpSpPr>
+        <a:xfrm>
+          <a:off x="0" y="0"/>
+          <a:ext cx="0" cy="0"/>
+          <a:chOff x="0" y="0"/>
+          <a:chExt cx="0" cy="0"/>
+        </a:xfrm>
+      </p:grpSpPr>
+      <p:sp>
+        <p:nvSpPr>
+          <p:cNvPr id="3" name="Title 2">
+            <a:extLst>
+              <a:ext uri="{FF2B5EF4-FFF2-40B4-BE49-F238E27FC236}">
+                <a16:creationId xmlns:a16="http://schemas.microsoft.com/office/drawing/2014/main" id="{9202AD8E-4C7C-4A1B-89B1-9A0997F4F30E}"/>
+              </a:ext>
+            </a:extLst>
+          </p:cNvPr>
+          <p:cNvSpPr>
+            <a:spLocks noGrp="1"/>
+          </p:cNvSpPr>
+          <p:nvPr>
+            <p:ph type="title"/>
+          </p:nvPr>
+        </p:nvSpPr>
+        <p:spPr>
+          <a:xfrm>
+            <a:off x="762000" y="715961"/>
+            <a:ext cx="6477000" cy="1189038"/>
+          </a:xfrm>
+        </p:spPr>
+        <p:txBody>
+          <a:bodyPr/>
+          <a:lstStyle/>
+          <a:p>
+            <a:r>
+              <a:rPr lang="hr-HR" dirty="0">
+                <a:solidFill>
+                  <a:schemeClr val="accent1"/>
+                </a:solidFill>
+              </a:rPr>
+              <a:t>Software</a:t>
+            </a:r>
+            <a:endParaRPr lang="en-US" dirty="0">
+              <a:solidFill>
+                <a:schemeClr val="accent1"/>
+              </a:solidFill>
+            </a:endParaRPr>
+          </a:p>
+        </p:txBody>
+      </p:sp>
+      <p:sp>
+        <p:nvSpPr>
+          <p:cNvPr id="2" name="Text Placeholder 1">
+            <a:extLst>
+              <a:ext uri="{FF2B5EF4-FFF2-40B4-BE49-F238E27FC236}">
+                <a16:creationId xmlns:a16="http://schemas.microsoft.com/office/drawing/2014/main" id="{25A8ACB1-6D36-496B-91DD-D1C3128C1C73}"/>
+              </a:ext>
+            </a:extLst>
+          </p:cNvPr>
+          <p:cNvSpPr>
+            <a:spLocks noGrp="1"/>
+          </p:cNvSpPr>
+          <p:nvPr>
+            <p:ph type="body" sz="quarter" idx="11"/>
+          </p:nvPr>
+        </p:nvSpPr>
+        <p:spPr>
+          <a:xfrm>
+            <a:off x="762000" y="1374390"/>
+            <a:ext cx="3060357" cy="4767649"/>
+          </a:xfrm>
+        </p:spPr>
+        <p:txBody>
+          <a:bodyPr/>
+          <a:lstStyle/>
+          <a:p>
+            <a:r>
+              <a:rPr lang="hr-HR" altLang="en-US" dirty="0"/>
+              <a:t>Popis projekata</a:t>
+            </a:r>
+            <a:r>
+              <a:rPr lang="en-US" altLang="en-US" dirty="0"/>
+              <a:t>:</a:t>
+            </a:r>
+          </a:p>
+          <a:p>
+            <a:pPr lvl="1"/>
+            <a:r>
+              <a:rPr lang="hr-HR" b="1" dirty="0">
+                <a:solidFill>
+                  <a:schemeClr val="accent1"/>
+                </a:solidFill>
+              </a:rPr>
+              <a:t>Firefox:</a:t>
+            </a:r>
+          </a:p>
+          <a:p>
+            <a:pPr lvl="2"/>
+            <a:r>
+              <a:rPr lang="hr-HR" sz="1400" dirty="0"/>
+              <a:t>Pretraživač</a:t>
+            </a:r>
+          </a:p>
+          <a:p>
+            <a:pPr lvl="2"/>
+            <a:r>
+              <a:rPr lang="hr-HR" sz="1400" dirty="0"/>
+              <a:t>za mobitele</a:t>
+            </a:r>
+          </a:p>
+          <a:p>
+            <a:pPr lvl="2"/>
+            <a:r>
+              <a:rPr lang="hr-HR" sz="1400" dirty="0"/>
+              <a:t>Focus</a:t>
+            </a:r>
+          </a:p>
+          <a:p>
+            <a:pPr lvl="2"/>
+            <a:r>
+              <a:rPr lang="hr-HR" sz="1400" dirty="0"/>
+              <a:t>Lockwise</a:t>
+            </a:r>
+          </a:p>
+          <a:p>
+            <a:pPr lvl="2"/>
+            <a:r>
+              <a:rPr lang="hr-HR" sz="1400" dirty="0"/>
+              <a:t>Monitor</a:t>
+            </a:r>
+          </a:p>
+          <a:p>
+            <a:pPr lvl="2"/>
+            <a:r>
+              <a:rPr lang="hr-HR" sz="1400" dirty="0"/>
+              <a:t>Send</a:t>
+            </a:r>
+          </a:p>
+          <a:p>
+            <a:pPr lvl="2"/>
+            <a:r>
+              <a:rPr lang="hr-HR" sz="1400" dirty="0"/>
+              <a:t>Private Relay</a:t>
+            </a:r>
+          </a:p>
+          <a:p>
+            <a:pPr lvl="2"/>
+            <a:r>
+              <a:rPr lang="hr-HR" sz="1400" dirty="0"/>
+              <a:t>Reality</a:t>
+            </a:r>
+          </a:p>
+          <a:p>
+            <a:pPr lvl="2"/>
+            <a:r>
+              <a:rPr lang="hr-HR" sz="1400" dirty="0"/>
+              <a:t>OS</a:t>
+            </a:r>
+          </a:p>
+          <a:p>
+            <a:pPr lvl="1"/>
+            <a:r>
+              <a:rPr lang="hr-HR" b="1" dirty="0">
+                <a:solidFill>
+                  <a:schemeClr val="accent1"/>
+                </a:solidFill>
+              </a:rPr>
+              <a:t>Thunderbird</a:t>
+            </a:r>
+          </a:p>
+          <a:p>
+            <a:pPr lvl="1"/>
+            <a:r>
+              <a:rPr lang="hr-HR" b="1" dirty="0">
+                <a:solidFill>
+                  <a:schemeClr val="accent1"/>
+                </a:solidFill>
+              </a:rPr>
+              <a:t>SeaMonkey</a:t>
+            </a:r>
+          </a:p>
+          <a:p>
+            <a:pPr lvl="1"/>
+            <a:r>
+              <a:rPr lang="hr-HR" b="1" dirty="0">
+                <a:solidFill>
+                  <a:schemeClr val="accent1"/>
+                </a:solidFill>
+              </a:rPr>
+              <a:t>Bugzilla</a:t>
+            </a:r>
+          </a:p>
+          <a:p>
+            <a:pPr lvl="1"/>
+            <a:r>
+              <a:rPr lang="hr-HR" b="1" dirty="0">
+                <a:solidFill>
+                  <a:schemeClr val="accent1"/>
+                </a:solidFill>
+              </a:rPr>
+              <a:t>SpiderMonkey</a:t>
+            </a:r>
+          </a:p>
+          <a:p>
+            <a:pPr lvl="1"/>
+            <a:r>
+              <a:rPr lang="hr-HR" b="1" dirty="0">
+                <a:solidFill>
+                  <a:schemeClr val="accent1"/>
+                </a:solidFill>
+              </a:rPr>
+              <a:t>Mozilla VPN</a:t>
+            </a:r>
+          </a:p>
+          <a:p>
+            <a:pPr lvl="1"/>
+            <a:endParaRPr lang="hr-HR" b="1" dirty="0">
+              <a:solidFill>
+                <a:schemeClr val="accent1"/>
+              </a:solidFill>
+            </a:endParaRPr>
+          </a:p>
+        </p:txBody>
+      </p:sp>
+      <p:sp>
+        <p:nvSpPr>
+          <p:cNvPr id="4" name="Text Placeholder 1">
+            <a:extLst>
+              <a:ext uri="{FF2B5EF4-FFF2-40B4-BE49-F238E27FC236}">
+                <a16:creationId xmlns:a16="http://schemas.microsoft.com/office/drawing/2014/main" id="{18F263B7-E042-485F-8355-68312DD0E5FD}"/>
+              </a:ext>
+            </a:extLst>
+          </p:cNvPr>
+          <p:cNvSpPr txBox="1">
+            <a:spLocks/>
+          </p:cNvSpPr>
+          <p:nvPr/>
+        </p:nvSpPr>
+        <p:spPr>
+          <a:xfrm>
+            <a:off x="4178643" y="1814383"/>
+            <a:ext cx="3060357" cy="4767649"/>
+          </a:xfrm>
+          <a:prstGeom prst="rect">
+            <a:avLst/>
+          </a:prstGeom>
+        </p:spPr>
+        <p:txBody>
+          <a:bodyPr/>
+          <a:lstStyle>
+            <a:lvl1pPr marL="0" indent="0" algn="l" defTabSz="914400" rtl="0" eaLnBrk="1" latinLnBrk="0" hangingPunct="1">
+              <a:lnSpc>
+                <a:spcPct val="100000"/>
+              </a:lnSpc>
+              <a:spcBef>
+                <a:spcPts val="1000"/>
+              </a:spcBef>
+              <a:buFont typeface="Arial" panose="020B0604020202020204" pitchFamily="34" charset="0"/>
+              <a:buNone/>
+              <a:defRPr sz="1800" b="1" kern="1200">
+                <a:solidFill>
+                  <a:schemeClr val="bg1"/>
+                </a:solidFill>
+                <a:latin typeface="+mn-lt"/>
+                <a:ea typeface="+mn-ea"/>
+                <a:cs typeface="+mn-cs"/>
+              </a:defRPr>
+            </a:lvl1pPr>
+            <a:lvl2pPr marL="228600" indent="-228600" algn="l" defTabSz="914400" rtl="0" eaLnBrk="1" latinLnBrk="0" hangingPunct="1">
+              <a:lnSpc>
+                <a:spcPct val="100000"/>
+              </a:lnSpc>
+              <a:spcBef>
+                <a:spcPts val="1000"/>
+              </a:spcBef>
+              <a:buFont typeface="Arial" panose="020B0604020202020204" pitchFamily="34" charset="0"/>
+              <a:buChar char="•"/>
+              <a:defRPr sz="1800" kern="1200">
+                <a:solidFill>
+                  <a:schemeClr val="bg1"/>
+                </a:solidFill>
+                <a:latin typeface="+mn-lt"/>
+                <a:ea typeface="+mn-ea"/>
+                <a:cs typeface="+mn-cs"/>
+              </a:defRPr>
+            </a:lvl2pPr>
+            <a:lvl3pPr marL="1143000" indent="-228600" algn="l" defTabSz="914400" rtl="0" eaLnBrk="1" latinLnBrk="0" hangingPunct="1">
+              <a:lnSpc>
+                <a:spcPct val="90000"/>
+              </a:lnSpc>
+              <a:spcBef>
+                <a:spcPts val="500"/>
+              </a:spcBef>
+              <a:buFont typeface="Arial" panose="020B0604020202020204" pitchFamily="34" charset="0"/>
+              <a:buChar char="•"/>
+              <a:defRPr sz="2000" kern="1200">
+                <a:solidFill>
+                  <a:schemeClr val="bg1"/>
+                </a:solidFill>
+                <a:latin typeface="+mn-lt"/>
+                <a:ea typeface="+mn-ea"/>
+                <a:cs typeface="+mn-cs"/>
+              </a:defRPr>
+            </a:lvl3pPr>
+            <a:lvl4pPr marL="1600200" indent="-228600" algn="l" defTabSz="914400" rtl="0" eaLnBrk="1" latinLnBrk="0" hangingPunct="1">
+              <a:lnSpc>
+                <a:spcPct val="90000"/>
+              </a:lnSpc>
+              <a:spcBef>
+                <a:spcPts val="500"/>
+              </a:spcBef>
+              <a:buFont typeface="Arial" panose="020B0604020202020204" pitchFamily="34" charset="0"/>
+              <a:buChar char="•"/>
+              <a:defRPr sz="1800" kern="1200">
+                <a:solidFill>
+                  <a:schemeClr val="bg1"/>
+                </a:solidFill>
+                <a:latin typeface="+mn-lt"/>
+                <a:ea typeface="+mn-ea"/>
+                <a:cs typeface="+mn-cs"/>
+              </a:defRPr>
+            </a:lvl4pPr>
+            <a:lvl5pPr marL="2057400" indent="-228600" algn="l" defTabSz="914400" rtl="0" eaLnBrk="1" latinLnBrk="0" hangingPunct="1">
+              <a:lnSpc>
+                <a:spcPct val="90000"/>
+              </a:lnSpc>
+              <a:spcBef>
+                <a:spcPts val="500"/>
+              </a:spcBef>
+              <a:buFont typeface="Arial" panose="020B0604020202020204" pitchFamily="34" charset="0"/>
+              <a:buChar char="•"/>
+              <a:defRPr sz="1800" kern="1200">
+                <a:solidFill>
+                  <a:schemeClr val="bg1"/>
+                </a:solidFill>
+                <a:latin typeface="+mn-lt"/>
+                <a:ea typeface="+mn-ea"/>
+                <a:cs typeface="+mn-cs"/>
+              </a:defRPr>
+            </a:lvl5pPr>
+            <a:lvl6pPr marL="2514600" indent="-228600" algn="l" defTabSz="914400" rtl="0" eaLnBrk="1" latinLnBrk="0" hangingPunct="1">
+              <a:lnSpc>
+                <a:spcPct val="90000"/>
+              </a:lnSpc>
+              <a:spcBef>
+                <a:spcPts val="500"/>
+              </a:spcBef>
+              <a:buFont typeface="Arial" panose="020B0604020202020204" pitchFamily="34" charset="0"/>
+              <a:buChar char="•"/>
+              <a:defRPr sz="1800" kern="1200">
+                <a:solidFill>
+                  <a:schemeClr val="tx1"/>
+                </a:solidFill>
+                <a:latin typeface="+mn-lt"/>
+                <a:ea typeface="+mn-ea"/>
+                <a:cs typeface="+mn-cs"/>
+              </a:defRPr>
+            </a:lvl6pPr>
+            <a:lvl7pPr marL="2971800" indent="-228600" algn="l" defTabSz="914400" rtl="0" eaLnBrk="1" latinLnBrk="0" hangingPunct="1">
+              <a:lnSpc>
+                <a:spcPct val="90000"/>
+              </a:lnSpc>
+              <a:spcBef>
+                <a:spcPts val="500"/>
+              </a:spcBef>
+              <a:buFont typeface="Arial" panose="020B0604020202020204" pitchFamily="34" charset="0"/>
+              <a:buChar char="•"/>
+              <a:defRPr sz="1800" kern="1200">
+                <a:solidFill>
+                  <a:schemeClr val="tx1"/>
+                </a:solidFill>
+                <a:latin typeface="+mn-lt"/>
+                <a:ea typeface="+mn-ea"/>
+                <a:cs typeface="+mn-cs"/>
+              </a:defRPr>
+            </a:lvl7pPr>
+            <a:lvl8pPr marL="3429000" indent="-228600" algn="l" defTabSz="914400" rtl="0" eaLnBrk="1" latinLnBrk="0" hangingPunct="1">
+              <a:lnSpc>
+                <a:spcPct val="90000"/>
+              </a:lnSpc>
+              <a:spcBef>
+                <a:spcPts val="500"/>
+              </a:spcBef>
+              <a:buFont typeface="Arial" panose="020B0604020202020204" pitchFamily="34" charset="0"/>
+              <a:buChar char="•"/>
+              <a:defRPr sz="1800" kern="1200">
+                <a:solidFill>
+                  <a:schemeClr val="tx1"/>
+                </a:solidFill>
+                <a:latin typeface="+mn-lt"/>
+                <a:ea typeface="+mn-ea"/>
+                <a:cs typeface="+mn-cs"/>
+              </a:defRPr>
+            </a:lvl8pPr>
+            <a:lvl9pPr marL="3886200" indent="-228600" algn="l" defTabSz="914400" rtl="0" eaLnBrk="1" latinLnBrk="0" hangingPunct="1">
+              <a:lnSpc>
+                <a:spcPct val="90000"/>
+              </a:lnSpc>
+              <a:spcBef>
+                <a:spcPts val="500"/>
+              </a:spcBef>
+              <a:buFont typeface="Arial" panose="020B0604020202020204" pitchFamily="34" charset="0"/>
+              <a:buChar char="•"/>
+              <a:defRPr sz="1800" kern="1200">
+                <a:solidFill>
+                  <a:schemeClr val="tx1"/>
+                </a:solidFill>
+                <a:latin typeface="+mn-lt"/>
+                <a:ea typeface="+mn-ea"/>
+                <a:cs typeface="+mn-cs"/>
+              </a:defRPr>
+            </a:lvl9pPr>
+          </a:lstStyle>
+          <a:p>
+            <a:pPr lvl="1" fontAlgn="auto">
+              <a:spcAft>
+                <a:spcPts val="0"/>
+              </a:spcAft>
+            </a:pPr>
+            <a:r>
+              <a:rPr lang="hr-HR" b="1" dirty="0">
+                <a:solidFill>
+                  <a:schemeClr val="accent1"/>
+                </a:solidFill>
+              </a:rPr>
+              <a:t>Rhino</a:t>
+            </a:r>
+          </a:p>
+          <a:p>
+            <a:pPr lvl="1" fontAlgn="auto">
+              <a:spcAft>
+                <a:spcPts val="0"/>
+              </a:spcAft>
+            </a:pPr>
+            <a:r>
+              <a:rPr lang="hr-HR" b="1" dirty="0">
+                <a:solidFill>
+                  <a:schemeClr val="accent1"/>
+                </a:solidFill>
+              </a:rPr>
+              <a:t>Gecko</a:t>
+            </a:r>
+          </a:p>
+          <a:p>
+            <a:pPr lvl="1" fontAlgn="auto">
+              <a:spcAft>
+                <a:spcPts val="0"/>
+              </a:spcAft>
+            </a:pPr>
+            <a:r>
+              <a:rPr lang="hr-HR" b="1" dirty="0">
+                <a:solidFill>
+                  <a:schemeClr val="accent1"/>
+                </a:solidFill>
+              </a:rPr>
+              <a:t>Rust</a:t>
+            </a:r>
+          </a:p>
+          <a:p>
+            <a:pPr lvl="1" fontAlgn="auto">
+              <a:spcAft>
+                <a:spcPts val="0"/>
+              </a:spcAft>
+            </a:pPr>
+            <a:r>
+              <a:rPr lang="hr-HR" b="1" dirty="0">
+                <a:solidFill>
+                  <a:schemeClr val="accent1"/>
+                </a:solidFill>
+              </a:rPr>
+              <a:t>XULRunner</a:t>
+            </a:r>
+          </a:p>
+          <a:p>
+            <a:pPr lvl="1" fontAlgn="auto">
+              <a:spcAft>
+                <a:spcPts val="0"/>
+              </a:spcAft>
+            </a:pPr>
+            <a:r>
+              <a:rPr lang="hr-HR" b="1" dirty="0">
+                <a:solidFill>
+                  <a:schemeClr val="accent1"/>
+                </a:solidFill>
+              </a:rPr>
+              <a:t>Pdf.js</a:t>
+            </a:r>
+          </a:p>
+          <a:p>
+            <a:pPr lvl="1" fontAlgn="auto">
+              <a:spcAft>
+                <a:spcPts val="0"/>
+              </a:spcAft>
+            </a:pPr>
+            <a:r>
+              <a:rPr lang="hr-HR" b="1" dirty="0">
+                <a:solidFill>
+                  <a:schemeClr val="accent1"/>
+                </a:solidFill>
+              </a:rPr>
+              <a:t>Shumway</a:t>
+            </a:r>
+          </a:p>
+          <a:p>
+            <a:pPr lvl="1" fontAlgn="auto">
+              <a:spcAft>
+                <a:spcPts val="0"/>
+              </a:spcAft>
+            </a:pPr>
+            <a:r>
+              <a:rPr lang="hr-HR" b="1" dirty="0">
+                <a:solidFill>
+                  <a:schemeClr val="accent1"/>
+                </a:solidFill>
+              </a:rPr>
+              <a:t>Servo</a:t>
+            </a:r>
+          </a:p>
+          <a:p>
+            <a:pPr lvl="1" fontAlgn="auto">
+              <a:spcAft>
+                <a:spcPts val="0"/>
+              </a:spcAft>
+            </a:pPr>
+            <a:r>
+              <a:rPr lang="hr-HR" b="1" dirty="0">
+                <a:solidFill>
+                  <a:schemeClr val="accent1"/>
+                </a:solidFill>
+              </a:rPr>
+              <a:t>SOPS (Secret OperationS)</a:t>
+            </a:r>
+          </a:p>
+          <a:p>
+            <a:pPr lvl="1" fontAlgn="auto">
+              <a:spcAft>
+                <a:spcPts val="0"/>
+              </a:spcAft>
+            </a:pPr>
+            <a:r>
+              <a:rPr lang="hr-HR" b="1" dirty="0">
+                <a:solidFill>
+                  <a:schemeClr val="accent1"/>
+                </a:solidFill>
+              </a:rPr>
+              <a:t>NSS</a:t>
+            </a:r>
+          </a:p>
+          <a:p>
+            <a:pPr lvl="1" fontAlgn="auto">
+              <a:spcAft>
+                <a:spcPts val="0"/>
+              </a:spcAft>
+            </a:pPr>
+            <a:r>
+              <a:rPr lang="hr-HR" b="1" dirty="0">
+                <a:solidFill>
+                  <a:schemeClr val="accent1"/>
+                </a:solidFill>
+              </a:rPr>
+              <a:t>Pocket</a:t>
+            </a:r>
+          </a:p>
+        </p:txBody>
+      </p:sp>
+      <p:sp>
+        <p:nvSpPr>
+          <p:cNvPr id="5" name="Arrow: Left 4">
+            <a:extLst>
+              <a:ext uri="{FF2B5EF4-FFF2-40B4-BE49-F238E27FC236}">
+                <a16:creationId xmlns:a16="http://schemas.microsoft.com/office/drawing/2014/main" id="{157BAA84-E655-4014-86C9-4177F975E295}"/>
+              </a:ext>
+            </a:extLst>
+          </p:cNvPr>
+          <p:cNvSpPr/>
+          <p:nvPr/>
+        </p:nvSpPr>
+        <p:spPr>
+          <a:xfrm>
+            <a:off x="2829695" y="5062038"/>
+            <a:ext cx="551935" cy="45719"/>
+          </a:xfrm>
+          <a:prstGeom prst="leftArrow">
+            <a:avLst/>
+          </a:prstGeom>
+        </p:spPr>
+        <p:style>
+          <a:lnRef idx="2">
+            <a:schemeClr val="accent1">
+              <a:shade val="50000"/>
+            </a:schemeClr>
+          </a:lnRef>
+          <a:fillRef idx="1">
+            <a:schemeClr val="accent1"/>
+          </a:fillRef>
+          <a:effectRef idx="0">
+            <a:schemeClr val="accent1"/>
+          </a:effectRef>
+          <a:fontRef idx="minor">
+            <a:schemeClr val="lt1"/>
+          </a:fontRef>
+        </p:style>
+        <p:txBody>
+          <a:bodyPr rtlCol="0" anchor="ctr"/>
+          <a:lstStyle/>
+          <a:p>
+            <a:pPr algn="ctr"/>
+            <a:endParaRPr lang="hr-HR"/>
+          </a:p>
+        </p:txBody>
+      </p:sp>
+      <p:sp>
+        <p:nvSpPr>
+          <p:cNvPr id="6" name="Arrow: Left 5">
+            <a:extLst>
+              <a:ext uri="{FF2B5EF4-FFF2-40B4-BE49-F238E27FC236}">
+                <a16:creationId xmlns:a16="http://schemas.microsoft.com/office/drawing/2014/main" id="{4E833929-9457-4AD8-A687-A68C83C2C1F4}"/>
+              </a:ext>
+            </a:extLst>
+          </p:cNvPr>
+          <p:cNvSpPr/>
+          <p:nvPr/>
+        </p:nvSpPr>
+        <p:spPr>
+          <a:xfrm>
+            <a:off x="5324731" y="5459831"/>
+            <a:ext cx="551935" cy="45719"/>
+          </a:xfrm>
+          <a:prstGeom prst="leftArrow">
+            <a:avLst/>
+          </a:prstGeom>
+        </p:spPr>
+        <p:style>
+          <a:lnRef idx="2">
+            <a:schemeClr val="accent1">
+              <a:shade val="50000"/>
+            </a:schemeClr>
+          </a:lnRef>
+          <a:fillRef idx="1">
+            <a:schemeClr val="accent1"/>
+          </a:fillRef>
+          <a:effectRef idx="0">
+            <a:schemeClr val="accent1"/>
+          </a:effectRef>
+          <a:fontRef idx="minor">
+            <a:schemeClr val="lt1"/>
+          </a:fontRef>
+        </p:style>
+        <p:txBody>
+          <a:bodyPr rtlCol="0" anchor="ctr"/>
+          <a:lstStyle/>
+          <a:p>
+            <a:pPr algn="ctr"/>
+            <a:endParaRPr lang="hr-HR"/>
+          </a:p>
+        </p:txBody>
+      </p:sp>
+      <p:sp>
+        <p:nvSpPr>
+          <p:cNvPr id="7" name="Arrow: Left 6">
+            <a:extLst>
+              <a:ext uri="{FF2B5EF4-FFF2-40B4-BE49-F238E27FC236}">
+                <a16:creationId xmlns:a16="http://schemas.microsoft.com/office/drawing/2014/main" id="{86047110-4AF9-4708-A0C6-E7AB06597864}"/>
+              </a:ext>
+            </a:extLst>
+          </p:cNvPr>
+          <p:cNvSpPr/>
+          <p:nvPr/>
+        </p:nvSpPr>
+        <p:spPr>
+          <a:xfrm>
+            <a:off x="2829695" y="5414112"/>
+            <a:ext cx="551935" cy="45719"/>
+          </a:xfrm>
+          <a:prstGeom prst="leftArrow">
+            <a:avLst/>
+          </a:prstGeom>
+        </p:spPr>
+        <p:style>
+          <a:lnRef idx="2">
+            <a:schemeClr val="accent1">
+              <a:shade val="50000"/>
+            </a:schemeClr>
+          </a:lnRef>
+          <a:fillRef idx="1">
+            <a:schemeClr val="accent1"/>
+          </a:fillRef>
+          <a:effectRef idx="0">
+            <a:schemeClr val="accent1"/>
+          </a:effectRef>
+          <a:fontRef idx="minor">
+            <a:schemeClr val="lt1"/>
+          </a:fontRef>
+        </p:style>
+        <p:txBody>
+          <a:bodyPr rtlCol="0" anchor="ctr"/>
+          <a:lstStyle/>
+          <a:p>
+            <a:pPr algn="ctr"/>
+            <a:endParaRPr lang="hr-HR"/>
+          </a:p>
+        </p:txBody>
+      </p:sp>
+    </p:spTree>
+    <p:extLst>
+      <p:ext uri="{BB962C8B-B14F-4D97-AF65-F5344CB8AC3E}">
+        <p14:creationId xmlns:p14="http://schemas.microsoft.com/office/powerpoint/2010/main" val="1430663837"/>
+      </p:ext>
+    </p:extLst>
+  </p:cSld>
+  <p:clrMapOvr>
+    <a:masterClrMapping/>
+  </p:clrMapOvr>
+  <mc:AlternateContent xmlns:mc="http://schemas.openxmlformats.org/markup-compatibility/2006" xmlns:p14="http://schemas.microsoft.com/office/powerpoint/2010/main">
+    <mc:Choice Requires="p14">
+      <p:transition spd="med" p14:dur="700">
+        <p:fade/>
+      </p:transition>
+    </mc:Choice>
+    <mc:Fallback xmlns="">
+      <p:transition spd="med">
+        <p:fade/>
+      </p:transition>
+    </mc:Fallback>
+  </mc:AlternateContent>
+  <p:timing>
+    <p:tnLst>
+      <p:par>
+        <p:cTn id="1" dur="indefinite" restart="never" nodeType="tmRoot">
+          <p:childTnLst>
+            <p:seq concurrent="1" nextAc="seek">
+              <p:cTn id="2" dur="indefinite" nodeType="mainSeq">
+                <p:childTnLst>
+                  <p:par>
+                    <p:cTn id="3" fill="hold">
+                      <p:stCondLst>
+                        <p:cond delay="indefinite"/>
+                      </p:stCondLst>
+                      <p:childTnLst>
+                        <p:par>
+                          <p:cTn id="4" fill="hold">
+                            <p:stCondLst>
+                              <p:cond delay="0"/>
+                            </p:stCondLst>
+                            <p:childTnLst>
+                              <p:par>
+                                <p:cTn id="5" presetID="1" presetClass="entr" presetSubtype="0" fill="hold" grpId="0" nodeType="clickEffect">
+                                  <p:stCondLst>
+                                    <p:cond delay="0"/>
+                                  </p:stCondLst>
+                                  <p:childTnLst>
+                                    <p:set>
+                                      <p:cBhvr>
+                                        <p:cTn id="6" dur="1" fill="hold">
+                                          <p:stCondLst>
+                                            <p:cond delay="0"/>
+                                          </p:stCondLst>
+                                        </p:cTn>
+                                        <p:tgtEl>
+                                          <p:spTgt spid="5"/>
+                                        </p:tgtEl>
+                                        <p:attrNameLst>
+                                          <p:attrName>style.visibility</p:attrName>
+                                        </p:attrNameLst>
+                                      </p:cBhvr>
+                                      <p:to>
+                                        <p:strVal val="visible"/>
+                                      </p:to>
+                                    </p:set>
+                                  </p:childTnLst>
+                                </p:cTn>
+                              </p:par>
+                            </p:childTnLst>
+                          </p:cTn>
+                        </p:par>
+                        <p:par>
+                          <p:cTn id="7" fill="hold">
+                            <p:stCondLst>
+                              <p:cond delay="0"/>
+                            </p:stCondLst>
+                            <p:childTnLst>
+                              <p:par>
+                                <p:cTn id="8" presetID="1" presetClass="entr" presetSubtype="0" fill="hold" grpId="0" nodeType="afterEffect">
+                                  <p:stCondLst>
+                                    <p:cond delay="500"/>
+                                  </p:stCondLst>
+                                  <p:childTnLst>
+                                    <p:set>
+                                      <p:cBhvr>
+                                        <p:cTn id="9" dur="1" fill="hold">
+                                          <p:stCondLst>
+                                            <p:cond delay="0"/>
+                                          </p:stCondLst>
+                                        </p:cTn>
+                                        <p:tgtEl>
+                                          <p:spTgt spid="6"/>
+                                        </p:tgtEl>
+                                        <p:attrNameLst>
+                                          <p:attrName>style.visibility</p:attrName>
+                                        </p:attrNameLst>
+                                      </p:cBhvr>
+                                      <p:to>
+                                        <p:strVal val="visible"/>
+                                      </p:to>
+                                    </p:set>
+                                  </p:childTnLst>
+                                </p:cTn>
+                              </p:par>
+                            </p:childTnLst>
+                          </p:cTn>
+                        </p:par>
+                        <p:par>
+                          <p:cTn id="10" fill="hold">
+                            <p:stCondLst>
+                              <p:cond delay="500"/>
+                            </p:stCondLst>
+                            <p:childTnLst>
+                              <p:par>
+                                <p:cTn id="11" presetID="1" presetClass="entr" presetSubtype="0" fill="hold" grpId="0" nodeType="afterEffect">
+                                  <p:stCondLst>
+                                    <p:cond delay="500"/>
+                                  </p:stCondLst>
+                                  <p:childTnLst>
+                                    <p:set>
+                                      <p:cBhvr>
+                                        <p:cTn id="12" dur="1" fill="hold">
+                                          <p:stCondLst>
+                                            <p:cond delay="0"/>
+                                          </p:stCondLst>
+                                        </p:cTn>
+                                        <p:tgtEl>
+                                          <p:spTgt spid="7"/>
+                                        </p:tgtEl>
+                                        <p:attrNameLst>
+                                          <p:attrName>style.visibility</p:attrName>
+                                        </p:attrNameLst>
+                                      </p:cBhvr>
+                                      <p:to>
+                                        <p:strVal val="visible"/>
+                                      </p:to>
+                                    </p:set>
+                                  </p:childTnLst>
+                                </p:cTn>
+                              </p:par>
+                            </p:childTnLst>
+                          </p:cTn>
+                        </p:par>
+                      </p:childTnLst>
+                    </p:cTn>
+                  </p:par>
+                </p:childTnLst>
+              </p:cTn>
+              <p:prevCondLst>
+                <p:cond evt="onPrev" delay="0">
+                  <p:tgtEl>
+                    <p:sldTgt/>
+                  </p:tgtEl>
+                </p:cond>
+              </p:prevCondLst>
+              <p:nextCondLst>
+                <p:cond evt="onNext" delay="0">
+                  <p:tgtEl>
+                    <p:sldTgt/>
+                  </p:tgtEl>
+                </p:cond>
+              </p:nextCondLst>
+            </p:seq>
+          </p:childTnLst>
+        </p:cTn>
+      </p:par>
+    </p:tnLst>
+    <p:bldLst>
+      <p:bldP spid="5" grpId="0" animBg="1"/>
+      <p:bldP spid="6" grpId="0" animBg="1"/>
+      <p:bldP spid="7" grpId="0" animBg="1"/>
+    </p:bldLst>
+  </p:timing>
+</p:sld>
+</file>
+
+<file path=ppt/slides/slide12.xml><?xml version="1.0" encoding="utf-8"?>
+<p:sld xmlns:a="http://schemas.openxmlformats.org/drawingml/2006/main" xmlns:r="http://schemas.openxmlformats.org/officeDocument/2006/relationships" xmlns:p="http://schemas.openxmlformats.org/presentationml/2006/main">
+  <p:cSld>
+    <p:spTree>
+      <p:nvGrpSpPr>
+        <p:cNvPr id="1" name=""/>
+        <p:cNvGrpSpPr/>
+        <p:nvPr/>
+      </p:nvGrpSpPr>
+      <p:grpSpPr>
+        <a:xfrm>
+          <a:off x="0" y="0"/>
+          <a:ext cx="0" cy="0"/>
+          <a:chOff x="0" y="0"/>
+          <a:chExt cx="0" cy="0"/>
+        </a:xfrm>
+      </p:grpSpPr>
+      <p:sp>
+        <p:nvSpPr>
+          <p:cNvPr id="2" name="Title 1">
+            <a:extLst>
+              <a:ext uri="{FF2B5EF4-FFF2-40B4-BE49-F238E27FC236}">
+                <a16:creationId xmlns:a16="http://schemas.microsoft.com/office/drawing/2014/main" id="{7511AEB0-0025-414C-BFF2-629136774CD6}"/>
+              </a:ext>
+            </a:extLst>
+          </p:cNvPr>
+          <p:cNvSpPr>
+            <a:spLocks noGrp="1"/>
+          </p:cNvSpPr>
+          <p:nvPr>
+            <p:ph type="title"/>
+          </p:nvPr>
+        </p:nvSpPr>
+        <p:spPr>
+          <a:xfrm>
+            <a:off x="762000" y="298960"/>
+            <a:ext cx="6477000" cy="1189038"/>
+          </a:xfrm>
+        </p:spPr>
+        <p:txBody>
+          <a:bodyPr/>
+          <a:lstStyle/>
+          <a:p>
+            <a:r>
+              <a:rPr lang="hr-HR" dirty="0">
+                <a:solidFill>
+                  <a:schemeClr val="accent1"/>
+                </a:solidFill>
+              </a:rPr>
+              <a:t>SeaMonkey</a:t>
+            </a:r>
+          </a:p>
+        </p:txBody>
+      </p:sp>
+      <p:sp>
+        <p:nvSpPr>
+          <p:cNvPr id="3" name="Text Placeholder 2">
+            <a:extLst>
+              <a:ext uri="{FF2B5EF4-FFF2-40B4-BE49-F238E27FC236}">
+                <a16:creationId xmlns:a16="http://schemas.microsoft.com/office/drawing/2014/main" id="{35D7924D-69DA-4D19-9CAC-20C6F2AB3347}"/>
+              </a:ext>
+            </a:extLst>
+          </p:cNvPr>
+          <p:cNvSpPr>
+            <a:spLocks noGrp="1"/>
+          </p:cNvSpPr>
+          <p:nvPr>
+            <p:ph type="body" sz="quarter" idx="11"/>
+          </p:nvPr>
+        </p:nvSpPr>
+        <p:spPr/>
+        <p:txBody>
+          <a:bodyPr/>
+          <a:lstStyle/>
+          <a:p>
+            <a:r>
+              <a:rPr lang="hr-HR" dirty="0"/>
+              <a:t> </a:t>
+            </a:r>
+          </a:p>
+        </p:txBody>
+      </p:sp>
+      <p:sp>
+        <p:nvSpPr>
+          <p:cNvPr id="5" name="TextBox 4">
+            <a:extLst>
+              <a:ext uri="{FF2B5EF4-FFF2-40B4-BE49-F238E27FC236}">
+                <a16:creationId xmlns:a16="http://schemas.microsoft.com/office/drawing/2014/main" id="{64640018-6B5B-4F84-896F-F4C89DA1EF98}"/>
+              </a:ext>
+            </a:extLst>
+          </p:cNvPr>
+          <p:cNvSpPr txBox="1"/>
+          <p:nvPr/>
+        </p:nvSpPr>
+        <p:spPr>
+          <a:xfrm>
+            <a:off x="845791" y="2803620"/>
+            <a:ext cx="5102679" cy="2031325"/>
+          </a:xfrm>
+          <a:prstGeom prst="rect">
+            <a:avLst/>
+          </a:prstGeom>
+          <a:noFill/>
+        </p:spPr>
+        <p:txBody>
+          <a:bodyPr wrap="none" rtlCol="0">
+            <a:spAutoFit/>
+          </a:bodyPr>
+          <a:lstStyle/>
+          <a:p>
+            <a:pPr marL="285750" indent="-285750">
+              <a:buFont typeface="Arial" panose="020B0604020202020204" pitchFamily="34" charset="0"/>
+              <a:buChar char="•"/>
+            </a:pPr>
+            <a:r>
+              <a:rPr lang="hr-HR" dirty="0">
+                <a:solidFill>
+                  <a:schemeClr val="bg1"/>
+                </a:solidFill>
+              </a:rPr>
+              <a:t>Besplatan i open-source paket</a:t>
+            </a:r>
+          </a:p>
+          <a:p>
+            <a:pPr marL="285750" indent="-285750">
+              <a:buFont typeface="Arial" panose="020B0604020202020204" pitchFamily="34" charset="0"/>
+              <a:buChar char="•"/>
+            </a:pPr>
+            <a:endParaRPr lang="hr-HR" dirty="0">
+              <a:solidFill>
+                <a:schemeClr val="bg1"/>
+              </a:solidFill>
+            </a:endParaRPr>
+          </a:p>
+          <a:p>
+            <a:pPr marL="285750" indent="-285750">
+              <a:buFont typeface="Arial" panose="020B0604020202020204" pitchFamily="34" charset="0"/>
+              <a:buChar char="•"/>
+            </a:pPr>
+            <a:r>
+              <a:rPr lang="hr-HR" dirty="0">
+                <a:solidFill>
+                  <a:schemeClr val="bg1"/>
+                </a:solidFill>
+              </a:rPr>
+              <a:t>Web preglednik</a:t>
+            </a:r>
+          </a:p>
+          <a:p>
+            <a:pPr marL="285750" indent="-285750">
+              <a:buFont typeface="Arial" panose="020B0604020202020204" pitchFamily="34" charset="0"/>
+              <a:buChar char="•"/>
+            </a:pPr>
+            <a:r>
+              <a:rPr lang="hr-HR" dirty="0">
+                <a:solidFill>
+                  <a:schemeClr val="bg1"/>
+                </a:solidFill>
+              </a:rPr>
+              <a:t>Omogućuje primanje i slanje e-pošte i poruka</a:t>
+            </a:r>
+          </a:p>
+          <a:p>
+            <a:pPr marL="285750" indent="-285750">
+              <a:buFont typeface="Arial" panose="020B0604020202020204" pitchFamily="34" charset="0"/>
+              <a:buChar char="•"/>
+            </a:pPr>
+            <a:endParaRPr lang="hr-HR" dirty="0">
+              <a:solidFill>
+                <a:schemeClr val="bg1"/>
+              </a:solidFill>
+            </a:endParaRPr>
+          </a:p>
+          <a:p>
+            <a:pPr marL="285750" indent="-285750">
+              <a:buFont typeface="Arial" panose="020B0604020202020204" pitchFamily="34" charset="0"/>
+              <a:buChar char="•"/>
+            </a:pPr>
+            <a:r>
+              <a:rPr lang="hr-HR" dirty="0">
+                <a:solidFill>
+                  <a:schemeClr val="bg1"/>
+                </a:solidFill>
+              </a:rPr>
+              <a:t>Mozila Composer </a:t>
+            </a:r>
+            <a:r>
+              <a:rPr lang="hr-HR" dirty="0">
+                <a:solidFill>
+                  <a:schemeClr val="bg1"/>
+                </a:solidFill>
+                <a:sym typeface="Wingdings" panose="05000000000000000000" pitchFamily="2" charset="2"/>
+              </a:rPr>
+              <a:t></a:t>
+            </a:r>
+            <a:endParaRPr lang="hr-HR" dirty="0">
+              <a:solidFill>
+                <a:schemeClr val="bg1"/>
+              </a:solidFill>
+            </a:endParaRPr>
+          </a:p>
+          <a:p>
+            <a:pPr marL="285750" indent="-285750">
+              <a:buFont typeface="Arial" panose="020B0604020202020204" pitchFamily="34" charset="0"/>
+              <a:buChar char="•"/>
+            </a:pPr>
+            <a:endParaRPr lang="hr-HR" dirty="0">
+              <a:solidFill>
+                <a:schemeClr val="bg1"/>
+              </a:solidFill>
+            </a:endParaRPr>
+          </a:p>
+        </p:txBody>
+      </p:sp>
+      <p:pic>
+        <p:nvPicPr>
+          <p:cNvPr id="6" name="Picture 5">
+            <a:extLst>
+              <a:ext uri="{FF2B5EF4-FFF2-40B4-BE49-F238E27FC236}">
+                <a16:creationId xmlns:a16="http://schemas.microsoft.com/office/drawing/2014/main" id="{07699999-0E7B-4E3B-BCED-095DE39E46AD}"/>
+              </a:ext>
+            </a:extLst>
+          </p:cNvPr>
+          <p:cNvPicPr>
+            <a:picLocks noChangeAspect="1"/>
+          </p:cNvPicPr>
+          <p:nvPr/>
+        </p:nvPicPr>
+        <p:blipFill>
+          <a:blip r:embed="rId2"/>
+          <a:stretch>
+            <a:fillRect/>
+          </a:stretch>
+        </p:blipFill>
+        <p:spPr>
+          <a:xfrm>
+            <a:off x="3095744" y="1000244"/>
+            <a:ext cx="1809511" cy="1809511"/>
+          </a:xfrm>
+          <a:prstGeom prst="rect">
+            <a:avLst/>
+          </a:prstGeom>
+        </p:spPr>
+      </p:pic>
+      <p:pic>
+        <p:nvPicPr>
+          <p:cNvPr id="7" name="Picture 6">
+            <a:extLst>
+              <a:ext uri="{FF2B5EF4-FFF2-40B4-BE49-F238E27FC236}">
+                <a16:creationId xmlns:a16="http://schemas.microsoft.com/office/drawing/2014/main" id="{773DCDE7-9CF8-409F-933E-B81B825B0259}"/>
+              </a:ext>
+            </a:extLst>
+          </p:cNvPr>
+          <p:cNvPicPr>
+            <a:picLocks noChangeAspect="1"/>
+          </p:cNvPicPr>
+          <p:nvPr/>
+        </p:nvPicPr>
+        <p:blipFill>
+          <a:blip r:embed="rId3"/>
+          <a:stretch>
+            <a:fillRect/>
+          </a:stretch>
+        </p:blipFill>
+        <p:spPr>
+          <a:xfrm>
+            <a:off x="3397131" y="4223579"/>
+            <a:ext cx="3423799" cy="2560067"/>
+          </a:xfrm>
+          <a:prstGeom prst="rect">
+            <a:avLst/>
+          </a:prstGeom>
+        </p:spPr>
+      </p:pic>
+    </p:spTree>
+    <p:extLst>
+      <p:ext uri="{BB962C8B-B14F-4D97-AF65-F5344CB8AC3E}">
+        <p14:creationId xmlns:p14="http://schemas.microsoft.com/office/powerpoint/2010/main" val="440451553"/>
+      </p:ext>
+    </p:extLst>
+  </p:cSld>
+  <p:clrMapOvr>
+    <a:masterClrMapping/>
+  </p:clrMapOvr>
+  <mc:AlternateContent xmlns:mc="http://schemas.openxmlformats.org/markup-compatibility/2006" xmlns:p14="http://schemas.microsoft.com/office/powerpoint/2010/main">
+    <mc:Choice Requires="p14">
+      <p:transition spd="med" p14:dur="700">
+        <p:fade/>
+      </p:transition>
+    </mc:Choice>
+    <mc:Fallback xmlns="">
+      <p:transition spd="med">
+        <p:fade/>
+      </p:transition>
+    </mc:Fallback>
+  </mc:AlternateContent>
+</p:sld>
+</file>
+
+<file path=ppt/slides/slide13.xml><?xml version="1.0" encoding="utf-8"?>
+<p:sld xmlns:a="http://schemas.openxmlformats.org/drawingml/2006/main" xmlns:r="http://schemas.openxmlformats.org/officeDocument/2006/relationships" xmlns:p="http://schemas.openxmlformats.org/presentationml/2006/main">
+  <p:cSld>
+    <p:spTree>
+      <p:nvGrpSpPr>
+        <p:cNvPr id="1" name=""/>
+        <p:cNvGrpSpPr/>
+        <p:nvPr/>
+      </p:nvGrpSpPr>
+      <p:grpSpPr>
+        <a:xfrm>
+          <a:off x="0" y="0"/>
+          <a:ext cx="0" cy="0"/>
+          <a:chOff x="0" y="0"/>
+          <a:chExt cx="0" cy="0"/>
+        </a:xfrm>
+      </p:grpSpPr>
+      <p:sp>
+        <p:nvSpPr>
+          <p:cNvPr id="2" name="Title 1">
+            <a:extLst>
+              <a:ext uri="{FF2B5EF4-FFF2-40B4-BE49-F238E27FC236}">
+                <a16:creationId xmlns:a16="http://schemas.microsoft.com/office/drawing/2014/main" id="{0E8C1C00-6EF1-4F9B-A910-22B0E0014751}"/>
+              </a:ext>
+            </a:extLst>
+          </p:cNvPr>
+          <p:cNvSpPr>
+            <a:spLocks noGrp="1"/>
+          </p:cNvSpPr>
+          <p:nvPr>
+            <p:ph type="title"/>
+          </p:nvPr>
+        </p:nvSpPr>
+        <p:spPr/>
+        <p:txBody>
+          <a:bodyPr/>
+          <a:lstStyle/>
+          <a:p>
+            <a:r>
+              <a:rPr lang="hr-HR" dirty="0">
+                <a:solidFill>
+                  <a:schemeClr val="accent1"/>
+                </a:solidFill>
+              </a:rPr>
+              <a:t>Bugzilla</a:t>
+            </a:r>
+          </a:p>
+        </p:txBody>
+      </p:sp>
+      <p:sp>
+        <p:nvSpPr>
+          <p:cNvPr id="3" name="Text Placeholder 2">
+            <a:extLst>
+              <a:ext uri="{FF2B5EF4-FFF2-40B4-BE49-F238E27FC236}">
+                <a16:creationId xmlns:a16="http://schemas.microsoft.com/office/drawing/2014/main" id="{478174AD-4C57-4838-9140-0E0FC663B8F3}"/>
+              </a:ext>
+            </a:extLst>
+          </p:cNvPr>
+          <p:cNvSpPr>
+            <a:spLocks noGrp="1"/>
+          </p:cNvSpPr>
+          <p:nvPr>
+            <p:ph type="body" sz="quarter" idx="11"/>
+          </p:nvPr>
+        </p:nvSpPr>
+        <p:spPr>
+          <a:xfrm>
+            <a:off x="523102" y="3939746"/>
+            <a:ext cx="6477000" cy="3276600"/>
+          </a:xfrm>
+        </p:spPr>
+        <p:txBody>
+          <a:bodyPr/>
+          <a:lstStyle/>
+          <a:p>
+            <a:pPr marL="285750" indent="-285750">
+              <a:buFont typeface="Arial" panose="020B0604020202020204" pitchFamily="34" charset="0"/>
+              <a:buChar char="•"/>
+            </a:pPr>
+            <a:r>
+              <a:rPr lang="hr-HR" b="0" dirty="0"/>
+              <a:t>Koristi za praćenje bugova</a:t>
+            </a:r>
+          </a:p>
+          <a:p>
+            <a:pPr marL="285750" indent="-285750">
+              <a:buFont typeface="Arial" panose="020B0604020202020204" pitchFamily="34" charset="0"/>
+              <a:buChar char="•"/>
+            </a:pPr>
+            <a:endParaRPr lang="hr-HR" b="0" dirty="0"/>
+          </a:p>
+          <a:p>
+            <a:pPr marL="285750" indent="-285750">
+              <a:buFont typeface="Arial" panose="020B0604020202020204" pitchFamily="34" charset="0"/>
+              <a:buChar char="•"/>
+            </a:pPr>
+            <a:r>
+              <a:rPr lang="hr-HR" b="0" dirty="0"/>
+              <a:t>Netscape izdao ga 1998. godine</a:t>
+            </a:r>
+          </a:p>
+          <a:p>
+            <a:pPr marL="285750" indent="-285750">
+              <a:buFont typeface="Arial" panose="020B0604020202020204" pitchFamily="34" charset="0"/>
+              <a:buChar char="•"/>
+            </a:pPr>
+            <a:r>
+              <a:rPr lang="hr-HR" b="0" dirty="0"/>
+              <a:t>Software otvorenog koda</a:t>
+            </a:r>
+          </a:p>
+        </p:txBody>
+      </p:sp>
+      <p:pic>
+        <p:nvPicPr>
+          <p:cNvPr id="4" name="Picture 3">
+            <a:extLst>
+              <a:ext uri="{FF2B5EF4-FFF2-40B4-BE49-F238E27FC236}">
+                <a16:creationId xmlns:a16="http://schemas.microsoft.com/office/drawing/2014/main" id="{E7468137-FE0D-45F7-A11B-28F820A1B625}"/>
+              </a:ext>
+            </a:extLst>
+          </p:cNvPr>
+          <p:cNvPicPr>
+            <a:picLocks noChangeAspect="1"/>
+          </p:cNvPicPr>
+          <p:nvPr/>
+        </p:nvPicPr>
+        <p:blipFill>
+          <a:blip r:embed="rId2"/>
+          <a:stretch>
+            <a:fillRect/>
+          </a:stretch>
+        </p:blipFill>
+        <p:spPr>
+          <a:xfrm>
+            <a:off x="3067050" y="1202210"/>
+            <a:ext cx="1866900" cy="2457450"/>
+          </a:xfrm>
+          <a:prstGeom prst="rect">
+            <a:avLst/>
+          </a:prstGeom>
+        </p:spPr>
+      </p:pic>
+      <p:pic>
+        <p:nvPicPr>
+          <p:cNvPr id="5" name="Picture 4">
+            <a:extLst>
+              <a:ext uri="{FF2B5EF4-FFF2-40B4-BE49-F238E27FC236}">
+                <a16:creationId xmlns:a16="http://schemas.microsoft.com/office/drawing/2014/main" id="{4E65CA79-CB0C-475B-A2CB-35E7D5572AF1}"/>
+              </a:ext>
+            </a:extLst>
+          </p:cNvPr>
+          <p:cNvPicPr>
+            <a:picLocks noChangeAspect="1"/>
+          </p:cNvPicPr>
+          <p:nvPr/>
+        </p:nvPicPr>
+        <p:blipFill>
+          <a:blip r:embed="rId3"/>
+          <a:stretch>
+            <a:fillRect/>
+          </a:stretch>
+        </p:blipFill>
+        <p:spPr>
+          <a:xfrm>
+            <a:off x="523102" y="5726037"/>
+            <a:ext cx="1725312" cy="966175"/>
+          </a:xfrm>
+          <a:prstGeom prst="rect">
+            <a:avLst/>
+          </a:prstGeom>
+        </p:spPr>
+      </p:pic>
+      <p:pic>
+        <p:nvPicPr>
+          <p:cNvPr id="6" name="Picture 5">
+            <a:extLst>
+              <a:ext uri="{FF2B5EF4-FFF2-40B4-BE49-F238E27FC236}">
+                <a16:creationId xmlns:a16="http://schemas.microsoft.com/office/drawing/2014/main" id="{0BA54F07-A893-4498-94F7-B755F13E22B5}"/>
+              </a:ext>
+            </a:extLst>
+          </p:cNvPr>
+          <p:cNvPicPr>
+            <a:picLocks noChangeAspect="1"/>
+          </p:cNvPicPr>
+          <p:nvPr/>
+        </p:nvPicPr>
+        <p:blipFill>
+          <a:blip r:embed="rId4"/>
+          <a:stretch>
+            <a:fillRect/>
+          </a:stretch>
+        </p:blipFill>
+        <p:spPr>
+          <a:xfrm>
+            <a:off x="2388459" y="5426161"/>
+            <a:ext cx="2545491" cy="1431839"/>
+          </a:xfrm>
+          <a:prstGeom prst="rect">
+            <a:avLst/>
+          </a:prstGeom>
+        </p:spPr>
+      </p:pic>
+      <p:pic>
+        <p:nvPicPr>
+          <p:cNvPr id="7" name="Picture 6">
+            <a:extLst>
+              <a:ext uri="{FF2B5EF4-FFF2-40B4-BE49-F238E27FC236}">
+                <a16:creationId xmlns:a16="http://schemas.microsoft.com/office/drawing/2014/main" id="{1C37C220-29A0-49DD-8847-FE42598AF0C7}"/>
+              </a:ext>
+            </a:extLst>
+          </p:cNvPr>
+          <p:cNvPicPr>
+            <a:picLocks noChangeAspect="1"/>
+          </p:cNvPicPr>
+          <p:nvPr/>
+        </p:nvPicPr>
+        <p:blipFill>
+          <a:blip r:embed="rId5"/>
+          <a:stretch>
+            <a:fillRect/>
+          </a:stretch>
+        </p:blipFill>
+        <p:spPr>
+          <a:xfrm>
+            <a:off x="5213521" y="5398871"/>
+            <a:ext cx="1293341" cy="1293341"/>
+          </a:xfrm>
+          <a:prstGeom prst="rect">
+            <a:avLst/>
+          </a:prstGeom>
+        </p:spPr>
+      </p:pic>
+    </p:spTree>
+    <p:extLst>
+      <p:ext uri="{BB962C8B-B14F-4D97-AF65-F5344CB8AC3E}">
+        <p14:creationId xmlns:p14="http://schemas.microsoft.com/office/powerpoint/2010/main" val="2836560258"/>
+      </p:ext>
+    </p:extLst>
+  </p:cSld>
+  <p:clrMapOvr>
+    <a:masterClrMapping/>
+  </p:clrMapOvr>
+  <mc:AlternateContent xmlns:mc="http://schemas.openxmlformats.org/markup-compatibility/2006" xmlns:p14="http://schemas.microsoft.com/office/powerpoint/2010/main">
+    <mc:Choice Requires="p14">
+      <p:transition spd="med" p14:dur="700">
+        <p:fade/>
+      </p:transition>
+    </mc:Choice>
+    <mc:Fallback xmlns="">
+      <p:transition spd="med">
+        <p:fade/>
+      </p:transition>
+    </mc:Fallback>
+  </mc:AlternateContent>
+</p:sld>
+</file>
+
+<file path=ppt/slides/slide14.xml><?xml version="1.0" encoding="utf-8"?>
+<p:sld xmlns:a="http://schemas.openxmlformats.org/drawingml/2006/main" xmlns:r="http://schemas.openxmlformats.org/officeDocument/2006/relationships" xmlns:p="http://schemas.openxmlformats.org/presentationml/2006/main">
+  <p:cSld>
+    <p:spTree>
+      <p:nvGrpSpPr>
+        <p:cNvPr id="1" name=""/>
+        <p:cNvGrpSpPr/>
+        <p:nvPr/>
+      </p:nvGrpSpPr>
+      <p:grpSpPr>
+        <a:xfrm>
+          <a:off x="0" y="0"/>
+          <a:ext cx="0" cy="0"/>
+          <a:chOff x="0" y="0"/>
+          <a:chExt cx="0" cy="0"/>
+        </a:xfrm>
+      </p:grpSpPr>
+      <p:sp>
+        <p:nvSpPr>
+          <p:cNvPr id="2" name="Title 1">
+            <a:extLst>
+              <a:ext uri="{FF2B5EF4-FFF2-40B4-BE49-F238E27FC236}">
+                <a16:creationId xmlns:a16="http://schemas.microsoft.com/office/drawing/2014/main" id="{5CC91AAD-F49C-4DED-9AE3-F203A7A339B7}"/>
+              </a:ext>
+            </a:extLst>
+          </p:cNvPr>
+          <p:cNvSpPr>
+            <a:spLocks noGrp="1"/>
+          </p:cNvSpPr>
+          <p:nvPr>
+            <p:ph type="title"/>
+          </p:nvPr>
+        </p:nvSpPr>
+        <p:spPr/>
+        <p:txBody>
+          <a:bodyPr/>
+          <a:lstStyle/>
+          <a:p>
+            <a:r>
+              <a:rPr lang="hr-HR" dirty="0">
+                <a:solidFill>
+                  <a:schemeClr val="accent1"/>
+                </a:solidFill>
+              </a:rPr>
+              <a:t>NSS (Network Security Services)</a:t>
+            </a:r>
+          </a:p>
+        </p:txBody>
+      </p:sp>
+      <p:sp>
+        <p:nvSpPr>
+          <p:cNvPr id="3" name="Text Placeholder 2">
+            <a:extLst>
+              <a:ext uri="{FF2B5EF4-FFF2-40B4-BE49-F238E27FC236}">
+                <a16:creationId xmlns:a16="http://schemas.microsoft.com/office/drawing/2014/main" id="{06409DFD-DEBE-4AF1-AEDF-0BC476F94792}"/>
+              </a:ext>
+            </a:extLst>
+          </p:cNvPr>
+          <p:cNvSpPr>
+            <a:spLocks noGrp="1"/>
+          </p:cNvSpPr>
+          <p:nvPr>
+            <p:ph type="body" sz="quarter" idx="11"/>
+          </p:nvPr>
+        </p:nvSpPr>
+        <p:spPr/>
+        <p:txBody>
+          <a:bodyPr/>
+          <a:lstStyle/>
+          <a:p>
+            <a:r>
+              <a:rPr lang="hr-HR" b="0" dirty="0">
+                <a:ea typeface="Times New Roman" panose="02020603050405020304" pitchFamily="18" charset="0"/>
+              </a:rPr>
+              <a:t>O</a:t>
+            </a:r>
+            <a:r>
+              <a:rPr lang="hr-HR" sz="1800" b="0" dirty="0">
+                <a:effectLst/>
+                <a:ea typeface="Times New Roman" panose="02020603050405020304" pitchFamily="18" charset="0"/>
+              </a:rPr>
+              <a:t>buhvaćaju skup knjižnica dizajniranih da podrže razvoj na više platformi klijentskih i poslužiteljskih aplikacija s sigurnošću.</a:t>
+            </a:r>
+          </a:p>
+          <a:p>
+            <a:endParaRPr lang="hr-HR" b="0" dirty="0"/>
+          </a:p>
+          <a:p>
+            <a:r>
+              <a:rPr lang="hr-HR" b="0" dirty="0"/>
+              <a:t>Tvrtke koje uz Mozillu razvijaju NSS:</a:t>
+            </a:r>
+          </a:p>
+        </p:txBody>
+      </p:sp>
+      <p:pic>
+        <p:nvPicPr>
+          <p:cNvPr id="4" name="Picture 3">
+            <a:extLst>
+              <a:ext uri="{FF2B5EF4-FFF2-40B4-BE49-F238E27FC236}">
+                <a16:creationId xmlns:a16="http://schemas.microsoft.com/office/drawing/2014/main" id="{2C96E606-D24D-47E7-9880-7C41345E5703}"/>
+              </a:ext>
+            </a:extLst>
+          </p:cNvPr>
+          <p:cNvPicPr>
+            <a:picLocks noChangeAspect="1"/>
+          </p:cNvPicPr>
+          <p:nvPr/>
+        </p:nvPicPr>
+        <p:blipFill>
+          <a:blip r:embed="rId2"/>
+          <a:stretch>
+            <a:fillRect/>
+          </a:stretch>
+        </p:blipFill>
+        <p:spPr>
+          <a:xfrm>
+            <a:off x="689479" y="3778178"/>
+            <a:ext cx="2490327" cy="1403422"/>
+          </a:xfrm>
+          <a:prstGeom prst="rect">
+            <a:avLst/>
+          </a:prstGeom>
+        </p:spPr>
+      </p:pic>
+      <p:pic>
+        <p:nvPicPr>
+          <p:cNvPr id="5" name="Picture 4">
+            <a:extLst>
+              <a:ext uri="{FF2B5EF4-FFF2-40B4-BE49-F238E27FC236}">
+                <a16:creationId xmlns:a16="http://schemas.microsoft.com/office/drawing/2014/main" id="{7D4A9748-9938-445A-B15A-F7A5F15B404F}"/>
+              </a:ext>
+            </a:extLst>
+          </p:cNvPr>
+          <p:cNvPicPr>
+            <a:picLocks noChangeAspect="1"/>
+          </p:cNvPicPr>
+          <p:nvPr/>
+        </p:nvPicPr>
+        <p:blipFill>
+          <a:blip r:embed="rId3"/>
+          <a:stretch>
+            <a:fillRect/>
+          </a:stretch>
+        </p:blipFill>
+        <p:spPr>
+          <a:xfrm>
+            <a:off x="3722859" y="3778178"/>
+            <a:ext cx="1464633" cy="1464633"/>
+          </a:xfrm>
+          <a:prstGeom prst="rect">
+            <a:avLst/>
+          </a:prstGeom>
+        </p:spPr>
+      </p:pic>
+      <p:pic>
+        <p:nvPicPr>
+          <p:cNvPr id="6" name="Picture 5">
+            <a:extLst>
+              <a:ext uri="{FF2B5EF4-FFF2-40B4-BE49-F238E27FC236}">
+                <a16:creationId xmlns:a16="http://schemas.microsoft.com/office/drawing/2014/main" id="{8D3A469E-7950-4565-A5C7-A03E523F72BF}"/>
+              </a:ext>
+            </a:extLst>
+          </p:cNvPr>
+          <p:cNvPicPr>
+            <a:picLocks noChangeAspect="1"/>
+          </p:cNvPicPr>
+          <p:nvPr/>
+        </p:nvPicPr>
+        <p:blipFill>
+          <a:blip r:embed="rId4"/>
+          <a:stretch>
+            <a:fillRect/>
+          </a:stretch>
+        </p:blipFill>
+        <p:spPr>
+          <a:xfrm>
+            <a:off x="1202081" y="5242811"/>
+            <a:ext cx="1116228" cy="1116228"/>
+          </a:xfrm>
+          <a:prstGeom prst="rect">
+            <a:avLst/>
+          </a:prstGeom>
+        </p:spPr>
+      </p:pic>
+      <p:pic>
+        <p:nvPicPr>
+          <p:cNvPr id="8" name="Picture 7">
+            <a:extLst>
+              <a:ext uri="{FF2B5EF4-FFF2-40B4-BE49-F238E27FC236}">
+                <a16:creationId xmlns:a16="http://schemas.microsoft.com/office/drawing/2014/main" id="{A71838D5-2B53-412D-84CE-B52EE882B03B}"/>
+              </a:ext>
+            </a:extLst>
+          </p:cNvPr>
+          <p:cNvPicPr>
+            <a:picLocks noChangeAspect="1"/>
+          </p:cNvPicPr>
+          <p:nvPr/>
+        </p:nvPicPr>
+        <p:blipFill>
+          <a:blip r:embed="rId5"/>
+          <a:stretch>
+            <a:fillRect/>
+          </a:stretch>
+        </p:blipFill>
+        <p:spPr>
+          <a:xfrm>
+            <a:off x="3105666" y="5501459"/>
+            <a:ext cx="1116228" cy="1116228"/>
+          </a:xfrm>
+          <a:prstGeom prst="rect">
+            <a:avLst/>
+          </a:prstGeom>
+        </p:spPr>
+      </p:pic>
+    </p:spTree>
+    <p:extLst>
+      <p:ext uri="{BB962C8B-B14F-4D97-AF65-F5344CB8AC3E}">
+        <p14:creationId xmlns:p14="http://schemas.microsoft.com/office/powerpoint/2010/main" val="74473897"/>
+      </p:ext>
+    </p:extLst>
+  </p:cSld>
+  <p:clrMapOvr>
+    <a:masterClrMapping/>
+  </p:clrMapOvr>
+  <mc:AlternateContent xmlns:mc="http://schemas.openxmlformats.org/markup-compatibility/2006" xmlns:p14="http://schemas.microsoft.com/office/powerpoint/2010/main">
+    <mc:Choice Requires="p14">
+      <p:transition spd="med" p14:dur="700">
+        <p:fade/>
+      </p:transition>
+    </mc:Choice>
+    <mc:Fallback xmlns="">
+      <p:transition spd="med">
+        <p:fade/>
+      </p:transition>
+    </mc:Fallback>
+  </mc:AlternateContent>
+</p:sld>
+</file>
+
+<file path=ppt/slides/slide15.xml><?xml version="1.0" encoding="utf-8"?>
+<p:sld xmlns:a="http://schemas.openxmlformats.org/drawingml/2006/main" xmlns:r="http://schemas.openxmlformats.org/officeDocument/2006/relationships" xmlns:p="http://schemas.openxmlformats.org/presentationml/2006/main">
+  <p:cSld>
+    <p:spTree>
+      <p:nvGrpSpPr>
+        <p:cNvPr id="1" name=""/>
+        <p:cNvGrpSpPr/>
+        <p:nvPr/>
+      </p:nvGrpSpPr>
+      <p:grpSpPr>
+        <a:xfrm>
+          <a:off x="0" y="0"/>
+          <a:ext cx="0" cy="0"/>
+          <a:chOff x="0" y="0"/>
+          <a:chExt cx="0" cy="0"/>
+        </a:xfrm>
+      </p:grpSpPr>
+      <p:sp>
+        <p:nvSpPr>
           <p:cNvPr id="2" name="Title 1">
             <a:extLst>
               <a:ext uri="{FF2B5EF4-FFF2-40B4-BE49-F238E27FC236}">
@@ -6978,7 +8919,7 @@
 </p:sld>
 </file>
 
-<file path=ppt/slides/slide11.xml><?xml version="1.0" encoding="utf-8"?>
+<file path=ppt/slides/slide16.xml><?xml version="1.0" encoding="utf-8"?>
 <p:sld xmlns:a="http://schemas.openxmlformats.org/drawingml/2006/main" xmlns:r="http://schemas.openxmlformats.org/officeDocument/2006/relationships" xmlns:p="http://schemas.openxmlformats.org/presentationml/2006/main">
   <p:cSld>
     <p:spTree>
@@ -7101,7 +9042,7 @@
 </p:sld>
 </file>
 
-<file path=ppt/slides/slide12.xml><?xml version="1.0" encoding="utf-8"?>
+<file path=ppt/slides/slide17.xml><?xml version="1.0" encoding="utf-8"?>
 <p:sld xmlns:a="http://schemas.openxmlformats.org/drawingml/2006/main" xmlns:r="http://schemas.openxmlformats.org/officeDocument/2006/relationships" xmlns:p="http://schemas.openxmlformats.org/presentationml/2006/main">
   <p:cSld>
     <p:spTree>
@@ -7219,7 +9160,7 @@
 </p:sld>
 </file>
 
-<file path=ppt/slides/slide13.xml><?xml version="1.0" encoding="utf-8"?>
+<file path=ppt/slides/slide18.xml><?xml version="1.0" encoding="utf-8"?>
 <p:sld xmlns:a="http://schemas.openxmlformats.org/drawingml/2006/main" xmlns:r="http://schemas.openxmlformats.org/officeDocument/2006/relationships" xmlns:p="http://schemas.openxmlformats.org/presentationml/2006/main">
   <p:cSld>
     <p:spTree>
@@ -7421,7 +9362,7 @@
             <p:ph type="tbl" sz="quarter" idx="12"/>
             <p:extLst>
               <p:ext uri="{D42A27DB-BD31-4B8C-83A1-F6EECF244321}">
-                <p14:modId xmlns:p14="http://schemas.microsoft.com/office/powerpoint/2010/main" val="1146950419"/>
+                <p14:modId xmlns:p14="http://schemas.microsoft.com/office/powerpoint/2010/main" val="131774250"/>
               </p:ext>
             </p:extLst>
           </p:nvPr>
@@ -8089,7 +10030,7 @@
                           <a:effectLst/>
                           <a:latin typeface="+mn-lt"/>
                         </a:rPr>
-                        <a:t>Općeito o open source-u</a:t>
+                        <a:t>Općenito o open source-u</a:t>
                       </a:r>
                       <a:endParaRPr kumimoji="0" lang="en-US" sz="1400" b="0" i="0" u="none" strike="noStrike" cap="none" normalizeH="0" baseline="0" dirty="0">
                         <a:ln>
@@ -9369,6 +11310,815 @@
 <file path=ppt/slides/slide3.xml><?xml version="1.0" encoding="utf-8"?>
 <p:sld xmlns:a="http://schemas.openxmlformats.org/drawingml/2006/main" xmlns:r="http://schemas.openxmlformats.org/officeDocument/2006/relationships" xmlns:p="http://schemas.openxmlformats.org/presentationml/2006/main">
   <p:cSld>
+    <p:spTree>
+      <p:nvGrpSpPr>
+        <p:cNvPr id="1" name=""/>
+        <p:cNvGrpSpPr/>
+        <p:nvPr/>
+      </p:nvGrpSpPr>
+      <p:grpSpPr>
+        <a:xfrm>
+          <a:off x="0" y="0"/>
+          <a:ext cx="0" cy="0"/>
+          <a:chOff x="0" y="0"/>
+          <a:chExt cx="0" cy="0"/>
+        </a:xfrm>
+      </p:grpSpPr>
+      <p:sp>
+        <p:nvSpPr>
+          <p:cNvPr id="5" name="Title 4">
+            <a:extLst>
+              <a:ext uri="{FF2B5EF4-FFF2-40B4-BE49-F238E27FC236}">
+                <a16:creationId xmlns:a16="http://schemas.microsoft.com/office/drawing/2014/main" id="{D1262CD5-AD01-42E3-9173-97C12BB0D9B8}"/>
+              </a:ext>
+            </a:extLst>
+          </p:cNvPr>
+          <p:cNvSpPr>
+            <a:spLocks noGrp="1"/>
+          </p:cNvSpPr>
+          <p:nvPr>
+            <p:ph type="title"/>
+          </p:nvPr>
+        </p:nvSpPr>
+        <p:spPr>
+          <a:xfrm>
+            <a:off x="5199742" y="2396480"/>
+            <a:ext cx="6477000" cy="1189037"/>
+          </a:xfrm>
+        </p:spPr>
+        <p:txBody>
+          <a:bodyPr/>
+          <a:lstStyle/>
+          <a:p>
+            <a:r>
+              <a:rPr lang="hr-HR" dirty="0"/>
+              <a:t>Linux</a:t>
+            </a:r>
+            <a:endParaRPr lang="en-US" dirty="0"/>
+          </a:p>
+        </p:txBody>
+      </p:sp>
+      <p:sp>
+        <p:nvSpPr>
+          <p:cNvPr id="3" name="Text Placeholder 2">
+            <a:extLst>
+              <a:ext uri="{FF2B5EF4-FFF2-40B4-BE49-F238E27FC236}">
+                <a16:creationId xmlns:a16="http://schemas.microsoft.com/office/drawing/2014/main" id="{EF99585A-5E1F-40FA-8E64-BB4F04611657}"/>
+              </a:ext>
+            </a:extLst>
+          </p:cNvPr>
+          <p:cNvSpPr>
+            <a:spLocks noGrp="1"/>
+          </p:cNvSpPr>
+          <p:nvPr>
+            <p:ph type="body" sz="quarter" idx="11"/>
+          </p:nvPr>
+        </p:nvSpPr>
+        <p:spPr>
+          <a:xfrm>
+            <a:off x="5199742" y="3947984"/>
+            <a:ext cx="6477000" cy="3276600"/>
+          </a:xfrm>
+        </p:spPr>
+        <p:txBody>
+          <a:bodyPr vert="horz" lIns="91440" tIns="45720" rIns="91440" bIns="45720" rtlCol="0" anchor="t">
+            <a:normAutofit/>
+          </a:bodyPr>
+          <a:lstStyle/>
+          <a:p>
+            <a:pPr lvl="1"/>
+            <a:r>
+              <a:rPr lang="hr-HR" sz="1800" dirty="0">
+                <a:effectLst/>
+                <a:ea typeface="Calibri" panose="020F0502020204030204" pitchFamily="34" charset="0"/>
+              </a:rPr>
+              <a:t>Open </a:t>
+            </a:r>
+            <a:r>
+              <a:rPr lang="hr-HR" sz="1800" dirty="0" err="1">
+                <a:effectLst/>
+                <a:ea typeface="Calibri" panose="020F0502020204030204" pitchFamily="34" charset="0"/>
+              </a:rPr>
+              <a:t>source</a:t>
+            </a:r>
+            <a:r>
+              <a:rPr lang="hr-HR" sz="1800" dirty="0">
+                <a:effectLst/>
+                <a:ea typeface="Calibri" panose="020F0502020204030204" pitchFamily="34" charset="0"/>
+              </a:rPr>
+              <a:t> operacijski sustav</a:t>
+            </a:r>
+          </a:p>
+          <a:p>
+            <a:pPr lvl="1"/>
+            <a:r>
+              <a:rPr lang="hr-HR" dirty="0">
+                <a:ea typeface="Calibri" panose="020F0502020204030204" pitchFamily="34" charset="0"/>
+              </a:rPr>
+              <a:t>Preko 300 distribucija se aktivno održava</a:t>
+            </a:r>
+            <a:endParaRPr lang="hr-HR" sz="1800" dirty="0">
+              <a:effectLst/>
+              <a:ea typeface="Calibri" panose="020F0502020204030204" pitchFamily="34" charset="0"/>
+            </a:endParaRPr>
+          </a:p>
+          <a:p>
+            <a:pPr lvl="1"/>
+            <a:r>
+              <a:rPr lang="hr-HR" dirty="0">
+                <a:ea typeface="Calibri" panose="020F0502020204030204" pitchFamily="34" charset="0"/>
+              </a:rPr>
+              <a:t>Najveći </a:t>
+            </a:r>
+            <a:r>
+              <a:rPr lang="hr-HR" dirty="0" err="1">
+                <a:ea typeface="Calibri" panose="020F0502020204030204" pitchFamily="34" charset="0"/>
+              </a:rPr>
+              <a:t>open</a:t>
+            </a:r>
+            <a:r>
+              <a:rPr lang="hr-HR" dirty="0">
+                <a:ea typeface="Calibri" panose="020F0502020204030204" pitchFamily="34" charset="0"/>
+              </a:rPr>
+              <a:t> </a:t>
+            </a:r>
+            <a:r>
+              <a:rPr lang="hr-HR" dirty="0" err="1">
+                <a:ea typeface="Calibri" panose="020F0502020204030204" pitchFamily="34" charset="0"/>
+              </a:rPr>
+              <a:t>source</a:t>
+            </a:r>
+            <a:r>
+              <a:rPr lang="hr-HR" dirty="0">
+                <a:ea typeface="Calibri" panose="020F0502020204030204" pitchFamily="34" charset="0"/>
+              </a:rPr>
+              <a:t> projekt</a:t>
+            </a:r>
+            <a:endParaRPr lang="hr-HR" sz="1800" dirty="0">
+              <a:effectLst/>
+              <a:ea typeface="Calibri" panose="020F0502020204030204" pitchFamily="34" charset="0"/>
+            </a:endParaRPr>
+          </a:p>
+          <a:p>
+            <a:pPr lvl="1"/>
+            <a:endParaRPr lang="en-US" dirty="0"/>
+          </a:p>
+        </p:txBody>
+      </p:sp>
+    </p:spTree>
+    <p:extLst>
+      <p:ext uri="{BB962C8B-B14F-4D97-AF65-F5344CB8AC3E}">
+        <p14:creationId xmlns:p14="http://schemas.microsoft.com/office/powerpoint/2010/main" val="1627910748"/>
+      </p:ext>
+    </p:extLst>
+  </p:cSld>
+  <p:clrMapOvr>
+    <a:masterClrMapping/>
+  </p:clrMapOvr>
+  <mc:AlternateContent xmlns:mc="http://schemas.openxmlformats.org/markup-compatibility/2006" xmlns:p14="http://schemas.microsoft.com/office/powerpoint/2010/main">
+    <mc:Choice Requires="p14">
+      <p:transition spd="med" p14:dur="700">
+        <p:fade/>
+      </p:transition>
+    </mc:Choice>
+    <mc:Fallback xmlns="">
+      <p:transition spd="med">
+        <p:fade/>
+      </p:transition>
+    </mc:Fallback>
+  </mc:AlternateContent>
+</p:sld>
+</file>
+
+<file path=ppt/slides/slide4.xml><?xml version="1.0" encoding="utf-8"?>
+<p:sld xmlns:a="http://schemas.openxmlformats.org/drawingml/2006/main" xmlns:r="http://schemas.openxmlformats.org/officeDocument/2006/relationships" xmlns:p="http://schemas.openxmlformats.org/presentationml/2006/main">
+  <p:cSld>
+    <p:spTree>
+      <p:nvGrpSpPr>
+        <p:cNvPr id="1" name=""/>
+        <p:cNvGrpSpPr/>
+        <p:nvPr/>
+      </p:nvGrpSpPr>
+      <p:grpSpPr>
+        <a:xfrm>
+          <a:off x="0" y="0"/>
+          <a:ext cx="0" cy="0"/>
+          <a:chOff x="0" y="0"/>
+          <a:chExt cx="0" cy="0"/>
+        </a:xfrm>
+      </p:grpSpPr>
+      <p:sp>
+        <p:nvSpPr>
+          <p:cNvPr id="8" name="Title 1">
+            <a:extLst>
+              <a:ext uri="{FF2B5EF4-FFF2-40B4-BE49-F238E27FC236}">
+                <a16:creationId xmlns:a16="http://schemas.microsoft.com/office/drawing/2014/main" id="{31A8EA32-49D0-8B46-6D4C-BF4D7E3D78A9}"/>
+              </a:ext>
+            </a:extLst>
+          </p:cNvPr>
+          <p:cNvSpPr>
+            <a:spLocks noGrp="1"/>
+          </p:cNvSpPr>
+          <p:nvPr>
+            <p:ph type="title"/>
+          </p:nvPr>
+        </p:nvSpPr>
+        <p:spPr>
+          <a:xfrm>
+            <a:off x="762000" y="715961"/>
+            <a:ext cx="6477000" cy="1189038"/>
+          </a:xfrm>
+        </p:spPr>
+        <p:txBody>
+          <a:bodyPr/>
+          <a:lstStyle/>
+          <a:p>
+            <a:r>
+              <a:rPr lang="hr-HR" dirty="0"/>
+              <a:t>Kratko o Linuxu</a:t>
+            </a:r>
+            <a:endParaRPr lang="en-US" dirty="0"/>
+          </a:p>
+        </p:txBody>
+      </p:sp>
+      <p:sp>
+        <p:nvSpPr>
+          <p:cNvPr id="10" name="Text Placeholder 2">
+            <a:extLst>
+              <a:ext uri="{FF2B5EF4-FFF2-40B4-BE49-F238E27FC236}">
+                <a16:creationId xmlns:a16="http://schemas.microsoft.com/office/drawing/2014/main" id="{F08ECEB8-E85E-BCCF-A2CA-3AE04D944C23}"/>
+              </a:ext>
+            </a:extLst>
+          </p:cNvPr>
+          <p:cNvSpPr>
+            <a:spLocks noGrp="1"/>
+          </p:cNvSpPr>
+          <p:nvPr>
+            <p:ph type="body" sz="quarter" idx="11"/>
+          </p:nvPr>
+        </p:nvSpPr>
+        <p:spPr>
+          <a:xfrm>
+            <a:off x="762000" y="1905000"/>
+            <a:ext cx="6477000" cy="3276600"/>
+          </a:xfrm>
+        </p:spPr>
+        <p:txBody>
+          <a:bodyPr/>
+          <a:lstStyle/>
+          <a:p>
+            <a:pPr marL="285750" indent="-285750">
+              <a:buFont typeface="Arial" panose="020B0604020202020204" pitchFamily="34" charset="0"/>
+              <a:buChar char="•"/>
+            </a:pPr>
+            <a:r>
+              <a:rPr lang="hr-HR" b="0" dirty="0"/>
+              <a:t>Svatko može:</a:t>
+            </a:r>
+          </a:p>
+          <a:p>
+            <a:pPr marL="571500" lvl="1" indent="-342900"/>
+            <a:r>
+              <a:rPr lang="hr-HR" dirty="0"/>
+              <a:t>Pokretati</a:t>
+            </a:r>
+          </a:p>
+          <a:p>
+            <a:pPr marL="571500" lvl="1" indent="-342900"/>
+            <a:r>
+              <a:rPr lang="hr-HR" b="0" dirty="0"/>
+              <a:t>Modificirati</a:t>
+            </a:r>
+          </a:p>
+          <a:p>
+            <a:pPr marL="571500" lvl="1" indent="-342900"/>
+            <a:r>
+              <a:rPr lang="hr-HR" dirty="0"/>
+              <a:t>Redistribuirati </a:t>
+            </a:r>
+            <a:endParaRPr lang="hr-HR" b="0" dirty="0"/>
+          </a:p>
+          <a:p>
+            <a:pPr marL="285750" indent="-285750">
+              <a:buFont typeface="Arial" panose="020B0604020202020204" pitchFamily="34" charset="0"/>
+              <a:buChar char="•"/>
+            </a:pPr>
+            <a:r>
+              <a:rPr lang="hr-HR" b="0" dirty="0"/>
+              <a:t>U razvoju Linux </a:t>
+            </a:r>
+            <a:r>
+              <a:rPr lang="hr-HR" b="0" dirty="0" err="1"/>
+              <a:t>Kernela</a:t>
+            </a:r>
+            <a:r>
+              <a:rPr lang="hr-HR" b="0" dirty="0"/>
+              <a:t> i njegovom nadograđivanju sudjelovalo preko 15 600 programera</a:t>
+            </a:r>
+          </a:p>
+          <a:p>
+            <a:pPr marL="285750" indent="-285750">
+              <a:buFont typeface="Arial" panose="020B0604020202020204" pitchFamily="34" charset="0"/>
+              <a:buChar char="•"/>
+            </a:pPr>
+            <a:r>
+              <a:rPr lang="hr-HR" b="0" dirty="0"/>
+              <a:t>Primarno bio namijenjen za stolna računala</a:t>
+            </a:r>
+          </a:p>
+          <a:p>
+            <a:pPr marL="285750" indent="-285750">
+              <a:buFont typeface="Arial" panose="020B0604020202020204" pitchFamily="34" charset="0"/>
+              <a:buChar char="•"/>
+            </a:pPr>
+            <a:endParaRPr lang="en-US" b="0" dirty="0"/>
+          </a:p>
+        </p:txBody>
+      </p:sp>
+    </p:spTree>
+    <p:extLst>
+      <p:ext uri="{BB962C8B-B14F-4D97-AF65-F5344CB8AC3E}">
+        <p14:creationId xmlns:p14="http://schemas.microsoft.com/office/powerpoint/2010/main" val="694331275"/>
+      </p:ext>
+    </p:extLst>
+  </p:cSld>
+  <p:clrMapOvr>
+    <a:masterClrMapping/>
+  </p:clrMapOvr>
+  <mc:AlternateContent xmlns:mc="http://schemas.openxmlformats.org/markup-compatibility/2006" xmlns:p14="http://schemas.microsoft.com/office/powerpoint/2010/main">
+    <mc:Choice Requires="p14">
+      <p:transition spd="med" p14:dur="700">
+        <p:fade/>
+      </p:transition>
+    </mc:Choice>
+    <mc:Fallback xmlns="">
+      <p:transition spd="med">
+        <p:fade/>
+      </p:transition>
+    </mc:Fallback>
+  </mc:AlternateContent>
+</p:sld>
+</file>
+
+<file path=ppt/slides/slide5.xml><?xml version="1.0" encoding="utf-8"?>
+<p:sld xmlns:a="http://schemas.openxmlformats.org/drawingml/2006/main" xmlns:r="http://schemas.openxmlformats.org/officeDocument/2006/relationships" xmlns:p="http://schemas.openxmlformats.org/presentationml/2006/main">
+  <p:cSld>
+    <p:spTree>
+      <p:nvGrpSpPr>
+        <p:cNvPr id="1" name=""/>
+        <p:cNvGrpSpPr/>
+        <p:nvPr/>
+      </p:nvGrpSpPr>
+      <p:grpSpPr>
+        <a:xfrm>
+          <a:off x="0" y="0"/>
+          <a:ext cx="0" cy="0"/>
+          <a:chOff x="0" y="0"/>
+          <a:chExt cx="0" cy="0"/>
+        </a:xfrm>
+      </p:grpSpPr>
+      <p:sp>
+        <p:nvSpPr>
+          <p:cNvPr id="2" name="Title 1">
+            <a:extLst>
+              <a:ext uri="{FF2B5EF4-FFF2-40B4-BE49-F238E27FC236}">
+                <a16:creationId xmlns:a16="http://schemas.microsoft.com/office/drawing/2014/main" id="{F3BE5E0C-BE21-4A82-84D1-FEBAAFA6ECED}"/>
+              </a:ext>
+            </a:extLst>
+          </p:cNvPr>
+          <p:cNvSpPr>
+            <a:spLocks noGrp="1"/>
+          </p:cNvSpPr>
+          <p:nvPr>
+            <p:ph type="title"/>
+          </p:nvPr>
+        </p:nvSpPr>
+        <p:spPr/>
+        <p:txBody>
+          <a:bodyPr/>
+          <a:lstStyle/>
+          <a:p>
+            <a:r>
+              <a:rPr lang="hr-HR" dirty="0"/>
+              <a:t>Povijest razvoja</a:t>
+            </a:r>
+          </a:p>
+        </p:txBody>
+      </p:sp>
+      <p:sp>
+        <p:nvSpPr>
+          <p:cNvPr id="3" name="Text Placeholder 2">
+            <a:extLst>
+              <a:ext uri="{FF2B5EF4-FFF2-40B4-BE49-F238E27FC236}">
+                <a16:creationId xmlns:a16="http://schemas.microsoft.com/office/drawing/2014/main" id="{E06E2ED8-3865-44D8-93F5-56A418B281FC}"/>
+              </a:ext>
+            </a:extLst>
+          </p:cNvPr>
+          <p:cNvSpPr>
+            <a:spLocks noGrp="1"/>
+          </p:cNvSpPr>
+          <p:nvPr>
+            <p:ph type="body" sz="quarter" idx="11"/>
+          </p:nvPr>
+        </p:nvSpPr>
+        <p:spPr/>
+        <p:txBody>
+          <a:bodyPr/>
+          <a:lstStyle/>
+          <a:p>
+            <a:pPr marL="285750" indent="-285750">
+              <a:buFont typeface="Arial" panose="020B0604020202020204" pitchFamily="34" charset="0"/>
+              <a:buChar char="•"/>
+            </a:pPr>
+            <a:r>
+              <a:rPr lang="hr-HR" b="0" dirty="0"/>
+              <a:t>Započet kao </a:t>
+            </a:r>
+            <a:r>
+              <a:rPr lang="hr-HR" b="0" dirty="0" err="1"/>
+              <a:t>Linusov</a:t>
+            </a:r>
+            <a:r>
+              <a:rPr lang="hr-HR" b="0" dirty="0"/>
+              <a:t> osobni projekt </a:t>
+            </a:r>
+          </a:p>
+          <a:p>
+            <a:pPr marL="285750" indent="-285750">
+              <a:buFont typeface="Arial" panose="020B0604020202020204" pitchFamily="34" charset="0"/>
+              <a:buChar char="•"/>
+            </a:pPr>
+            <a:r>
+              <a:rPr lang="hr-HR" b="0" dirty="0"/>
+              <a:t>Cilj je izraditi novi besplatni OS </a:t>
+            </a:r>
+            <a:r>
+              <a:rPr lang="hr-HR" b="0" dirty="0" err="1"/>
+              <a:t>kernel</a:t>
+            </a:r>
+            <a:endParaRPr lang="hr-HR" b="0" dirty="0"/>
+          </a:p>
+          <a:p>
+            <a:pPr marL="285750" indent="-285750">
+              <a:buFont typeface="Arial" panose="020B0604020202020204" pitchFamily="34" charset="0"/>
+              <a:buChar char="•"/>
+            </a:pPr>
+            <a:r>
+              <a:rPr lang="hr-HR" b="0" dirty="0"/>
+              <a:t>1992. izbacuje Linux </a:t>
+            </a:r>
+            <a:r>
+              <a:rPr lang="hr-HR" b="0" dirty="0" err="1"/>
+              <a:t>Kernel</a:t>
+            </a:r>
+            <a:r>
+              <a:rPr lang="hr-HR" b="0" dirty="0"/>
+              <a:t> pod GNU GPL licencom</a:t>
+            </a:r>
+          </a:p>
+        </p:txBody>
+      </p:sp>
+    </p:spTree>
+    <p:extLst>
+      <p:ext uri="{BB962C8B-B14F-4D97-AF65-F5344CB8AC3E}">
+        <p14:creationId xmlns:p14="http://schemas.microsoft.com/office/powerpoint/2010/main" val="4093969661"/>
+      </p:ext>
+    </p:extLst>
+  </p:cSld>
+  <p:clrMapOvr>
+    <a:masterClrMapping/>
+  </p:clrMapOvr>
+  <mc:AlternateContent xmlns:mc="http://schemas.openxmlformats.org/markup-compatibility/2006" xmlns:p14="http://schemas.microsoft.com/office/powerpoint/2010/main">
+    <mc:Choice Requires="p14">
+      <p:transition spd="med" p14:dur="700">
+        <p:fade/>
+      </p:transition>
+    </mc:Choice>
+    <mc:Fallback xmlns="">
+      <p:transition spd="med">
+        <p:fade/>
+      </p:transition>
+    </mc:Fallback>
+  </mc:AlternateContent>
+</p:sld>
+</file>
+
+<file path=ppt/slides/slide6.xml><?xml version="1.0" encoding="utf-8"?>
+<p:sld xmlns:a="http://schemas.openxmlformats.org/drawingml/2006/main" xmlns:r="http://schemas.openxmlformats.org/officeDocument/2006/relationships" xmlns:p="http://schemas.openxmlformats.org/presentationml/2006/main">
+  <p:cSld>
+    <p:spTree>
+      <p:nvGrpSpPr>
+        <p:cNvPr id="1" name=""/>
+        <p:cNvGrpSpPr/>
+        <p:nvPr/>
+      </p:nvGrpSpPr>
+      <p:grpSpPr>
+        <a:xfrm>
+          <a:off x="0" y="0"/>
+          <a:ext cx="0" cy="0"/>
+          <a:chOff x="0" y="0"/>
+          <a:chExt cx="0" cy="0"/>
+        </a:xfrm>
+      </p:grpSpPr>
+      <p:sp>
+        <p:nvSpPr>
+          <p:cNvPr id="2" name="Title 1">
+            <a:extLst>
+              <a:ext uri="{FF2B5EF4-FFF2-40B4-BE49-F238E27FC236}">
+                <a16:creationId xmlns:a16="http://schemas.microsoft.com/office/drawing/2014/main" id="{8636D20F-D3AB-42E1-938C-096C201C810D}"/>
+              </a:ext>
+            </a:extLst>
+          </p:cNvPr>
+          <p:cNvSpPr>
+            <a:spLocks noGrp="1"/>
+          </p:cNvSpPr>
+          <p:nvPr>
+            <p:ph type="title"/>
+          </p:nvPr>
+        </p:nvSpPr>
+        <p:spPr/>
+        <p:txBody>
+          <a:bodyPr/>
+          <a:lstStyle/>
+          <a:p>
+            <a:r>
+              <a:rPr lang="hr-HR" dirty="0"/>
+              <a:t>Linux zajednica</a:t>
+            </a:r>
+          </a:p>
+        </p:txBody>
+      </p:sp>
+      <p:sp>
+        <p:nvSpPr>
+          <p:cNvPr id="3" name="Text Placeholder 2">
+            <a:extLst>
+              <a:ext uri="{FF2B5EF4-FFF2-40B4-BE49-F238E27FC236}">
+                <a16:creationId xmlns:a16="http://schemas.microsoft.com/office/drawing/2014/main" id="{A6950357-2408-4CA6-B920-DC83783FAF61}"/>
+              </a:ext>
+            </a:extLst>
+          </p:cNvPr>
+          <p:cNvSpPr>
+            <a:spLocks noGrp="1"/>
+          </p:cNvSpPr>
+          <p:nvPr>
+            <p:ph type="body" sz="quarter" idx="11"/>
+          </p:nvPr>
+        </p:nvSpPr>
+        <p:spPr/>
+        <p:txBody>
+          <a:bodyPr/>
+          <a:lstStyle/>
+          <a:p>
+            <a:pPr marL="285750" indent="-285750">
+              <a:buFont typeface="Arial" panose="020B0604020202020204" pitchFamily="34" charset="0"/>
+              <a:buChar char="•"/>
+            </a:pPr>
+            <a:r>
+              <a:rPr lang="hr-HR" b="0" dirty="0"/>
+              <a:t>Najveći doprinos razvoju Linuxa od strane njegove zajednice</a:t>
+            </a:r>
+          </a:p>
+          <a:p>
+            <a:pPr marL="285750" indent="-285750">
+              <a:buFont typeface="Arial" panose="020B0604020202020204" pitchFamily="34" charset="0"/>
+              <a:buChar char="•"/>
+            </a:pPr>
+            <a:r>
+              <a:rPr lang="hr-HR" b="0" dirty="0"/>
+              <a:t>Tvrtke koje se bave razvojem Linuxa: </a:t>
+            </a:r>
+            <a:r>
+              <a:rPr lang="hr-HR" b="0" dirty="0" err="1"/>
+              <a:t>Redhat</a:t>
+            </a:r>
+            <a:r>
+              <a:rPr lang="hr-HR" b="0" dirty="0"/>
+              <a:t>, </a:t>
+            </a:r>
+            <a:r>
+              <a:rPr lang="hr-HR" b="0" dirty="0" err="1"/>
+              <a:t>Canonical</a:t>
+            </a:r>
+            <a:r>
+              <a:rPr lang="hr-HR" b="0" dirty="0"/>
+              <a:t>, </a:t>
+            </a:r>
+            <a:r>
+              <a:rPr lang="hr-HR" b="0" dirty="0" err="1"/>
+              <a:t>Slackware</a:t>
+            </a:r>
+            <a:r>
+              <a:rPr lang="hr-HR" b="0" dirty="0"/>
+              <a:t>…</a:t>
+            </a:r>
+          </a:p>
+          <a:p>
+            <a:pPr marL="285750" indent="-285750">
+              <a:buFont typeface="Arial" panose="020B0604020202020204" pitchFamily="34" charset="0"/>
+              <a:buChar char="•"/>
+            </a:pPr>
+            <a:r>
+              <a:rPr lang="hr-HR" b="0" dirty="0"/>
+              <a:t>Neke od distribucija: Ubuntu, </a:t>
+            </a:r>
+            <a:r>
+              <a:rPr lang="hr-HR" b="0" dirty="0" err="1"/>
+              <a:t>Manjaro</a:t>
+            </a:r>
+            <a:r>
+              <a:rPr lang="hr-HR" b="0" dirty="0"/>
+              <a:t>, </a:t>
+            </a:r>
+            <a:r>
+              <a:rPr lang="hr-HR" b="0" dirty="0" err="1"/>
+              <a:t>Debian</a:t>
+            </a:r>
+            <a:r>
+              <a:rPr lang="hr-HR" b="0" dirty="0"/>
+              <a:t>, Fedora…</a:t>
+            </a:r>
+          </a:p>
+          <a:p>
+            <a:pPr marL="285750" indent="-285750">
+              <a:buFont typeface="Arial" panose="020B0604020202020204" pitchFamily="34" charset="0"/>
+              <a:buChar char="•"/>
+            </a:pPr>
+            <a:endParaRPr lang="hr-HR" b="0" dirty="0"/>
+          </a:p>
+          <a:p>
+            <a:pPr marL="285750" indent="-285750">
+              <a:buFont typeface="Arial" panose="020B0604020202020204" pitchFamily="34" charset="0"/>
+              <a:buChar char="•"/>
+            </a:pPr>
+            <a:endParaRPr lang="hr-HR" b="0" dirty="0"/>
+          </a:p>
+        </p:txBody>
+      </p:sp>
+    </p:spTree>
+    <p:extLst>
+      <p:ext uri="{BB962C8B-B14F-4D97-AF65-F5344CB8AC3E}">
+        <p14:creationId xmlns:p14="http://schemas.microsoft.com/office/powerpoint/2010/main" val="2947031392"/>
+      </p:ext>
+    </p:extLst>
+  </p:cSld>
+  <p:clrMapOvr>
+    <a:masterClrMapping/>
+  </p:clrMapOvr>
+  <mc:AlternateContent xmlns:mc="http://schemas.openxmlformats.org/markup-compatibility/2006" xmlns:p14="http://schemas.microsoft.com/office/powerpoint/2010/main">
+    <mc:Choice Requires="p14">
+      <p:transition spd="med" p14:dur="700">
+        <p:fade/>
+      </p:transition>
+    </mc:Choice>
+    <mc:Fallback xmlns="">
+      <p:transition spd="med">
+        <p:fade/>
+      </p:transition>
+    </mc:Fallback>
+  </mc:AlternateContent>
+</p:sld>
+</file>
+
+<file path=ppt/slides/slide7.xml><?xml version="1.0" encoding="utf-8"?>
+<p:sld xmlns:a="http://schemas.openxmlformats.org/drawingml/2006/main" xmlns:r="http://schemas.openxmlformats.org/officeDocument/2006/relationships" xmlns:p="http://schemas.openxmlformats.org/presentationml/2006/main">
+  <p:cSld>
+    <p:spTree>
+      <p:nvGrpSpPr>
+        <p:cNvPr id="1" name=""/>
+        <p:cNvGrpSpPr/>
+        <p:nvPr/>
+      </p:nvGrpSpPr>
+      <p:grpSpPr>
+        <a:xfrm>
+          <a:off x="0" y="0"/>
+          <a:ext cx="0" cy="0"/>
+          <a:chOff x="0" y="0"/>
+          <a:chExt cx="0" cy="0"/>
+        </a:xfrm>
+      </p:grpSpPr>
+      <p:sp>
+        <p:nvSpPr>
+          <p:cNvPr id="2" name="Title 1">
+            <a:extLst>
+              <a:ext uri="{FF2B5EF4-FFF2-40B4-BE49-F238E27FC236}">
+                <a16:creationId xmlns:a16="http://schemas.microsoft.com/office/drawing/2014/main" id="{C5BE30B8-90FF-4074-BFD6-E1B1E50D12B2}"/>
+              </a:ext>
+            </a:extLst>
+          </p:cNvPr>
+          <p:cNvSpPr>
+            <a:spLocks noGrp="1"/>
+          </p:cNvSpPr>
+          <p:nvPr>
+            <p:ph type="title"/>
+          </p:nvPr>
+        </p:nvSpPr>
+        <p:spPr/>
+        <p:txBody>
+          <a:bodyPr/>
+          <a:lstStyle/>
+          <a:p>
+            <a:r>
+              <a:rPr lang="hr-HR" dirty="0"/>
+              <a:t>Vremenski razvoj Linux </a:t>
+            </a:r>
+            <a:r>
+              <a:rPr lang="hr-HR" dirty="0" err="1"/>
+              <a:t>Kernela</a:t>
+            </a:r>
+            <a:endParaRPr lang="hr-HR" dirty="0"/>
+          </a:p>
+        </p:txBody>
+      </p:sp>
+      <p:sp>
+        <p:nvSpPr>
+          <p:cNvPr id="3" name="Text Placeholder 2">
+            <a:extLst>
+              <a:ext uri="{FF2B5EF4-FFF2-40B4-BE49-F238E27FC236}">
+                <a16:creationId xmlns:a16="http://schemas.microsoft.com/office/drawing/2014/main" id="{4CE0D501-3CC9-4BD6-B00F-577C005BCAE1}"/>
+              </a:ext>
+            </a:extLst>
+          </p:cNvPr>
+          <p:cNvSpPr>
+            <a:spLocks noGrp="1"/>
+          </p:cNvSpPr>
+          <p:nvPr>
+            <p:ph type="body" sz="quarter" idx="11"/>
+          </p:nvPr>
+        </p:nvSpPr>
+        <p:spPr/>
+        <p:txBody>
+          <a:bodyPr/>
+          <a:lstStyle/>
+          <a:p>
+            <a:pPr marL="285750" indent="-285750">
+              <a:buFont typeface="Arial" panose="020B0604020202020204" pitchFamily="34" charset="0"/>
+              <a:buChar char="•"/>
+            </a:pPr>
+            <a:r>
+              <a:rPr lang="hr-HR" b="0" dirty="0"/>
+              <a:t>1991. Započet rad na Linuxu</a:t>
+            </a:r>
+          </a:p>
+          <a:p>
+            <a:pPr marL="285750" indent="-285750">
+              <a:buFont typeface="Arial" panose="020B0604020202020204" pitchFamily="34" charset="0"/>
+              <a:buChar char="•"/>
+            </a:pPr>
+            <a:r>
+              <a:rPr lang="hr-HR" b="0" dirty="0"/>
+              <a:t>1994. Linux objavljuje Linux verziju 1.0</a:t>
+            </a:r>
+          </a:p>
+          <a:p>
+            <a:pPr marL="285750" indent="-285750">
+              <a:buFont typeface="Arial" panose="020B0604020202020204" pitchFamily="34" charset="0"/>
+              <a:buChar char="•"/>
+            </a:pPr>
+            <a:r>
+              <a:rPr lang="hr-HR" b="0" dirty="0"/>
+              <a:t>2013. 75% mobilnih telefona koristi Android</a:t>
+            </a:r>
+          </a:p>
+          <a:p>
+            <a:pPr marL="285750" indent="-285750">
+              <a:buFont typeface="Arial" panose="020B0604020202020204" pitchFamily="34" charset="0"/>
+              <a:buChar char="•"/>
+            </a:pPr>
+            <a:r>
+              <a:rPr lang="hr-HR" b="0" dirty="0"/>
+              <a:t>2014. Ubuntu izjavljuje da ima 22 milijuna korisnika</a:t>
+            </a:r>
+          </a:p>
+        </p:txBody>
+      </p:sp>
+    </p:spTree>
+    <p:extLst>
+      <p:ext uri="{BB962C8B-B14F-4D97-AF65-F5344CB8AC3E}">
+        <p14:creationId xmlns:p14="http://schemas.microsoft.com/office/powerpoint/2010/main" val="2282581988"/>
+      </p:ext>
+    </p:extLst>
+  </p:cSld>
+  <p:clrMapOvr>
+    <a:masterClrMapping/>
+  </p:clrMapOvr>
+  <mc:AlternateContent xmlns:mc="http://schemas.openxmlformats.org/markup-compatibility/2006" xmlns:p14="http://schemas.microsoft.com/office/powerpoint/2010/main">
+    <mc:Choice Requires="p14">
+      <p:transition spd="med" p14:dur="700">
+        <p:fade/>
+      </p:transition>
+    </mc:Choice>
+    <mc:Fallback xmlns="">
+      <p:transition spd="med">
+        <p:fade/>
+      </p:transition>
+    </mc:Fallback>
+  </mc:AlternateContent>
+</p:sld>
+</file>
+
+<file path=ppt/slides/slide8.xml><?xml version="1.0" encoding="utf-8"?>
+<p:sld xmlns:a="http://schemas.openxmlformats.org/drawingml/2006/main" xmlns:r="http://schemas.openxmlformats.org/officeDocument/2006/relationships" xmlns:p="http://schemas.openxmlformats.org/presentationml/2006/main">
+  <p:cSld>
     <p:bg>
       <p:bgPr>
         <a:solidFill>
@@ -9519,7 +12269,7 @@
 </p:sld>
 </file>
 
-<file path=ppt/slides/slide4.xml><?xml version="1.0" encoding="utf-8"?>
+<file path=ppt/slides/slide9.xml><?xml version="1.0" encoding="utf-8"?>
 <p:sld xmlns:a="http://schemas.openxmlformats.org/drawingml/2006/main" xmlns:r="http://schemas.openxmlformats.org/officeDocument/2006/relationships" xmlns:p="http://schemas.openxmlformats.org/presentationml/2006/main">
   <p:cSld>
     <p:spTree>
@@ -9669,1942 +12419,6 @@
     <p:extLst>
       <p:ext uri="{BB962C8B-B14F-4D97-AF65-F5344CB8AC3E}">
         <p14:creationId xmlns:p14="http://schemas.microsoft.com/office/powerpoint/2010/main" val="1470979386"/>
-      </p:ext>
-    </p:extLst>
-  </p:cSld>
-  <p:clrMapOvr>
-    <a:masterClrMapping/>
-  </p:clrMapOvr>
-  <mc:AlternateContent xmlns:mc="http://schemas.openxmlformats.org/markup-compatibility/2006" xmlns:p14="http://schemas.microsoft.com/office/powerpoint/2010/main">
-    <mc:Choice Requires="p14">
-      <p:transition spd="med" p14:dur="700">
-        <p:fade/>
-      </p:transition>
-    </mc:Choice>
-    <mc:Fallback xmlns="">
-      <p:transition spd="med">
-        <p:fade/>
-      </p:transition>
-    </mc:Fallback>
-  </mc:AlternateContent>
-</p:sld>
-</file>
-
-<file path=ppt/slides/slide5.xml><?xml version="1.0" encoding="utf-8"?>
-<p:sld xmlns:a="http://schemas.openxmlformats.org/drawingml/2006/main" xmlns:r="http://schemas.openxmlformats.org/officeDocument/2006/relationships" xmlns:p="http://schemas.openxmlformats.org/presentationml/2006/main">
-  <p:cSld>
-    <p:spTree>
-      <p:nvGrpSpPr>
-        <p:cNvPr id="1" name=""/>
-        <p:cNvGrpSpPr/>
-        <p:nvPr/>
-      </p:nvGrpSpPr>
-      <p:grpSpPr>
-        <a:xfrm>
-          <a:off x="0" y="0"/>
-          <a:ext cx="0" cy="0"/>
-          <a:chOff x="0" y="0"/>
-          <a:chExt cx="0" cy="0"/>
-        </a:xfrm>
-      </p:grpSpPr>
-      <p:sp>
-        <p:nvSpPr>
-          <p:cNvPr id="9219" name="Rectangle 8">
-            <a:extLst>
-              <a:ext uri="{FF2B5EF4-FFF2-40B4-BE49-F238E27FC236}">
-                <a16:creationId xmlns:a16="http://schemas.microsoft.com/office/drawing/2014/main" id="{A17D04F1-4318-4DD6-B27E-D66AE4D426B2}"/>
-              </a:ext>
-            </a:extLst>
-          </p:cNvPr>
-          <p:cNvSpPr>
-            <a:spLocks noGrp="1" noChangeArrowheads="1"/>
-          </p:cNvSpPr>
-          <p:nvPr>
-            <p:ph type="body" sz="quarter" idx="11"/>
-          </p:nvPr>
-        </p:nvSpPr>
-        <p:spPr>
-          <a:xfrm>
-            <a:off x="762000" y="1905000"/>
-            <a:ext cx="5334000" cy="3276600"/>
-          </a:xfrm>
-        </p:spPr>
-        <p:txBody>
-          <a:bodyPr vert="horz" lIns="91440" tIns="45720" rIns="91440" bIns="45720" rtlCol="0" anchor="t">
-            <a:normAutofit/>
-          </a:bodyPr>
-          <a:lstStyle/>
-          <a:p>
-            <a:r>
-              <a:rPr lang="hr-HR" altLang="en-US" dirty="0"/>
-              <a:t>Što je Manifest? </a:t>
-            </a:r>
-          </a:p>
-          <a:p>
-            <a:endParaRPr lang="en-US" altLang="en-US" dirty="0"/>
-          </a:p>
-          <a:p>
-            <a:pPr lvl="1"/>
-            <a:r>
-              <a:rPr lang="hr-HR" sz="1800" dirty="0">
-                <a:effectLst/>
-                <a:ea typeface="Times New Roman" panose="02020603050405020304" pitchFamily="18" charset="0"/>
-              </a:rPr>
-              <a:t>Opisuje Mozilline ciljeve i načela.</a:t>
-            </a:r>
-          </a:p>
-          <a:p>
-            <a:pPr marL="0" lvl="1" indent="0">
-              <a:buNone/>
-            </a:pPr>
-            <a:endParaRPr lang="hr-HR" sz="1800" dirty="0">
-              <a:effectLst/>
-              <a:ea typeface="Times New Roman" panose="02020603050405020304" pitchFamily="18" charset="0"/>
-            </a:endParaRPr>
-          </a:p>
-          <a:p>
-            <a:pPr lvl="1"/>
-            <a:r>
-              <a:rPr lang="hr-HR" dirty="0">
-                <a:ea typeface="Times New Roman" panose="02020603050405020304" pitchFamily="18" charset="0"/>
-              </a:rPr>
-              <a:t>O</a:t>
-            </a:r>
-            <a:r>
-              <a:rPr lang="hr-HR" sz="1800" dirty="0">
-                <a:effectLst/>
-                <a:ea typeface="Times New Roman" panose="02020603050405020304" pitchFamily="18" charset="0"/>
-              </a:rPr>
-              <a:t>crtava ono što Mozilla vidi kao svoje mjesto u razvoju interneta.</a:t>
-            </a:r>
-          </a:p>
-          <a:p>
-            <a:pPr lvl="1"/>
-            <a:endParaRPr lang="hr-HR" altLang="en-US" dirty="0"/>
-          </a:p>
-          <a:p>
-            <a:pPr lvl="1"/>
-            <a:r>
-              <a:rPr lang="hr-HR" altLang="en-US" dirty="0"/>
-              <a:t>Izlaže 10 njihovih principa.</a:t>
-            </a:r>
-            <a:endParaRPr lang="en-US" altLang="en-US" dirty="0"/>
-          </a:p>
-        </p:txBody>
-      </p:sp>
-      <p:sp>
-        <p:nvSpPr>
-          <p:cNvPr id="12" name="Title 2">
-            <a:extLst>
-              <a:ext uri="{FF2B5EF4-FFF2-40B4-BE49-F238E27FC236}">
-                <a16:creationId xmlns:a16="http://schemas.microsoft.com/office/drawing/2014/main" id="{FDC014BA-00DC-45BF-903B-A883CEB0B4E7}"/>
-              </a:ext>
-            </a:extLst>
-          </p:cNvPr>
-          <p:cNvSpPr>
-            <a:spLocks noGrp="1"/>
-          </p:cNvSpPr>
-          <p:nvPr>
-            <p:ph type="title"/>
-          </p:nvPr>
-        </p:nvSpPr>
-        <p:spPr>
-          <a:xfrm>
-            <a:off x="762000" y="600634"/>
-            <a:ext cx="4320746" cy="379668"/>
-          </a:xfrm>
-        </p:spPr>
-        <p:txBody>
-          <a:bodyPr>
-            <a:normAutofit fontScale="90000"/>
-          </a:bodyPr>
-          <a:lstStyle/>
-          <a:p>
-            <a:r>
-              <a:rPr lang="hr-HR" dirty="0">
-                <a:solidFill>
-                  <a:schemeClr val="accent3">
-                    <a:lumMod val="75000"/>
-                  </a:schemeClr>
-                </a:solidFill>
-              </a:rPr>
-              <a:t>Mozillin ”Manifest”</a:t>
-            </a:r>
-            <a:endParaRPr lang="en-US" dirty="0">
-              <a:solidFill>
-                <a:schemeClr val="accent3">
-                  <a:lumMod val="75000"/>
-                </a:schemeClr>
-              </a:solidFill>
-            </a:endParaRPr>
-          </a:p>
-        </p:txBody>
-      </p:sp>
-      <p:pic>
-        <p:nvPicPr>
-          <p:cNvPr id="6" name="Picture 5">
-            <a:extLst>
-              <a:ext uri="{FF2B5EF4-FFF2-40B4-BE49-F238E27FC236}">
-                <a16:creationId xmlns:a16="http://schemas.microsoft.com/office/drawing/2014/main" id="{43CD0E0C-F9A4-4F38-8264-10EB9D147E43}"/>
-              </a:ext>
-            </a:extLst>
-          </p:cNvPr>
-          <p:cNvPicPr>
-            <a:picLocks noChangeAspect="1"/>
-          </p:cNvPicPr>
-          <p:nvPr/>
-        </p:nvPicPr>
-        <p:blipFill>
-          <a:blip r:embed="rId3"/>
-          <a:stretch>
-            <a:fillRect/>
-          </a:stretch>
-        </p:blipFill>
-        <p:spPr>
-          <a:xfrm>
-            <a:off x="7250212" y="400458"/>
-            <a:ext cx="3679092" cy="2350980"/>
-          </a:xfrm>
-          <a:prstGeom prst="rect">
-            <a:avLst/>
-          </a:prstGeom>
-          <a:ln>
-            <a:noFill/>
-          </a:ln>
-          <a:effectLst>
-            <a:outerShdw blurRad="292100" dist="139700" dir="2700000" algn="tl" rotWithShape="0">
-              <a:srgbClr val="333333">
-                <a:alpha val="65000"/>
-              </a:srgbClr>
-            </a:outerShdw>
-          </a:effectLst>
-        </p:spPr>
-      </p:pic>
-      <p:pic>
-        <p:nvPicPr>
-          <p:cNvPr id="7" name="Picture 6">
-            <a:extLst>
-              <a:ext uri="{FF2B5EF4-FFF2-40B4-BE49-F238E27FC236}">
-                <a16:creationId xmlns:a16="http://schemas.microsoft.com/office/drawing/2014/main" id="{F32EAB65-FD6E-4F0F-AB4E-19DE4FF39B26}"/>
-              </a:ext>
-            </a:extLst>
-          </p:cNvPr>
-          <p:cNvPicPr>
-            <a:picLocks noChangeAspect="1"/>
-          </p:cNvPicPr>
-          <p:nvPr/>
-        </p:nvPicPr>
-        <p:blipFill>
-          <a:blip r:embed="rId4"/>
-          <a:stretch>
-            <a:fillRect/>
-          </a:stretch>
-        </p:blipFill>
-        <p:spPr>
-          <a:xfrm>
-            <a:off x="7250211" y="3396564"/>
-            <a:ext cx="3673162" cy="2066154"/>
-          </a:xfrm>
-          <a:prstGeom prst="rect">
-            <a:avLst/>
-          </a:prstGeom>
-          <a:ln>
-            <a:noFill/>
-          </a:ln>
-          <a:effectLst>
-            <a:outerShdw blurRad="292100" dist="139700" dir="2700000" algn="tl" rotWithShape="0">
-              <a:srgbClr val="333333">
-                <a:alpha val="65000"/>
-              </a:srgbClr>
-            </a:outerShdw>
-          </a:effectLst>
-        </p:spPr>
-      </p:pic>
-    </p:spTree>
-  </p:cSld>
-  <p:clrMapOvr>
-    <a:masterClrMapping/>
-  </p:clrMapOvr>
-  <mc:AlternateContent xmlns:mc="http://schemas.openxmlformats.org/markup-compatibility/2006" xmlns:p14="http://schemas.microsoft.com/office/powerpoint/2010/main">
-    <mc:Choice Requires="p14">
-      <p:transition spd="med" p14:dur="700">
-        <p:fade/>
-      </p:transition>
-    </mc:Choice>
-    <mc:Fallback xmlns="">
-      <p:transition spd="med">
-        <p:fade/>
-      </p:transition>
-    </mc:Fallback>
-  </mc:AlternateContent>
-</p:sld>
-</file>
-
-<file path=ppt/slides/slide6.xml><?xml version="1.0" encoding="utf-8"?>
-<p:sld xmlns:a="http://schemas.openxmlformats.org/drawingml/2006/main" xmlns:r="http://schemas.openxmlformats.org/officeDocument/2006/relationships" xmlns:p="http://schemas.openxmlformats.org/presentationml/2006/main">
-  <p:cSld>
-    <p:spTree>
-      <p:nvGrpSpPr>
-        <p:cNvPr id="1" name=""/>
-        <p:cNvGrpSpPr/>
-        <p:nvPr/>
-      </p:nvGrpSpPr>
-      <p:grpSpPr>
-        <a:xfrm>
-          <a:off x="0" y="0"/>
-          <a:ext cx="0" cy="0"/>
-          <a:chOff x="0" y="0"/>
-          <a:chExt cx="0" cy="0"/>
-        </a:xfrm>
-      </p:grpSpPr>
-      <p:sp>
-        <p:nvSpPr>
-          <p:cNvPr id="3" name="Title 2">
-            <a:extLst>
-              <a:ext uri="{FF2B5EF4-FFF2-40B4-BE49-F238E27FC236}">
-                <a16:creationId xmlns:a16="http://schemas.microsoft.com/office/drawing/2014/main" id="{9202AD8E-4C7C-4A1B-89B1-9A0997F4F30E}"/>
-              </a:ext>
-            </a:extLst>
-          </p:cNvPr>
-          <p:cNvSpPr>
-            <a:spLocks noGrp="1"/>
-          </p:cNvSpPr>
-          <p:nvPr>
-            <p:ph type="title"/>
-          </p:nvPr>
-        </p:nvSpPr>
-        <p:spPr>
-          <a:xfrm>
-            <a:off x="762000" y="715961"/>
-            <a:ext cx="6477000" cy="1189038"/>
-          </a:xfrm>
-        </p:spPr>
-        <p:txBody>
-          <a:bodyPr/>
-          <a:lstStyle/>
-          <a:p>
-            <a:r>
-              <a:rPr lang="hr-HR" dirty="0">
-                <a:solidFill>
-                  <a:schemeClr val="accent1"/>
-                </a:solidFill>
-              </a:rPr>
-              <a:t>Software</a:t>
-            </a:r>
-            <a:endParaRPr lang="en-US" dirty="0">
-              <a:solidFill>
-                <a:schemeClr val="accent1"/>
-              </a:solidFill>
-            </a:endParaRPr>
-          </a:p>
-        </p:txBody>
-      </p:sp>
-      <p:sp>
-        <p:nvSpPr>
-          <p:cNvPr id="2" name="Text Placeholder 1">
-            <a:extLst>
-              <a:ext uri="{FF2B5EF4-FFF2-40B4-BE49-F238E27FC236}">
-                <a16:creationId xmlns:a16="http://schemas.microsoft.com/office/drawing/2014/main" id="{25A8ACB1-6D36-496B-91DD-D1C3128C1C73}"/>
-              </a:ext>
-            </a:extLst>
-          </p:cNvPr>
-          <p:cNvSpPr>
-            <a:spLocks noGrp="1"/>
-          </p:cNvSpPr>
-          <p:nvPr>
-            <p:ph type="body" sz="quarter" idx="11"/>
-          </p:nvPr>
-        </p:nvSpPr>
-        <p:spPr>
-          <a:xfrm>
-            <a:off x="762000" y="1374390"/>
-            <a:ext cx="3060357" cy="4767649"/>
-          </a:xfrm>
-        </p:spPr>
-        <p:txBody>
-          <a:bodyPr/>
-          <a:lstStyle/>
-          <a:p>
-            <a:r>
-              <a:rPr lang="hr-HR" altLang="en-US" dirty="0"/>
-              <a:t>Popis projekata</a:t>
-            </a:r>
-            <a:r>
-              <a:rPr lang="en-US" altLang="en-US" dirty="0"/>
-              <a:t>:</a:t>
-            </a:r>
-          </a:p>
-          <a:p>
-            <a:pPr lvl="1"/>
-            <a:r>
-              <a:rPr lang="hr-HR" b="1" dirty="0">
-                <a:solidFill>
-                  <a:schemeClr val="accent1"/>
-                </a:solidFill>
-              </a:rPr>
-              <a:t>Firefiox:</a:t>
-            </a:r>
-          </a:p>
-          <a:p>
-            <a:pPr lvl="2"/>
-            <a:r>
-              <a:rPr lang="hr-HR" sz="1400" dirty="0"/>
-              <a:t>Pretraživač</a:t>
-            </a:r>
-          </a:p>
-          <a:p>
-            <a:pPr lvl="2"/>
-            <a:r>
-              <a:rPr lang="hr-HR" sz="1400" dirty="0"/>
-              <a:t>za mobitele</a:t>
-            </a:r>
-          </a:p>
-          <a:p>
-            <a:pPr lvl="2"/>
-            <a:r>
-              <a:rPr lang="hr-HR" sz="1400" dirty="0"/>
-              <a:t>Focus</a:t>
-            </a:r>
-          </a:p>
-          <a:p>
-            <a:pPr lvl="2"/>
-            <a:r>
-              <a:rPr lang="hr-HR" sz="1400" dirty="0"/>
-              <a:t>Lockwise</a:t>
-            </a:r>
-          </a:p>
-          <a:p>
-            <a:pPr lvl="2"/>
-            <a:r>
-              <a:rPr lang="hr-HR" sz="1400" dirty="0"/>
-              <a:t>Monitor</a:t>
-            </a:r>
-          </a:p>
-          <a:p>
-            <a:pPr lvl="2"/>
-            <a:r>
-              <a:rPr lang="hr-HR" sz="1400" dirty="0"/>
-              <a:t>Send</a:t>
-            </a:r>
-          </a:p>
-          <a:p>
-            <a:pPr lvl="2"/>
-            <a:r>
-              <a:rPr lang="hr-HR" sz="1400" dirty="0"/>
-              <a:t>Private Relay</a:t>
-            </a:r>
-          </a:p>
-          <a:p>
-            <a:pPr lvl="2"/>
-            <a:r>
-              <a:rPr lang="hr-HR" sz="1400" dirty="0"/>
-              <a:t>Reality</a:t>
-            </a:r>
-          </a:p>
-          <a:p>
-            <a:pPr lvl="2"/>
-            <a:r>
-              <a:rPr lang="hr-HR" sz="1400" dirty="0"/>
-              <a:t>OS</a:t>
-            </a:r>
-          </a:p>
-          <a:p>
-            <a:pPr lvl="1"/>
-            <a:r>
-              <a:rPr lang="hr-HR" b="1" dirty="0">
-                <a:solidFill>
-                  <a:schemeClr val="accent1"/>
-                </a:solidFill>
-              </a:rPr>
-              <a:t>Thunderbird</a:t>
-            </a:r>
-          </a:p>
-          <a:p>
-            <a:pPr lvl="1"/>
-            <a:r>
-              <a:rPr lang="hr-HR" b="1" dirty="0">
-                <a:solidFill>
-                  <a:schemeClr val="accent1"/>
-                </a:solidFill>
-              </a:rPr>
-              <a:t>SeaMonkey</a:t>
-            </a:r>
-          </a:p>
-          <a:p>
-            <a:pPr lvl="1"/>
-            <a:r>
-              <a:rPr lang="hr-HR" b="1" dirty="0">
-                <a:solidFill>
-                  <a:schemeClr val="accent1"/>
-                </a:solidFill>
-              </a:rPr>
-              <a:t>Bugzilla</a:t>
-            </a:r>
-          </a:p>
-          <a:p>
-            <a:pPr lvl="1"/>
-            <a:r>
-              <a:rPr lang="hr-HR" b="1" dirty="0">
-                <a:solidFill>
-                  <a:schemeClr val="accent1"/>
-                </a:solidFill>
-              </a:rPr>
-              <a:t>SpiderMonkey</a:t>
-            </a:r>
-          </a:p>
-          <a:p>
-            <a:pPr lvl="1"/>
-            <a:r>
-              <a:rPr lang="hr-HR" b="1" dirty="0">
-                <a:solidFill>
-                  <a:schemeClr val="accent1"/>
-                </a:solidFill>
-              </a:rPr>
-              <a:t>Mozilla VPN</a:t>
-            </a:r>
-          </a:p>
-          <a:p>
-            <a:pPr lvl="1"/>
-            <a:endParaRPr lang="hr-HR" b="1" dirty="0">
-              <a:solidFill>
-                <a:schemeClr val="accent1"/>
-              </a:solidFill>
-            </a:endParaRPr>
-          </a:p>
-        </p:txBody>
-      </p:sp>
-      <p:sp>
-        <p:nvSpPr>
-          <p:cNvPr id="4" name="Text Placeholder 1">
-            <a:extLst>
-              <a:ext uri="{FF2B5EF4-FFF2-40B4-BE49-F238E27FC236}">
-                <a16:creationId xmlns:a16="http://schemas.microsoft.com/office/drawing/2014/main" id="{18F263B7-E042-485F-8355-68312DD0E5FD}"/>
-              </a:ext>
-            </a:extLst>
-          </p:cNvPr>
-          <p:cNvSpPr txBox="1">
-            <a:spLocks/>
-          </p:cNvSpPr>
-          <p:nvPr/>
-        </p:nvSpPr>
-        <p:spPr>
-          <a:xfrm>
-            <a:off x="4178643" y="1814383"/>
-            <a:ext cx="3060357" cy="4767649"/>
-          </a:xfrm>
-          <a:prstGeom prst="rect">
-            <a:avLst/>
-          </a:prstGeom>
-        </p:spPr>
-        <p:txBody>
-          <a:bodyPr/>
-          <a:lstStyle>
-            <a:lvl1pPr marL="0" indent="0" algn="l" defTabSz="914400" rtl="0" eaLnBrk="1" latinLnBrk="0" hangingPunct="1">
-              <a:lnSpc>
-                <a:spcPct val="100000"/>
-              </a:lnSpc>
-              <a:spcBef>
-                <a:spcPts val="1000"/>
-              </a:spcBef>
-              <a:buFont typeface="Arial" panose="020B0604020202020204" pitchFamily="34" charset="0"/>
-              <a:buNone/>
-              <a:defRPr sz="1800" b="1" kern="1200">
-                <a:solidFill>
-                  <a:schemeClr val="bg1"/>
-                </a:solidFill>
-                <a:latin typeface="+mn-lt"/>
-                <a:ea typeface="+mn-ea"/>
-                <a:cs typeface="+mn-cs"/>
-              </a:defRPr>
-            </a:lvl1pPr>
-            <a:lvl2pPr marL="228600" indent="-228600" algn="l" defTabSz="914400" rtl="0" eaLnBrk="1" latinLnBrk="0" hangingPunct="1">
-              <a:lnSpc>
-                <a:spcPct val="100000"/>
-              </a:lnSpc>
-              <a:spcBef>
-                <a:spcPts val="1000"/>
-              </a:spcBef>
-              <a:buFont typeface="Arial" panose="020B0604020202020204" pitchFamily="34" charset="0"/>
-              <a:buChar char="•"/>
-              <a:defRPr sz="1800" kern="1200">
-                <a:solidFill>
-                  <a:schemeClr val="bg1"/>
-                </a:solidFill>
-                <a:latin typeface="+mn-lt"/>
-                <a:ea typeface="+mn-ea"/>
-                <a:cs typeface="+mn-cs"/>
-              </a:defRPr>
-            </a:lvl2pPr>
-            <a:lvl3pPr marL="1143000" indent="-228600" algn="l" defTabSz="914400" rtl="0" eaLnBrk="1" latinLnBrk="0" hangingPunct="1">
-              <a:lnSpc>
-                <a:spcPct val="90000"/>
-              </a:lnSpc>
-              <a:spcBef>
-                <a:spcPts val="500"/>
-              </a:spcBef>
-              <a:buFont typeface="Arial" panose="020B0604020202020204" pitchFamily="34" charset="0"/>
-              <a:buChar char="•"/>
-              <a:defRPr sz="2000" kern="1200">
-                <a:solidFill>
-                  <a:schemeClr val="bg1"/>
-                </a:solidFill>
-                <a:latin typeface="+mn-lt"/>
-                <a:ea typeface="+mn-ea"/>
-                <a:cs typeface="+mn-cs"/>
-              </a:defRPr>
-            </a:lvl3pPr>
-            <a:lvl4pPr marL="1600200" indent="-228600" algn="l" defTabSz="914400" rtl="0" eaLnBrk="1" latinLnBrk="0" hangingPunct="1">
-              <a:lnSpc>
-                <a:spcPct val="90000"/>
-              </a:lnSpc>
-              <a:spcBef>
-                <a:spcPts val="500"/>
-              </a:spcBef>
-              <a:buFont typeface="Arial" panose="020B0604020202020204" pitchFamily="34" charset="0"/>
-              <a:buChar char="•"/>
-              <a:defRPr sz="1800" kern="1200">
-                <a:solidFill>
-                  <a:schemeClr val="bg1"/>
-                </a:solidFill>
-                <a:latin typeface="+mn-lt"/>
-                <a:ea typeface="+mn-ea"/>
-                <a:cs typeface="+mn-cs"/>
-              </a:defRPr>
-            </a:lvl4pPr>
-            <a:lvl5pPr marL="2057400" indent="-228600" algn="l" defTabSz="914400" rtl="0" eaLnBrk="1" latinLnBrk="0" hangingPunct="1">
-              <a:lnSpc>
-                <a:spcPct val="90000"/>
-              </a:lnSpc>
-              <a:spcBef>
-                <a:spcPts val="500"/>
-              </a:spcBef>
-              <a:buFont typeface="Arial" panose="020B0604020202020204" pitchFamily="34" charset="0"/>
-              <a:buChar char="•"/>
-              <a:defRPr sz="1800" kern="1200">
-                <a:solidFill>
-                  <a:schemeClr val="bg1"/>
-                </a:solidFill>
-                <a:latin typeface="+mn-lt"/>
-                <a:ea typeface="+mn-ea"/>
-                <a:cs typeface="+mn-cs"/>
-              </a:defRPr>
-            </a:lvl5pPr>
-            <a:lvl6pPr marL="2514600" indent="-228600" algn="l" defTabSz="914400" rtl="0" eaLnBrk="1" latinLnBrk="0" hangingPunct="1">
-              <a:lnSpc>
-                <a:spcPct val="90000"/>
-              </a:lnSpc>
-              <a:spcBef>
-                <a:spcPts val="500"/>
-              </a:spcBef>
-              <a:buFont typeface="Arial" panose="020B0604020202020204" pitchFamily="34" charset="0"/>
-              <a:buChar char="•"/>
-              <a:defRPr sz="1800" kern="1200">
-                <a:solidFill>
-                  <a:schemeClr val="tx1"/>
-                </a:solidFill>
-                <a:latin typeface="+mn-lt"/>
-                <a:ea typeface="+mn-ea"/>
-                <a:cs typeface="+mn-cs"/>
-              </a:defRPr>
-            </a:lvl6pPr>
-            <a:lvl7pPr marL="2971800" indent="-228600" algn="l" defTabSz="914400" rtl="0" eaLnBrk="1" latinLnBrk="0" hangingPunct="1">
-              <a:lnSpc>
-                <a:spcPct val="90000"/>
-              </a:lnSpc>
-              <a:spcBef>
-                <a:spcPts val="500"/>
-              </a:spcBef>
-              <a:buFont typeface="Arial" panose="020B0604020202020204" pitchFamily="34" charset="0"/>
-              <a:buChar char="•"/>
-              <a:defRPr sz="1800" kern="1200">
-                <a:solidFill>
-                  <a:schemeClr val="tx1"/>
-                </a:solidFill>
-                <a:latin typeface="+mn-lt"/>
-                <a:ea typeface="+mn-ea"/>
-                <a:cs typeface="+mn-cs"/>
-              </a:defRPr>
-            </a:lvl7pPr>
-            <a:lvl8pPr marL="3429000" indent="-228600" algn="l" defTabSz="914400" rtl="0" eaLnBrk="1" latinLnBrk="0" hangingPunct="1">
-              <a:lnSpc>
-                <a:spcPct val="90000"/>
-              </a:lnSpc>
-              <a:spcBef>
-                <a:spcPts val="500"/>
-              </a:spcBef>
-              <a:buFont typeface="Arial" panose="020B0604020202020204" pitchFamily="34" charset="0"/>
-              <a:buChar char="•"/>
-              <a:defRPr sz="1800" kern="1200">
-                <a:solidFill>
-                  <a:schemeClr val="tx1"/>
-                </a:solidFill>
-                <a:latin typeface="+mn-lt"/>
-                <a:ea typeface="+mn-ea"/>
-                <a:cs typeface="+mn-cs"/>
-              </a:defRPr>
-            </a:lvl8pPr>
-            <a:lvl9pPr marL="3886200" indent="-228600" algn="l" defTabSz="914400" rtl="0" eaLnBrk="1" latinLnBrk="0" hangingPunct="1">
-              <a:lnSpc>
-                <a:spcPct val="90000"/>
-              </a:lnSpc>
-              <a:spcBef>
-                <a:spcPts val="500"/>
-              </a:spcBef>
-              <a:buFont typeface="Arial" panose="020B0604020202020204" pitchFamily="34" charset="0"/>
-              <a:buChar char="•"/>
-              <a:defRPr sz="1800" kern="1200">
-                <a:solidFill>
-                  <a:schemeClr val="tx1"/>
-                </a:solidFill>
-                <a:latin typeface="+mn-lt"/>
-                <a:ea typeface="+mn-ea"/>
-                <a:cs typeface="+mn-cs"/>
-              </a:defRPr>
-            </a:lvl9pPr>
-          </a:lstStyle>
-          <a:p>
-            <a:pPr lvl="1" fontAlgn="auto">
-              <a:spcAft>
-                <a:spcPts val="0"/>
-              </a:spcAft>
-            </a:pPr>
-            <a:r>
-              <a:rPr lang="hr-HR" b="1" dirty="0">
-                <a:solidFill>
-                  <a:schemeClr val="accent1"/>
-                </a:solidFill>
-              </a:rPr>
-              <a:t>Rhino</a:t>
-            </a:r>
-          </a:p>
-          <a:p>
-            <a:pPr lvl="1" fontAlgn="auto">
-              <a:spcAft>
-                <a:spcPts val="0"/>
-              </a:spcAft>
-            </a:pPr>
-            <a:r>
-              <a:rPr lang="hr-HR" b="1" dirty="0">
-                <a:solidFill>
-                  <a:schemeClr val="accent1"/>
-                </a:solidFill>
-              </a:rPr>
-              <a:t>Gecko</a:t>
-            </a:r>
-          </a:p>
-          <a:p>
-            <a:pPr lvl="1" fontAlgn="auto">
-              <a:spcAft>
-                <a:spcPts val="0"/>
-              </a:spcAft>
-            </a:pPr>
-            <a:r>
-              <a:rPr lang="hr-HR" b="1" dirty="0">
-                <a:solidFill>
-                  <a:schemeClr val="accent1"/>
-                </a:solidFill>
-              </a:rPr>
-              <a:t>Rust</a:t>
-            </a:r>
-          </a:p>
-          <a:p>
-            <a:pPr lvl="1" fontAlgn="auto">
-              <a:spcAft>
-                <a:spcPts val="0"/>
-              </a:spcAft>
-            </a:pPr>
-            <a:r>
-              <a:rPr lang="hr-HR" b="1" dirty="0">
-                <a:solidFill>
-                  <a:schemeClr val="accent1"/>
-                </a:solidFill>
-              </a:rPr>
-              <a:t>XULRunner</a:t>
-            </a:r>
-          </a:p>
-          <a:p>
-            <a:pPr lvl="1" fontAlgn="auto">
-              <a:spcAft>
-                <a:spcPts val="0"/>
-              </a:spcAft>
-            </a:pPr>
-            <a:r>
-              <a:rPr lang="hr-HR" b="1" dirty="0">
-                <a:solidFill>
-                  <a:schemeClr val="accent1"/>
-                </a:solidFill>
-              </a:rPr>
-              <a:t>Pdf.js</a:t>
-            </a:r>
-          </a:p>
-          <a:p>
-            <a:pPr lvl="1" fontAlgn="auto">
-              <a:spcAft>
-                <a:spcPts val="0"/>
-              </a:spcAft>
-            </a:pPr>
-            <a:r>
-              <a:rPr lang="hr-HR" b="1" dirty="0">
-                <a:solidFill>
-                  <a:schemeClr val="accent1"/>
-                </a:solidFill>
-              </a:rPr>
-              <a:t>Shumway</a:t>
-            </a:r>
-          </a:p>
-          <a:p>
-            <a:pPr lvl="1" fontAlgn="auto">
-              <a:spcAft>
-                <a:spcPts val="0"/>
-              </a:spcAft>
-            </a:pPr>
-            <a:r>
-              <a:rPr lang="hr-HR" b="1" dirty="0">
-                <a:solidFill>
-                  <a:schemeClr val="accent1"/>
-                </a:solidFill>
-              </a:rPr>
-              <a:t>Servo</a:t>
-            </a:r>
-          </a:p>
-          <a:p>
-            <a:pPr lvl="1" fontAlgn="auto">
-              <a:spcAft>
-                <a:spcPts val="0"/>
-              </a:spcAft>
-            </a:pPr>
-            <a:r>
-              <a:rPr lang="hr-HR" b="1" dirty="0">
-                <a:solidFill>
-                  <a:schemeClr val="accent1"/>
-                </a:solidFill>
-              </a:rPr>
-              <a:t>SOPS (Secret OperationS)</a:t>
-            </a:r>
-          </a:p>
-          <a:p>
-            <a:pPr lvl="1" fontAlgn="auto">
-              <a:spcAft>
-                <a:spcPts val="0"/>
-              </a:spcAft>
-            </a:pPr>
-            <a:r>
-              <a:rPr lang="hr-HR" b="1" dirty="0">
-                <a:solidFill>
-                  <a:schemeClr val="accent1"/>
-                </a:solidFill>
-              </a:rPr>
-              <a:t>NSS</a:t>
-            </a:r>
-          </a:p>
-          <a:p>
-            <a:pPr lvl="1" fontAlgn="auto">
-              <a:spcAft>
-                <a:spcPts val="0"/>
-              </a:spcAft>
-            </a:pPr>
-            <a:r>
-              <a:rPr lang="hr-HR" b="1" dirty="0">
-                <a:solidFill>
-                  <a:schemeClr val="accent1"/>
-                </a:solidFill>
-              </a:rPr>
-              <a:t>Pocket</a:t>
-            </a:r>
-          </a:p>
-        </p:txBody>
-      </p:sp>
-      <p:sp>
-        <p:nvSpPr>
-          <p:cNvPr id="5" name="Arrow: Left 4">
-            <a:extLst>
-              <a:ext uri="{FF2B5EF4-FFF2-40B4-BE49-F238E27FC236}">
-                <a16:creationId xmlns:a16="http://schemas.microsoft.com/office/drawing/2014/main" id="{157BAA84-E655-4014-86C9-4177F975E295}"/>
-              </a:ext>
-            </a:extLst>
-          </p:cNvPr>
-          <p:cNvSpPr/>
-          <p:nvPr/>
-        </p:nvSpPr>
-        <p:spPr>
-          <a:xfrm>
-            <a:off x="2829695" y="5062038"/>
-            <a:ext cx="551935" cy="45719"/>
-          </a:xfrm>
-          <a:prstGeom prst="leftArrow">
-            <a:avLst/>
-          </a:prstGeom>
-        </p:spPr>
-        <p:style>
-          <a:lnRef idx="2">
-            <a:schemeClr val="accent1">
-              <a:shade val="50000"/>
-            </a:schemeClr>
-          </a:lnRef>
-          <a:fillRef idx="1">
-            <a:schemeClr val="accent1"/>
-          </a:fillRef>
-          <a:effectRef idx="0">
-            <a:schemeClr val="accent1"/>
-          </a:effectRef>
-          <a:fontRef idx="minor">
-            <a:schemeClr val="lt1"/>
-          </a:fontRef>
-        </p:style>
-        <p:txBody>
-          <a:bodyPr rtlCol="0" anchor="ctr"/>
-          <a:lstStyle/>
-          <a:p>
-            <a:pPr algn="ctr"/>
-            <a:endParaRPr lang="hr-HR"/>
-          </a:p>
-        </p:txBody>
-      </p:sp>
-      <p:sp>
-        <p:nvSpPr>
-          <p:cNvPr id="6" name="Arrow: Left 5">
-            <a:extLst>
-              <a:ext uri="{FF2B5EF4-FFF2-40B4-BE49-F238E27FC236}">
-                <a16:creationId xmlns:a16="http://schemas.microsoft.com/office/drawing/2014/main" id="{4E833929-9457-4AD8-A687-A68C83C2C1F4}"/>
-              </a:ext>
-            </a:extLst>
-          </p:cNvPr>
-          <p:cNvSpPr/>
-          <p:nvPr/>
-        </p:nvSpPr>
-        <p:spPr>
-          <a:xfrm>
-            <a:off x="5324731" y="5459831"/>
-            <a:ext cx="551935" cy="45719"/>
-          </a:xfrm>
-          <a:prstGeom prst="leftArrow">
-            <a:avLst/>
-          </a:prstGeom>
-        </p:spPr>
-        <p:style>
-          <a:lnRef idx="2">
-            <a:schemeClr val="accent1">
-              <a:shade val="50000"/>
-            </a:schemeClr>
-          </a:lnRef>
-          <a:fillRef idx="1">
-            <a:schemeClr val="accent1"/>
-          </a:fillRef>
-          <a:effectRef idx="0">
-            <a:schemeClr val="accent1"/>
-          </a:effectRef>
-          <a:fontRef idx="minor">
-            <a:schemeClr val="lt1"/>
-          </a:fontRef>
-        </p:style>
-        <p:txBody>
-          <a:bodyPr rtlCol="0" anchor="ctr"/>
-          <a:lstStyle/>
-          <a:p>
-            <a:pPr algn="ctr"/>
-            <a:endParaRPr lang="hr-HR"/>
-          </a:p>
-        </p:txBody>
-      </p:sp>
-      <p:sp>
-        <p:nvSpPr>
-          <p:cNvPr id="7" name="Arrow: Left 6">
-            <a:extLst>
-              <a:ext uri="{FF2B5EF4-FFF2-40B4-BE49-F238E27FC236}">
-                <a16:creationId xmlns:a16="http://schemas.microsoft.com/office/drawing/2014/main" id="{86047110-4AF9-4708-A0C6-E7AB06597864}"/>
-              </a:ext>
-            </a:extLst>
-          </p:cNvPr>
-          <p:cNvSpPr/>
-          <p:nvPr/>
-        </p:nvSpPr>
-        <p:spPr>
-          <a:xfrm>
-            <a:off x="2829695" y="5414112"/>
-            <a:ext cx="551935" cy="45719"/>
-          </a:xfrm>
-          <a:prstGeom prst="leftArrow">
-            <a:avLst/>
-          </a:prstGeom>
-        </p:spPr>
-        <p:style>
-          <a:lnRef idx="2">
-            <a:schemeClr val="accent1">
-              <a:shade val="50000"/>
-            </a:schemeClr>
-          </a:lnRef>
-          <a:fillRef idx="1">
-            <a:schemeClr val="accent1"/>
-          </a:fillRef>
-          <a:effectRef idx="0">
-            <a:schemeClr val="accent1"/>
-          </a:effectRef>
-          <a:fontRef idx="minor">
-            <a:schemeClr val="lt1"/>
-          </a:fontRef>
-        </p:style>
-        <p:txBody>
-          <a:bodyPr rtlCol="0" anchor="ctr"/>
-          <a:lstStyle/>
-          <a:p>
-            <a:pPr algn="ctr"/>
-            <a:endParaRPr lang="hr-HR"/>
-          </a:p>
-        </p:txBody>
-      </p:sp>
-    </p:spTree>
-    <p:extLst>
-      <p:ext uri="{BB962C8B-B14F-4D97-AF65-F5344CB8AC3E}">
-        <p14:creationId xmlns:p14="http://schemas.microsoft.com/office/powerpoint/2010/main" val="1430663837"/>
-      </p:ext>
-    </p:extLst>
-  </p:cSld>
-  <p:clrMapOvr>
-    <a:masterClrMapping/>
-  </p:clrMapOvr>
-  <mc:AlternateContent xmlns:mc="http://schemas.openxmlformats.org/markup-compatibility/2006" xmlns:p14="http://schemas.microsoft.com/office/powerpoint/2010/main">
-    <mc:Choice Requires="p14">
-      <p:transition spd="med" p14:dur="700">
-        <p:fade/>
-      </p:transition>
-    </mc:Choice>
-    <mc:Fallback xmlns="">
-      <p:transition spd="med">
-        <p:fade/>
-      </p:transition>
-    </mc:Fallback>
-  </mc:AlternateContent>
-  <p:timing>
-    <p:tnLst>
-      <p:par>
-        <p:cTn id="1" dur="indefinite" restart="never" nodeType="tmRoot">
-          <p:childTnLst>
-            <p:seq concurrent="1" nextAc="seek">
-              <p:cTn id="2" dur="indefinite" nodeType="mainSeq">
-                <p:childTnLst>
-                  <p:par>
-                    <p:cTn id="3" fill="hold">
-                      <p:stCondLst>
-                        <p:cond delay="indefinite"/>
-                      </p:stCondLst>
-                      <p:childTnLst>
-                        <p:par>
-                          <p:cTn id="4" fill="hold">
-                            <p:stCondLst>
-                              <p:cond delay="0"/>
-                            </p:stCondLst>
-                            <p:childTnLst>
-                              <p:par>
-                                <p:cTn id="5" presetID="1" presetClass="entr" presetSubtype="0" fill="hold" grpId="0" nodeType="clickEffect">
-                                  <p:stCondLst>
-                                    <p:cond delay="0"/>
-                                  </p:stCondLst>
-                                  <p:childTnLst>
-                                    <p:set>
-                                      <p:cBhvr>
-                                        <p:cTn id="6" dur="1" fill="hold">
-                                          <p:stCondLst>
-                                            <p:cond delay="0"/>
-                                          </p:stCondLst>
-                                        </p:cTn>
-                                        <p:tgtEl>
-                                          <p:spTgt spid="5"/>
-                                        </p:tgtEl>
-                                        <p:attrNameLst>
-                                          <p:attrName>style.visibility</p:attrName>
-                                        </p:attrNameLst>
-                                      </p:cBhvr>
-                                      <p:to>
-                                        <p:strVal val="visible"/>
-                                      </p:to>
-                                    </p:set>
-                                  </p:childTnLst>
-                                </p:cTn>
-                              </p:par>
-                            </p:childTnLst>
-                          </p:cTn>
-                        </p:par>
-                        <p:par>
-                          <p:cTn id="7" fill="hold">
-                            <p:stCondLst>
-                              <p:cond delay="0"/>
-                            </p:stCondLst>
-                            <p:childTnLst>
-                              <p:par>
-                                <p:cTn id="8" presetID="1" presetClass="entr" presetSubtype="0" fill="hold" grpId="0" nodeType="afterEffect">
-                                  <p:stCondLst>
-                                    <p:cond delay="500"/>
-                                  </p:stCondLst>
-                                  <p:childTnLst>
-                                    <p:set>
-                                      <p:cBhvr>
-                                        <p:cTn id="9" dur="1" fill="hold">
-                                          <p:stCondLst>
-                                            <p:cond delay="0"/>
-                                          </p:stCondLst>
-                                        </p:cTn>
-                                        <p:tgtEl>
-                                          <p:spTgt spid="6"/>
-                                        </p:tgtEl>
-                                        <p:attrNameLst>
-                                          <p:attrName>style.visibility</p:attrName>
-                                        </p:attrNameLst>
-                                      </p:cBhvr>
-                                      <p:to>
-                                        <p:strVal val="visible"/>
-                                      </p:to>
-                                    </p:set>
-                                  </p:childTnLst>
-                                </p:cTn>
-                              </p:par>
-                            </p:childTnLst>
-                          </p:cTn>
-                        </p:par>
-                        <p:par>
-                          <p:cTn id="10" fill="hold">
-                            <p:stCondLst>
-                              <p:cond delay="500"/>
-                            </p:stCondLst>
-                            <p:childTnLst>
-                              <p:par>
-                                <p:cTn id="11" presetID="1" presetClass="entr" presetSubtype="0" fill="hold" grpId="0" nodeType="afterEffect">
-                                  <p:stCondLst>
-                                    <p:cond delay="500"/>
-                                  </p:stCondLst>
-                                  <p:childTnLst>
-                                    <p:set>
-                                      <p:cBhvr>
-                                        <p:cTn id="12" dur="1" fill="hold">
-                                          <p:stCondLst>
-                                            <p:cond delay="0"/>
-                                          </p:stCondLst>
-                                        </p:cTn>
-                                        <p:tgtEl>
-                                          <p:spTgt spid="7"/>
-                                        </p:tgtEl>
-                                        <p:attrNameLst>
-                                          <p:attrName>style.visibility</p:attrName>
-                                        </p:attrNameLst>
-                                      </p:cBhvr>
-                                      <p:to>
-                                        <p:strVal val="visible"/>
-                                      </p:to>
-                                    </p:set>
-                                  </p:childTnLst>
-                                </p:cTn>
-                              </p:par>
-                            </p:childTnLst>
-                          </p:cTn>
-                        </p:par>
-                      </p:childTnLst>
-                    </p:cTn>
-                  </p:par>
-                </p:childTnLst>
-              </p:cTn>
-              <p:prevCondLst>
-                <p:cond evt="onPrev" delay="0">
-                  <p:tgtEl>
-                    <p:sldTgt/>
-                  </p:tgtEl>
-                </p:cond>
-              </p:prevCondLst>
-              <p:nextCondLst>
-                <p:cond evt="onNext" delay="0">
-                  <p:tgtEl>
-                    <p:sldTgt/>
-                  </p:tgtEl>
-                </p:cond>
-              </p:nextCondLst>
-            </p:seq>
-          </p:childTnLst>
-        </p:cTn>
-      </p:par>
-    </p:tnLst>
-    <p:bldLst>
-      <p:bldP spid="5" grpId="0" animBg="1"/>
-      <p:bldP spid="6" grpId="0" animBg="1"/>
-      <p:bldP spid="7" grpId="0" animBg="1"/>
-    </p:bldLst>
-  </p:timing>
-</p:sld>
-</file>
-
-<file path=ppt/slides/slide7.xml><?xml version="1.0" encoding="utf-8"?>
-<p:sld xmlns:a="http://schemas.openxmlformats.org/drawingml/2006/main" xmlns:r="http://schemas.openxmlformats.org/officeDocument/2006/relationships" xmlns:p="http://schemas.openxmlformats.org/presentationml/2006/main">
-  <p:cSld>
-    <p:spTree>
-      <p:nvGrpSpPr>
-        <p:cNvPr id="1" name=""/>
-        <p:cNvGrpSpPr/>
-        <p:nvPr/>
-      </p:nvGrpSpPr>
-      <p:grpSpPr>
-        <a:xfrm>
-          <a:off x="0" y="0"/>
-          <a:ext cx="0" cy="0"/>
-          <a:chOff x="0" y="0"/>
-          <a:chExt cx="0" cy="0"/>
-        </a:xfrm>
-      </p:grpSpPr>
-      <p:sp>
-        <p:nvSpPr>
-          <p:cNvPr id="2" name="Title 1">
-            <a:extLst>
-              <a:ext uri="{FF2B5EF4-FFF2-40B4-BE49-F238E27FC236}">
-                <a16:creationId xmlns:a16="http://schemas.microsoft.com/office/drawing/2014/main" id="{7511AEB0-0025-414C-BFF2-629136774CD6}"/>
-              </a:ext>
-            </a:extLst>
-          </p:cNvPr>
-          <p:cNvSpPr>
-            <a:spLocks noGrp="1"/>
-          </p:cNvSpPr>
-          <p:nvPr>
-            <p:ph type="title"/>
-          </p:nvPr>
-        </p:nvSpPr>
-        <p:spPr>
-          <a:xfrm>
-            <a:off x="762000" y="298960"/>
-            <a:ext cx="6477000" cy="1189038"/>
-          </a:xfrm>
-        </p:spPr>
-        <p:txBody>
-          <a:bodyPr/>
-          <a:lstStyle/>
-          <a:p>
-            <a:r>
-              <a:rPr lang="hr-HR" dirty="0">
-                <a:solidFill>
-                  <a:schemeClr val="accent1"/>
-                </a:solidFill>
-              </a:rPr>
-              <a:t>SeaMonkey</a:t>
-            </a:r>
-          </a:p>
-        </p:txBody>
-      </p:sp>
-      <p:sp>
-        <p:nvSpPr>
-          <p:cNvPr id="3" name="Text Placeholder 2">
-            <a:extLst>
-              <a:ext uri="{FF2B5EF4-FFF2-40B4-BE49-F238E27FC236}">
-                <a16:creationId xmlns:a16="http://schemas.microsoft.com/office/drawing/2014/main" id="{35D7924D-69DA-4D19-9CAC-20C6F2AB3347}"/>
-              </a:ext>
-            </a:extLst>
-          </p:cNvPr>
-          <p:cNvSpPr>
-            <a:spLocks noGrp="1"/>
-          </p:cNvSpPr>
-          <p:nvPr>
-            <p:ph type="body" sz="quarter" idx="11"/>
-          </p:nvPr>
-        </p:nvSpPr>
-        <p:spPr/>
-        <p:txBody>
-          <a:bodyPr/>
-          <a:lstStyle/>
-          <a:p>
-            <a:r>
-              <a:rPr lang="hr-HR" dirty="0"/>
-              <a:t> </a:t>
-            </a:r>
-          </a:p>
-        </p:txBody>
-      </p:sp>
-      <p:sp>
-        <p:nvSpPr>
-          <p:cNvPr id="5" name="TextBox 4">
-            <a:extLst>
-              <a:ext uri="{FF2B5EF4-FFF2-40B4-BE49-F238E27FC236}">
-                <a16:creationId xmlns:a16="http://schemas.microsoft.com/office/drawing/2014/main" id="{64640018-6B5B-4F84-896F-F4C89DA1EF98}"/>
-              </a:ext>
-            </a:extLst>
-          </p:cNvPr>
-          <p:cNvSpPr txBox="1"/>
-          <p:nvPr/>
-        </p:nvSpPr>
-        <p:spPr>
-          <a:xfrm>
-            <a:off x="845791" y="2803620"/>
-            <a:ext cx="5102679" cy="2031325"/>
-          </a:xfrm>
-          <a:prstGeom prst="rect">
-            <a:avLst/>
-          </a:prstGeom>
-          <a:noFill/>
-        </p:spPr>
-        <p:txBody>
-          <a:bodyPr wrap="none" rtlCol="0">
-            <a:spAutoFit/>
-          </a:bodyPr>
-          <a:lstStyle/>
-          <a:p>
-            <a:pPr marL="285750" indent="-285750">
-              <a:buFont typeface="Arial" panose="020B0604020202020204" pitchFamily="34" charset="0"/>
-              <a:buChar char="•"/>
-            </a:pPr>
-            <a:r>
-              <a:rPr lang="hr-HR" dirty="0">
-                <a:solidFill>
-                  <a:schemeClr val="bg1"/>
-                </a:solidFill>
-              </a:rPr>
-              <a:t>Besplatan i open-source paket</a:t>
-            </a:r>
-          </a:p>
-          <a:p>
-            <a:pPr marL="285750" indent="-285750">
-              <a:buFont typeface="Arial" panose="020B0604020202020204" pitchFamily="34" charset="0"/>
-              <a:buChar char="•"/>
-            </a:pPr>
-            <a:endParaRPr lang="hr-HR" dirty="0">
-              <a:solidFill>
-                <a:schemeClr val="bg1"/>
-              </a:solidFill>
-            </a:endParaRPr>
-          </a:p>
-          <a:p>
-            <a:pPr marL="285750" indent="-285750">
-              <a:buFont typeface="Arial" panose="020B0604020202020204" pitchFamily="34" charset="0"/>
-              <a:buChar char="•"/>
-            </a:pPr>
-            <a:r>
-              <a:rPr lang="hr-HR" dirty="0">
-                <a:solidFill>
-                  <a:schemeClr val="bg1"/>
-                </a:solidFill>
-              </a:rPr>
-              <a:t>Web preglednik</a:t>
-            </a:r>
-          </a:p>
-          <a:p>
-            <a:pPr marL="285750" indent="-285750">
-              <a:buFont typeface="Arial" panose="020B0604020202020204" pitchFamily="34" charset="0"/>
-              <a:buChar char="•"/>
-            </a:pPr>
-            <a:r>
-              <a:rPr lang="hr-HR" dirty="0">
-                <a:solidFill>
-                  <a:schemeClr val="bg1"/>
-                </a:solidFill>
-              </a:rPr>
-              <a:t>Omogućuje primanje i slanje e-pošte i poruka</a:t>
-            </a:r>
-          </a:p>
-          <a:p>
-            <a:pPr marL="285750" indent="-285750">
-              <a:buFont typeface="Arial" panose="020B0604020202020204" pitchFamily="34" charset="0"/>
-              <a:buChar char="•"/>
-            </a:pPr>
-            <a:endParaRPr lang="hr-HR" dirty="0">
-              <a:solidFill>
-                <a:schemeClr val="bg1"/>
-              </a:solidFill>
-            </a:endParaRPr>
-          </a:p>
-          <a:p>
-            <a:pPr marL="285750" indent="-285750">
-              <a:buFont typeface="Arial" panose="020B0604020202020204" pitchFamily="34" charset="0"/>
-              <a:buChar char="•"/>
-            </a:pPr>
-            <a:r>
-              <a:rPr lang="hr-HR" dirty="0">
-                <a:solidFill>
-                  <a:schemeClr val="bg1"/>
-                </a:solidFill>
-              </a:rPr>
-              <a:t>Mozila Composer </a:t>
-            </a:r>
-            <a:r>
-              <a:rPr lang="hr-HR" dirty="0">
-                <a:solidFill>
-                  <a:schemeClr val="bg1"/>
-                </a:solidFill>
-                <a:sym typeface="Wingdings" panose="05000000000000000000" pitchFamily="2" charset="2"/>
-              </a:rPr>
-              <a:t></a:t>
-            </a:r>
-            <a:endParaRPr lang="hr-HR" dirty="0">
-              <a:solidFill>
-                <a:schemeClr val="bg1"/>
-              </a:solidFill>
-            </a:endParaRPr>
-          </a:p>
-          <a:p>
-            <a:pPr marL="285750" indent="-285750">
-              <a:buFont typeface="Arial" panose="020B0604020202020204" pitchFamily="34" charset="0"/>
-              <a:buChar char="•"/>
-            </a:pPr>
-            <a:endParaRPr lang="hr-HR" dirty="0">
-              <a:solidFill>
-                <a:schemeClr val="bg1"/>
-              </a:solidFill>
-            </a:endParaRPr>
-          </a:p>
-        </p:txBody>
-      </p:sp>
-      <p:pic>
-        <p:nvPicPr>
-          <p:cNvPr id="6" name="Picture 5">
-            <a:extLst>
-              <a:ext uri="{FF2B5EF4-FFF2-40B4-BE49-F238E27FC236}">
-                <a16:creationId xmlns:a16="http://schemas.microsoft.com/office/drawing/2014/main" id="{07699999-0E7B-4E3B-BCED-095DE39E46AD}"/>
-              </a:ext>
-            </a:extLst>
-          </p:cNvPr>
-          <p:cNvPicPr>
-            <a:picLocks noChangeAspect="1"/>
-          </p:cNvPicPr>
-          <p:nvPr/>
-        </p:nvPicPr>
-        <p:blipFill>
-          <a:blip r:embed="rId2"/>
-          <a:stretch>
-            <a:fillRect/>
-          </a:stretch>
-        </p:blipFill>
-        <p:spPr>
-          <a:xfrm>
-            <a:off x="3095744" y="1000244"/>
-            <a:ext cx="1809511" cy="1809511"/>
-          </a:xfrm>
-          <a:prstGeom prst="rect">
-            <a:avLst/>
-          </a:prstGeom>
-        </p:spPr>
-      </p:pic>
-      <p:pic>
-        <p:nvPicPr>
-          <p:cNvPr id="7" name="Picture 6">
-            <a:extLst>
-              <a:ext uri="{FF2B5EF4-FFF2-40B4-BE49-F238E27FC236}">
-                <a16:creationId xmlns:a16="http://schemas.microsoft.com/office/drawing/2014/main" id="{773DCDE7-9CF8-409F-933E-B81B825B0259}"/>
-              </a:ext>
-            </a:extLst>
-          </p:cNvPr>
-          <p:cNvPicPr>
-            <a:picLocks noChangeAspect="1"/>
-          </p:cNvPicPr>
-          <p:nvPr/>
-        </p:nvPicPr>
-        <p:blipFill>
-          <a:blip r:embed="rId3"/>
-          <a:stretch>
-            <a:fillRect/>
-          </a:stretch>
-        </p:blipFill>
-        <p:spPr>
-          <a:xfrm>
-            <a:off x="3397131" y="4223579"/>
-            <a:ext cx="3423799" cy="2560067"/>
-          </a:xfrm>
-          <a:prstGeom prst="rect">
-            <a:avLst/>
-          </a:prstGeom>
-        </p:spPr>
-      </p:pic>
-    </p:spTree>
-    <p:extLst>
-      <p:ext uri="{BB962C8B-B14F-4D97-AF65-F5344CB8AC3E}">
-        <p14:creationId xmlns:p14="http://schemas.microsoft.com/office/powerpoint/2010/main" val="440451553"/>
-      </p:ext>
-    </p:extLst>
-  </p:cSld>
-  <p:clrMapOvr>
-    <a:masterClrMapping/>
-  </p:clrMapOvr>
-  <mc:AlternateContent xmlns:mc="http://schemas.openxmlformats.org/markup-compatibility/2006" xmlns:p14="http://schemas.microsoft.com/office/powerpoint/2010/main">
-    <mc:Choice Requires="p14">
-      <p:transition spd="med" p14:dur="700">
-        <p:fade/>
-      </p:transition>
-    </mc:Choice>
-    <mc:Fallback xmlns="">
-      <p:transition spd="med">
-        <p:fade/>
-      </p:transition>
-    </mc:Fallback>
-  </mc:AlternateContent>
-</p:sld>
-</file>
-
-<file path=ppt/slides/slide8.xml><?xml version="1.0" encoding="utf-8"?>
-<p:sld xmlns:a="http://schemas.openxmlformats.org/drawingml/2006/main" xmlns:r="http://schemas.openxmlformats.org/officeDocument/2006/relationships" xmlns:p="http://schemas.openxmlformats.org/presentationml/2006/main">
-  <p:cSld>
-    <p:spTree>
-      <p:nvGrpSpPr>
-        <p:cNvPr id="1" name=""/>
-        <p:cNvGrpSpPr/>
-        <p:nvPr/>
-      </p:nvGrpSpPr>
-      <p:grpSpPr>
-        <a:xfrm>
-          <a:off x="0" y="0"/>
-          <a:ext cx="0" cy="0"/>
-          <a:chOff x="0" y="0"/>
-          <a:chExt cx="0" cy="0"/>
-        </a:xfrm>
-      </p:grpSpPr>
-      <p:sp>
-        <p:nvSpPr>
-          <p:cNvPr id="2" name="Title 1">
-            <a:extLst>
-              <a:ext uri="{FF2B5EF4-FFF2-40B4-BE49-F238E27FC236}">
-                <a16:creationId xmlns:a16="http://schemas.microsoft.com/office/drawing/2014/main" id="{0E8C1C00-6EF1-4F9B-A910-22B0E0014751}"/>
-              </a:ext>
-            </a:extLst>
-          </p:cNvPr>
-          <p:cNvSpPr>
-            <a:spLocks noGrp="1"/>
-          </p:cNvSpPr>
-          <p:nvPr>
-            <p:ph type="title"/>
-          </p:nvPr>
-        </p:nvSpPr>
-        <p:spPr/>
-        <p:txBody>
-          <a:bodyPr/>
-          <a:lstStyle/>
-          <a:p>
-            <a:r>
-              <a:rPr lang="hr-HR" dirty="0">
-                <a:solidFill>
-                  <a:schemeClr val="accent1"/>
-                </a:solidFill>
-              </a:rPr>
-              <a:t>Bugzilla</a:t>
-            </a:r>
-          </a:p>
-        </p:txBody>
-      </p:sp>
-      <p:sp>
-        <p:nvSpPr>
-          <p:cNvPr id="3" name="Text Placeholder 2">
-            <a:extLst>
-              <a:ext uri="{FF2B5EF4-FFF2-40B4-BE49-F238E27FC236}">
-                <a16:creationId xmlns:a16="http://schemas.microsoft.com/office/drawing/2014/main" id="{478174AD-4C57-4838-9140-0E0FC663B8F3}"/>
-              </a:ext>
-            </a:extLst>
-          </p:cNvPr>
-          <p:cNvSpPr>
-            <a:spLocks noGrp="1"/>
-          </p:cNvSpPr>
-          <p:nvPr>
-            <p:ph type="body" sz="quarter" idx="11"/>
-          </p:nvPr>
-        </p:nvSpPr>
-        <p:spPr>
-          <a:xfrm>
-            <a:off x="523102" y="3939746"/>
-            <a:ext cx="6477000" cy="3276600"/>
-          </a:xfrm>
-        </p:spPr>
-        <p:txBody>
-          <a:bodyPr/>
-          <a:lstStyle/>
-          <a:p>
-            <a:pPr marL="285750" indent="-285750">
-              <a:buFont typeface="Arial" panose="020B0604020202020204" pitchFamily="34" charset="0"/>
-              <a:buChar char="•"/>
-            </a:pPr>
-            <a:r>
-              <a:rPr lang="hr-HR" b="0" dirty="0"/>
-              <a:t>Koristi za praćenje bugova</a:t>
-            </a:r>
-          </a:p>
-          <a:p>
-            <a:pPr marL="285750" indent="-285750">
-              <a:buFont typeface="Arial" panose="020B0604020202020204" pitchFamily="34" charset="0"/>
-              <a:buChar char="•"/>
-            </a:pPr>
-            <a:endParaRPr lang="hr-HR" b="0" dirty="0"/>
-          </a:p>
-          <a:p>
-            <a:pPr marL="285750" indent="-285750">
-              <a:buFont typeface="Arial" panose="020B0604020202020204" pitchFamily="34" charset="0"/>
-              <a:buChar char="•"/>
-            </a:pPr>
-            <a:r>
-              <a:rPr lang="hr-HR" b="0" dirty="0"/>
-              <a:t>Netscape izdao ga 1998. godine</a:t>
-            </a:r>
-          </a:p>
-          <a:p>
-            <a:pPr marL="285750" indent="-285750">
-              <a:buFont typeface="Arial" panose="020B0604020202020204" pitchFamily="34" charset="0"/>
-              <a:buChar char="•"/>
-            </a:pPr>
-            <a:r>
-              <a:rPr lang="hr-HR" b="0" dirty="0"/>
-              <a:t>Software otvorenog koda</a:t>
-            </a:r>
-          </a:p>
-        </p:txBody>
-      </p:sp>
-      <p:pic>
-        <p:nvPicPr>
-          <p:cNvPr id="4" name="Picture 3">
-            <a:extLst>
-              <a:ext uri="{FF2B5EF4-FFF2-40B4-BE49-F238E27FC236}">
-                <a16:creationId xmlns:a16="http://schemas.microsoft.com/office/drawing/2014/main" id="{E7468137-FE0D-45F7-A11B-28F820A1B625}"/>
-              </a:ext>
-            </a:extLst>
-          </p:cNvPr>
-          <p:cNvPicPr>
-            <a:picLocks noChangeAspect="1"/>
-          </p:cNvPicPr>
-          <p:nvPr/>
-        </p:nvPicPr>
-        <p:blipFill>
-          <a:blip r:embed="rId2"/>
-          <a:stretch>
-            <a:fillRect/>
-          </a:stretch>
-        </p:blipFill>
-        <p:spPr>
-          <a:xfrm>
-            <a:off x="3067050" y="1202210"/>
-            <a:ext cx="1866900" cy="2457450"/>
-          </a:xfrm>
-          <a:prstGeom prst="rect">
-            <a:avLst/>
-          </a:prstGeom>
-        </p:spPr>
-      </p:pic>
-      <p:pic>
-        <p:nvPicPr>
-          <p:cNvPr id="5" name="Picture 4">
-            <a:extLst>
-              <a:ext uri="{FF2B5EF4-FFF2-40B4-BE49-F238E27FC236}">
-                <a16:creationId xmlns:a16="http://schemas.microsoft.com/office/drawing/2014/main" id="{4E65CA79-CB0C-475B-A2CB-35E7D5572AF1}"/>
-              </a:ext>
-            </a:extLst>
-          </p:cNvPr>
-          <p:cNvPicPr>
-            <a:picLocks noChangeAspect="1"/>
-          </p:cNvPicPr>
-          <p:nvPr/>
-        </p:nvPicPr>
-        <p:blipFill>
-          <a:blip r:embed="rId3"/>
-          <a:stretch>
-            <a:fillRect/>
-          </a:stretch>
-        </p:blipFill>
-        <p:spPr>
-          <a:xfrm>
-            <a:off x="523102" y="5726037"/>
-            <a:ext cx="1725312" cy="966175"/>
-          </a:xfrm>
-          <a:prstGeom prst="rect">
-            <a:avLst/>
-          </a:prstGeom>
-        </p:spPr>
-      </p:pic>
-      <p:pic>
-        <p:nvPicPr>
-          <p:cNvPr id="6" name="Picture 5">
-            <a:extLst>
-              <a:ext uri="{FF2B5EF4-FFF2-40B4-BE49-F238E27FC236}">
-                <a16:creationId xmlns:a16="http://schemas.microsoft.com/office/drawing/2014/main" id="{0BA54F07-A893-4498-94F7-B755F13E22B5}"/>
-              </a:ext>
-            </a:extLst>
-          </p:cNvPr>
-          <p:cNvPicPr>
-            <a:picLocks noChangeAspect="1"/>
-          </p:cNvPicPr>
-          <p:nvPr/>
-        </p:nvPicPr>
-        <p:blipFill>
-          <a:blip r:embed="rId4"/>
-          <a:stretch>
-            <a:fillRect/>
-          </a:stretch>
-        </p:blipFill>
-        <p:spPr>
-          <a:xfrm>
-            <a:off x="2388459" y="5426161"/>
-            <a:ext cx="2545491" cy="1431839"/>
-          </a:xfrm>
-          <a:prstGeom prst="rect">
-            <a:avLst/>
-          </a:prstGeom>
-        </p:spPr>
-      </p:pic>
-      <p:pic>
-        <p:nvPicPr>
-          <p:cNvPr id="7" name="Picture 6">
-            <a:extLst>
-              <a:ext uri="{FF2B5EF4-FFF2-40B4-BE49-F238E27FC236}">
-                <a16:creationId xmlns:a16="http://schemas.microsoft.com/office/drawing/2014/main" id="{1C37C220-29A0-49DD-8847-FE42598AF0C7}"/>
-              </a:ext>
-            </a:extLst>
-          </p:cNvPr>
-          <p:cNvPicPr>
-            <a:picLocks noChangeAspect="1"/>
-          </p:cNvPicPr>
-          <p:nvPr/>
-        </p:nvPicPr>
-        <p:blipFill>
-          <a:blip r:embed="rId5"/>
-          <a:stretch>
-            <a:fillRect/>
-          </a:stretch>
-        </p:blipFill>
-        <p:spPr>
-          <a:xfrm>
-            <a:off x="5213521" y="5398871"/>
-            <a:ext cx="1293341" cy="1293341"/>
-          </a:xfrm>
-          <a:prstGeom prst="rect">
-            <a:avLst/>
-          </a:prstGeom>
-        </p:spPr>
-      </p:pic>
-    </p:spTree>
-    <p:extLst>
-      <p:ext uri="{BB962C8B-B14F-4D97-AF65-F5344CB8AC3E}">
-        <p14:creationId xmlns:p14="http://schemas.microsoft.com/office/powerpoint/2010/main" val="2836560258"/>
-      </p:ext>
-    </p:extLst>
-  </p:cSld>
-  <p:clrMapOvr>
-    <a:masterClrMapping/>
-  </p:clrMapOvr>
-  <mc:AlternateContent xmlns:mc="http://schemas.openxmlformats.org/markup-compatibility/2006" xmlns:p14="http://schemas.microsoft.com/office/powerpoint/2010/main">
-    <mc:Choice Requires="p14">
-      <p:transition spd="med" p14:dur="700">
-        <p:fade/>
-      </p:transition>
-    </mc:Choice>
-    <mc:Fallback xmlns="">
-      <p:transition spd="med">
-        <p:fade/>
-      </p:transition>
-    </mc:Fallback>
-  </mc:AlternateContent>
-</p:sld>
-</file>
-
-<file path=ppt/slides/slide9.xml><?xml version="1.0" encoding="utf-8"?>
-<p:sld xmlns:a="http://schemas.openxmlformats.org/drawingml/2006/main" xmlns:r="http://schemas.openxmlformats.org/officeDocument/2006/relationships" xmlns:p="http://schemas.openxmlformats.org/presentationml/2006/main">
-  <p:cSld>
-    <p:spTree>
-      <p:nvGrpSpPr>
-        <p:cNvPr id="1" name=""/>
-        <p:cNvGrpSpPr/>
-        <p:nvPr/>
-      </p:nvGrpSpPr>
-      <p:grpSpPr>
-        <a:xfrm>
-          <a:off x="0" y="0"/>
-          <a:ext cx="0" cy="0"/>
-          <a:chOff x="0" y="0"/>
-          <a:chExt cx="0" cy="0"/>
-        </a:xfrm>
-      </p:grpSpPr>
-      <p:sp>
-        <p:nvSpPr>
-          <p:cNvPr id="2" name="Title 1">
-            <a:extLst>
-              <a:ext uri="{FF2B5EF4-FFF2-40B4-BE49-F238E27FC236}">
-                <a16:creationId xmlns:a16="http://schemas.microsoft.com/office/drawing/2014/main" id="{5CC91AAD-F49C-4DED-9AE3-F203A7A339B7}"/>
-              </a:ext>
-            </a:extLst>
-          </p:cNvPr>
-          <p:cNvSpPr>
-            <a:spLocks noGrp="1"/>
-          </p:cNvSpPr>
-          <p:nvPr>
-            <p:ph type="title"/>
-          </p:nvPr>
-        </p:nvSpPr>
-        <p:spPr/>
-        <p:txBody>
-          <a:bodyPr/>
-          <a:lstStyle/>
-          <a:p>
-            <a:r>
-              <a:rPr lang="hr-HR" dirty="0">
-                <a:solidFill>
-                  <a:schemeClr val="accent1"/>
-                </a:solidFill>
-              </a:rPr>
-              <a:t>NSS (Network Security Services)</a:t>
-            </a:r>
-          </a:p>
-        </p:txBody>
-      </p:sp>
-      <p:sp>
-        <p:nvSpPr>
-          <p:cNvPr id="3" name="Text Placeholder 2">
-            <a:extLst>
-              <a:ext uri="{FF2B5EF4-FFF2-40B4-BE49-F238E27FC236}">
-                <a16:creationId xmlns:a16="http://schemas.microsoft.com/office/drawing/2014/main" id="{06409DFD-DEBE-4AF1-AEDF-0BC476F94792}"/>
-              </a:ext>
-            </a:extLst>
-          </p:cNvPr>
-          <p:cNvSpPr>
-            <a:spLocks noGrp="1"/>
-          </p:cNvSpPr>
-          <p:nvPr>
-            <p:ph type="body" sz="quarter" idx="11"/>
-          </p:nvPr>
-        </p:nvSpPr>
-        <p:spPr/>
-        <p:txBody>
-          <a:bodyPr/>
-          <a:lstStyle/>
-          <a:p>
-            <a:r>
-              <a:rPr lang="hr-HR" b="0" dirty="0">
-                <a:ea typeface="Times New Roman" panose="02020603050405020304" pitchFamily="18" charset="0"/>
-              </a:rPr>
-              <a:t>O</a:t>
-            </a:r>
-            <a:r>
-              <a:rPr lang="hr-HR" sz="1800" b="0" dirty="0">
-                <a:effectLst/>
-                <a:ea typeface="Times New Roman" panose="02020603050405020304" pitchFamily="18" charset="0"/>
-              </a:rPr>
-              <a:t>buhvaćaju skup knjižnica dizajniranih da podrže razvoj na više platformi klijentskih i poslužiteljskih aplikacija s sigurnošću.</a:t>
-            </a:r>
-          </a:p>
-          <a:p>
-            <a:endParaRPr lang="hr-HR" b="0" dirty="0"/>
-          </a:p>
-          <a:p>
-            <a:r>
-              <a:rPr lang="hr-HR" b="0" dirty="0"/>
-              <a:t>Tvrtke koje uz Mozillu razvijaju NSS:</a:t>
-            </a:r>
-          </a:p>
-        </p:txBody>
-      </p:sp>
-      <p:pic>
-        <p:nvPicPr>
-          <p:cNvPr id="4" name="Picture 3">
-            <a:extLst>
-              <a:ext uri="{FF2B5EF4-FFF2-40B4-BE49-F238E27FC236}">
-                <a16:creationId xmlns:a16="http://schemas.microsoft.com/office/drawing/2014/main" id="{2C96E606-D24D-47E7-9880-7C41345E5703}"/>
-              </a:ext>
-            </a:extLst>
-          </p:cNvPr>
-          <p:cNvPicPr>
-            <a:picLocks noChangeAspect="1"/>
-          </p:cNvPicPr>
-          <p:nvPr/>
-        </p:nvPicPr>
-        <p:blipFill>
-          <a:blip r:embed="rId2"/>
-          <a:stretch>
-            <a:fillRect/>
-          </a:stretch>
-        </p:blipFill>
-        <p:spPr>
-          <a:xfrm>
-            <a:off x="689479" y="3778178"/>
-            <a:ext cx="2490327" cy="1403422"/>
-          </a:xfrm>
-          <a:prstGeom prst="rect">
-            <a:avLst/>
-          </a:prstGeom>
-        </p:spPr>
-      </p:pic>
-      <p:pic>
-        <p:nvPicPr>
-          <p:cNvPr id="5" name="Picture 4">
-            <a:extLst>
-              <a:ext uri="{FF2B5EF4-FFF2-40B4-BE49-F238E27FC236}">
-                <a16:creationId xmlns:a16="http://schemas.microsoft.com/office/drawing/2014/main" id="{7D4A9748-9938-445A-B15A-F7A5F15B404F}"/>
-              </a:ext>
-            </a:extLst>
-          </p:cNvPr>
-          <p:cNvPicPr>
-            <a:picLocks noChangeAspect="1"/>
-          </p:cNvPicPr>
-          <p:nvPr/>
-        </p:nvPicPr>
-        <p:blipFill>
-          <a:blip r:embed="rId3"/>
-          <a:stretch>
-            <a:fillRect/>
-          </a:stretch>
-        </p:blipFill>
-        <p:spPr>
-          <a:xfrm>
-            <a:off x="3722859" y="3778178"/>
-            <a:ext cx="1464633" cy="1464633"/>
-          </a:xfrm>
-          <a:prstGeom prst="rect">
-            <a:avLst/>
-          </a:prstGeom>
-        </p:spPr>
-      </p:pic>
-      <p:pic>
-        <p:nvPicPr>
-          <p:cNvPr id="6" name="Picture 5">
-            <a:extLst>
-              <a:ext uri="{FF2B5EF4-FFF2-40B4-BE49-F238E27FC236}">
-                <a16:creationId xmlns:a16="http://schemas.microsoft.com/office/drawing/2014/main" id="{8D3A469E-7950-4565-A5C7-A03E523F72BF}"/>
-              </a:ext>
-            </a:extLst>
-          </p:cNvPr>
-          <p:cNvPicPr>
-            <a:picLocks noChangeAspect="1"/>
-          </p:cNvPicPr>
-          <p:nvPr/>
-        </p:nvPicPr>
-        <p:blipFill>
-          <a:blip r:embed="rId4"/>
-          <a:stretch>
-            <a:fillRect/>
-          </a:stretch>
-        </p:blipFill>
-        <p:spPr>
-          <a:xfrm>
-            <a:off x="1202081" y="5242811"/>
-            <a:ext cx="1116228" cy="1116228"/>
-          </a:xfrm>
-          <a:prstGeom prst="rect">
-            <a:avLst/>
-          </a:prstGeom>
-        </p:spPr>
-      </p:pic>
-      <p:pic>
-        <p:nvPicPr>
-          <p:cNvPr id="8" name="Picture 7">
-            <a:extLst>
-              <a:ext uri="{FF2B5EF4-FFF2-40B4-BE49-F238E27FC236}">
-                <a16:creationId xmlns:a16="http://schemas.microsoft.com/office/drawing/2014/main" id="{A71838D5-2B53-412D-84CE-B52EE882B03B}"/>
-              </a:ext>
-            </a:extLst>
-          </p:cNvPr>
-          <p:cNvPicPr>
-            <a:picLocks noChangeAspect="1"/>
-          </p:cNvPicPr>
-          <p:nvPr/>
-        </p:nvPicPr>
-        <p:blipFill>
-          <a:blip r:embed="rId5"/>
-          <a:stretch>
-            <a:fillRect/>
-          </a:stretch>
-        </p:blipFill>
-        <p:spPr>
-          <a:xfrm>
-            <a:off x="3105666" y="5501459"/>
-            <a:ext cx="1116228" cy="1116228"/>
-          </a:xfrm>
-          <a:prstGeom prst="rect">
-            <a:avLst/>
-          </a:prstGeom>
-        </p:spPr>
-      </p:pic>
-    </p:spTree>
-    <p:extLst>
-      <p:ext uri="{BB962C8B-B14F-4D97-AF65-F5344CB8AC3E}">
-        <p14:creationId xmlns:p14="http://schemas.microsoft.com/office/powerpoint/2010/main" val="74473897"/>
       </p:ext>
     </p:extLst>
   </p:cSld>
@@ -12111,21 +12925,6 @@
 </file>
 
 <file path=customXml/item1.xml><?xml version="1.0" encoding="utf-8"?>
-<p:properties xmlns:p="http://schemas.microsoft.com/office/2006/metadata/properties" xmlns:xsi="http://www.w3.org/2001/XMLSchema-instance" xmlns:pc="http://schemas.microsoft.com/office/infopath/2007/PartnerControls">
-  <documentManagement/>
-</p:properties>
-</file>
-
-<file path=customXml/item2.xml><?xml version="1.0" encoding="utf-8"?>
-<?mso-contentType ?>
-<FormTemplates xmlns="http://schemas.microsoft.com/sharepoint/v3/contenttype/forms">
-  <Display>DocumentLibraryForm</Display>
-  <Edit>DocumentLibraryForm</Edit>
-  <New>DocumentLibraryForm</New>
-</FormTemplates>
-</file>
-
-<file path=customXml/item3.xml><?xml version="1.0" encoding="utf-8"?>
 <ct:contentTypeSchema xmlns:ct="http://schemas.microsoft.com/office/2006/metadata/contentType" xmlns:ma="http://schemas.microsoft.com/office/2006/metadata/properties/metaAttributes" ct:_="" ma:_="" ma:contentTypeName="Document" ma:contentTypeID="0x0101008F03E54B797CDE4D91D8827125F9D87A" ma:contentTypeVersion="0" ma:contentTypeDescription="Create a new document." ma:contentTypeScope="" ma:versionID="18adb4cc97980dca1658d4b83a09ab50">
   <xsd:schema xmlns:xsd="http://www.w3.org/2001/XMLSchema" xmlns:xs="http://www.w3.org/2001/XMLSchema" xmlns:p="http://schemas.microsoft.com/office/2006/metadata/properties" targetNamespace="http://schemas.microsoft.com/office/2006/metadata/properties" ma:root="true" ma:fieldsID="017581d6d4d432103422426420c4d249">
     <xsd:element name="properties">
@@ -12239,30 +13038,22 @@
 </ct:contentTypeSchema>
 </file>
 
-<file path=customXml/itemProps1.xml><?xml version="1.0" encoding="utf-8"?>
-<ds:datastoreItem xmlns:ds="http://schemas.openxmlformats.org/officeDocument/2006/customXml" ds:itemID="{FDF283A3-AA81-4663-8764-64F64C723FD1}">
-  <ds:schemaRefs>
-    <ds:schemaRef ds:uri="http://purl.org/dc/terms/"/>
-    <ds:schemaRef ds:uri="http://schemas.microsoft.com/office/2006/documentManagement/types"/>
-    <ds:schemaRef ds:uri="http://schemas.microsoft.com/office/2006/metadata/properties"/>
-    <ds:schemaRef ds:uri="http://schemas.openxmlformats.org/package/2006/metadata/core-properties"/>
-    <ds:schemaRef ds:uri="http://purl.org/dc/dcmitype/"/>
-    <ds:schemaRef ds:uri="http://schemas.microsoft.com/office/infopath/2007/PartnerControls"/>
-    <ds:schemaRef ds:uri="http://www.w3.org/XML/1998/namespace"/>
-    <ds:schemaRef ds:uri="http://purl.org/dc/elements/1.1/"/>
-  </ds:schemaRefs>
-</ds:datastoreItem>
+<file path=customXml/item2.xml><?xml version="1.0" encoding="utf-8"?>
+<?mso-contentType ?>
+<FormTemplates xmlns="http://schemas.microsoft.com/sharepoint/v3/contenttype/forms">
+  <Display>DocumentLibraryForm</Display>
+  <Edit>DocumentLibraryForm</Edit>
+  <New>DocumentLibraryForm</New>
+</FormTemplates>
 </file>
 
-<file path=customXml/itemProps2.xml><?xml version="1.0" encoding="utf-8"?>
-<ds:datastoreItem xmlns:ds="http://schemas.openxmlformats.org/officeDocument/2006/customXml" ds:itemID="{915C1F8C-D27A-4CE7-9DF4-4AFDB2880FA9}">
-  <ds:schemaRefs>
-    <ds:schemaRef ds:uri="http://schemas.microsoft.com/sharepoint/v3/contenttype/forms"/>
-  </ds:schemaRefs>
-</ds:datastoreItem>
+<file path=customXml/item3.xml><?xml version="1.0" encoding="utf-8"?>
+<p:properties xmlns:p="http://schemas.microsoft.com/office/2006/metadata/properties" xmlns:xsi="http://www.w3.org/2001/XMLSchema-instance" xmlns:pc="http://schemas.microsoft.com/office/infopath/2007/PartnerControls">
+  <documentManagement/>
+</p:properties>
 </file>
 
-<file path=customXml/itemProps3.xml><?xml version="1.0" encoding="utf-8"?>
+<file path=customXml/itemProps1.xml><?xml version="1.0" encoding="utf-8"?>
 <ds:datastoreItem xmlns:ds="http://schemas.openxmlformats.org/officeDocument/2006/customXml" ds:itemID="{51673A1C-D129-4B55-9ABB-91F8176200AE}">
   <ds:schemaRefs>
     <ds:schemaRef ds:uri="http://schemas.microsoft.com/office/2006/metadata/contentType"/>
@@ -12278,6 +13069,29 @@
 </ds:datastoreItem>
 </file>
 
+<file path=customXml/itemProps2.xml><?xml version="1.0" encoding="utf-8"?>
+<ds:datastoreItem xmlns:ds="http://schemas.openxmlformats.org/officeDocument/2006/customXml" ds:itemID="{915C1F8C-D27A-4CE7-9DF4-4AFDB2880FA9}">
+  <ds:schemaRefs>
+    <ds:schemaRef ds:uri="http://schemas.microsoft.com/sharepoint/v3/contenttype/forms"/>
+  </ds:schemaRefs>
+</ds:datastoreItem>
+</file>
+
+<file path=customXml/itemProps3.xml><?xml version="1.0" encoding="utf-8"?>
+<ds:datastoreItem xmlns:ds="http://schemas.openxmlformats.org/officeDocument/2006/customXml" ds:itemID="{FDF283A3-AA81-4663-8764-64F64C723FD1}">
+  <ds:schemaRefs>
+    <ds:schemaRef ds:uri="http://purl.org/dc/terms/"/>
+    <ds:schemaRef ds:uri="http://purl.org/dc/elements/1.1/"/>
+    <ds:schemaRef ds:uri="http://schemas.microsoft.com/office/infopath/2007/PartnerControls"/>
+    <ds:schemaRef ds:uri="http://schemas.microsoft.com/office/2006/documentManagement/types"/>
+    <ds:schemaRef ds:uri="http://schemas.openxmlformats.org/package/2006/metadata/core-properties"/>
+    <ds:schemaRef ds:uri="http://schemas.microsoft.com/office/2006/metadata/properties"/>
+    <ds:schemaRef ds:uri="http://www.w3.org/XML/1998/namespace"/>
+    <ds:schemaRef ds:uri="http://purl.org/dc/dcmitype/"/>
+  </ds:schemaRefs>
+</ds:datastoreItem>
+</file>
+
 <file path=docMetadata/LabelInfo.xml><?xml version="1.0" encoding="utf-8"?>
 <clbl:labelList xmlns:clbl="http://schemas.microsoft.com/office/2020/mipLabelMetadata">
   <clbl:label id="{72f988bf-86f1-41af-91ab-2d7cd011db47}" enabled="0" method="" siteId="{72f988bf-86f1-41af-91ab-2d7cd011db47}" removed="1"/>

--- a/Open Source Prezentacija.pptx
+++ b/Open Source Prezentacija.pptx
@@ -5,7 +5,7 @@
     <p:sldMasterId id="2147483687" r:id="rId4"/>
   </p:sldMasterIdLst>
   <p:notesMasterIdLst>
-    <p:notesMasterId r:id="rId23"/>
+    <p:notesMasterId r:id="rId28"/>
   </p:notesMasterIdLst>
   <p:sldIdLst>
     <p:sldId id="1864" r:id="rId5"/>
@@ -23,9 +23,14 @@
     <p:sldId id="1869" r:id="rId17"/>
     <p:sldId id="1870" r:id="rId18"/>
     <p:sldId id="1871" r:id="rId19"/>
-    <p:sldId id="1859" r:id="rId20"/>
-    <p:sldId id="1858" r:id="rId21"/>
-    <p:sldId id="1867" r:id="rId22"/>
+    <p:sldId id="1879" r:id="rId20"/>
+    <p:sldId id="1873" r:id="rId21"/>
+    <p:sldId id="1880" r:id="rId22"/>
+    <p:sldId id="1874" r:id="rId23"/>
+    <p:sldId id="1881" r:id="rId24"/>
+    <p:sldId id="1859" r:id="rId25"/>
+    <p:sldId id="1858" r:id="rId26"/>
+    <p:sldId id="1867" r:id="rId27"/>
   </p:sldIdLst>
   <p:sldSz cx="12192000" cy="6858000"/>
   <p:notesSz cx="6858000" cy="9144000"/>
@@ -3954,7 +3959,7 @@
             <a:fld id="{6DEB7EE2-04A2-4FB2-9625-C9C73AC4D32F}" type="slidenum">
               <a:rPr lang="en-US" altLang="en-US" smtClean="0"/>
               <a:pPr/>
-              <a:t>16</a:t>
+              <a:t>21</a:t>
             </a:fld>
             <a:endParaRPr lang="en-US" altLang="en-US" dirty="0"/>
           </a:p>
@@ -8938,10 +8943,10 @@
       </p:grpSpPr>
       <p:sp>
         <p:nvSpPr>
-          <p:cNvPr id="4" name="Title 3">
+          <p:cNvPr id="2" name="Naslov 1">
             <a:extLst>
               <a:ext uri="{FF2B5EF4-FFF2-40B4-BE49-F238E27FC236}">
-                <a16:creationId xmlns:a16="http://schemas.microsoft.com/office/drawing/2014/main" id="{068DF32A-D165-40DA-AAE8-A6E9579E2F79}"/>
+                <a16:creationId xmlns:a16="http://schemas.microsoft.com/office/drawing/2014/main" id="{7258D5B2-2C61-4F5A-B8A5-A9328E0B83BA}"/>
               </a:ext>
             </a:extLst>
           </p:cNvPr>
@@ -8954,8 +8959,8 @@
         </p:nvSpPr>
         <p:spPr>
           <a:xfrm>
-            <a:off x="1525301" y="1995467"/>
-            <a:ext cx="9141397" cy="615553"/>
+            <a:off x="5199742" y="1221988"/>
+            <a:ext cx="6477000" cy="1189037"/>
           </a:xfrm>
         </p:spPr>
         <p:txBody>
@@ -8963,30 +8968,18 @@
           <a:lstStyle/>
           <a:p>
             <a:r>
-              <a:rPr lang="en-US" dirty="0"/>
-              <a:t>Questions </a:t>
-            </a:r>
-            <a:r>
-              <a:rPr lang="en-US" dirty="0">
-                <a:solidFill>
-                  <a:schemeClr val="accent2"/>
-                </a:solidFill>
-              </a:rPr>
-              <a:t>&amp;</a:t>
-            </a:r>
-            <a:r>
-              <a:rPr lang="en-US" dirty="0"/>
-              <a:t> answers</a:t>
+              <a:rPr lang="hr-HR" dirty="0"/>
+              <a:t>Apache HTTP Server</a:t>
             </a:r>
           </a:p>
         </p:txBody>
       </p:sp>
       <p:sp>
         <p:nvSpPr>
-          <p:cNvPr id="7" name="Text Placeholder 6">
+          <p:cNvPr id="3" name="Rezervirano mjesto teksta 2">
             <a:extLst>
               <a:ext uri="{FF2B5EF4-FFF2-40B4-BE49-F238E27FC236}">
-                <a16:creationId xmlns:a16="http://schemas.microsoft.com/office/drawing/2014/main" id="{C3BC92DE-1779-4A44-AED9-0261C2497DD9}"/>
+                <a16:creationId xmlns:a16="http://schemas.microsoft.com/office/drawing/2014/main" id="{1503EF2C-7A0E-4B96-964A-D89FBB4AB096}"/>
               </a:ext>
             </a:extLst>
           </p:cNvPr>
@@ -8994,33 +8987,125 @@
             <a:spLocks noGrp="1"/>
           </p:cNvSpPr>
           <p:nvPr>
-            <p:ph type="body" sz="quarter" idx="12"/>
+            <p:ph type="body" sz="quarter" idx="11"/>
           </p:nvPr>
         </p:nvSpPr>
         <p:spPr>
           <a:xfrm>
-            <a:off x="2196307" y="3260705"/>
-            <a:ext cx="7799387" cy="1534757"/>
+            <a:off x="5199742" y="2659602"/>
+            <a:ext cx="6731846" cy="3276600"/>
           </a:xfrm>
         </p:spPr>
         <p:txBody>
           <a:bodyPr/>
           <a:lstStyle/>
           <a:p>
-            <a:r>
-              <a:rPr lang="en-US" altLang="en-US" dirty="0"/>
-              <a:t>Invite questions from the audience.</a:t>
-            </a:r>
-          </a:p>
-          <a:p>
-            <a:endParaRPr lang="en-US" dirty="0"/>
+            <a:pPr marL="285750" indent="-285750">
+              <a:buFont typeface="Arial" panose="020B0604020202020204" pitchFamily="34" charset="0"/>
+              <a:buChar char="•"/>
+            </a:pPr>
+            <a:r>
+              <a:rPr lang="hr-HR" b="0" dirty="0"/>
+              <a:t>Besplatan, </a:t>
+            </a:r>
+            <a:r>
+              <a:rPr lang="hr-HR" b="0" dirty="0" err="1"/>
+              <a:t>open-source</a:t>
+            </a:r>
+            <a:r>
+              <a:rPr lang="hr-HR" b="0" dirty="0"/>
+              <a:t> više </a:t>
+            </a:r>
+            <a:r>
+              <a:rPr lang="hr-HR" b="0" dirty="0" err="1"/>
+              <a:t>platformski</a:t>
+            </a:r>
+            <a:r>
+              <a:rPr lang="hr-HR" b="0" dirty="0"/>
+              <a:t> web server</a:t>
+            </a:r>
+          </a:p>
+          <a:p>
+            <a:pPr marL="285750" indent="-285750">
+              <a:buFont typeface="Arial" panose="020B0604020202020204" pitchFamily="34" charset="0"/>
+              <a:buChar char="•"/>
+            </a:pPr>
+            <a:r>
+              <a:rPr lang="hr-HR" b="0" dirty="0"/>
+              <a:t>Najpopularniji HTTP server u svijetu</a:t>
+            </a:r>
+          </a:p>
+          <a:p>
+            <a:pPr marL="285750" indent="-285750">
+              <a:buFont typeface="Arial" panose="020B0604020202020204" pitchFamily="34" charset="0"/>
+              <a:buChar char="•"/>
+            </a:pPr>
+            <a:r>
+              <a:rPr lang="hr-HR" b="0" dirty="0"/>
+              <a:t>Omogućuje komunikaciju između klijenta i servera preko mreže</a:t>
+            </a:r>
+          </a:p>
+          <a:p>
+            <a:pPr marL="285750" indent="-285750">
+              <a:buFont typeface="Arial" panose="020B0604020202020204" pitchFamily="34" charset="0"/>
+              <a:buChar char="•"/>
+            </a:pPr>
+            <a:r>
+              <a:rPr lang="hr-HR" b="0" dirty="0"/>
+              <a:t>Omogućuje izbor između različitih MPM-a(Multi Processing </a:t>
+            </a:r>
+            <a:r>
+              <a:rPr lang="hr-HR" b="0" dirty="0" err="1"/>
+              <a:t>Modules</a:t>
+            </a:r>
+            <a:r>
+              <a:rPr lang="hr-HR" b="0" dirty="0"/>
+              <a:t>)</a:t>
+            </a:r>
+          </a:p>
+          <a:p>
+            <a:pPr marL="285750" indent="-285750">
+              <a:buFont typeface="Arial" panose="020B0604020202020204" pitchFamily="34" charset="0"/>
+              <a:buChar char="•"/>
+            </a:pPr>
+            <a:endParaRPr lang="hr-HR" b="0" dirty="0"/>
           </a:p>
         </p:txBody>
       </p:sp>
+      <p:pic>
+        <p:nvPicPr>
+          <p:cNvPr id="4" name="Slika 3">
+            <a:extLst>
+              <a:ext uri="{FF2B5EF4-FFF2-40B4-BE49-F238E27FC236}">
+                <a16:creationId xmlns:a16="http://schemas.microsoft.com/office/drawing/2014/main" id="{12E6CB90-0120-4F13-BC71-2A5B2001D31E}"/>
+              </a:ext>
+            </a:extLst>
+          </p:cNvPr>
+          <p:cNvPicPr>
+            <a:picLocks noChangeAspect="1"/>
+          </p:cNvPicPr>
+          <p:nvPr/>
+        </p:nvPicPr>
+        <p:blipFill>
+          <a:blip r:embed="rId2"/>
+          <a:stretch>
+            <a:fillRect/>
+          </a:stretch>
+        </p:blipFill>
+        <p:spPr>
+          <a:xfrm>
+            <a:off x="5565559" y="4875195"/>
+            <a:ext cx="4847948" cy="1521634"/>
+          </a:xfrm>
+          <a:prstGeom prst="rect">
+            <a:avLst/>
+          </a:prstGeom>
+        </p:spPr>
+      </p:pic>
     </p:spTree>
     <p:extLst>
       <p:ext uri="{BB962C8B-B14F-4D97-AF65-F5344CB8AC3E}">
-        <p14:creationId xmlns:p14="http://schemas.microsoft.com/office/powerpoint/2010/main" val="576716121"/>
+        <p14:creationId xmlns:p14="http://schemas.microsoft.com/office/powerpoint/2010/main" val="3261414155"/>
       </p:ext>
     </p:extLst>
   </p:cSld>
@@ -9061,10 +9146,10 @@
       </p:grpSpPr>
       <p:sp>
         <p:nvSpPr>
-          <p:cNvPr id="4" name="Title 3">
+          <p:cNvPr id="2" name="Naslov 1">
             <a:extLst>
               <a:ext uri="{FF2B5EF4-FFF2-40B4-BE49-F238E27FC236}">
-                <a16:creationId xmlns:a16="http://schemas.microsoft.com/office/drawing/2014/main" id="{FD9E38B3-4686-8247-9625-49018D29F408}"/>
+                <a16:creationId xmlns:a16="http://schemas.microsoft.com/office/drawing/2014/main" id="{FF46E575-732A-4DD5-A39B-3B55E492E53D}"/>
               </a:ext>
             </a:extLst>
           </p:cNvPr>
@@ -9075,30 +9160,24 @@
             <p:ph type="title"/>
           </p:nvPr>
         </p:nvSpPr>
-        <p:spPr>
-          <a:xfrm>
-            <a:off x="1525301" y="1995467"/>
-            <a:ext cx="9141397" cy="615553"/>
-          </a:xfrm>
-        </p:spPr>
+        <p:spPr/>
         <p:txBody>
           <a:bodyPr/>
           <a:lstStyle/>
           <a:p>
             <a:r>
               <a:rPr lang="hr-HR" dirty="0"/>
-              <a:t>Pitanja za ponavljanje</a:t>
-            </a:r>
-            <a:endParaRPr lang="en-US" dirty="0"/>
+              <a:t>Razvoj Apache HTTP Servera</a:t>
+            </a:r>
           </a:p>
         </p:txBody>
       </p:sp>
       <p:sp>
         <p:nvSpPr>
-          <p:cNvPr id="3" name="Text Placeholder 2">
+          <p:cNvPr id="3" name="Rezervirano mjesto teksta 2">
             <a:extLst>
               <a:ext uri="{FF2B5EF4-FFF2-40B4-BE49-F238E27FC236}">
-                <a16:creationId xmlns:a16="http://schemas.microsoft.com/office/drawing/2014/main" id="{17155E1D-F4AD-41A7-B948-E2D246CCFE8A}"/>
+                <a16:creationId xmlns:a16="http://schemas.microsoft.com/office/drawing/2014/main" id="{BB9ADE43-36BC-4D1D-B1E1-D037A272D195}"/>
               </a:ext>
             </a:extLst>
           </p:cNvPr>
@@ -9106,39 +9185,148 @@
             <a:spLocks noGrp="1"/>
           </p:cNvSpPr>
           <p:nvPr>
-            <p:ph type="body" sz="quarter" idx="12"/>
+            <p:ph type="body" sz="quarter" idx="11"/>
           </p:nvPr>
         </p:nvSpPr>
         <p:spPr>
           <a:xfrm>
-            <a:off x="2196307" y="3260705"/>
-            <a:ext cx="7799387" cy="1534757"/>
+            <a:off x="5199742" y="1904998"/>
+            <a:ext cx="6477000" cy="3276600"/>
           </a:xfrm>
         </p:spPr>
         <p:txBody>
-          <a:bodyPr vert="horz" wrap="square" lIns="0" tIns="0" rIns="0" bIns="0" rtlCol="0" anchor="t">
-            <a:noAutofit/>
-          </a:bodyPr>
+          <a:bodyPr/>
           <a:lstStyle/>
           <a:p>
-            <a:r>
-              <a:rPr lang="hr-HR" altLang="en-US" dirty="0"/>
-              <a:t>/*ubaciti pitanja*/</a:t>
-            </a:r>
-            <a:endParaRPr lang="en-US" altLang="en-US" dirty="0"/>
-          </a:p>
-          <a:p>
-            <a:endParaRPr lang="en-US" dirty="0"/>
-          </a:p>
-          <a:p>
-            <a:endParaRPr lang="en-US" dirty="0"/>
+            <a:pPr marL="285750" indent="-285750">
+              <a:buFont typeface="Arial" panose="020B0604020202020204" pitchFamily="34" charset="0"/>
+              <a:buChar char="•"/>
+            </a:pPr>
+            <a:r>
+              <a:rPr lang="hr-HR" b="0" dirty="0"/>
+              <a:t>Razvoj je počeo u veljači 1995.</a:t>
+            </a:r>
+          </a:p>
+          <a:p>
+            <a:pPr marL="285750" indent="-285750">
+              <a:buFont typeface="Arial" panose="020B0604020202020204" pitchFamily="34" charset="0"/>
+              <a:buChar char="•"/>
+            </a:pPr>
+            <a:r>
+              <a:rPr lang="hr-HR" b="0" dirty="0"/>
+              <a:t>U siječnju 1996. nastaje prva  službena verzija Apache servera (Apache </a:t>
+            </a:r>
+            <a:r>
+              <a:rPr lang="hr-HR" b="0" dirty="0" err="1"/>
+              <a:t>httpd</a:t>
+            </a:r>
+            <a:r>
+              <a:rPr lang="hr-HR" b="0" dirty="0"/>
+              <a:t> 1.0)</a:t>
+            </a:r>
+          </a:p>
+          <a:p>
+            <a:pPr marL="285750" indent="-285750">
+              <a:buFont typeface="Arial" panose="020B0604020202020204" pitchFamily="34" charset="0"/>
+              <a:buChar char="•"/>
+            </a:pPr>
+            <a:r>
+              <a:rPr lang="hr-HR" b="0" dirty="0"/>
+              <a:t>Članovi Apache grupe:</a:t>
+            </a:r>
+          </a:p>
+          <a:p>
+            <a:pPr marL="1428750" lvl="2" indent="-285750"/>
+            <a:r>
+              <a:rPr lang="hr-HR" sz="1800" dirty="0"/>
+              <a:t>Donese odluke</a:t>
+            </a:r>
+          </a:p>
+          <a:p>
+            <a:pPr marL="1428750" lvl="2" indent="-285750"/>
+            <a:r>
+              <a:rPr lang="hr-HR" sz="1800" b="0" dirty="0"/>
+              <a:t>Imaju direktan pristup repozitoriju</a:t>
+            </a:r>
+          </a:p>
+          <a:p>
+            <a:pPr marL="285750" indent="-285750">
+              <a:buFont typeface="Arial" panose="020B0604020202020204" pitchFamily="34" charset="0"/>
+              <a:buChar char="•"/>
+            </a:pPr>
+            <a:r>
+              <a:rPr lang="hr-HR" b="0" dirty="0"/>
+              <a:t>Uvjet za članstvo  u grupi:</a:t>
+            </a:r>
+            <a:endParaRPr lang="hr-HR" sz="1600" b="0" dirty="0"/>
+          </a:p>
+          <a:p>
+            <a:pPr marL="1428750" lvl="2" indent="-285750"/>
+            <a:r>
+              <a:rPr lang="hr-HR" sz="1800" b="0" dirty="0"/>
+              <a:t>Ak</a:t>
+            </a:r>
+            <a:r>
+              <a:rPr lang="hr-HR" sz="1800" dirty="0"/>
+              <a:t>tivan doprinos projektu tijekom 6 mjeseci</a:t>
+            </a:r>
+          </a:p>
+          <a:p>
+            <a:pPr marL="1428750" lvl="2" indent="-285750"/>
+            <a:r>
+              <a:rPr lang="hr-HR" sz="1800" b="0" dirty="0"/>
+              <a:t>Nominacija od strane postojećeg člana</a:t>
+            </a:r>
+          </a:p>
+          <a:p>
+            <a:pPr marL="285750" indent="-285750">
+              <a:buFont typeface="Arial" panose="020B0604020202020204" pitchFamily="34" charset="0"/>
+              <a:buChar char="•"/>
+            </a:pPr>
+            <a:endParaRPr lang="hr-HR" sz="1600" dirty="0"/>
+          </a:p>
+          <a:p>
+            <a:pPr lvl="2" indent="0">
+              <a:buNone/>
+            </a:pPr>
+            <a:endParaRPr lang="hr-HR" sz="1600" b="0" dirty="0"/>
+          </a:p>
+          <a:p>
+            <a:pPr lvl="2" indent="0">
+              <a:buNone/>
+            </a:pPr>
+            <a:endParaRPr lang="hr-HR" sz="1800" b="0" dirty="0"/>
+          </a:p>
+          <a:p>
+            <a:pPr lvl="2" indent="0">
+              <a:buNone/>
+            </a:pPr>
+            <a:endParaRPr lang="hr-HR" sz="1800" dirty="0"/>
+          </a:p>
+          <a:p>
+            <a:pPr marL="1885950" lvl="3" indent="-285750"/>
+            <a:endParaRPr lang="hr-HR" sz="1600" b="0" dirty="0"/>
+          </a:p>
+          <a:p>
+            <a:pPr marL="285750" indent="-285750">
+              <a:buFont typeface="Arial" panose="020B0604020202020204" pitchFamily="34" charset="0"/>
+              <a:buChar char="•"/>
+            </a:pPr>
+            <a:endParaRPr lang="hr-HR" b="0" dirty="0"/>
+          </a:p>
+          <a:p>
+            <a:pPr marL="285750" indent="-285750">
+              <a:buFont typeface="Arial" panose="020B0604020202020204" pitchFamily="34" charset="0"/>
+              <a:buChar char="•"/>
+            </a:pPr>
+            <a:endParaRPr lang="hr-HR" b="0" dirty="0"/>
           </a:p>
         </p:txBody>
       </p:sp>
     </p:spTree>
     <p:extLst>
       <p:ext uri="{BB962C8B-B14F-4D97-AF65-F5344CB8AC3E}">
-        <p14:creationId xmlns:p14="http://schemas.microsoft.com/office/powerpoint/2010/main" val="4244761525"/>
+        <p14:creationId xmlns:p14="http://schemas.microsoft.com/office/powerpoint/2010/main" val="1539929469"/>
       </p:ext>
     </p:extLst>
   </p:cSld>
@@ -9179,10 +9367,150 @@
       </p:grpSpPr>
       <p:sp>
         <p:nvSpPr>
-          <p:cNvPr id="4" name="Title 3">
+          <p:cNvPr id="2" name="Naslov 1">
             <a:extLst>
               <a:ext uri="{FF2B5EF4-FFF2-40B4-BE49-F238E27FC236}">
-                <a16:creationId xmlns:a16="http://schemas.microsoft.com/office/drawing/2014/main" id="{9DA36B3A-558B-413E-877B-7275290AB783}"/>
+                <a16:creationId xmlns:a16="http://schemas.microsoft.com/office/drawing/2014/main" id="{3352EAD8-E135-44EB-8D36-9C480B12C20A}"/>
+              </a:ext>
+            </a:extLst>
+          </p:cNvPr>
+          <p:cNvSpPr>
+            <a:spLocks noGrp="1"/>
+          </p:cNvSpPr>
+          <p:nvPr>
+            <p:ph type="title"/>
+          </p:nvPr>
+        </p:nvSpPr>
+        <p:spPr/>
+        <p:txBody>
+          <a:bodyPr/>
+          <a:lstStyle/>
+          <a:p>
+            <a:r>
+              <a:rPr lang="hr-HR" dirty="0"/>
+              <a:t>Dodjela zaduženja u razvoju</a:t>
+            </a:r>
+          </a:p>
+        </p:txBody>
+      </p:sp>
+      <p:sp>
+        <p:nvSpPr>
+          <p:cNvPr id="3" name="Rezervirano mjesto teksta 2">
+            <a:extLst>
+              <a:ext uri="{FF2B5EF4-FFF2-40B4-BE49-F238E27FC236}">
+                <a16:creationId xmlns:a16="http://schemas.microsoft.com/office/drawing/2014/main" id="{5AB3C75A-6A01-4C8C-A101-00DC90CB6BD7}"/>
+              </a:ext>
+            </a:extLst>
+          </p:cNvPr>
+          <p:cNvSpPr>
+            <a:spLocks noGrp="1"/>
+          </p:cNvSpPr>
+          <p:nvPr>
+            <p:ph type="body" sz="quarter" idx="11"/>
+          </p:nvPr>
+        </p:nvSpPr>
+        <p:spPr/>
+        <p:txBody>
+          <a:bodyPr/>
+          <a:lstStyle/>
+          <a:p>
+            <a:pPr marL="285750" indent="-285750">
+              <a:buFont typeface="Arial" panose="020B0604020202020204" pitchFamily="34" charset="0"/>
+              <a:buChar char="•"/>
+            </a:pPr>
+            <a:r>
+              <a:rPr lang="hr-HR" b="0" dirty="0"/>
+              <a:t>Svaki developer specijalizira se za pojedini dio koda</a:t>
+            </a:r>
+          </a:p>
+          <a:p>
+            <a:pPr marL="285750" indent="-285750">
+              <a:buFont typeface="Arial" panose="020B0604020202020204" pitchFamily="34" charset="0"/>
+              <a:buChar char="•"/>
+            </a:pPr>
+            <a:r>
+              <a:rPr lang="hr-HR" b="0" dirty="0"/>
+              <a:t>Testiranje provodi pojedini developer</a:t>
+            </a:r>
+          </a:p>
+          <a:p>
+            <a:pPr marL="285750" indent="-285750">
+              <a:buFont typeface="Arial" panose="020B0604020202020204" pitchFamily="34" charset="0"/>
+              <a:buChar char="•"/>
+            </a:pPr>
+            <a:r>
+              <a:rPr lang="hr-HR" b="0" dirty="0"/>
+              <a:t>Glavne odluke donosi cijela Apache grupa zajedno</a:t>
+            </a:r>
+          </a:p>
+          <a:p>
+            <a:pPr marL="285750" indent="-285750">
+              <a:buFont typeface="Arial" panose="020B0604020202020204" pitchFamily="34" charset="0"/>
+              <a:buChar char="•"/>
+            </a:pPr>
+            <a:r>
+              <a:rPr lang="hr-HR" b="0" dirty="0"/>
+              <a:t>Ulogu </a:t>
+            </a:r>
+            <a:r>
+              <a:rPr lang="hr-HR" b="0" dirty="0" err="1"/>
+              <a:t>release</a:t>
+            </a:r>
+            <a:r>
+              <a:rPr lang="hr-HR" b="0" dirty="0"/>
+              <a:t> manager-a preuzima jedan developer</a:t>
+            </a:r>
+          </a:p>
+        </p:txBody>
+      </p:sp>
+    </p:spTree>
+    <p:extLst>
+      <p:ext uri="{BB962C8B-B14F-4D97-AF65-F5344CB8AC3E}">
+        <p14:creationId xmlns:p14="http://schemas.microsoft.com/office/powerpoint/2010/main" val="1933268724"/>
+      </p:ext>
+    </p:extLst>
+  </p:cSld>
+  <p:clrMapOvr>
+    <a:masterClrMapping/>
+  </p:clrMapOvr>
+  <mc:AlternateContent xmlns:mc="http://schemas.openxmlformats.org/markup-compatibility/2006" xmlns:p14="http://schemas.microsoft.com/office/powerpoint/2010/main">
+    <mc:Choice Requires="p14">
+      <p:transition spd="med" p14:dur="700">
+        <p:fade/>
+      </p:transition>
+    </mc:Choice>
+    <mc:Fallback xmlns="">
+      <p:transition spd="med">
+        <p:fade/>
+      </p:transition>
+    </mc:Fallback>
+  </mc:AlternateContent>
+</p:sld>
+</file>
+
+<file path=ppt/slides/slide19.xml><?xml version="1.0" encoding="utf-8"?>
+<p:sld xmlns:a="http://schemas.openxmlformats.org/drawingml/2006/main" xmlns:r="http://schemas.openxmlformats.org/officeDocument/2006/relationships" xmlns:p="http://schemas.openxmlformats.org/presentationml/2006/main">
+  <p:cSld>
+    <p:spTree>
+      <p:nvGrpSpPr>
+        <p:cNvPr id="1" name=""/>
+        <p:cNvGrpSpPr/>
+        <p:nvPr/>
+      </p:nvGrpSpPr>
+      <p:grpSpPr>
+        <a:xfrm>
+          <a:off x="0" y="0"/>
+          <a:ext cx="0" cy="0"/>
+          <a:chOff x="0" y="0"/>
+          <a:chExt cx="0" cy="0"/>
+        </a:xfrm>
+      </p:grpSpPr>
+      <p:sp>
+        <p:nvSpPr>
+          <p:cNvPr id="2" name="Naslov 1">
+            <a:extLst>
+              <a:ext uri="{FF2B5EF4-FFF2-40B4-BE49-F238E27FC236}">
+                <a16:creationId xmlns:a16="http://schemas.microsoft.com/office/drawing/2014/main" id="{5C2EFF81-71DA-4270-AF75-C29F24346EB7}"/>
               </a:ext>
             </a:extLst>
           </p:cNvPr>
@@ -9195,7 +9523,7 @@
         </p:nvSpPr>
         <p:spPr>
           <a:xfrm>
-            <a:off x="5199742" y="715961"/>
+            <a:off x="5199742" y="1017802"/>
             <a:ext cx="6477000" cy="1189037"/>
           </a:xfrm>
         </p:spPr>
@@ -9204,18 +9532,18 @@
           <a:lstStyle/>
           <a:p>
             <a:r>
-              <a:rPr lang="en-US" dirty="0"/>
-              <a:t>Resources</a:t>
+              <a:rPr lang="hr-HR" dirty="0"/>
+              <a:t>Apache zajednica</a:t>
             </a:r>
           </a:p>
         </p:txBody>
       </p:sp>
       <p:sp>
         <p:nvSpPr>
-          <p:cNvPr id="3" name="Text Placeholder 2">
+          <p:cNvPr id="3" name="Rezervirano mjesto teksta 2">
             <a:extLst>
               <a:ext uri="{FF2B5EF4-FFF2-40B4-BE49-F238E27FC236}">
-                <a16:creationId xmlns:a16="http://schemas.microsoft.com/office/drawing/2014/main" id="{68675CE5-70A2-411D-881E-7B75B82931F4}"/>
+                <a16:creationId xmlns:a16="http://schemas.microsoft.com/office/drawing/2014/main" id="{8EE8274F-E12A-409E-A1F4-6162BE8A25C6}"/>
               </a:ext>
             </a:extLst>
           </p:cNvPr>
@@ -9228,52 +9556,59 @@
         </p:nvSpPr>
         <p:spPr>
           <a:xfrm>
-            <a:off x="5199743" y="1905000"/>
-            <a:ext cx="6477000" cy="3276600"/>
+            <a:off x="5138902" y="2473171"/>
+            <a:ext cx="6598680" cy="3276600"/>
           </a:xfrm>
         </p:spPr>
         <p:txBody>
           <a:bodyPr/>
           <a:lstStyle/>
           <a:p>
-            <a:r>
-              <a:rPr lang="en-US" altLang="en-US" dirty="0"/>
-              <a:t>List the resources you used for your research:</a:t>
-            </a:r>
-          </a:p>
-          <a:p>
-            <a:pPr lvl="1"/>
-            <a:r>
-              <a:rPr lang="fr-FR" dirty="0"/>
-              <a:t>Source #1</a:t>
-            </a:r>
-          </a:p>
-          <a:p>
-            <a:pPr lvl="1"/>
-            <a:r>
-              <a:rPr lang="fr-FR" dirty="0"/>
-              <a:t>Source #2</a:t>
-            </a:r>
-          </a:p>
-          <a:p>
-            <a:pPr lvl="1"/>
-            <a:r>
-              <a:rPr lang="fr-FR" dirty="0"/>
-              <a:t>Source #3</a:t>
-            </a:r>
-          </a:p>
-          <a:p>
-            <a:endParaRPr lang="en-US" dirty="0"/>
-          </a:p>
-          <a:p>
-            <a:endParaRPr lang="en-US" dirty="0"/>
+            <a:pPr marL="285750" indent="-285750">
+              <a:buFont typeface="Arial" panose="020B0604020202020204" pitchFamily="34" charset="0"/>
+              <a:buChar char="•"/>
+            </a:pPr>
+            <a:r>
+              <a:rPr lang="hr-HR" b="0" dirty="0"/>
+              <a:t>U razvoju je sudjelovalo preko 400 volontera</a:t>
+            </a:r>
+          </a:p>
+          <a:p>
+            <a:pPr marL="285750" indent="-285750">
+              <a:buFont typeface="Arial" panose="020B0604020202020204" pitchFamily="34" charset="0"/>
+              <a:buChar char="•"/>
+            </a:pPr>
+            <a:r>
+              <a:rPr lang="hr-HR" b="0" dirty="0"/>
+              <a:t>Top 15 developera odgovorno je za 88% dodanih linija koda</a:t>
+            </a:r>
+          </a:p>
+          <a:p>
+            <a:pPr marL="285750" indent="-285750">
+              <a:buFont typeface="Arial" panose="020B0604020202020204" pitchFamily="34" charset="0"/>
+              <a:buChar char="•"/>
+            </a:pPr>
+            <a:r>
+              <a:rPr lang="hr-HR" b="0" dirty="0"/>
+              <a:t>Zajednica ima glavnu ulogu u sistem testiranju</a:t>
+            </a:r>
+          </a:p>
+          <a:p>
+            <a:pPr marL="285750" indent="-285750">
+              <a:buFont typeface="Arial" panose="020B0604020202020204" pitchFamily="34" charset="0"/>
+              <a:buChar char="•"/>
+            </a:pPr>
+            <a:r>
+              <a:rPr lang="hr-HR" b="0" dirty="0"/>
+              <a:t>15 najaktivnijih developera kreiralo je 66% rješenja za prijavljene probleme</a:t>
+            </a:r>
           </a:p>
         </p:txBody>
       </p:sp>
     </p:spTree>
     <p:extLst>
       <p:ext uri="{BB962C8B-B14F-4D97-AF65-F5344CB8AC3E}">
-        <p14:creationId xmlns:p14="http://schemas.microsoft.com/office/powerpoint/2010/main" val="3366527757"/>
+        <p14:creationId xmlns:p14="http://schemas.microsoft.com/office/powerpoint/2010/main" val="2305866841"/>
       </p:ext>
     </p:extLst>
   </p:cSld>
@@ -9362,14 +9697,14 @@
             <p:ph type="tbl" sz="quarter" idx="12"/>
             <p:extLst>
               <p:ext uri="{D42A27DB-BD31-4B8C-83A1-F6EECF244321}">
-                <p14:modId xmlns:p14="http://schemas.microsoft.com/office/powerpoint/2010/main" val="131774250"/>
+                <p14:modId xmlns:p14="http://schemas.microsoft.com/office/powerpoint/2010/main" val="2967179669"/>
               </p:ext>
             </p:extLst>
           </p:nvPr>
         </p:nvGraphicFramePr>
         <p:xfrm>
           <a:off x="762000" y="1628560"/>
-          <a:ext cx="10668000" cy="3841364"/>
+          <a:ext cx="10668000" cy="4318572"/>
         </p:xfrm>
         <a:graphic>
           <a:graphicData uri="http://schemas.openxmlformats.org/drawingml/2006/table">
@@ -10799,36 +11134,6 @@
                         <a:buNone/>
                         <a:tabLst/>
                       </a:pPr>
-                      <a:endParaRPr kumimoji="0" lang="hr-HR" sz="1400" b="0" i="0" u="none" strike="noStrike" cap="none" normalizeH="0" baseline="0" dirty="0">
-                        <a:ln>
-                          <a:noFill/>
-                        </a:ln>
-                        <a:solidFill>
-                          <a:srgbClr val="000000"/>
-                        </a:solidFill>
-                        <a:effectLst/>
-                        <a:latin typeface="+mn-lt"/>
-                      </a:endParaRPr>
-                    </a:p>
-                    <a:p>
-                      <a:pPr marL="0" marR="0" lvl="0" indent="0" algn="ctr" defTabSz="914400" rtl="0" eaLnBrk="1" fontAlgn="base" latinLnBrk="0" hangingPunct="1">
-                        <a:lnSpc>
-                          <a:spcPct val="100000"/>
-                        </a:lnSpc>
-                        <a:spcBef>
-                          <a:spcPct val="20000"/>
-                        </a:spcBef>
-                        <a:spcAft>
-                          <a:spcPct val="0"/>
-                        </a:spcAft>
-                        <a:buClr>
-                          <a:schemeClr val="tx1"/>
-                        </a:buClr>
-                        <a:buSzTx/>
-                        <a:buFontTx/>
-                        <a:buNone/>
-                        <a:tabLst/>
-                      </a:pPr>
                       <a:r>
                         <a:rPr kumimoji="0" lang="hr-HR" sz="1400" b="0" i="0" u="none" strike="noStrike" cap="none" normalizeH="0" baseline="0" dirty="0">
                           <a:ln>
@@ -10842,36 +11147,6 @@
                         </a:rPr>
                         <a:t>2. Software </a:t>
                       </a:r>
-                    </a:p>
-                    <a:p>
-                      <a:pPr marL="0" marR="0" lvl="0" indent="0" algn="ctr" defTabSz="914400" rtl="0" eaLnBrk="1" fontAlgn="base" latinLnBrk="0" hangingPunct="1">
-                        <a:lnSpc>
-                          <a:spcPct val="100000"/>
-                        </a:lnSpc>
-                        <a:spcBef>
-                          <a:spcPct val="20000"/>
-                        </a:spcBef>
-                        <a:spcAft>
-                          <a:spcPct val="0"/>
-                        </a:spcAft>
-                        <a:buClr>
-                          <a:schemeClr val="tx1"/>
-                        </a:buClr>
-                        <a:buSzTx/>
-                        <a:buFontTx/>
-                        <a:buNone/>
-                        <a:tabLst/>
-                      </a:pPr>
-                      <a:endParaRPr kumimoji="0" lang="hr-HR" sz="1400" b="0" i="0" u="none" strike="noStrike" cap="none" normalizeH="0" baseline="0" dirty="0">
-                        <a:ln>
-                          <a:noFill/>
-                        </a:ln>
-                        <a:solidFill>
-                          <a:srgbClr val="000000"/>
-                        </a:solidFill>
-                        <a:effectLst/>
-                        <a:latin typeface="+mn-lt"/>
-                      </a:endParaRPr>
                     </a:p>
                     <a:p>
                       <a:pPr marL="0" marR="0" lvl="0" indent="0" algn="ctr" defTabSz="914400" rtl="0" eaLnBrk="1" fontAlgn="base" latinLnBrk="0" hangingPunct="1">
@@ -10982,7 +11257,7 @@
                           <a:schemeClr val="tx1"/>
                         </a:buClr>
                         <a:buSzTx/>
-                        <a:buFontTx/>
+                        <a:buFont typeface="+mj-lt"/>
                         <a:buNone/>
                         <a:tabLst/>
                         <a:defRPr/>
@@ -10998,8 +11273,188 @@
                           <a:effectLst/>
                           <a:latin typeface="+mn-lt"/>
                         </a:rPr>
-                        <a:t>/*dodat glavne naslove*/</a:t>
+                        <a:t>1. Apache HTTP Server</a:t>
                       </a:r>
+                    </a:p>
+                    <a:p>
+                      <a:pPr marL="0" marR="0" lvl="0" indent="0" algn="ctr" defTabSz="914400" rtl="0" eaLnBrk="1" fontAlgn="base" latinLnBrk="0" hangingPunct="1">
+                        <a:lnSpc>
+                          <a:spcPct val="100000"/>
+                        </a:lnSpc>
+                        <a:spcBef>
+                          <a:spcPct val="20000"/>
+                        </a:spcBef>
+                        <a:spcAft>
+                          <a:spcPct val="0"/>
+                        </a:spcAft>
+                        <a:buClr>
+                          <a:schemeClr val="tx1"/>
+                        </a:buClr>
+                        <a:buSzTx/>
+                        <a:buFont typeface="+mj-lt"/>
+                        <a:buNone/>
+                        <a:tabLst/>
+                        <a:defRPr/>
+                      </a:pPr>
+                      <a:r>
+                        <a:rPr kumimoji="0" lang="hr-HR" sz="1400" b="0" i="0" u="none" strike="noStrike" cap="none" normalizeH="0" baseline="0" dirty="0">
+                          <a:ln>
+                            <a:noFill/>
+                          </a:ln>
+                          <a:solidFill>
+                            <a:srgbClr val="000000"/>
+                          </a:solidFill>
+                          <a:effectLst/>
+                          <a:latin typeface="+mn-lt"/>
+                        </a:rPr>
+                        <a:t> 2. Razvoj Apache HTTP Servera</a:t>
+                      </a:r>
+                    </a:p>
+                    <a:p>
+                      <a:pPr marL="0" marR="0" lvl="0" indent="0" algn="ctr" defTabSz="914400" rtl="0" eaLnBrk="1" fontAlgn="base" latinLnBrk="0" hangingPunct="1">
+                        <a:lnSpc>
+                          <a:spcPct val="100000"/>
+                        </a:lnSpc>
+                        <a:spcBef>
+                          <a:spcPct val="20000"/>
+                        </a:spcBef>
+                        <a:spcAft>
+                          <a:spcPct val="0"/>
+                        </a:spcAft>
+                        <a:buClr>
+                          <a:schemeClr val="tx1"/>
+                        </a:buClr>
+                        <a:buSzTx/>
+                        <a:buFont typeface="+mj-lt"/>
+                        <a:buNone/>
+                        <a:tabLst/>
+                        <a:defRPr/>
+                      </a:pPr>
+                      <a:r>
+                        <a:rPr kumimoji="0" lang="hr-HR" sz="1400" b="0" i="0" u="none" strike="noStrike" cap="none" normalizeH="0" baseline="0" dirty="0">
+                          <a:ln>
+                            <a:noFill/>
+                          </a:ln>
+                          <a:solidFill>
+                            <a:srgbClr val="000000"/>
+                          </a:solidFill>
+                          <a:effectLst/>
+                          <a:latin typeface="+mn-lt"/>
+                        </a:rPr>
+                        <a:t>3. Dodjela zaduženja</a:t>
+                      </a:r>
+                    </a:p>
+                    <a:p>
+                      <a:pPr marL="0" marR="0" lvl="0" indent="0" algn="ctr" defTabSz="914400" rtl="0" eaLnBrk="1" fontAlgn="base" latinLnBrk="0" hangingPunct="1">
+                        <a:lnSpc>
+                          <a:spcPct val="100000"/>
+                        </a:lnSpc>
+                        <a:spcBef>
+                          <a:spcPct val="20000"/>
+                        </a:spcBef>
+                        <a:spcAft>
+                          <a:spcPct val="0"/>
+                        </a:spcAft>
+                        <a:buClr>
+                          <a:schemeClr val="tx1"/>
+                        </a:buClr>
+                        <a:buSzTx/>
+                        <a:buFont typeface="+mj-lt"/>
+                        <a:buNone/>
+                        <a:tabLst/>
+                        <a:defRPr/>
+                      </a:pPr>
+                      <a:r>
+                        <a:rPr kumimoji="0" lang="hr-HR" sz="1400" b="0" i="0" u="none" strike="noStrike" cap="none" normalizeH="0" baseline="0" dirty="0">
+                          <a:ln>
+                            <a:noFill/>
+                          </a:ln>
+                          <a:solidFill>
+                            <a:srgbClr val="000000"/>
+                          </a:solidFill>
+                          <a:effectLst/>
+                          <a:latin typeface="+mn-lt"/>
+                        </a:rPr>
+                        <a:t>4. Apache zajednica</a:t>
+                      </a:r>
+                    </a:p>
+                    <a:p>
+                      <a:pPr marL="0" marR="0" lvl="0" indent="0" algn="ctr" defTabSz="914400" rtl="0" eaLnBrk="1" fontAlgn="base" latinLnBrk="0" hangingPunct="1">
+                        <a:lnSpc>
+                          <a:spcPct val="100000"/>
+                        </a:lnSpc>
+                        <a:spcBef>
+                          <a:spcPct val="20000"/>
+                        </a:spcBef>
+                        <a:spcAft>
+                          <a:spcPct val="0"/>
+                        </a:spcAft>
+                        <a:buClr>
+                          <a:schemeClr val="tx1"/>
+                        </a:buClr>
+                        <a:buSzTx/>
+                        <a:buFont typeface="+mj-lt"/>
+                        <a:buNone/>
+                        <a:tabLst/>
+                        <a:defRPr/>
+                      </a:pPr>
+                      <a:r>
+                        <a:rPr kumimoji="0" lang="hr-HR" sz="1400" b="0" i="0" u="none" strike="noStrike" cap="none" normalizeH="0" baseline="0" dirty="0">
+                          <a:ln>
+                            <a:noFill/>
+                          </a:ln>
+                          <a:solidFill>
+                            <a:srgbClr val="000000"/>
+                          </a:solidFill>
+                          <a:effectLst/>
+                          <a:latin typeface="+mn-lt"/>
+                        </a:rPr>
+                        <a:t>5. Apache Software </a:t>
+                      </a:r>
+                      <a:r>
+                        <a:rPr kumimoji="0" lang="hr-HR" sz="1400" b="0" i="0" u="none" strike="noStrike" cap="none" normalizeH="0" baseline="0" dirty="0" err="1">
+                          <a:ln>
+                            <a:noFill/>
+                          </a:ln>
+                          <a:solidFill>
+                            <a:srgbClr val="000000"/>
+                          </a:solidFill>
+                          <a:effectLst/>
+                          <a:latin typeface="+mn-lt"/>
+                        </a:rPr>
+                        <a:t>Foundation</a:t>
+                      </a:r>
+                      <a:endParaRPr kumimoji="0" lang="hr-HR" sz="1400" b="0" i="0" u="none" strike="noStrike" cap="none" normalizeH="0" baseline="0" dirty="0">
+                        <a:ln>
+                          <a:noFill/>
+                        </a:ln>
+                        <a:solidFill>
+                          <a:srgbClr val="000000"/>
+                        </a:solidFill>
+                        <a:effectLst/>
+                        <a:latin typeface="+mn-lt"/>
+                      </a:endParaRPr>
+                    </a:p>
+                    <a:p>
+                      <a:pPr marL="0" marR="0" lvl="0" indent="0" algn="ctr" defTabSz="914400" rtl="0" eaLnBrk="1" fontAlgn="base" latinLnBrk="0" hangingPunct="1">
+                        <a:lnSpc>
+                          <a:spcPct val="100000"/>
+                        </a:lnSpc>
+                        <a:spcBef>
+                          <a:spcPct val="20000"/>
+                        </a:spcBef>
+                        <a:spcAft>
+                          <a:spcPct val="0"/>
+                        </a:spcAft>
+                        <a:buClr>
+                          <a:schemeClr val="tx1"/>
+                        </a:buClr>
+                        <a:buSzTx/>
+                        <a:buFont typeface="+mj-lt"/>
+                        <a:buNone/>
+                        <a:tabLst/>
+                        <a:defRPr/>
+                      </a:pPr>
                       <a:endParaRPr kumimoji="0" lang="en-US" sz="1400" b="0" i="0" u="none" strike="noStrike" cap="none" normalizeH="0" baseline="0" dirty="0">
                         <a:ln>
                           <a:noFill/>
@@ -11286,6 +11741,576 @@
     <p:extLst>
       <p:ext uri="{BB962C8B-B14F-4D97-AF65-F5344CB8AC3E}">
         <p14:creationId xmlns:p14="http://schemas.microsoft.com/office/powerpoint/2010/main" val="2957678139"/>
+      </p:ext>
+    </p:extLst>
+  </p:cSld>
+  <p:clrMapOvr>
+    <a:masterClrMapping/>
+  </p:clrMapOvr>
+  <mc:AlternateContent xmlns:mc="http://schemas.openxmlformats.org/markup-compatibility/2006" xmlns:p14="http://schemas.microsoft.com/office/powerpoint/2010/main">
+    <mc:Choice Requires="p14">
+      <p:transition spd="med" p14:dur="700">
+        <p:fade/>
+      </p:transition>
+    </mc:Choice>
+    <mc:Fallback xmlns="">
+      <p:transition spd="med">
+        <p:fade/>
+      </p:transition>
+    </mc:Fallback>
+  </mc:AlternateContent>
+</p:sld>
+</file>
+
+<file path=ppt/slides/slide20.xml><?xml version="1.0" encoding="utf-8"?>
+<p:sld xmlns:a="http://schemas.openxmlformats.org/drawingml/2006/main" xmlns:r="http://schemas.openxmlformats.org/officeDocument/2006/relationships" xmlns:p="http://schemas.openxmlformats.org/presentationml/2006/main">
+  <p:cSld>
+    <p:spTree>
+      <p:nvGrpSpPr>
+        <p:cNvPr id="1" name=""/>
+        <p:cNvGrpSpPr/>
+        <p:nvPr/>
+      </p:nvGrpSpPr>
+      <p:grpSpPr>
+        <a:xfrm>
+          <a:off x="0" y="0"/>
+          <a:ext cx="0" cy="0"/>
+          <a:chOff x="0" y="0"/>
+          <a:chExt cx="0" cy="0"/>
+        </a:xfrm>
+      </p:grpSpPr>
+      <p:sp>
+        <p:nvSpPr>
+          <p:cNvPr id="2" name="Naslov 1">
+            <a:extLst>
+              <a:ext uri="{FF2B5EF4-FFF2-40B4-BE49-F238E27FC236}">
+                <a16:creationId xmlns:a16="http://schemas.microsoft.com/office/drawing/2014/main" id="{AA133F95-CD1B-480F-919F-7BC3B2056F75}"/>
+              </a:ext>
+            </a:extLst>
+          </p:cNvPr>
+          <p:cNvSpPr>
+            <a:spLocks noGrp="1"/>
+          </p:cNvSpPr>
+          <p:nvPr>
+            <p:ph type="title"/>
+          </p:nvPr>
+        </p:nvSpPr>
+        <p:spPr/>
+        <p:txBody>
+          <a:bodyPr/>
+          <a:lstStyle/>
+          <a:p>
+            <a:r>
+              <a:rPr lang="hr-HR" dirty="0"/>
+              <a:t>Apache Software </a:t>
+            </a:r>
+            <a:r>
+              <a:rPr lang="hr-HR" dirty="0" err="1"/>
+              <a:t>Foundation</a:t>
+            </a:r>
+            <a:r>
+              <a:rPr lang="hr-HR" dirty="0"/>
+              <a:t>(ASF)</a:t>
+            </a:r>
+          </a:p>
+        </p:txBody>
+      </p:sp>
+      <p:sp>
+        <p:nvSpPr>
+          <p:cNvPr id="3" name="Rezervirano mjesto teksta 2">
+            <a:extLst>
+              <a:ext uri="{FF2B5EF4-FFF2-40B4-BE49-F238E27FC236}">
+                <a16:creationId xmlns:a16="http://schemas.microsoft.com/office/drawing/2014/main" id="{C2BC976F-1F2A-48ED-AA46-B6EF20003012}"/>
+              </a:ext>
+            </a:extLst>
+          </p:cNvPr>
+          <p:cNvSpPr>
+            <a:spLocks noGrp="1"/>
+          </p:cNvSpPr>
+          <p:nvPr>
+            <p:ph type="body" sz="quarter" idx="11"/>
+          </p:nvPr>
+        </p:nvSpPr>
+        <p:spPr/>
+        <p:txBody>
+          <a:bodyPr/>
+          <a:lstStyle/>
+          <a:p>
+            <a:pPr marL="285750" indent="-285750">
+              <a:buFont typeface="Arial" panose="020B0604020202020204" pitchFamily="34" charset="0"/>
+              <a:buChar char="•"/>
+            </a:pPr>
+            <a:r>
+              <a:rPr lang="hr-HR" b="0" dirty="0"/>
+              <a:t>Osnovana 1999. godine</a:t>
+            </a:r>
+          </a:p>
+          <a:p>
+            <a:pPr marL="285750" indent="-285750">
+              <a:buFont typeface="Arial" panose="020B0604020202020204" pitchFamily="34" charset="0"/>
+              <a:buChar char="•"/>
+            </a:pPr>
+            <a:r>
+              <a:rPr lang="hr-HR" b="0" dirty="0"/>
+              <a:t>Danas ima preko 1000 članova</a:t>
+            </a:r>
+          </a:p>
+          <a:p>
+            <a:pPr marL="285750" indent="-285750">
+              <a:buFont typeface="Arial" panose="020B0604020202020204" pitchFamily="34" charset="0"/>
+              <a:buChar char="•"/>
+            </a:pPr>
+            <a:r>
+              <a:rPr lang="hr-HR" b="0" dirty="0"/>
+              <a:t>ASF postoji samo kao virtualni entitet na internetu</a:t>
+            </a:r>
+          </a:p>
+          <a:p>
+            <a:pPr marL="285750" indent="-285750">
+              <a:buFont typeface="Arial" panose="020B0604020202020204" pitchFamily="34" charset="0"/>
+              <a:buChar char="•"/>
+            </a:pPr>
+            <a:r>
+              <a:rPr lang="hr-HR" b="0" dirty="0"/>
+              <a:t>Upravljanje organizacijom:</a:t>
+            </a:r>
+          </a:p>
+          <a:p>
+            <a:pPr marL="1428750" lvl="2" indent="-285750"/>
+            <a:r>
+              <a:rPr lang="hr-HR" sz="1800" b="0" dirty="0"/>
+              <a:t>Upravni odbor</a:t>
+            </a:r>
+          </a:p>
+          <a:p>
+            <a:pPr marL="1428750" lvl="2" indent="-285750"/>
+            <a:r>
+              <a:rPr lang="hr-HR" sz="1800" dirty="0"/>
+              <a:t>Odbor za upravljanje projektima</a:t>
+            </a:r>
+          </a:p>
+          <a:p>
+            <a:pPr marL="1428750" lvl="2" indent="-285750"/>
+            <a:r>
+              <a:rPr lang="hr-HR" sz="1800" b="0" dirty="0"/>
+              <a:t>Časnici</a:t>
+            </a:r>
+          </a:p>
+          <a:p>
+            <a:endParaRPr lang="hr-HR" b="0" dirty="0"/>
+          </a:p>
+        </p:txBody>
+      </p:sp>
+      <p:pic>
+        <p:nvPicPr>
+          <p:cNvPr id="4" name="Slika 3">
+            <a:extLst>
+              <a:ext uri="{FF2B5EF4-FFF2-40B4-BE49-F238E27FC236}">
+                <a16:creationId xmlns:a16="http://schemas.microsoft.com/office/drawing/2014/main" id="{1E46549D-0744-4080-B198-1B828260B02E}"/>
+              </a:ext>
+            </a:extLst>
+          </p:cNvPr>
+          <p:cNvPicPr>
+            <a:picLocks noChangeAspect="1"/>
+          </p:cNvPicPr>
+          <p:nvPr/>
+        </p:nvPicPr>
+        <p:blipFill>
+          <a:blip r:embed="rId2"/>
+          <a:stretch>
+            <a:fillRect/>
+          </a:stretch>
+        </p:blipFill>
+        <p:spPr>
+          <a:xfrm>
+            <a:off x="5521171" y="4678485"/>
+            <a:ext cx="4918969" cy="1713437"/>
+          </a:xfrm>
+          <a:prstGeom prst="rect">
+            <a:avLst/>
+          </a:prstGeom>
+        </p:spPr>
+      </p:pic>
+    </p:spTree>
+    <p:extLst>
+      <p:ext uri="{BB962C8B-B14F-4D97-AF65-F5344CB8AC3E}">
+        <p14:creationId xmlns:p14="http://schemas.microsoft.com/office/powerpoint/2010/main" val="2269223786"/>
+      </p:ext>
+    </p:extLst>
+  </p:cSld>
+  <p:clrMapOvr>
+    <a:masterClrMapping/>
+  </p:clrMapOvr>
+  <mc:AlternateContent xmlns:mc="http://schemas.openxmlformats.org/markup-compatibility/2006" xmlns:p14="http://schemas.microsoft.com/office/powerpoint/2010/main">
+    <mc:Choice Requires="p14">
+      <p:transition spd="med" p14:dur="700">
+        <p:fade/>
+      </p:transition>
+    </mc:Choice>
+    <mc:Fallback xmlns="">
+      <p:transition spd="med">
+        <p:fade/>
+      </p:transition>
+    </mc:Fallback>
+  </mc:AlternateContent>
+</p:sld>
+</file>
+
+<file path=ppt/slides/slide21.xml><?xml version="1.0" encoding="utf-8"?>
+<p:sld xmlns:a="http://schemas.openxmlformats.org/drawingml/2006/main" xmlns:r="http://schemas.openxmlformats.org/officeDocument/2006/relationships" xmlns:p="http://schemas.openxmlformats.org/presentationml/2006/main">
+  <p:cSld>
+    <p:spTree>
+      <p:nvGrpSpPr>
+        <p:cNvPr id="1" name=""/>
+        <p:cNvGrpSpPr/>
+        <p:nvPr/>
+      </p:nvGrpSpPr>
+      <p:grpSpPr>
+        <a:xfrm>
+          <a:off x="0" y="0"/>
+          <a:ext cx="0" cy="0"/>
+          <a:chOff x="0" y="0"/>
+          <a:chExt cx="0" cy="0"/>
+        </a:xfrm>
+      </p:grpSpPr>
+      <p:sp>
+        <p:nvSpPr>
+          <p:cNvPr id="4" name="Title 3">
+            <a:extLst>
+              <a:ext uri="{FF2B5EF4-FFF2-40B4-BE49-F238E27FC236}">
+                <a16:creationId xmlns:a16="http://schemas.microsoft.com/office/drawing/2014/main" id="{068DF32A-D165-40DA-AAE8-A6E9579E2F79}"/>
+              </a:ext>
+            </a:extLst>
+          </p:cNvPr>
+          <p:cNvSpPr>
+            <a:spLocks noGrp="1"/>
+          </p:cNvSpPr>
+          <p:nvPr>
+            <p:ph type="title"/>
+          </p:nvPr>
+        </p:nvSpPr>
+        <p:spPr>
+          <a:xfrm>
+            <a:off x="1525301" y="1995467"/>
+            <a:ext cx="9141397" cy="615553"/>
+          </a:xfrm>
+        </p:spPr>
+        <p:txBody>
+          <a:bodyPr/>
+          <a:lstStyle/>
+          <a:p>
+            <a:r>
+              <a:rPr lang="en-US" dirty="0"/>
+              <a:t>Questions </a:t>
+            </a:r>
+            <a:r>
+              <a:rPr lang="en-US" dirty="0">
+                <a:solidFill>
+                  <a:schemeClr val="accent2"/>
+                </a:solidFill>
+              </a:rPr>
+              <a:t>&amp;</a:t>
+            </a:r>
+            <a:r>
+              <a:rPr lang="en-US" dirty="0"/>
+              <a:t> answers</a:t>
+            </a:r>
+          </a:p>
+        </p:txBody>
+      </p:sp>
+      <p:sp>
+        <p:nvSpPr>
+          <p:cNvPr id="7" name="Text Placeholder 6">
+            <a:extLst>
+              <a:ext uri="{FF2B5EF4-FFF2-40B4-BE49-F238E27FC236}">
+                <a16:creationId xmlns:a16="http://schemas.microsoft.com/office/drawing/2014/main" id="{C3BC92DE-1779-4A44-AED9-0261C2497DD9}"/>
+              </a:ext>
+            </a:extLst>
+          </p:cNvPr>
+          <p:cNvSpPr>
+            <a:spLocks noGrp="1"/>
+          </p:cNvSpPr>
+          <p:nvPr>
+            <p:ph type="body" sz="quarter" idx="12"/>
+          </p:nvPr>
+        </p:nvSpPr>
+        <p:spPr>
+          <a:xfrm>
+            <a:off x="2196307" y="3260705"/>
+            <a:ext cx="7799387" cy="1534757"/>
+          </a:xfrm>
+        </p:spPr>
+        <p:txBody>
+          <a:bodyPr/>
+          <a:lstStyle/>
+          <a:p>
+            <a:r>
+              <a:rPr lang="en-US" altLang="en-US" dirty="0"/>
+              <a:t>Invite questions from the audience.</a:t>
+            </a:r>
+          </a:p>
+          <a:p>
+            <a:endParaRPr lang="en-US" dirty="0"/>
+          </a:p>
+        </p:txBody>
+      </p:sp>
+    </p:spTree>
+    <p:extLst>
+      <p:ext uri="{BB962C8B-B14F-4D97-AF65-F5344CB8AC3E}">
+        <p14:creationId xmlns:p14="http://schemas.microsoft.com/office/powerpoint/2010/main" val="576716121"/>
+      </p:ext>
+    </p:extLst>
+  </p:cSld>
+  <p:clrMapOvr>
+    <a:masterClrMapping/>
+  </p:clrMapOvr>
+  <mc:AlternateContent xmlns:mc="http://schemas.openxmlformats.org/markup-compatibility/2006" xmlns:p14="http://schemas.microsoft.com/office/powerpoint/2010/main">
+    <mc:Choice Requires="p14">
+      <p:transition spd="med" p14:dur="700">
+        <p:fade/>
+      </p:transition>
+    </mc:Choice>
+    <mc:Fallback xmlns="">
+      <p:transition spd="med">
+        <p:fade/>
+      </p:transition>
+    </mc:Fallback>
+  </mc:AlternateContent>
+</p:sld>
+</file>
+
+<file path=ppt/slides/slide22.xml><?xml version="1.0" encoding="utf-8"?>
+<p:sld xmlns:a="http://schemas.openxmlformats.org/drawingml/2006/main" xmlns:r="http://schemas.openxmlformats.org/officeDocument/2006/relationships" xmlns:p="http://schemas.openxmlformats.org/presentationml/2006/main">
+  <p:cSld>
+    <p:spTree>
+      <p:nvGrpSpPr>
+        <p:cNvPr id="1" name=""/>
+        <p:cNvGrpSpPr/>
+        <p:nvPr/>
+      </p:nvGrpSpPr>
+      <p:grpSpPr>
+        <a:xfrm>
+          <a:off x="0" y="0"/>
+          <a:ext cx="0" cy="0"/>
+          <a:chOff x="0" y="0"/>
+          <a:chExt cx="0" cy="0"/>
+        </a:xfrm>
+      </p:grpSpPr>
+      <p:sp>
+        <p:nvSpPr>
+          <p:cNvPr id="4" name="Title 3">
+            <a:extLst>
+              <a:ext uri="{FF2B5EF4-FFF2-40B4-BE49-F238E27FC236}">
+                <a16:creationId xmlns:a16="http://schemas.microsoft.com/office/drawing/2014/main" id="{FD9E38B3-4686-8247-9625-49018D29F408}"/>
+              </a:ext>
+            </a:extLst>
+          </p:cNvPr>
+          <p:cNvSpPr>
+            <a:spLocks noGrp="1"/>
+          </p:cNvSpPr>
+          <p:nvPr>
+            <p:ph type="title"/>
+          </p:nvPr>
+        </p:nvSpPr>
+        <p:spPr>
+          <a:xfrm>
+            <a:off x="1525301" y="1995467"/>
+            <a:ext cx="9141397" cy="615553"/>
+          </a:xfrm>
+        </p:spPr>
+        <p:txBody>
+          <a:bodyPr/>
+          <a:lstStyle/>
+          <a:p>
+            <a:r>
+              <a:rPr lang="hr-HR" dirty="0"/>
+              <a:t>Pitanja za ponavljanje</a:t>
+            </a:r>
+            <a:endParaRPr lang="en-US" dirty="0"/>
+          </a:p>
+        </p:txBody>
+      </p:sp>
+      <p:sp>
+        <p:nvSpPr>
+          <p:cNvPr id="3" name="Text Placeholder 2">
+            <a:extLst>
+              <a:ext uri="{FF2B5EF4-FFF2-40B4-BE49-F238E27FC236}">
+                <a16:creationId xmlns:a16="http://schemas.microsoft.com/office/drawing/2014/main" id="{17155E1D-F4AD-41A7-B948-E2D246CCFE8A}"/>
+              </a:ext>
+            </a:extLst>
+          </p:cNvPr>
+          <p:cNvSpPr>
+            <a:spLocks noGrp="1"/>
+          </p:cNvSpPr>
+          <p:nvPr>
+            <p:ph type="body" sz="quarter" idx="12"/>
+          </p:nvPr>
+        </p:nvSpPr>
+        <p:spPr>
+          <a:xfrm>
+            <a:off x="2196307" y="3260705"/>
+            <a:ext cx="7799387" cy="1534757"/>
+          </a:xfrm>
+        </p:spPr>
+        <p:txBody>
+          <a:bodyPr vert="horz" wrap="square" lIns="0" tIns="0" rIns="0" bIns="0" rtlCol="0" anchor="t">
+            <a:noAutofit/>
+          </a:bodyPr>
+          <a:lstStyle/>
+          <a:p>
+            <a:r>
+              <a:rPr lang="hr-HR" altLang="en-US" dirty="0"/>
+              <a:t>/*ubaciti pitanja*/</a:t>
+            </a:r>
+            <a:endParaRPr lang="en-US" altLang="en-US" dirty="0"/>
+          </a:p>
+          <a:p>
+            <a:endParaRPr lang="en-US" dirty="0"/>
+          </a:p>
+          <a:p>
+            <a:endParaRPr lang="en-US" dirty="0"/>
+          </a:p>
+        </p:txBody>
+      </p:sp>
+    </p:spTree>
+    <p:extLst>
+      <p:ext uri="{BB962C8B-B14F-4D97-AF65-F5344CB8AC3E}">
+        <p14:creationId xmlns:p14="http://schemas.microsoft.com/office/powerpoint/2010/main" val="4244761525"/>
+      </p:ext>
+    </p:extLst>
+  </p:cSld>
+  <p:clrMapOvr>
+    <a:masterClrMapping/>
+  </p:clrMapOvr>
+  <mc:AlternateContent xmlns:mc="http://schemas.openxmlformats.org/markup-compatibility/2006" xmlns:p14="http://schemas.microsoft.com/office/powerpoint/2010/main">
+    <mc:Choice Requires="p14">
+      <p:transition spd="med" p14:dur="700">
+        <p:fade/>
+      </p:transition>
+    </mc:Choice>
+    <mc:Fallback xmlns="">
+      <p:transition spd="med">
+        <p:fade/>
+      </p:transition>
+    </mc:Fallback>
+  </mc:AlternateContent>
+</p:sld>
+</file>
+
+<file path=ppt/slides/slide23.xml><?xml version="1.0" encoding="utf-8"?>
+<p:sld xmlns:a="http://schemas.openxmlformats.org/drawingml/2006/main" xmlns:r="http://schemas.openxmlformats.org/officeDocument/2006/relationships" xmlns:p="http://schemas.openxmlformats.org/presentationml/2006/main">
+  <p:cSld>
+    <p:spTree>
+      <p:nvGrpSpPr>
+        <p:cNvPr id="1" name=""/>
+        <p:cNvGrpSpPr/>
+        <p:nvPr/>
+      </p:nvGrpSpPr>
+      <p:grpSpPr>
+        <a:xfrm>
+          <a:off x="0" y="0"/>
+          <a:ext cx="0" cy="0"/>
+          <a:chOff x="0" y="0"/>
+          <a:chExt cx="0" cy="0"/>
+        </a:xfrm>
+      </p:grpSpPr>
+      <p:sp>
+        <p:nvSpPr>
+          <p:cNvPr id="4" name="Title 3">
+            <a:extLst>
+              <a:ext uri="{FF2B5EF4-FFF2-40B4-BE49-F238E27FC236}">
+                <a16:creationId xmlns:a16="http://schemas.microsoft.com/office/drawing/2014/main" id="{9DA36B3A-558B-413E-877B-7275290AB783}"/>
+              </a:ext>
+            </a:extLst>
+          </p:cNvPr>
+          <p:cNvSpPr>
+            <a:spLocks noGrp="1"/>
+          </p:cNvSpPr>
+          <p:nvPr>
+            <p:ph type="title"/>
+          </p:nvPr>
+        </p:nvSpPr>
+        <p:spPr>
+          <a:xfrm>
+            <a:off x="5199742" y="715961"/>
+            <a:ext cx="6477000" cy="1189037"/>
+          </a:xfrm>
+        </p:spPr>
+        <p:txBody>
+          <a:bodyPr/>
+          <a:lstStyle/>
+          <a:p>
+            <a:r>
+              <a:rPr lang="en-US" dirty="0"/>
+              <a:t>Resources</a:t>
+            </a:r>
+          </a:p>
+        </p:txBody>
+      </p:sp>
+      <p:sp>
+        <p:nvSpPr>
+          <p:cNvPr id="3" name="Text Placeholder 2">
+            <a:extLst>
+              <a:ext uri="{FF2B5EF4-FFF2-40B4-BE49-F238E27FC236}">
+                <a16:creationId xmlns:a16="http://schemas.microsoft.com/office/drawing/2014/main" id="{68675CE5-70A2-411D-881E-7B75B82931F4}"/>
+              </a:ext>
+            </a:extLst>
+          </p:cNvPr>
+          <p:cNvSpPr>
+            <a:spLocks noGrp="1"/>
+          </p:cNvSpPr>
+          <p:nvPr>
+            <p:ph type="body" sz="quarter" idx="11"/>
+          </p:nvPr>
+        </p:nvSpPr>
+        <p:spPr>
+          <a:xfrm>
+            <a:off x="5199743" y="1905000"/>
+            <a:ext cx="6477000" cy="3276600"/>
+          </a:xfrm>
+        </p:spPr>
+        <p:txBody>
+          <a:bodyPr/>
+          <a:lstStyle/>
+          <a:p>
+            <a:r>
+              <a:rPr lang="en-US" altLang="en-US" dirty="0"/>
+              <a:t>List the resources you used for your research:</a:t>
+            </a:r>
+          </a:p>
+          <a:p>
+            <a:pPr lvl="1"/>
+            <a:r>
+              <a:rPr lang="fr-FR" dirty="0"/>
+              <a:t>Source #1</a:t>
+            </a:r>
+          </a:p>
+          <a:p>
+            <a:pPr lvl="1"/>
+            <a:r>
+              <a:rPr lang="fr-FR" dirty="0"/>
+              <a:t>Source #2</a:t>
+            </a:r>
+          </a:p>
+          <a:p>
+            <a:pPr lvl="1"/>
+            <a:r>
+              <a:rPr lang="fr-FR" dirty="0"/>
+              <a:t>Source #3</a:t>
+            </a:r>
+          </a:p>
+          <a:p>
+            <a:endParaRPr lang="en-US" dirty="0"/>
+          </a:p>
+          <a:p>
+            <a:endParaRPr lang="en-US" dirty="0"/>
+          </a:p>
+        </p:txBody>
+      </p:sp>
+    </p:spTree>
+    <p:extLst>
+      <p:ext uri="{BB962C8B-B14F-4D97-AF65-F5344CB8AC3E}">
+        <p14:creationId xmlns:p14="http://schemas.microsoft.com/office/powerpoint/2010/main" val="3366527757"/>
       </p:ext>
     </p:extLst>
   </p:cSld>
@@ -12925,6 +13950,15 @@
 </file>
 
 <file path=customXml/item1.xml><?xml version="1.0" encoding="utf-8"?>
+<?mso-contentType ?>
+<FormTemplates xmlns="http://schemas.microsoft.com/sharepoint/v3/contenttype/forms">
+  <Display>DocumentLibraryForm</Display>
+  <Edit>DocumentLibraryForm</Edit>
+  <New>DocumentLibraryForm</New>
+</FormTemplates>
+</file>
+
+<file path=customXml/item2.xml><?xml version="1.0" encoding="utf-8"?>
 <ct:contentTypeSchema xmlns:ct="http://schemas.microsoft.com/office/2006/metadata/contentType" xmlns:ma="http://schemas.microsoft.com/office/2006/metadata/properties/metaAttributes" ct:_="" ma:_="" ma:contentTypeName="Document" ma:contentTypeID="0x0101008F03E54B797CDE4D91D8827125F9D87A" ma:contentTypeVersion="0" ma:contentTypeDescription="Create a new document." ma:contentTypeScope="" ma:versionID="18adb4cc97980dca1658d4b83a09ab50">
   <xsd:schema xmlns:xsd="http://www.w3.org/2001/XMLSchema" xmlns:xs="http://www.w3.org/2001/XMLSchema" xmlns:p="http://schemas.microsoft.com/office/2006/metadata/properties" targetNamespace="http://schemas.microsoft.com/office/2006/metadata/properties" ma:root="true" ma:fieldsID="017581d6d4d432103422426420c4d249">
     <xsd:element name="properties">
@@ -13038,15 +14072,6 @@
 </ct:contentTypeSchema>
 </file>
 
-<file path=customXml/item2.xml><?xml version="1.0" encoding="utf-8"?>
-<?mso-contentType ?>
-<FormTemplates xmlns="http://schemas.microsoft.com/sharepoint/v3/contenttype/forms">
-  <Display>DocumentLibraryForm</Display>
-  <Edit>DocumentLibraryForm</Edit>
-  <New>DocumentLibraryForm</New>
-</FormTemplates>
-</file>
-
 <file path=customXml/item3.xml><?xml version="1.0" encoding="utf-8"?>
 <p:properties xmlns:p="http://schemas.microsoft.com/office/2006/metadata/properties" xmlns:xsi="http://www.w3.org/2001/XMLSchema-instance" xmlns:pc="http://schemas.microsoft.com/office/infopath/2007/PartnerControls">
   <documentManagement/>
@@ -13054,6 +14079,14 @@
 </file>
 
 <file path=customXml/itemProps1.xml><?xml version="1.0" encoding="utf-8"?>
+<ds:datastoreItem xmlns:ds="http://schemas.openxmlformats.org/officeDocument/2006/customXml" ds:itemID="{915C1F8C-D27A-4CE7-9DF4-4AFDB2880FA9}">
+  <ds:schemaRefs>
+    <ds:schemaRef ds:uri="http://schemas.microsoft.com/sharepoint/v3/contenttype/forms"/>
+  </ds:schemaRefs>
+</ds:datastoreItem>
+</file>
+
+<file path=customXml/itemProps2.xml><?xml version="1.0" encoding="utf-8"?>
 <ds:datastoreItem xmlns:ds="http://schemas.openxmlformats.org/officeDocument/2006/customXml" ds:itemID="{51673A1C-D129-4B55-9ABB-91F8176200AE}">
   <ds:schemaRefs>
     <ds:schemaRef ds:uri="http://schemas.microsoft.com/office/2006/metadata/contentType"/>
@@ -13065,14 +14098,6 @@
     <ds:schemaRef ds:uri="http://purl.org/dc/terms/"/>
     <ds:schemaRef ds:uri="http://schemas.microsoft.com/internal/obd"/>
     <ds:schemaRef ds:uri="http://schemas.microsoft.com/office/infopath/2007/PartnerControls"/>
-  </ds:schemaRefs>
-</ds:datastoreItem>
-</file>
-
-<file path=customXml/itemProps2.xml><?xml version="1.0" encoding="utf-8"?>
-<ds:datastoreItem xmlns:ds="http://schemas.openxmlformats.org/officeDocument/2006/customXml" ds:itemID="{915C1F8C-D27A-4CE7-9DF4-4AFDB2880FA9}">
-  <ds:schemaRefs>
-    <ds:schemaRef ds:uri="http://schemas.microsoft.com/sharepoint/v3/contenttype/forms"/>
   </ds:schemaRefs>
 </ds:datastoreItem>
 </file>

--- a/Open Source Prezentacija.pptx
+++ b/Open Source Prezentacija.pptx
@@ -5,32 +5,36 @@
     <p:sldMasterId id="2147483687" r:id="rId4"/>
   </p:sldMasterIdLst>
   <p:notesMasterIdLst>
-    <p:notesMasterId r:id="rId28"/>
+    <p:notesMasterId r:id="rId32"/>
   </p:notesMasterIdLst>
   <p:sldIdLst>
     <p:sldId id="1864" r:id="rId5"/>
     <p:sldId id="1848" r:id="rId6"/>
-    <p:sldId id="1872" r:id="rId7"/>
-    <p:sldId id="1875" r:id="rId8"/>
-    <p:sldId id="1876" r:id="rId9"/>
-    <p:sldId id="1877" r:id="rId10"/>
-    <p:sldId id="1878" r:id="rId11"/>
-    <p:sldId id="1849" r:id="rId12"/>
-    <p:sldId id="1866" r:id="rId13"/>
-    <p:sldId id="1852" r:id="rId14"/>
-    <p:sldId id="1865" r:id="rId15"/>
-    <p:sldId id="1868" r:id="rId16"/>
-    <p:sldId id="1869" r:id="rId17"/>
-    <p:sldId id="1870" r:id="rId18"/>
-    <p:sldId id="1871" r:id="rId19"/>
-    <p:sldId id="1879" r:id="rId20"/>
-    <p:sldId id="1873" r:id="rId21"/>
-    <p:sldId id="1880" r:id="rId22"/>
-    <p:sldId id="1874" r:id="rId23"/>
-    <p:sldId id="1881" r:id="rId24"/>
-    <p:sldId id="1859" r:id="rId25"/>
-    <p:sldId id="1858" r:id="rId26"/>
-    <p:sldId id="1867" r:id="rId27"/>
+    <p:sldId id="1882" r:id="rId7"/>
+    <p:sldId id="1883" r:id="rId8"/>
+    <p:sldId id="1884" r:id="rId9"/>
+    <p:sldId id="1885" r:id="rId10"/>
+    <p:sldId id="1872" r:id="rId11"/>
+    <p:sldId id="1875" r:id="rId12"/>
+    <p:sldId id="1876" r:id="rId13"/>
+    <p:sldId id="1877" r:id="rId14"/>
+    <p:sldId id="1878" r:id="rId15"/>
+    <p:sldId id="1849" r:id="rId16"/>
+    <p:sldId id="1866" r:id="rId17"/>
+    <p:sldId id="1852" r:id="rId18"/>
+    <p:sldId id="1865" r:id="rId19"/>
+    <p:sldId id="1868" r:id="rId20"/>
+    <p:sldId id="1869" r:id="rId21"/>
+    <p:sldId id="1870" r:id="rId22"/>
+    <p:sldId id="1871" r:id="rId23"/>
+    <p:sldId id="1879" r:id="rId24"/>
+    <p:sldId id="1873" r:id="rId25"/>
+    <p:sldId id="1880" r:id="rId26"/>
+    <p:sldId id="1874" r:id="rId27"/>
+    <p:sldId id="1881" r:id="rId28"/>
+    <p:sldId id="1859" r:id="rId29"/>
+    <p:sldId id="1858" r:id="rId30"/>
+    <p:sldId id="1867" r:id="rId31"/>
   </p:sldIdLst>
   <p:sldSz cx="12192000" cy="6858000"/>
   <p:notesSz cx="6858000" cy="9144000"/>
@@ -3959,7 +3963,7 @@
             <a:fld id="{6DEB7EE2-04A2-4FB2-9625-C9C73AC4D32F}" type="slidenum">
               <a:rPr lang="en-US" altLang="en-US" smtClean="0"/>
               <a:pPr/>
-              <a:t>21</a:t>
+              <a:t>25</a:t>
             </a:fld>
             <a:endParaRPr lang="en-US" altLang="en-US" dirty="0"/>
           </a:p>
@@ -6853,6 +6857,643 @@
       </p:grpSpPr>
       <p:sp>
         <p:nvSpPr>
+          <p:cNvPr id="2" name="Title 1">
+            <a:extLst>
+              <a:ext uri="{FF2B5EF4-FFF2-40B4-BE49-F238E27FC236}">
+                <a16:creationId xmlns:a16="http://schemas.microsoft.com/office/drawing/2014/main" id="{8636D20F-D3AB-42E1-938C-096C201C810D}"/>
+              </a:ext>
+            </a:extLst>
+          </p:cNvPr>
+          <p:cNvSpPr>
+            <a:spLocks noGrp="1"/>
+          </p:cNvSpPr>
+          <p:nvPr>
+            <p:ph type="title"/>
+          </p:nvPr>
+        </p:nvSpPr>
+        <p:spPr/>
+        <p:txBody>
+          <a:bodyPr/>
+          <a:lstStyle/>
+          <a:p>
+            <a:r>
+              <a:rPr lang="hr-HR" dirty="0"/>
+              <a:t>Linux zajednica</a:t>
+            </a:r>
+          </a:p>
+        </p:txBody>
+      </p:sp>
+      <p:sp>
+        <p:nvSpPr>
+          <p:cNvPr id="3" name="Text Placeholder 2">
+            <a:extLst>
+              <a:ext uri="{FF2B5EF4-FFF2-40B4-BE49-F238E27FC236}">
+                <a16:creationId xmlns:a16="http://schemas.microsoft.com/office/drawing/2014/main" id="{A6950357-2408-4CA6-B920-DC83783FAF61}"/>
+              </a:ext>
+            </a:extLst>
+          </p:cNvPr>
+          <p:cNvSpPr>
+            <a:spLocks noGrp="1"/>
+          </p:cNvSpPr>
+          <p:nvPr>
+            <p:ph type="body" sz="quarter" idx="11"/>
+          </p:nvPr>
+        </p:nvSpPr>
+        <p:spPr/>
+        <p:txBody>
+          <a:bodyPr/>
+          <a:lstStyle/>
+          <a:p>
+            <a:pPr marL="285750" indent="-285750">
+              <a:buFont typeface="Arial" panose="020B0604020202020204" pitchFamily="34" charset="0"/>
+              <a:buChar char="•"/>
+            </a:pPr>
+            <a:r>
+              <a:rPr lang="hr-HR" b="0" dirty="0"/>
+              <a:t>Najveći doprinos razvoju Linuxa od strane njegove zajednice</a:t>
+            </a:r>
+          </a:p>
+          <a:p>
+            <a:pPr marL="285750" indent="-285750">
+              <a:buFont typeface="Arial" panose="020B0604020202020204" pitchFamily="34" charset="0"/>
+              <a:buChar char="•"/>
+            </a:pPr>
+            <a:r>
+              <a:rPr lang="hr-HR" b="0" dirty="0"/>
+              <a:t>Tvrtke koje se bave razvojem Linuxa: </a:t>
+            </a:r>
+            <a:r>
+              <a:rPr lang="hr-HR" b="0" dirty="0" err="1"/>
+              <a:t>Redhat</a:t>
+            </a:r>
+            <a:r>
+              <a:rPr lang="hr-HR" b="0" dirty="0"/>
+              <a:t>, </a:t>
+            </a:r>
+            <a:r>
+              <a:rPr lang="hr-HR" b="0" dirty="0" err="1"/>
+              <a:t>Canonical</a:t>
+            </a:r>
+            <a:r>
+              <a:rPr lang="hr-HR" b="0" dirty="0"/>
+              <a:t>, </a:t>
+            </a:r>
+            <a:r>
+              <a:rPr lang="hr-HR" b="0" dirty="0" err="1"/>
+              <a:t>Slackware</a:t>
+            </a:r>
+            <a:r>
+              <a:rPr lang="hr-HR" b="0" dirty="0"/>
+              <a:t>…</a:t>
+            </a:r>
+          </a:p>
+          <a:p>
+            <a:pPr marL="285750" indent="-285750">
+              <a:buFont typeface="Arial" panose="020B0604020202020204" pitchFamily="34" charset="0"/>
+              <a:buChar char="•"/>
+            </a:pPr>
+            <a:r>
+              <a:rPr lang="hr-HR" b="0" dirty="0"/>
+              <a:t>Neke od distribucija: Ubuntu, </a:t>
+            </a:r>
+            <a:r>
+              <a:rPr lang="hr-HR" b="0" dirty="0" err="1"/>
+              <a:t>Manjaro</a:t>
+            </a:r>
+            <a:r>
+              <a:rPr lang="hr-HR" b="0" dirty="0"/>
+              <a:t>, </a:t>
+            </a:r>
+            <a:r>
+              <a:rPr lang="hr-HR" b="0" dirty="0" err="1"/>
+              <a:t>Debian</a:t>
+            </a:r>
+            <a:r>
+              <a:rPr lang="hr-HR" b="0" dirty="0"/>
+              <a:t>, Fedora…</a:t>
+            </a:r>
+          </a:p>
+          <a:p>
+            <a:pPr marL="285750" indent="-285750">
+              <a:buFont typeface="Arial" panose="020B0604020202020204" pitchFamily="34" charset="0"/>
+              <a:buChar char="•"/>
+            </a:pPr>
+            <a:endParaRPr lang="hr-HR" b="0" dirty="0"/>
+          </a:p>
+          <a:p>
+            <a:pPr marL="285750" indent="-285750">
+              <a:buFont typeface="Arial" panose="020B0604020202020204" pitchFamily="34" charset="0"/>
+              <a:buChar char="•"/>
+            </a:pPr>
+            <a:endParaRPr lang="hr-HR" b="0" dirty="0"/>
+          </a:p>
+        </p:txBody>
+      </p:sp>
+    </p:spTree>
+    <p:extLst>
+      <p:ext uri="{BB962C8B-B14F-4D97-AF65-F5344CB8AC3E}">
+        <p14:creationId xmlns:p14="http://schemas.microsoft.com/office/powerpoint/2010/main" val="2947031392"/>
+      </p:ext>
+    </p:extLst>
+  </p:cSld>
+  <p:clrMapOvr>
+    <a:masterClrMapping/>
+  </p:clrMapOvr>
+  <mc:AlternateContent xmlns:mc="http://schemas.openxmlformats.org/markup-compatibility/2006" xmlns:p14="http://schemas.microsoft.com/office/powerpoint/2010/main">
+    <mc:Choice Requires="p14">
+      <p:transition spd="med" p14:dur="700">
+        <p:fade/>
+      </p:transition>
+    </mc:Choice>
+    <mc:Fallback xmlns="">
+      <p:transition spd="med">
+        <p:fade/>
+      </p:transition>
+    </mc:Fallback>
+  </mc:AlternateContent>
+</p:sld>
+</file>
+
+<file path=ppt/slides/slide11.xml><?xml version="1.0" encoding="utf-8"?>
+<p:sld xmlns:a="http://schemas.openxmlformats.org/drawingml/2006/main" xmlns:r="http://schemas.openxmlformats.org/officeDocument/2006/relationships" xmlns:p="http://schemas.openxmlformats.org/presentationml/2006/main">
+  <p:cSld>
+    <p:spTree>
+      <p:nvGrpSpPr>
+        <p:cNvPr id="1" name=""/>
+        <p:cNvGrpSpPr/>
+        <p:nvPr/>
+      </p:nvGrpSpPr>
+      <p:grpSpPr>
+        <a:xfrm>
+          <a:off x="0" y="0"/>
+          <a:ext cx="0" cy="0"/>
+          <a:chOff x="0" y="0"/>
+          <a:chExt cx="0" cy="0"/>
+        </a:xfrm>
+      </p:grpSpPr>
+      <p:sp>
+        <p:nvSpPr>
+          <p:cNvPr id="2" name="Title 1">
+            <a:extLst>
+              <a:ext uri="{FF2B5EF4-FFF2-40B4-BE49-F238E27FC236}">
+                <a16:creationId xmlns:a16="http://schemas.microsoft.com/office/drawing/2014/main" id="{C5BE30B8-90FF-4074-BFD6-E1B1E50D12B2}"/>
+              </a:ext>
+            </a:extLst>
+          </p:cNvPr>
+          <p:cNvSpPr>
+            <a:spLocks noGrp="1"/>
+          </p:cNvSpPr>
+          <p:nvPr>
+            <p:ph type="title"/>
+          </p:nvPr>
+        </p:nvSpPr>
+        <p:spPr/>
+        <p:txBody>
+          <a:bodyPr/>
+          <a:lstStyle/>
+          <a:p>
+            <a:r>
+              <a:rPr lang="hr-HR" dirty="0"/>
+              <a:t>Vremenski razvoj Linux </a:t>
+            </a:r>
+            <a:r>
+              <a:rPr lang="hr-HR" dirty="0" err="1"/>
+              <a:t>Kernela</a:t>
+            </a:r>
+            <a:endParaRPr lang="hr-HR" dirty="0"/>
+          </a:p>
+        </p:txBody>
+      </p:sp>
+      <p:sp>
+        <p:nvSpPr>
+          <p:cNvPr id="3" name="Text Placeholder 2">
+            <a:extLst>
+              <a:ext uri="{FF2B5EF4-FFF2-40B4-BE49-F238E27FC236}">
+                <a16:creationId xmlns:a16="http://schemas.microsoft.com/office/drawing/2014/main" id="{4CE0D501-3CC9-4BD6-B00F-577C005BCAE1}"/>
+              </a:ext>
+            </a:extLst>
+          </p:cNvPr>
+          <p:cNvSpPr>
+            <a:spLocks noGrp="1"/>
+          </p:cNvSpPr>
+          <p:nvPr>
+            <p:ph type="body" sz="quarter" idx="11"/>
+          </p:nvPr>
+        </p:nvSpPr>
+        <p:spPr/>
+        <p:txBody>
+          <a:bodyPr/>
+          <a:lstStyle/>
+          <a:p>
+            <a:pPr marL="285750" indent="-285750">
+              <a:buFont typeface="Arial" panose="020B0604020202020204" pitchFamily="34" charset="0"/>
+              <a:buChar char="•"/>
+            </a:pPr>
+            <a:r>
+              <a:rPr lang="hr-HR" b="0" dirty="0"/>
+              <a:t>1991. Započet rad na Linuxu</a:t>
+            </a:r>
+          </a:p>
+          <a:p>
+            <a:pPr marL="285750" indent="-285750">
+              <a:buFont typeface="Arial" panose="020B0604020202020204" pitchFamily="34" charset="0"/>
+              <a:buChar char="•"/>
+            </a:pPr>
+            <a:r>
+              <a:rPr lang="hr-HR" b="0" dirty="0"/>
+              <a:t>1994. Linux objavljuje Linux verziju 1.0</a:t>
+            </a:r>
+          </a:p>
+          <a:p>
+            <a:pPr marL="285750" indent="-285750">
+              <a:buFont typeface="Arial" panose="020B0604020202020204" pitchFamily="34" charset="0"/>
+              <a:buChar char="•"/>
+            </a:pPr>
+            <a:r>
+              <a:rPr lang="hr-HR" b="0" dirty="0"/>
+              <a:t>2013. 75% mobilnih telefona koristi Android</a:t>
+            </a:r>
+          </a:p>
+          <a:p>
+            <a:pPr marL="285750" indent="-285750">
+              <a:buFont typeface="Arial" panose="020B0604020202020204" pitchFamily="34" charset="0"/>
+              <a:buChar char="•"/>
+            </a:pPr>
+            <a:r>
+              <a:rPr lang="hr-HR" b="0" dirty="0"/>
+              <a:t>2014. Ubuntu izjavljuje da ima 22 milijuna korisnika</a:t>
+            </a:r>
+          </a:p>
+        </p:txBody>
+      </p:sp>
+    </p:spTree>
+    <p:extLst>
+      <p:ext uri="{BB962C8B-B14F-4D97-AF65-F5344CB8AC3E}">
+        <p14:creationId xmlns:p14="http://schemas.microsoft.com/office/powerpoint/2010/main" val="2282581988"/>
+      </p:ext>
+    </p:extLst>
+  </p:cSld>
+  <p:clrMapOvr>
+    <a:masterClrMapping/>
+  </p:clrMapOvr>
+  <mc:AlternateContent xmlns:mc="http://schemas.openxmlformats.org/markup-compatibility/2006" xmlns:p14="http://schemas.microsoft.com/office/powerpoint/2010/main">
+    <mc:Choice Requires="p14">
+      <p:transition spd="med" p14:dur="700">
+        <p:fade/>
+      </p:transition>
+    </mc:Choice>
+    <mc:Fallback xmlns="">
+      <p:transition spd="med">
+        <p:fade/>
+      </p:transition>
+    </mc:Fallback>
+  </mc:AlternateContent>
+</p:sld>
+</file>
+
+<file path=ppt/slides/slide12.xml><?xml version="1.0" encoding="utf-8"?>
+<p:sld xmlns:a="http://schemas.openxmlformats.org/drawingml/2006/main" xmlns:r="http://schemas.openxmlformats.org/officeDocument/2006/relationships" xmlns:p="http://schemas.openxmlformats.org/presentationml/2006/main">
+  <p:cSld>
+    <p:bg>
+      <p:bgPr>
+        <a:solidFill>
+          <a:schemeClr val="tx1"/>
+        </a:solidFill>
+        <a:effectLst/>
+      </p:bgPr>
+    </p:bg>
+    <p:spTree>
+      <p:nvGrpSpPr>
+        <p:cNvPr id="1" name=""/>
+        <p:cNvGrpSpPr/>
+        <p:nvPr/>
+      </p:nvGrpSpPr>
+      <p:grpSpPr>
+        <a:xfrm>
+          <a:off x="0" y="0"/>
+          <a:ext cx="0" cy="0"/>
+          <a:chOff x="0" y="0"/>
+          <a:chExt cx="0" cy="0"/>
+        </a:xfrm>
+      </p:grpSpPr>
+      <p:sp>
+        <p:nvSpPr>
+          <p:cNvPr id="5" name="Title 4">
+            <a:extLst>
+              <a:ext uri="{FF2B5EF4-FFF2-40B4-BE49-F238E27FC236}">
+                <a16:creationId xmlns:a16="http://schemas.microsoft.com/office/drawing/2014/main" id="{D1262CD5-AD01-42E3-9173-97C12BB0D9B8}"/>
+              </a:ext>
+            </a:extLst>
+          </p:cNvPr>
+          <p:cNvSpPr>
+            <a:spLocks noGrp="1"/>
+          </p:cNvSpPr>
+          <p:nvPr>
+            <p:ph type="title"/>
+          </p:nvPr>
+        </p:nvSpPr>
+        <p:spPr>
+          <a:xfrm>
+            <a:off x="5199742" y="2396480"/>
+            <a:ext cx="6477000" cy="1189037"/>
+          </a:xfrm>
+        </p:spPr>
+        <p:txBody>
+          <a:bodyPr/>
+          <a:lstStyle/>
+          <a:p>
+            <a:r>
+              <a:rPr lang="hr-HR" dirty="0"/>
+              <a:t>Mozilla</a:t>
+            </a:r>
+            <a:br>
+              <a:rPr lang="en-US" dirty="0"/>
+            </a:br>
+            <a:endParaRPr lang="en-US" dirty="0"/>
+          </a:p>
+        </p:txBody>
+      </p:sp>
+      <p:sp>
+        <p:nvSpPr>
+          <p:cNvPr id="3" name="Text Placeholder 2">
+            <a:extLst>
+              <a:ext uri="{FF2B5EF4-FFF2-40B4-BE49-F238E27FC236}">
+                <a16:creationId xmlns:a16="http://schemas.microsoft.com/office/drawing/2014/main" id="{EF99585A-5E1F-40FA-8E64-BB4F04611657}"/>
+              </a:ext>
+            </a:extLst>
+          </p:cNvPr>
+          <p:cNvSpPr>
+            <a:spLocks noGrp="1"/>
+          </p:cNvSpPr>
+          <p:nvPr>
+            <p:ph type="body" sz="quarter" idx="11"/>
+          </p:nvPr>
+        </p:nvSpPr>
+        <p:spPr>
+          <a:xfrm>
+            <a:off x="5199742" y="3947984"/>
+            <a:ext cx="6477000" cy="3276600"/>
+          </a:xfrm>
+        </p:spPr>
+        <p:txBody>
+          <a:bodyPr vert="horz" lIns="91440" tIns="45720" rIns="91440" bIns="45720" rtlCol="0" anchor="t">
+            <a:normAutofit/>
+          </a:bodyPr>
+          <a:lstStyle/>
+          <a:p>
+            <a:pPr lvl="1"/>
+            <a:r>
+              <a:rPr lang="hr-HR" sz="1800" dirty="0">
+                <a:effectLst/>
+                <a:ea typeface="Calibri" panose="020F0502020204030204" pitchFamily="34" charset="0"/>
+              </a:rPr>
+              <a:t>Mozilla je zajednica slobodnog softvera </a:t>
+            </a:r>
+          </a:p>
+          <a:p>
+            <a:pPr lvl="1"/>
+            <a:r>
+              <a:rPr lang="hr-HR" sz="1800" dirty="0">
+                <a:effectLst/>
+                <a:ea typeface="Calibri" panose="020F0502020204030204" pitchFamily="34" charset="0"/>
+              </a:rPr>
+              <a:t>Osnovana 1998. godine</a:t>
+            </a:r>
+          </a:p>
+          <a:p>
+            <a:pPr lvl="1"/>
+            <a:r>
+              <a:rPr lang="hr-HR" dirty="0">
+                <a:ea typeface="Calibri" panose="020F0502020204030204" pitchFamily="34" charset="0"/>
+              </a:rPr>
+              <a:t>Zasnivači: članovi Netscapea</a:t>
+            </a:r>
+            <a:endParaRPr lang="hr-HR" sz="1800" dirty="0">
+              <a:effectLst/>
+              <a:ea typeface="Calibri" panose="020F0502020204030204" pitchFamily="34" charset="0"/>
+            </a:endParaRPr>
+          </a:p>
+          <a:p>
+            <a:pPr lvl="1"/>
+            <a:endParaRPr lang="en-US" dirty="0"/>
+          </a:p>
+        </p:txBody>
+      </p:sp>
+    </p:spTree>
+    <p:extLst>
+      <p:ext uri="{BB962C8B-B14F-4D97-AF65-F5344CB8AC3E}">
+        <p14:creationId xmlns:p14="http://schemas.microsoft.com/office/powerpoint/2010/main" val="394783395"/>
+      </p:ext>
+    </p:extLst>
+  </p:cSld>
+  <p:clrMapOvr>
+    <a:masterClrMapping/>
+  </p:clrMapOvr>
+  <mc:AlternateContent xmlns:mc="http://schemas.openxmlformats.org/markup-compatibility/2006" xmlns:p14="http://schemas.microsoft.com/office/powerpoint/2010/main">
+    <mc:Choice Requires="p14">
+      <p:transition spd="med" p14:dur="700">
+        <p:fade/>
+      </p:transition>
+    </mc:Choice>
+    <mc:Fallback xmlns="">
+      <p:transition spd="med">
+        <p:fade/>
+      </p:transition>
+    </mc:Fallback>
+  </mc:AlternateContent>
+</p:sld>
+</file>
+
+<file path=ppt/slides/slide13.xml><?xml version="1.0" encoding="utf-8"?>
+<p:sld xmlns:a="http://schemas.openxmlformats.org/drawingml/2006/main" xmlns:r="http://schemas.openxmlformats.org/officeDocument/2006/relationships" xmlns:p="http://schemas.openxmlformats.org/presentationml/2006/main">
+  <p:cSld>
+    <p:spTree>
+      <p:nvGrpSpPr>
+        <p:cNvPr id="1" name=""/>
+        <p:cNvGrpSpPr/>
+        <p:nvPr/>
+      </p:nvGrpSpPr>
+      <p:grpSpPr>
+        <a:xfrm>
+          <a:off x="0" y="0"/>
+          <a:ext cx="0" cy="0"/>
+          <a:chOff x="0" y="0"/>
+          <a:chExt cx="0" cy="0"/>
+        </a:xfrm>
+      </p:grpSpPr>
+      <p:sp>
+        <p:nvSpPr>
+          <p:cNvPr id="3" name="Title 2">
+            <a:extLst>
+              <a:ext uri="{FF2B5EF4-FFF2-40B4-BE49-F238E27FC236}">
+                <a16:creationId xmlns:a16="http://schemas.microsoft.com/office/drawing/2014/main" id="{8F18C6B5-87AC-4DA5-94CA-6E092A6A07D3}"/>
+              </a:ext>
+            </a:extLst>
+          </p:cNvPr>
+          <p:cNvSpPr>
+            <a:spLocks noGrp="1"/>
+          </p:cNvSpPr>
+          <p:nvPr>
+            <p:ph type="title"/>
+          </p:nvPr>
+        </p:nvSpPr>
+        <p:spPr/>
+        <p:txBody>
+          <a:bodyPr/>
+          <a:lstStyle/>
+          <a:p>
+            <a:r>
+              <a:rPr lang="hr-HR" dirty="0">
+                <a:solidFill>
+                  <a:schemeClr val="accent3">
+                    <a:lumMod val="75000"/>
+                  </a:schemeClr>
+                </a:solidFill>
+              </a:rPr>
+              <a:t>Općenito o Mozilli</a:t>
+            </a:r>
+            <a:endParaRPr lang="en-US" dirty="0">
+              <a:solidFill>
+                <a:schemeClr val="accent3">
+                  <a:lumMod val="75000"/>
+                </a:schemeClr>
+              </a:solidFill>
+            </a:endParaRPr>
+          </a:p>
+        </p:txBody>
+      </p:sp>
+      <p:sp>
+        <p:nvSpPr>
+          <p:cNvPr id="7" name="Text Placeholder 6">
+            <a:extLst>
+              <a:ext uri="{FF2B5EF4-FFF2-40B4-BE49-F238E27FC236}">
+                <a16:creationId xmlns:a16="http://schemas.microsoft.com/office/drawing/2014/main" id="{C6F52EDA-7F85-46DD-9A9E-95E0E3EC3F84}"/>
+              </a:ext>
+            </a:extLst>
+          </p:cNvPr>
+          <p:cNvSpPr>
+            <a:spLocks noGrp="1"/>
+          </p:cNvSpPr>
+          <p:nvPr>
+            <p:ph type="body" sz="quarter" idx="11"/>
+          </p:nvPr>
+        </p:nvSpPr>
+        <p:spPr/>
+        <p:txBody>
+          <a:bodyPr/>
+          <a:lstStyle/>
+          <a:p>
+            <a:pPr marL="285750" indent="-285750">
+              <a:buFontTx/>
+              <a:buChar char="-"/>
+            </a:pPr>
+            <a:r>
+              <a:rPr lang="hr-HR" sz="1800" b="0" dirty="0">
+                <a:effectLst/>
+                <a:ea typeface="Times New Roman" panose="02020603050405020304" pitchFamily="18" charset="0"/>
+              </a:rPr>
+              <a:t>Zajednica Mozilla koristi, razvija, širi i podržava Mozilla proizvode</a:t>
+            </a:r>
+          </a:p>
+          <a:p>
+            <a:pPr marL="285750" indent="-285750">
+              <a:buFontTx/>
+              <a:buChar char="-"/>
+            </a:pPr>
+            <a:r>
+              <a:rPr lang="hr-HR" sz="1800" b="0" dirty="0">
+                <a:effectLst/>
+                <a:ea typeface="Times New Roman" panose="02020603050405020304" pitchFamily="18" charset="0"/>
+              </a:rPr>
+              <a:t>Zajednicu institucionalno podržava neprofitna Mozilla Foundation i njezina podružnica Mozilla Corporation</a:t>
+            </a:r>
+            <a:r>
+              <a:rPr lang="hr-HR" sz="1800" b="0" dirty="0">
+                <a:effectLst/>
+                <a:latin typeface="Times New Roman" panose="02020603050405020304" pitchFamily="18" charset="0"/>
+                <a:ea typeface="Times New Roman" panose="02020603050405020304" pitchFamily="18" charset="0"/>
+              </a:rPr>
+              <a:t> </a:t>
+            </a:r>
+            <a:endParaRPr lang="en-US" b="0" dirty="0"/>
+          </a:p>
+        </p:txBody>
+      </p:sp>
+      <p:graphicFrame>
+        <p:nvGraphicFramePr>
+          <p:cNvPr id="10" name="Content Placeholder 6" descr="key people SmartArt Graphic">
+            <a:extLst>
+              <a:ext uri="{FF2B5EF4-FFF2-40B4-BE49-F238E27FC236}">
+                <a16:creationId xmlns:a16="http://schemas.microsoft.com/office/drawing/2014/main" id="{5669122F-FDDA-4356-9679-4DD826F9B99C}"/>
+              </a:ext>
+            </a:extLst>
+          </p:cNvPr>
+          <p:cNvGraphicFramePr>
+            <a:graphicFrameLocks noGrp="1"/>
+          </p:cNvGraphicFramePr>
+          <p:nvPr>
+            <p:ph type="pic" sz="quarter" idx="13"/>
+            <p:extLst>
+              <p:ext uri="{D42A27DB-BD31-4B8C-83A1-F6EECF244321}">
+                <p14:modId xmlns:p14="http://schemas.microsoft.com/office/powerpoint/2010/main" val="3117014747"/>
+              </p:ext>
+            </p:extLst>
+          </p:nvPr>
+        </p:nvGraphicFramePr>
+        <p:xfrm>
+          <a:off x="6858000" y="947351"/>
+          <a:ext cx="5144530" cy="4720024"/>
+        </p:xfrm>
+        <a:graphic>
+          <a:graphicData uri="http://schemas.openxmlformats.org/drawingml/2006/diagram">
+            <dgm:relIds xmlns:dgm="http://schemas.openxmlformats.org/drawingml/2006/diagram" xmlns:r="http://schemas.openxmlformats.org/officeDocument/2006/relationships" r:dm="rId2" r:lo="rId3" r:qs="rId4" r:cs="rId5"/>
+          </a:graphicData>
+        </a:graphic>
+      </p:graphicFrame>
+    </p:spTree>
+    <p:extLst>
+      <p:ext uri="{BB962C8B-B14F-4D97-AF65-F5344CB8AC3E}">
+        <p14:creationId xmlns:p14="http://schemas.microsoft.com/office/powerpoint/2010/main" val="1470979386"/>
+      </p:ext>
+    </p:extLst>
+  </p:cSld>
+  <p:clrMapOvr>
+    <a:masterClrMapping/>
+  </p:clrMapOvr>
+  <mc:AlternateContent xmlns:mc="http://schemas.openxmlformats.org/markup-compatibility/2006" xmlns:p14="http://schemas.microsoft.com/office/powerpoint/2010/main">
+    <mc:Choice Requires="p14">
+      <p:transition spd="med" p14:dur="700">
+        <p:fade/>
+      </p:transition>
+    </mc:Choice>
+    <mc:Fallback xmlns="">
+      <p:transition spd="med">
+        <p:fade/>
+      </p:transition>
+    </mc:Fallback>
+  </mc:AlternateContent>
+</p:sld>
+</file>
+
+<file path=ppt/slides/slide14.xml><?xml version="1.0" encoding="utf-8"?>
+<p:sld xmlns:a="http://schemas.openxmlformats.org/drawingml/2006/main" xmlns:r="http://schemas.openxmlformats.org/officeDocument/2006/relationships" xmlns:p="http://schemas.openxmlformats.org/presentationml/2006/main">
+  <p:cSld>
+    <p:spTree>
+      <p:nvGrpSpPr>
+        <p:cNvPr id="1" name=""/>
+        <p:cNvGrpSpPr/>
+        <p:nvPr/>
+      </p:nvGrpSpPr>
+      <p:grpSpPr>
+        <a:xfrm>
+          <a:off x="0" y="0"/>
+          <a:ext cx="0" cy="0"/>
+          <a:chOff x="0" y="0"/>
+          <a:chExt cx="0" cy="0"/>
+        </a:xfrm>
+      </p:grpSpPr>
+      <p:sp>
+        <p:nvSpPr>
           <p:cNvPr id="9219" name="Rectangle 8">
             <a:extLst>
               <a:ext uri="{FF2B5EF4-FFF2-40B4-BE49-F238E27FC236}">
@@ -7084,7 +7725,7 @@
 </p:sld>
 </file>
 
-<file path=ppt/slides/slide11.xml><?xml version="1.0" encoding="utf-8"?>
+<file path=ppt/slides/slide15.xml><?xml version="1.0" encoding="utf-8"?>
 <p:sld xmlns:a="http://schemas.openxmlformats.org/drawingml/2006/main" xmlns:r="http://schemas.openxmlformats.org/officeDocument/2006/relationships" xmlns:p="http://schemas.openxmlformats.org/presentationml/2006/main">
   <p:cSld>
     <p:spTree>
@@ -7973,7 +8614,7 @@
 </p:sld>
 </file>
 
-<file path=ppt/slides/slide12.xml><?xml version="1.0" encoding="utf-8"?>
+<file path=ppt/slides/slide16.xml><?xml version="1.0" encoding="utf-8"?>
 <p:sld xmlns:a="http://schemas.openxmlformats.org/drawingml/2006/main" xmlns:r="http://schemas.openxmlformats.org/officeDocument/2006/relationships" xmlns:p="http://schemas.openxmlformats.org/presentationml/2006/main">
   <p:cSld>
     <p:spTree>
@@ -8272,7 +8913,7 @@
 </p:sld>
 </file>
 
-<file path=ppt/slides/slide13.xml><?xml version="1.0" encoding="utf-8"?>
+<file path=ppt/slides/slide17.xml><?xml version="1.0" encoding="utf-8"?>
 <p:sld xmlns:a="http://schemas.openxmlformats.org/drawingml/2006/main" xmlns:r="http://schemas.openxmlformats.org/officeDocument/2006/relationships" xmlns:p="http://schemas.openxmlformats.org/presentationml/2006/main">
   <p:cSld>
     <p:spTree>
@@ -8530,7 +9171,7 @@
 </p:sld>
 </file>
 
-<file path=ppt/slides/slide14.xml><?xml version="1.0" encoding="utf-8"?>
+<file path=ppt/slides/slide18.xml><?xml version="1.0" encoding="utf-8"?>
 <p:sld xmlns:a="http://schemas.openxmlformats.org/drawingml/2006/main" xmlns:r="http://schemas.openxmlformats.org/officeDocument/2006/relationships" xmlns:p="http://schemas.openxmlformats.org/presentationml/2006/main">
   <p:cSld>
     <p:spTree>
@@ -8770,7 +9411,7 @@
 </p:sld>
 </file>
 
-<file path=ppt/slides/slide15.xml><?xml version="1.0" encoding="utf-8"?>
+<file path=ppt/slides/slide19.xml><?xml version="1.0" encoding="utf-8"?>
 <p:sld xmlns:a="http://schemas.openxmlformats.org/drawingml/2006/main" xmlns:r="http://schemas.openxmlformats.org/officeDocument/2006/relationships" xmlns:p="http://schemas.openxmlformats.org/presentationml/2006/main">
   <p:cSld>
     <p:spTree>
@@ -8903,712 +9544,6 @@
     <p:extLst>
       <p:ext uri="{BB962C8B-B14F-4D97-AF65-F5344CB8AC3E}">
         <p14:creationId xmlns:p14="http://schemas.microsoft.com/office/powerpoint/2010/main" val="4293959203"/>
-      </p:ext>
-    </p:extLst>
-  </p:cSld>
-  <p:clrMapOvr>
-    <a:masterClrMapping/>
-  </p:clrMapOvr>
-  <mc:AlternateContent xmlns:mc="http://schemas.openxmlformats.org/markup-compatibility/2006" xmlns:p14="http://schemas.microsoft.com/office/powerpoint/2010/main">
-    <mc:Choice Requires="p14">
-      <p:transition spd="med" p14:dur="700">
-        <p:fade/>
-      </p:transition>
-    </mc:Choice>
-    <mc:Fallback xmlns="">
-      <p:transition spd="med">
-        <p:fade/>
-      </p:transition>
-    </mc:Fallback>
-  </mc:AlternateContent>
-</p:sld>
-</file>
-
-<file path=ppt/slides/slide16.xml><?xml version="1.0" encoding="utf-8"?>
-<p:sld xmlns:a="http://schemas.openxmlformats.org/drawingml/2006/main" xmlns:r="http://schemas.openxmlformats.org/officeDocument/2006/relationships" xmlns:p="http://schemas.openxmlformats.org/presentationml/2006/main">
-  <p:cSld>
-    <p:spTree>
-      <p:nvGrpSpPr>
-        <p:cNvPr id="1" name=""/>
-        <p:cNvGrpSpPr/>
-        <p:nvPr/>
-      </p:nvGrpSpPr>
-      <p:grpSpPr>
-        <a:xfrm>
-          <a:off x="0" y="0"/>
-          <a:ext cx="0" cy="0"/>
-          <a:chOff x="0" y="0"/>
-          <a:chExt cx="0" cy="0"/>
-        </a:xfrm>
-      </p:grpSpPr>
-      <p:sp>
-        <p:nvSpPr>
-          <p:cNvPr id="2" name="Naslov 1">
-            <a:extLst>
-              <a:ext uri="{FF2B5EF4-FFF2-40B4-BE49-F238E27FC236}">
-                <a16:creationId xmlns:a16="http://schemas.microsoft.com/office/drawing/2014/main" id="{7258D5B2-2C61-4F5A-B8A5-A9328E0B83BA}"/>
-              </a:ext>
-            </a:extLst>
-          </p:cNvPr>
-          <p:cNvSpPr>
-            <a:spLocks noGrp="1"/>
-          </p:cNvSpPr>
-          <p:nvPr>
-            <p:ph type="title"/>
-          </p:nvPr>
-        </p:nvSpPr>
-        <p:spPr>
-          <a:xfrm>
-            <a:off x="5199742" y="1221988"/>
-            <a:ext cx="6477000" cy="1189037"/>
-          </a:xfrm>
-        </p:spPr>
-        <p:txBody>
-          <a:bodyPr/>
-          <a:lstStyle/>
-          <a:p>
-            <a:r>
-              <a:rPr lang="hr-HR" dirty="0"/>
-              <a:t>Apache HTTP Server</a:t>
-            </a:r>
-          </a:p>
-        </p:txBody>
-      </p:sp>
-      <p:sp>
-        <p:nvSpPr>
-          <p:cNvPr id="3" name="Rezervirano mjesto teksta 2">
-            <a:extLst>
-              <a:ext uri="{FF2B5EF4-FFF2-40B4-BE49-F238E27FC236}">
-                <a16:creationId xmlns:a16="http://schemas.microsoft.com/office/drawing/2014/main" id="{1503EF2C-7A0E-4B96-964A-D89FBB4AB096}"/>
-              </a:ext>
-            </a:extLst>
-          </p:cNvPr>
-          <p:cNvSpPr>
-            <a:spLocks noGrp="1"/>
-          </p:cNvSpPr>
-          <p:nvPr>
-            <p:ph type="body" sz="quarter" idx="11"/>
-          </p:nvPr>
-        </p:nvSpPr>
-        <p:spPr>
-          <a:xfrm>
-            <a:off x="5199742" y="2659602"/>
-            <a:ext cx="6731846" cy="3276600"/>
-          </a:xfrm>
-        </p:spPr>
-        <p:txBody>
-          <a:bodyPr/>
-          <a:lstStyle/>
-          <a:p>
-            <a:pPr marL="285750" indent="-285750">
-              <a:buFont typeface="Arial" panose="020B0604020202020204" pitchFamily="34" charset="0"/>
-              <a:buChar char="•"/>
-            </a:pPr>
-            <a:r>
-              <a:rPr lang="hr-HR" b="0" dirty="0"/>
-              <a:t>Besplatan, </a:t>
-            </a:r>
-            <a:r>
-              <a:rPr lang="hr-HR" b="0" dirty="0" err="1"/>
-              <a:t>open-source</a:t>
-            </a:r>
-            <a:r>
-              <a:rPr lang="hr-HR" b="0" dirty="0"/>
-              <a:t> više </a:t>
-            </a:r>
-            <a:r>
-              <a:rPr lang="hr-HR" b="0" dirty="0" err="1"/>
-              <a:t>platformski</a:t>
-            </a:r>
-            <a:r>
-              <a:rPr lang="hr-HR" b="0" dirty="0"/>
-              <a:t> web server</a:t>
-            </a:r>
-          </a:p>
-          <a:p>
-            <a:pPr marL="285750" indent="-285750">
-              <a:buFont typeface="Arial" panose="020B0604020202020204" pitchFamily="34" charset="0"/>
-              <a:buChar char="•"/>
-            </a:pPr>
-            <a:r>
-              <a:rPr lang="hr-HR" b="0" dirty="0"/>
-              <a:t>Najpopularniji HTTP server u svijetu</a:t>
-            </a:r>
-          </a:p>
-          <a:p>
-            <a:pPr marL="285750" indent="-285750">
-              <a:buFont typeface="Arial" panose="020B0604020202020204" pitchFamily="34" charset="0"/>
-              <a:buChar char="•"/>
-            </a:pPr>
-            <a:r>
-              <a:rPr lang="hr-HR" b="0" dirty="0"/>
-              <a:t>Omogućuje komunikaciju između klijenta i servera preko mreže</a:t>
-            </a:r>
-          </a:p>
-          <a:p>
-            <a:pPr marL="285750" indent="-285750">
-              <a:buFont typeface="Arial" panose="020B0604020202020204" pitchFamily="34" charset="0"/>
-              <a:buChar char="•"/>
-            </a:pPr>
-            <a:r>
-              <a:rPr lang="hr-HR" b="0" dirty="0"/>
-              <a:t>Omogućuje izbor između različitih MPM-a(Multi Processing </a:t>
-            </a:r>
-            <a:r>
-              <a:rPr lang="hr-HR" b="0" dirty="0" err="1"/>
-              <a:t>Modules</a:t>
-            </a:r>
-            <a:r>
-              <a:rPr lang="hr-HR" b="0" dirty="0"/>
-              <a:t>)</a:t>
-            </a:r>
-          </a:p>
-          <a:p>
-            <a:pPr marL="285750" indent="-285750">
-              <a:buFont typeface="Arial" panose="020B0604020202020204" pitchFamily="34" charset="0"/>
-              <a:buChar char="•"/>
-            </a:pPr>
-            <a:endParaRPr lang="hr-HR" b="0" dirty="0"/>
-          </a:p>
-        </p:txBody>
-      </p:sp>
-      <p:pic>
-        <p:nvPicPr>
-          <p:cNvPr id="4" name="Slika 3">
-            <a:extLst>
-              <a:ext uri="{FF2B5EF4-FFF2-40B4-BE49-F238E27FC236}">
-                <a16:creationId xmlns:a16="http://schemas.microsoft.com/office/drawing/2014/main" id="{12E6CB90-0120-4F13-BC71-2A5B2001D31E}"/>
-              </a:ext>
-            </a:extLst>
-          </p:cNvPr>
-          <p:cNvPicPr>
-            <a:picLocks noChangeAspect="1"/>
-          </p:cNvPicPr>
-          <p:nvPr/>
-        </p:nvPicPr>
-        <p:blipFill>
-          <a:blip r:embed="rId2"/>
-          <a:stretch>
-            <a:fillRect/>
-          </a:stretch>
-        </p:blipFill>
-        <p:spPr>
-          <a:xfrm>
-            <a:off x="5565559" y="4875195"/>
-            <a:ext cx="4847948" cy="1521634"/>
-          </a:xfrm>
-          <a:prstGeom prst="rect">
-            <a:avLst/>
-          </a:prstGeom>
-        </p:spPr>
-      </p:pic>
-    </p:spTree>
-    <p:extLst>
-      <p:ext uri="{BB962C8B-B14F-4D97-AF65-F5344CB8AC3E}">
-        <p14:creationId xmlns:p14="http://schemas.microsoft.com/office/powerpoint/2010/main" val="3261414155"/>
-      </p:ext>
-    </p:extLst>
-  </p:cSld>
-  <p:clrMapOvr>
-    <a:masterClrMapping/>
-  </p:clrMapOvr>
-  <mc:AlternateContent xmlns:mc="http://schemas.openxmlformats.org/markup-compatibility/2006" xmlns:p14="http://schemas.microsoft.com/office/powerpoint/2010/main">
-    <mc:Choice Requires="p14">
-      <p:transition spd="med" p14:dur="700">
-        <p:fade/>
-      </p:transition>
-    </mc:Choice>
-    <mc:Fallback xmlns="">
-      <p:transition spd="med">
-        <p:fade/>
-      </p:transition>
-    </mc:Fallback>
-  </mc:AlternateContent>
-</p:sld>
-</file>
-
-<file path=ppt/slides/slide17.xml><?xml version="1.0" encoding="utf-8"?>
-<p:sld xmlns:a="http://schemas.openxmlformats.org/drawingml/2006/main" xmlns:r="http://schemas.openxmlformats.org/officeDocument/2006/relationships" xmlns:p="http://schemas.openxmlformats.org/presentationml/2006/main">
-  <p:cSld>
-    <p:spTree>
-      <p:nvGrpSpPr>
-        <p:cNvPr id="1" name=""/>
-        <p:cNvGrpSpPr/>
-        <p:nvPr/>
-      </p:nvGrpSpPr>
-      <p:grpSpPr>
-        <a:xfrm>
-          <a:off x="0" y="0"/>
-          <a:ext cx="0" cy="0"/>
-          <a:chOff x="0" y="0"/>
-          <a:chExt cx="0" cy="0"/>
-        </a:xfrm>
-      </p:grpSpPr>
-      <p:sp>
-        <p:nvSpPr>
-          <p:cNvPr id="2" name="Naslov 1">
-            <a:extLst>
-              <a:ext uri="{FF2B5EF4-FFF2-40B4-BE49-F238E27FC236}">
-                <a16:creationId xmlns:a16="http://schemas.microsoft.com/office/drawing/2014/main" id="{FF46E575-732A-4DD5-A39B-3B55E492E53D}"/>
-              </a:ext>
-            </a:extLst>
-          </p:cNvPr>
-          <p:cNvSpPr>
-            <a:spLocks noGrp="1"/>
-          </p:cNvSpPr>
-          <p:nvPr>
-            <p:ph type="title"/>
-          </p:nvPr>
-        </p:nvSpPr>
-        <p:spPr/>
-        <p:txBody>
-          <a:bodyPr/>
-          <a:lstStyle/>
-          <a:p>
-            <a:r>
-              <a:rPr lang="hr-HR" dirty="0"/>
-              <a:t>Razvoj Apache HTTP Servera</a:t>
-            </a:r>
-          </a:p>
-        </p:txBody>
-      </p:sp>
-      <p:sp>
-        <p:nvSpPr>
-          <p:cNvPr id="3" name="Rezervirano mjesto teksta 2">
-            <a:extLst>
-              <a:ext uri="{FF2B5EF4-FFF2-40B4-BE49-F238E27FC236}">
-                <a16:creationId xmlns:a16="http://schemas.microsoft.com/office/drawing/2014/main" id="{BB9ADE43-36BC-4D1D-B1E1-D037A272D195}"/>
-              </a:ext>
-            </a:extLst>
-          </p:cNvPr>
-          <p:cNvSpPr>
-            <a:spLocks noGrp="1"/>
-          </p:cNvSpPr>
-          <p:nvPr>
-            <p:ph type="body" sz="quarter" idx="11"/>
-          </p:nvPr>
-        </p:nvSpPr>
-        <p:spPr>
-          <a:xfrm>
-            <a:off x="5199742" y="1904998"/>
-            <a:ext cx="6477000" cy="3276600"/>
-          </a:xfrm>
-        </p:spPr>
-        <p:txBody>
-          <a:bodyPr/>
-          <a:lstStyle/>
-          <a:p>
-            <a:pPr marL="285750" indent="-285750">
-              <a:buFont typeface="Arial" panose="020B0604020202020204" pitchFamily="34" charset="0"/>
-              <a:buChar char="•"/>
-            </a:pPr>
-            <a:r>
-              <a:rPr lang="hr-HR" b="0" dirty="0"/>
-              <a:t>Razvoj je počeo u veljači 1995.</a:t>
-            </a:r>
-          </a:p>
-          <a:p>
-            <a:pPr marL="285750" indent="-285750">
-              <a:buFont typeface="Arial" panose="020B0604020202020204" pitchFamily="34" charset="0"/>
-              <a:buChar char="•"/>
-            </a:pPr>
-            <a:r>
-              <a:rPr lang="hr-HR" b="0" dirty="0"/>
-              <a:t>U siječnju 1996. nastaje prva  službena verzija Apache servera (Apache </a:t>
-            </a:r>
-            <a:r>
-              <a:rPr lang="hr-HR" b="0" dirty="0" err="1"/>
-              <a:t>httpd</a:t>
-            </a:r>
-            <a:r>
-              <a:rPr lang="hr-HR" b="0" dirty="0"/>
-              <a:t> 1.0)</a:t>
-            </a:r>
-          </a:p>
-          <a:p>
-            <a:pPr marL="285750" indent="-285750">
-              <a:buFont typeface="Arial" panose="020B0604020202020204" pitchFamily="34" charset="0"/>
-              <a:buChar char="•"/>
-            </a:pPr>
-            <a:r>
-              <a:rPr lang="hr-HR" b="0" dirty="0"/>
-              <a:t>Članovi Apache grupe:</a:t>
-            </a:r>
-          </a:p>
-          <a:p>
-            <a:pPr marL="1428750" lvl="2" indent="-285750"/>
-            <a:r>
-              <a:rPr lang="hr-HR" sz="1800" dirty="0"/>
-              <a:t>Donese odluke</a:t>
-            </a:r>
-          </a:p>
-          <a:p>
-            <a:pPr marL="1428750" lvl="2" indent="-285750"/>
-            <a:r>
-              <a:rPr lang="hr-HR" sz="1800" b="0" dirty="0"/>
-              <a:t>Imaju direktan pristup repozitoriju</a:t>
-            </a:r>
-          </a:p>
-          <a:p>
-            <a:pPr marL="285750" indent="-285750">
-              <a:buFont typeface="Arial" panose="020B0604020202020204" pitchFamily="34" charset="0"/>
-              <a:buChar char="•"/>
-            </a:pPr>
-            <a:r>
-              <a:rPr lang="hr-HR" b="0" dirty="0"/>
-              <a:t>Uvjet za članstvo  u grupi:</a:t>
-            </a:r>
-            <a:endParaRPr lang="hr-HR" sz="1600" b="0" dirty="0"/>
-          </a:p>
-          <a:p>
-            <a:pPr marL="1428750" lvl="2" indent="-285750"/>
-            <a:r>
-              <a:rPr lang="hr-HR" sz="1800" b="0" dirty="0"/>
-              <a:t>Ak</a:t>
-            </a:r>
-            <a:r>
-              <a:rPr lang="hr-HR" sz="1800" dirty="0"/>
-              <a:t>tivan doprinos projektu tijekom 6 mjeseci</a:t>
-            </a:r>
-          </a:p>
-          <a:p>
-            <a:pPr marL="1428750" lvl="2" indent="-285750"/>
-            <a:r>
-              <a:rPr lang="hr-HR" sz="1800" b="0" dirty="0"/>
-              <a:t>Nominacija od strane postojećeg člana</a:t>
-            </a:r>
-          </a:p>
-          <a:p>
-            <a:pPr marL="285750" indent="-285750">
-              <a:buFont typeface="Arial" panose="020B0604020202020204" pitchFamily="34" charset="0"/>
-              <a:buChar char="•"/>
-            </a:pPr>
-            <a:endParaRPr lang="hr-HR" sz="1600" dirty="0"/>
-          </a:p>
-          <a:p>
-            <a:pPr lvl="2" indent="0">
-              <a:buNone/>
-            </a:pPr>
-            <a:endParaRPr lang="hr-HR" sz="1600" b="0" dirty="0"/>
-          </a:p>
-          <a:p>
-            <a:pPr lvl="2" indent="0">
-              <a:buNone/>
-            </a:pPr>
-            <a:endParaRPr lang="hr-HR" sz="1800" b="0" dirty="0"/>
-          </a:p>
-          <a:p>
-            <a:pPr lvl="2" indent="0">
-              <a:buNone/>
-            </a:pPr>
-            <a:endParaRPr lang="hr-HR" sz="1800" dirty="0"/>
-          </a:p>
-          <a:p>
-            <a:pPr marL="1885950" lvl="3" indent="-285750"/>
-            <a:endParaRPr lang="hr-HR" sz="1600" b="0" dirty="0"/>
-          </a:p>
-          <a:p>
-            <a:pPr marL="285750" indent="-285750">
-              <a:buFont typeface="Arial" panose="020B0604020202020204" pitchFamily="34" charset="0"/>
-              <a:buChar char="•"/>
-            </a:pPr>
-            <a:endParaRPr lang="hr-HR" b="0" dirty="0"/>
-          </a:p>
-          <a:p>
-            <a:pPr marL="285750" indent="-285750">
-              <a:buFont typeface="Arial" panose="020B0604020202020204" pitchFamily="34" charset="0"/>
-              <a:buChar char="•"/>
-            </a:pPr>
-            <a:endParaRPr lang="hr-HR" b="0" dirty="0"/>
-          </a:p>
-        </p:txBody>
-      </p:sp>
-    </p:spTree>
-    <p:extLst>
-      <p:ext uri="{BB962C8B-B14F-4D97-AF65-F5344CB8AC3E}">
-        <p14:creationId xmlns:p14="http://schemas.microsoft.com/office/powerpoint/2010/main" val="1539929469"/>
-      </p:ext>
-    </p:extLst>
-  </p:cSld>
-  <p:clrMapOvr>
-    <a:masterClrMapping/>
-  </p:clrMapOvr>
-  <mc:AlternateContent xmlns:mc="http://schemas.openxmlformats.org/markup-compatibility/2006" xmlns:p14="http://schemas.microsoft.com/office/powerpoint/2010/main">
-    <mc:Choice Requires="p14">
-      <p:transition spd="med" p14:dur="700">
-        <p:fade/>
-      </p:transition>
-    </mc:Choice>
-    <mc:Fallback xmlns="">
-      <p:transition spd="med">
-        <p:fade/>
-      </p:transition>
-    </mc:Fallback>
-  </mc:AlternateContent>
-</p:sld>
-</file>
-
-<file path=ppt/slides/slide18.xml><?xml version="1.0" encoding="utf-8"?>
-<p:sld xmlns:a="http://schemas.openxmlformats.org/drawingml/2006/main" xmlns:r="http://schemas.openxmlformats.org/officeDocument/2006/relationships" xmlns:p="http://schemas.openxmlformats.org/presentationml/2006/main">
-  <p:cSld>
-    <p:spTree>
-      <p:nvGrpSpPr>
-        <p:cNvPr id="1" name=""/>
-        <p:cNvGrpSpPr/>
-        <p:nvPr/>
-      </p:nvGrpSpPr>
-      <p:grpSpPr>
-        <a:xfrm>
-          <a:off x="0" y="0"/>
-          <a:ext cx="0" cy="0"/>
-          <a:chOff x="0" y="0"/>
-          <a:chExt cx="0" cy="0"/>
-        </a:xfrm>
-      </p:grpSpPr>
-      <p:sp>
-        <p:nvSpPr>
-          <p:cNvPr id="2" name="Naslov 1">
-            <a:extLst>
-              <a:ext uri="{FF2B5EF4-FFF2-40B4-BE49-F238E27FC236}">
-                <a16:creationId xmlns:a16="http://schemas.microsoft.com/office/drawing/2014/main" id="{3352EAD8-E135-44EB-8D36-9C480B12C20A}"/>
-              </a:ext>
-            </a:extLst>
-          </p:cNvPr>
-          <p:cNvSpPr>
-            <a:spLocks noGrp="1"/>
-          </p:cNvSpPr>
-          <p:nvPr>
-            <p:ph type="title"/>
-          </p:nvPr>
-        </p:nvSpPr>
-        <p:spPr/>
-        <p:txBody>
-          <a:bodyPr/>
-          <a:lstStyle/>
-          <a:p>
-            <a:r>
-              <a:rPr lang="hr-HR" dirty="0"/>
-              <a:t>Dodjela zaduženja u razvoju</a:t>
-            </a:r>
-          </a:p>
-        </p:txBody>
-      </p:sp>
-      <p:sp>
-        <p:nvSpPr>
-          <p:cNvPr id="3" name="Rezervirano mjesto teksta 2">
-            <a:extLst>
-              <a:ext uri="{FF2B5EF4-FFF2-40B4-BE49-F238E27FC236}">
-                <a16:creationId xmlns:a16="http://schemas.microsoft.com/office/drawing/2014/main" id="{5AB3C75A-6A01-4C8C-A101-00DC90CB6BD7}"/>
-              </a:ext>
-            </a:extLst>
-          </p:cNvPr>
-          <p:cNvSpPr>
-            <a:spLocks noGrp="1"/>
-          </p:cNvSpPr>
-          <p:nvPr>
-            <p:ph type="body" sz="quarter" idx="11"/>
-          </p:nvPr>
-        </p:nvSpPr>
-        <p:spPr/>
-        <p:txBody>
-          <a:bodyPr/>
-          <a:lstStyle/>
-          <a:p>
-            <a:pPr marL="285750" indent="-285750">
-              <a:buFont typeface="Arial" panose="020B0604020202020204" pitchFamily="34" charset="0"/>
-              <a:buChar char="•"/>
-            </a:pPr>
-            <a:r>
-              <a:rPr lang="hr-HR" b="0" dirty="0"/>
-              <a:t>Svaki developer specijalizira se za pojedini dio koda</a:t>
-            </a:r>
-          </a:p>
-          <a:p>
-            <a:pPr marL="285750" indent="-285750">
-              <a:buFont typeface="Arial" panose="020B0604020202020204" pitchFamily="34" charset="0"/>
-              <a:buChar char="•"/>
-            </a:pPr>
-            <a:r>
-              <a:rPr lang="hr-HR" b="0" dirty="0"/>
-              <a:t>Testiranje provodi pojedini developer</a:t>
-            </a:r>
-          </a:p>
-          <a:p>
-            <a:pPr marL="285750" indent="-285750">
-              <a:buFont typeface="Arial" panose="020B0604020202020204" pitchFamily="34" charset="0"/>
-              <a:buChar char="•"/>
-            </a:pPr>
-            <a:r>
-              <a:rPr lang="hr-HR" b="0" dirty="0"/>
-              <a:t>Glavne odluke donosi cijela Apache grupa zajedno</a:t>
-            </a:r>
-          </a:p>
-          <a:p>
-            <a:pPr marL="285750" indent="-285750">
-              <a:buFont typeface="Arial" panose="020B0604020202020204" pitchFamily="34" charset="0"/>
-              <a:buChar char="•"/>
-            </a:pPr>
-            <a:r>
-              <a:rPr lang="hr-HR" b="0" dirty="0"/>
-              <a:t>Ulogu </a:t>
-            </a:r>
-            <a:r>
-              <a:rPr lang="hr-HR" b="0" dirty="0" err="1"/>
-              <a:t>release</a:t>
-            </a:r>
-            <a:r>
-              <a:rPr lang="hr-HR" b="0" dirty="0"/>
-              <a:t> manager-a preuzima jedan developer</a:t>
-            </a:r>
-          </a:p>
-        </p:txBody>
-      </p:sp>
-    </p:spTree>
-    <p:extLst>
-      <p:ext uri="{BB962C8B-B14F-4D97-AF65-F5344CB8AC3E}">
-        <p14:creationId xmlns:p14="http://schemas.microsoft.com/office/powerpoint/2010/main" val="1933268724"/>
-      </p:ext>
-    </p:extLst>
-  </p:cSld>
-  <p:clrMapOvr>
-    <a:masterClrMapping/>
-  </p:clrMapOvr>
-  <mc:AlternateContent xmlns:mc="http://schemas.openxmlformats.org/markup-compatibility/2006" xmlns:p14="http://schemas.microsoft.com/office/powerpoint/2010/main">
-    <mc:Choice Requires="p14">
-      <p:transition spd="med" p14:dur="700">
-        <p:fade/>
-      </p:transition>
-    </mc:Choice>
-    <mc:Fallback xmlns="">
-      <p:transition spd="med">
-        <p:fade/>
-      </p:transition>
-    </mc:Fallback>
-  </mc:AlternateContent>
-</p:sld>
-</file>
-
-<file path=ppt/slides/slide19.xml><?xml version="1.0" encoding="utf-8"?>
-<p:sld xmlns:a="http://schemas.openxmlformats.org/drawingml/2006/main" xmlns:r="http://schemas.openxmlformats.org/officeDocument/2006/relationships" xmlns:p="http://schemas.openxmlformats.org/presentationml/2006/main">
-  <p:cSld>
-    <p:spTree>
-      <p:nvGrpSpPr>
-        <p:cNvPr id="1" name=""/>
-        <p:cNvGrpSpPr/>
-        <p:nvPr/>
-      </p:nvGrpSpPr>
-      <p:grpSpPr>
-        <a:xfrm>
-          <a:off x="0" y="0"/>
-          <a:ext cx="0" cy="0"/>
-          <a:chOff x="0" y="0"/>
-          <a:chExt cx="0" cy="0"/>
-        </a:xfrm>
-      </p:grpSpPr>
-      <p:sp>
-        <p:nvSpPr>
-          <p:cNvPr id="2" name="Naslov 1">
-            <a:extLst>
-              <a:ext uri="{FF2B5EF4-FFF2-40B4-BE49-F238E27FC236}">
-                <a16:creationId xmlns:a16="http://schemas.microsoft.com/office/drawing/2014/main" id="{5C2EFF81-71DA-4270-AF75-C29F24346EB7}"/>
-              </a:ext>
-            </a:extLst>
-          </p:cNvPr>
-          <p:cNvSpPr>
-            <a:spLocks noGrp="1"/>
-          </p:cNvSpPr>
-          <p:nvPr>
-            <p:ph type="title"/>
-          </p:nvPr>
-        </p:nvSpPr>
-        <p:spPr>
-          <a:xfrm>
-            <a:off x="5199742" y="1017802"/>
-            <a:ext cx="6477000" cy="1189037"/>
-          </a:xfrm>
-        </p:spPr>
-        <p:txBody>
-          <a:bodyPr/>
-          <a:lstStyle/>
-          <a:p>
-            <a:r>
-              <a:rPr lang="hr-HR" dirty="0"/>
-              <a:t>Apache zajednica</a:t>
-            </a:r>
-          </a:p>
-        </p:txBody>
-      </p:sp>
-      <p:sp>
-        <p:nvSpPr>
-          <p:cNvPr id="3" name="Rezervirano mjesto teksta 2">
-            <a:extLst>
-              <a:ext uri="{FF2B5EF4-FFF2-40B4-BE49-F238E27FC236}">
-                <a16:creationId xmlns:a16="http://schemas.microsoft.com/office/drawing/2014/main" id="{8EE8274F-E12A-409E-A1F4-6162BE8A25C6}"/>
-              </a:ext>
-            </a:extLst>
-          </p:cNvPr>
-          <p:cNvSpPr>
-            <a:spLocks noGrp="1"/>
-          </p:cNvSpPr>
-          <p:nvPr>
-            <p:ph type="body" sz="quarter" idx="11"/>
-          </p:nvPr>
-        </p:nvSpPr>
-        <p:spPr>
-          <a:xfrm>
-            <a:off x="5138902" y="2473171"/>
-            <a:ext cx="6598680" cy="3276600"/>
-          </a:xfrm>
-        </p:spPr>
-        <p:txBody>
-          <a:bodyPr/>
-          <a:lstStyle/>
-          <a:p>
-            <a:pPr marL="285750" indent="-285750">
-              <a:buFont typeface="Arial" panose="020B0604020202020204" pitchFamily="34" charset="0"/>
-              <a:buChar char="•"/>
-            </a:pPr>
-            <a:r>
-              <a:rPr lang="hr-HR" b="0" dirty="0"/>
-              <a:t>U razvoju je sudjelovalo preko 400 volontera</a:t>
-            </a:r>
-          </a:p>
-          <a:p>
-            <a:pPr marL="285750" indent="-285750">
-              <a:buFont typeface="Arial" panose="020B0604020202020204" pitchFamily="34" charset="0"/>
-              <a:buChar char="•"/>
-            </a:pPr>
-            <a:r>
-              <a:rPr lang="hr-HR" b="0" dirty="0"/>
-              <a:t>Top 15 developera odgovorno je za 88% dodanih linija koda</a:t>
-            </a:r>
-          </a:p>
-          <a:p>
-            <a:pPr marL="285750" indent="-285750">
-              <a:buFont typeface="Arial" panose="020B0604020202020204" pitchFamily="34" charset="0"/>
-              <a:buChar char="•"/>
-            </a:pPr>
-            <a:r>
-              <a:rPr lang="hr-HR" b="0" dirty="0"/>
-              <a:t>Zajednica ima glavnu ulogu u sistem testiranju</a:t>
-            </a:r>
-          </a:p>
-          <a:p>
-            <a:pPr marL="285750" indent="-285750">
-              <a:buFont typeface="Arial" panose="020B0604020202020204" pitchFamily="34" charset="0"/>
-              <a:buChar char="•"/>
-            </a:pPr>
-            <a:r>
-              <a:rPr lang="hr-HR" b="0" dirty="0"/>
-              <a:t>15 najaktivnijih developera kreiralo je 66% rješenja za prijavljene probleme</a:t>
-            </a:r>
-          </a:p>
-        </p:txBody>
-      </p:sp>
-    </p:spTree>
-    <p:extLst>
-      <p:ext uri="{BB962C8B-B14F-4D97-AF65-F5344CB8AC3E}">
-        <p14:creationId xmlns:p14="http://schemas.microsoft.com/office/powerpoint/2010/main" val="2305866841"/>
       </p:ext>
     </p:extLst>
   </p:cSld>
@@ -11784,6 +11719,712 @@
           <p:cNvPr id="2" name="Naslov 1">
             <a:extLst>
               <a:ext uri="{FF2B5EF4-FFF2-40B4-BE49-F238E27FC236}">
+                <a16:creationId xmlns:a16="http://schemas.microsoft.com/office/drawing/2014/main" id="{7258D5B2-2C61-4F5A-B8A5-A9328E0B83BA}"/>
+              </a:ext>
+            </a:extLst>
+          </p:cNvPr>
+          <p:cNvSpPr>
+            <a:spLocks noGrp="1"/>
+          </p:cNvSpPr>
+          <p:nvPr>
+            <p:ph type="title"/>
+          </p:nvPr>
+        </p:nvSpPr>
+        <p:spPr>
+          <a:xfrm>
+            <a:off x="5199742" y="1221988"/>
+            <a:ext cx="6477000" cy="1189037"/>
+          </a:xfrm>
+        </p:spPr>
+        <p:txBody>
+          <a:bodyPr/>
+          <a:lstStyle/>
+          <a:p>
+            <a:r>
+              <a:rPr lang="hr-HR" dirty="0"/>
+              <a:t>Apache HTTP Server</a:t>
+            </a:r>
+          </a:p>
+        </p:txBody>
+      </p:sp>
+      <p:sp>
+        <p:nvSpPr>
+          <p:cNvPr id="3" name="Rezervirano mjesto teksta 2">
+            <a:extLst>
+              <a:ext uri="{FF2B5EF4-FFF2-40B4-BE49-F238E27FC236}">
+                <a16:creationId xmlns:a16="http://schemas.microsoft.com/office/drawing/2014/main" id="{1503EF2C-7A0E-4B96-964A-D89FBB4AB096}"/>
+              </a:ext>
+            </a:extLst>
+          </p:cNvPr>
+          <p:cNvSpPr>
+            <a:spLocks noGrp="1"/>
+          </p:cNvSpPr>
+          <p:nvPr>
+            <p:ph type="body" sz="quarter" idx="11"/>
+          </p:nvPr>
+        </p:nvSpPr>
+        <p:spPr>
+          <a:xfrm>
+            <a:off x="5199742" y="2659602"/>
+            <a:ext cx="6731846" cy="3276600"/>
+          </a:xfrm>
+        </p:spPr>
+        <p:txBody>
+          <a:bodyPr/>
+          <a:lstStyle/>
+          <a:p>
+            <a:pPr marL="285750" indent="-285750">
+              <a:buFont typeface="Arial" panose="020B0604020202020204" pitchFamily="34" charset="0"/>
+              <a:buChar char="•"/>
+            </a:pPr>
+            <a:r>
+              <a:rPr lang="hr-HR" b="0" dirty="0"/>
+              <a:t>Besplatan, </a:t>
+            </a:r>
+            <a:r>
+              <a:rPr lang="hr-HR" b="0" dirty="0" err="1"/>
+              <a:t>open-source</a:t>
+            </a:r>
+            <a:r>
+              <a:rPr lang="hr-HR" b="0" dirty="0"/>
+              <a:t> više </a:t>
+            </a:r>
+            <a:r>
+              <a:rPr lang="hr-HR" b="0" dirty="0" err="1"/>
+              <a:t>platformski</a:t>
+            </a:r>
+            <a:r>
+              <a:rPr lang="hr-HR" b="0" dirty="0"/>
+              <a:t> web server</a:t>
+            </a:r>
+          </a:p>
+          <a:p>
+            <a:pPr marL="285750" indent="-285750">
+              <a:buFont typeface="Arial" panose="020B0604020202020204" pitchFamily="34" charset="0"/>
+              <a:buChar char="•"/>
+            </a:pPr>
+            <a:r>
+              <a:rPr lang="hr-HR" b="0" dirty="0"/>
+              <a:t>Najpopularniji HTTP server u svijetu</a:t>
+            </a:r>
+          </a:p>
+          <a:p>
+            <a:pPr marL="285750" indent="-285750">
+              <a:buFont typeface="Arial" panose="020B0604020202020204" pitchFamily="34" charset="0"/>
+              <a:buChar char="•"/>
+            </a:pPr>
+            <a:r>
+              <a:rPr lang="hr-HR" b="0" dirty="0"/>
+              <a:t>Omogućuje komunikaciju između klijenta i servera preko mreže</a:t>
+            </a:r>
+          </a:p>
+          <a:p>
+            <a:pPr marL="285750" indent="-285750">
+              <a:buFont typeface="Arial" panose="020B0604020202020204" pitchFamily="34" charset="0"/>
+              <a:buChar char="•"/>
+            </a:pPr>
+            <a:r>
+              <a:rPr lang="hr-HR" b="0" dirty="0"/>
+              <a:t>Omogućuje izbor između različitih MPM-a(Multi Processing </a:t>
+            </a:r>
+            <a:r>
+              <a:rPr lang="hr-HR" b="0" dirty="0" err="1"/>
+              <a:t>Modules</a:t>
+            </a:r>
+            <a:r>
+              <a:rPr lang="hr-HR" b="0" dirty="0"/>
+              <a:t>)</a:t>
+            </a:r>
+          </a:p>
+          <a:p>
+            <a:pPr marL="285750" indent="-285750">
+              <a:buFont typeface="Arial" panose="020B0604020202020204" pitchFamily="34" charset="0"/>
+              <a:buChar char="•"/>
+            </a:pPr>
+            <a:endParaRPr lang="hr-HR" b="0" dirty="0"/>
+          </a:p>
+        </p:txBody>
+      </p:sp>
+      <p:pic>
+        <p:nvPicPr>
+          <p:cNvPr id="4" name="Slika 3">
+            <a:extLst>
+              <a:ext uri="{FF2B5EF4-FFF2-40B4-BE49-F238E27FC236}">
+                <a16:creationId xmlns:a16="http://schemas.microsoft.com/office/drawing/2014/main" id="{12E6CB90-0120-4F13-BC71-2A5B2001D31E}"/>
+              </a:ext>
+            </a:extLst>
+          </p:cNvPr>
+          <p:cNvPicPr>
+            <a:picLocks noChangeAspect="1"/>
+          </p:cNvPicPr>
+          <p:nvPr/>
+        </p:nvPicPr>
+        <p:blipFill>
+          <a:blip r:embed="rId2"/>
+          <a:stretch>
+            <a:fillRect/>
+          </a:stretch>
+        </p:blipFill>
+        <p:spPr>
+          <a:xfrm>
+            <a:off x="5565559" y="4875195"/>
+            <a:ext cx="4847948" cy="1521634"/>
+          </a:xfrm>
+          <a:prstGeom prst="rect">
+            <a:avLst/>
+          </a:prstGeom>
+        </p:spPr>
+      </p:pic>
+    </p:spTree>
+    <p:extLst>
+      <p:ext uri="{BB962C8B-B14F-4D97-AF65-F5344CB8AC3E}">
+        <p14:creationId xmlns:p14="http://schemas.microsoft.com/office/powerpoint/2010/main" val="3261414155"/>
+      </p:ext>
+    </p:extLst>
+  </p:cSld>
+  <p:clrMapOvr>
+    <a:masterClrMapping/>
+  </p:clrMapOvr>
+  <mc:AlternateContent xmlns:mc="http://schemas.openxmlformats.org/markup-compatibility/2006" xmlns:p14="http://schemas.microsoft.com/office/powerpoint/2010/main">
+    <mc:Choice Requires="p14">
+      <p:transition spd="med" p14:dur="700">
+        <p:fade/>
+      </p:transition>
+    </mc:Choice>
+    <mc:Fallback xmlns="">
+      <p:transition spd="med">
+        <p:fade/>
+      </p:transition>
+    </mc:Fallback>
+  </mc:AlternateContent>
+</p:sld>
+</file>
+
+<file path=ppt/slides/slide21.xml><?xml version="1.0" encoding="utf-8"?>
+<p:sld xmlns:a="http://schemas.openxmlformats.org/drawingml/2006/main" xmlns:r="http://schemas.openxmlformats.org/officeDocument/2006/relationships" xmlns:p="http://schemas.openxmlformats.org/presentationml/2006/main">
+  <p:cSld>
+    <p:spTree>
+      <p:nvGrpSpPr>
+        <p:cNvPr id="1" name=""/>
+        <p:cNvGrpSpPr/>
+        <p:nvPr/>
+      </p:nvGrpSpPr>
+      <p:grpSpPr>
+        <a:xfrm>
+          <a:off x="0" y="0"/>
+          <a:ext cx="0" cy="0"/>
+          <a:chOff x="0" y="0"/>
+          <a:chExt cx="0" cy="0"/>
+        </a:xfrm>
+      </p:grpSpPr>
+      <p:sp>
+        <p:nvSpPr>
+          <p:cNvPr id="2" name="Naslov 1">
+            <a:extLst>
+              <a:ext uri="{FF2B5EF4-FFF2-40B4-BE49-F238E27FC236}">
+                <a16:creationId xmlns:a16="http://schemas.microsoft.com/office/drawing/2014/main" id="{FF46E575-732A-4DD5-A39B-3B55E492E53D}"/>
+              </a:ext>
+            </a:extLst>
+          </p:cNvPr>
+          <p:cNvSpPr>
+            <a:spLocks noGrp="1"/>
+          </p:cNvSpPr>
+          <p:nvPr>
+            <p:ph type="title"/>
+          </p:nvPr>
+        </p:nvSpPr>
+        <p:spPr/>
+        <p:txBody>
+          <a:bodyPr/>
+          <a:lstStyle/>
+          <a:p>
+            <a:r>
+              <a:rPr lang="hr-HR" dirty="0"/>
+              <a:t>Razvoj Apache HTTP Servera</a:t>
+            </a:r>
+          </a:p>
+        </p:txBody>
+      </p:sp>
+      <p:sp>
+        <p:nvSpPr>
+          <p:cNvPr id="3" name="Rezervirano mjesto teksta 2">
+            <a:extLst>
+              <a:ext uri="{FF2B5EF4-FFF2-40B4-BE49-F238E27FC236}">
+                <a16:creationId xmlns:a16="http://schemas.microsoft.com/office/drawing/2014/main" id="{BB9ADE43-36BC-4D1D-B1E1-D037A272D195}"/>
+              </a:ext>
+            </a:extLst>
+          </p:cNvPr>
+          <p:cNvSpPr>
+            <a:spLocks noGrp="1"/>
+          </p:cNvSpPr>
+          <p:nvPr>
+            <p:ph type="body" sz="quarter" idx="11"/>
+          </p:nvPr>
+        </p:nvSpPr>
+        <p:spPr>
+          <a:xfrm>
+            <a:off x="5199742" y="1904998"/>
+            <a:ext cx="6477000" cy="3276600"/>
+          </a:xfrm>
+        </p:spPr>
+        <p:txBody>
+          <a:bodyPr/>
+          <a:lstStyle/>
+          <a:p>
+            <a:pPr marL="285750" indent="-285750">
+              <a:buFont typeface="Arial" panose="020B0604020202020204" pitchFamily="34" charset="0"/>
+              <a:buChar char="•"/>
+            </a:pPr>
+            <a:r>
+              <a:rPr lang="hr-HR" b="0" dirty="0"/>
+              <a:t>Razvoj je počeo u veljači 1995.</a:t>
+            </a:r>
+          </a:p>
+          <a:p>
+            <a:pPr marL="285750" indent="-285750">
+              <a:buFont typeface="Arial" panose="020B0604020202020204" pitchFamily="34" charset="0"/>
+              <a:buChar char="•"/>
+            </a:pPr>
+            <a:r>
+              <a:rPr lang="hr-HR" b="0" dirty="0"/>
+              <a:t>U siječnju 1996. nastaje prva  službena verzija Apache servera (Apache </a:t>
+            </a:r>
+            <a:r>
+              <a:rPr lang="hr-HR" b="0" dirty="0" err="1"/>
+              <a:t>httpd</a:t>
+            </a:r>
+            <a:r>
+              <a:rPr lang="hr-HR" b="0" dirty="0"/>
+              <a:t> 1.0)</a:t>
+            </a:r>
+          </a:p>
+          <a:p>
+            <a:pPr marL="285750" indent="-285750">
+              <a:buFont typeface="Arial" panose="020B0604020202020204" pitchFamily="34" charset="0"/>
+              <a:buChar char="•"/>
+            </a:pPr>
+            <a:r>
+              <a:rPr lang="hr-HR" b="0" dirty="0"/>
+              <a:t>Članovi Apache grupe:</a:t>
+            </a:r>
+          </a:p>
+          <a:p>
+            <a:pPr marL="1428750" lvl="2" indent="-285750"/>
+            <a:r>
+              <a:rPr lang="hr-HR" sz="1800" dirty="0"/>
+              <a:t>Donese odluke</a:t>
+            </a:r>
+          </a:p>
+          <a:p>
+            <a:pPr marL="1428750" lvl="2" indent="-285750"/>
+            <a:r>
+              <a:rPr lang="hr-HR" sz="1800" b="0" dirty="0"/>
+              <a:t>Imaju direktan pristup repozitoriju</a:t>
+            </a:r>
+          </a:p>
+          <a:p>
+            <a:pPr marL="285750" indent="-285750">
+              <a:buFont typeface="Arial" panose="020B0604020202020204" pitchFamily="34" charset="0"/>
+              <a:buChar char="•"/>
+            </a:pPr>
+            <a:r>
+              <a:rPr lang="hr-HR" b="0" dirty="0"/>
+              <a:t>Uvjet za članstvo  u grupi:</a:t>
+            </a:r>
+            <a:endParaRPr lang="hr-HR" sz="1600" b="0" dirty="0"/>
+          </a:p>
+          <a:p>
+            <a:pPr marL="1428750" lvl="2" indent="-285750"/>
+            <a:r>
+              <a:rPr lang="hr-HR" sz="1800" b="0" dirty="0"/>
+              <a:t>Ak</a:t>
+            </a:r>
+            <a:r>
+              <a:rPr lang="hr-HR" sz="1800" dirty="0"/>
+              <a:t>tivan doprinos projektu tijekom 6 mjeseci</a:t>
+            </a:r>
+          </a:p>
+          <a:p>
+            <a:pPr marL="1428750" lvl="2" indent="-285750"/>
+            <a:r>
+              <a:rPr lang="hr-HR" sz="1800" b="0" dirty="0"/>
+              <a:t>Nominacija od strane postojećeg člana</a:t>
+            </a:r>
+          </a:p>
+          <a:p>
+            <a:pPr marL="285750" indent="-285750">
+              <a:buFont typeface="Arial" panose="020B0604020202020204" pitchFamily="34" charset="0"/>
+              <a:buChar char="•"/>
+            </a:pPr>
+            <a:endParaRPr lang="hr-HR" sz="1600" dirty="0"/>
+          </a:p>
+          <a:p>
+            <a:pPr lvl="2" indent="0">
+              <a:buNone/>
+            </a:pPr>
+            <a:endParaRPr lang="hr-HR" sz="1600" b="0" dirty="0"/>
+          </a:p>
+          <a:p>
+            <a:pPr lvl="2" indent="0">
+              <a:buNone/>
+            </a:pPr>
+            <a:endParaRPr lang="hr-HR" sz="1800" b="0" dirty="0"/>
+          </a:p>
+          <a:p>
+            <a:pPr lvl="2" indent="0">
+              <a:buNone/>
+            </a:pPr>
+            <a:endParaRPr lang="hr-HR" sz="1800" dirty="0"/>
+          </a:p>
+          <a:p>
+            <a:pPr marL="1885950" lvl="3" indent="-285750"/>
+            <a:endParaRPr lang="hr-HR" sz="1600" b="0" dirty="0"/>
+          </a:p>
+          <a:p>
+            <a:pPr marL="285750" indent="-285750">
+              <a:buFont typeface="Arial" panose="020B0604020202020204" pitchFamily="34" charset="0"/>
+              <a:buChar char="•"/>
+            </a:pPr>
+            <a:endParaRPr lang="hr-HR" b="0" dirty="0"/>
+          </a:p>
+          <a:p>
+            <a:pPr marL="285750" indent="-285750">
+              <a:buFont typeface="Arial" panose="020B0604020202020204" pitchFamily="34" charset="0"/>
+              <a:buChar char="•"/>
+            </a:pPr>
+            <a:endParaRPr lang="hr-HR" b="0" dirty="0"/>
+          </a:p>
+        </p:txBody>
+      </p:sp>
+    </p:spTree>
+    <p:extLst>
+      <p:ext uri="{BB962C8B-B14F-4D97-AF65-F5344CB8AC3E}">
+        <p14:creationId xmlns:p14="http://schemas.microsoft.com/office/powerpoint/2010/main" val="1539929469"/>
+      </p:ext>
+    </p:extLst>
+  </p:cSld>
+  <p:clrMapOvr>
+    <a:masterClrMapping/>
+  </p:clrMapOvr>
+  <mc:AlternateContent xmlns:mc="http://schemas.openxmlformats.org/markup-compatibility/2006" xmlns:p14="http://schemas.microsoft.com/office/powerpoint/2010/main">
+    <mc:Choice Requires="p14">
+      <p:transition spd="med" p14:dur="700">
+        <p:fade/>
+      </p:transition>
+    </mc:Choice>
+    <mc:Fallback xmlns="">
+      <p:transition spd="med">
+        <p:fade/>
+      </p:transition>
+    </mc:Fallback>
+  </mc:AlternateContent>
+</p:sld>
+</file>
+
+<file path=ppt/slides/slide22.xml><?xml version="1.0" encoding="utf-8"?>
+<p:sld xmlns:a="http://schemas.openxmlformats.org/drawingml/2006/main" xmlns:r="http://schemas.openxmlformats.org/officeDocument/2006/relationships" xmlns:p="http://schemas.openxmlformats.org/presentationml/2006/main">
+  <p:cSld>
+    <p:spTree>
+      <p:nvGrpSpPr>
+        <p:cNvPr id="1" name=""/>
+        <p:cNvGrpSpPr/>
+        <p:nvPr/>
+      </p:nvGrpSpPr>
+      <p:grpSpPr>
+        <a:xfrm>
+          <a:off x="0" y="0"/>
+          <a:ext cx="0" cy="0"/>
+          <a:chOff x="0" y="0"/>
+          <a:chExt cx="0" cy="0"/>
+        </a:xfrm>
+      </p:grpSpPr>
+      <p:sp>
+        <p:nvSpPr>
+          <p:cNvPr id="2" name="Naslov 1">
+            <a:extLst>
+              <a:ext uri="{FF2B5EF4-FFF2-40B4-BE49-F238E27FC236}">
+                <a16:creationId xmlns:a16="http://schemas.microsoft.com/office/drawing/2014/main" id="{3352EAD8-E135-44EB-8D36-9C480B12C20A}"/>
+              </a:ext>
+            </a:extLst>
+          </p:cNvPr>
+          <p:cNvSpPr>
+            <a:spLocks noGrp="1"/>
+          </p:cNvSpPr>
+          <p:nvPr>
+            <p:ph type="title"/>
+          </p:nvPr>
+        </p:nvSpPr>
+        <p:spPr/>
+        <p:txBody>
+          <a:bodyPr/>
+          <a:lstStyle/>
+          <a:p>
+            <a:r>
+              <a:rPr lang="hr-HR" dirty="0"/>
+              <a:t>Dodjela zaduženja u razvoju</a:t>
+            </a:r>
+          </a:p>
+        </p:txBody>
+      </p:sp>
+      <p:sp>
+        <p:nvSpPr>
+          <p:cNvPr id="3" name="Rezervirano mjesto teksta 2">
+            <a:extLst>
+              <a:ext uri="{FF2B5EF4-FFF2-40B4-BE49-F238E27FC236}">
+                <a16:creationId xmlns:a16="http://schemas.microsoft.com/office/drawing/2014/main" id="{5AB3C75A-6A01-4C8C-A101-00DC90CB6BD7}"/>
+              </a:ext>
+            </a:extLst>
+          </p:cNvPr>
+          <p:cNvSpPr>
+            <a:spLocks noGrp="1"/>
+          </p:cNvSpPr>
+          <p:nvPr>
+            <p:ph type="body" sz="quarter" idx="11"/>
+          </p:nvPr>
+        </p:nvSpPr>
+        <p:spPr/>
+        <p:txBody>
+          <a:bodyPr/>
+          <a:lstStyle/>
+          <a:p>
+            <a:pPr marL="285750" indent="-285750">
+              <a:buFont typeface="Arial" panose="020B0604020202020204" pitchFamily="34" charset="0"/>
+              <a:buChar char="•"/>
+            </a:pPr>
+            <a:r>
+              <a:rPr lang="hr-HR" b="0" dirty="0"/>
+              <a:t>Svaki developer specijalizira se za pojedini dio koda</a:t>
+            </a:r>
+          </a:p>
+          <a:p>
+            <a:pPr marL="285750" indent="-285750">
+              <a:buFont typeface="Arial" panose="020B0604020202020204" pitchFamily="34" charset="0"/>
+              <a:buChar char="•"/>
+            </a:pPr>
+            <a:r>
+              <a:rPr lang="hr-HR" b="0" dirty="0"/>
+              <a:t>Testiranje provodi pojedini developer</a:t>
+            </a:r>
+          </a:p>
+          <a:p>
+            <a:pPr marL="285750" indent="-285750">
+              <a:buFont typeface="Arial" panose="020B0604020202020204" pitchFamily="34" charset="0"/>
+              <a:buChar char="•"/>
+            </a:pPr>
+            <a:r>
+              <a:rPr lang="hr-HR" b="0" dirty="0"/>
+              <a:t>Glavne odluke donosi cijela Apache grupa zajedno</a:t>
+            </a:r>
+          </a:p>
+          <a:p>
+            <a:pPr marL="285750" indent="-285750">
+              <a:buFont typeface="Arial" panose="020B0604020202020204" pitchFamily="34" charset="0"/>
+              <a:buChar char="•"/>
+            </a:pPr>
+            <a:r>
+              <a:rPr lang="hr-HR" b="0" dirty="0"/>
+              <a:t>Ulogu </a:t>
+            </a:r>
+            <a:r>
+              <a:rPr lang="hr-HR" b="0" dirty="0" err="1"/>
+              <a:t>release</a:t>
+            </a:r>
+            <a:r>
+              <a:rPr lang="hr-HR" b="0" dirty="0"/>
+              <a:t> manager-a preuzima jedan developer</a:t>
+            </a:r>
+          </a:p>
+        </p:txBody>
+      </p:sp>
+    </p:spTree>
+    <p:extLst>
+      <p:ext uri="{BB962C8B-B14F-4D97-AF65-F5344CB8AC3E}">
+        <p14:creationId xmlns:p14="http://schemas.microsoft.com/office/powerpoint/2010/main" val="1933268724"/>
+      </p:ext>
+    </p:extLst>
+  </p:cSld>
+  <p:clrMapOvr>
+    <a:masterClrMapping/>
+  </p:clrMapOvr>
+  <mc:AlternateContent xmlns:mc="http://schemas.openxmlformats.org/markup-compatibility/2006" xmlns:p14="http://schemas.microsoft.com/office/powerpoint/2010/main">
+    <mc:Choice Requires="p14">
+      <p:transition spd="med" p14:dur="700">
+        <p:fade/>
+      </p:transition>
+    </mc:Choice>
+    <mc:Fallback xmlns="">
+      <p:transition spd="med">
+        <p:fade/>
+      </p:transition>
+    </mc:Fallback>
+  </mc:AlternateContent>
+</p:sld>
+</file>
+
+<file path=ppt/slides/slide23.xml><?xml version="1.0" encoding="utf-8"?>
+<p:sld xmlns:a="http://schemas.openxmlformats.org/drawingml/2006/main" xmlns:r="http://schemas.openxmlformats.org/officeDocument/2006/relationships" xmlns:p="http://schemas.openxmlformats.org/presentationml/2006/main">
+  <p:cSld>
+    <p:spTree>
+      <p:nvGrpSpPr>
+        <p:cNvPr id="1" name=""/>
+        <p:cNvGrpSpPr/>
+        <p:nvPr/>
+      </p:nvGrpSpPr>
+      <p:grpSpPr>
+        <a:xfrm>
+          <a:off x="0" y="0"/>
+          <a:ext cx="0" cy="0"/>
+          <a:chOff x="0" y="0"/>
+          <a:chExt cx="0" cy="0"/>
+        </a:xfrm>
+      </p:grpSpPr>
+      <p:sp>
+        <p:nvSpPr>
+          <p:cNvPr id="2" name="Naslov 1">
+            <a:extLst>
+              <a:ext uri="{FF2B5EF4-FFF2-40B4-BE49-F238E27FC236}">
+                <a16:creationId xmlns:a16="http://schemas.microsoft.com/office/drawing/2014/main" id="{5C2EFF81-71DA-4270-AF75-C29F24346EB7}"/>
+              </a:ext>
+            </a:extLst>
+          </p:cNvPr>
+          <p:cNvSpPr>
+            <a:spLocks noGrp="1"/>
+          </p:cNvSpPr>
+          <p:nvPr>
+            <p:ph type="title"/>
+          </p:nvPr>
+        </p:nvSpPr>
+        <p:spPr>
+          <a:xfrm>
+            <a:off x="5199742" y="1017802"/>
+            <a:ext cx="6477000" cy="1189037"/>
+          </a:xfrm>
+        </p:spPr>
+        <p:txBody>
+          <a:bodyPr/>
+          <a:lstStyle/>
+          <a:p>
+            <a:r>
+              <a:rPr lang="hr-HR" dirty="0"/>
+              <a:t>Apache zajednica</a:t>
+            </a:r>
+          </a:p>
+        </p:txBody>
+      </p:sp>
+      <p:sp>
+        <p:nvSpPr>
+          <p:cNvPr id="3" name="Rezervirano mjesto teksta 2">
+            <a:extLst>
+              <a:ext uri="{FF2B5EF4-FFF2-40B4-BE49-F238E27FC236}">
+                <a16:creationId xmlns:a16="http://schemas.microsoft.com/office/drawing/2014/main" id="{8EE8274F-E12A-409E-A1F4-6162BE8A25C6}"/>
+              </a:ext>
+            </a:extLst>
+          </p:cNvPr>
+          <p:cNvSpPr>
+            <a:spLocks noGrp="1"/>
+          </p:cNvSpPr>
+          <p:nvPr>
+            <p:ph type="body" sz="quarter" idx="11"/>
+          </p:nvPr>
+        </p:nvSpPr>
+        <p:spPr>
+          <a:xfrm>
+            <a:off x="5138902" y="2473171"/>
+            <a:ext cx="6598680" cy="3276600"/>
+          </a:xfrm>
+        </p:spPr>
+        <p:txBody>
+          <a:bodyPr/>
+          <a:lstStyle/>
+          <a:p>
+            <a:pPr marL="285750" indent="-285750">
+              <a:buFont typeface="Arial" panose="020B0604020202020204" pitchFamily="34" charset="0"/>
+              <a:buChar char="•"/>
+            </a:pPr>
+            <a:r>
+              <a:rPr lang="hr-HR" b="0" dirty="0"/>
+              <a:t>U razvoju je sudjelovalo preko 400 volontera</a:t>
+            </a:r>
+          </a:p>
+          <a:p>
+            <a:pPr marL="285750" indent="-285750">
+              <a:buFont typeface="Arial" panose="020B0604020202020204" pitchFamily="34" charset="0"/>
+              <a:buChar char="•"/>
+            </a:pPr>
+            <a:r>
+              <a:rPr lang="hr-HR" b="0" dirty="0"/>
+              <a:t>Top 15 developera odgovorno je za 88% dodanih linija koda</a:t>
+            </a:r>
+          </a:p>
+          <a:p>
+            <a:pPr marL="285750" indent="-285750">
+              <a:buFont typeface="Arial" panose="020B0604020202020204" pitchFamily="34" charset="0"/>
+              <a:buChar char="•"/>
+            </a:pPr>
+            <a:r>
+              <a:rPr lang="hr-HR" b="0" dirty="0"/>
+              <a:t>Zajednica ima glavnu ulogu u sistem testiranju</a:t>
+            </a:r>
+          </a:p>
+          <a:p>
+            <a:pPr marL="285750" indent="-285750">
+              <a:buFont typeface="Arial" panose="020B0604020202020204" pitchFamily="34" charset="0"/>
+              <a:buChar char="•"/>
+            </a:pPr>
+            <a:r>
+              <a:rPr lang="hr-HR" b="0" dirty="0"/>
+              <a:t>15 najaktivnijih developera kreiralo je 66% rješenja za prijavljene probleme</a:t>
+            </a:r>
+          </a:p>
+        </p:txBody>
+      </p:sp>
+    </p:spTree>
+    <p:extLst>
+      <p:ext uri="{BB962C8B-B14F-4D97-AF65-F5344CB8AC3E}">
+        <p14:creationId xmlns:p14="http://schemas.microsoft.com/office/powerpoint/2010/main" val="2305866841"/>
+      </p:ext>
+    </p:extLst>
+  </p:cSld>
+  <p:clrMapOvr>
+    <a:masterClrMapping/>
+  </p:clrMapOvr>
+  <mc:AlternateContent xmlns:mc="http://schemas.openxmlformats.org/markup-compatibility/2006" xmlns:p14="http://schemas.microsoft.com/office/powerpoint/2010/main">
+    <mc:Choice Requires="p14">
+      <p:transition spd="med" p14:dur="700">
+        <p:fade/>
+      </p:transition>
+    </mc:Choice>
+    <mc:Fallback xmlns="">
+      <p:transition spd="med">
+        <p:fade/>
+      </p:transition>
+    </mc:Fallback>
+  </mc:AlternateContent>
+</p:sld>
+</file>
+
+<file path=ppt/slides/slide24.xml><?xml version="1.0" encoding="utf-8"?>
+<p:sld xmlns:a="http://schemas.openxmlformats.org/drawingml/2006/main" xmlns:r="http://schemas.openxmlformats.org/officeDocument/2006/relationships" xmlns:p="http://schemas.openxmlformats.org/presentationml/2006/main">
+  <p:cSld>
+    <p:spTree>
+      <p:nvGrpSpPr>
+        <p:cNvPr id="1" name=""/>
+        <p:cNvGrpSpPr/>
+        <p:nvPr/>
+      </p:nvGrpSpPr>
+      <p:grpSpPr>
+        <a:xfrm>
+          <a:off x="0" y="0"/>
+          <a:ext cx="0" cy="0"/>
+          <a:chOff x="0" y="0"/>
+          <a:chExt cx="0" cy="0"/>
+        </a:xfrm>
+      </p:grpSpPr>
+      <p:sp>
+        <p:nvSpPr>
+          <p:cNvPr id="2" name="Naslov 1">
+            <a:extLst>
+              <a:ext uri="{FF2B5EF4-FFF2-40B4-BE49-F238E27FC236}">
                 <a16:creationId xmlns:a16="http://schemas.microsoft.com/office/drawing/2014/main" id="{AA133F95-CD1B-480F-919F-7BC3B2056F75}"/>
               </a:ext>
             </a:extLst>
@@ -11956,7 +12597,7 @@
 </p:sld>
 </file>
 
-<file path=ppt/slides/slide21.xml><?xml version="1.0" encoding="utf-8"?>
+<file path=ppt/slides/slide25.xml><?xml version="1.0" encoding="utf-8"?>
 <p:sld xmlns:a="http://schemas.openxmlformats.org/drawingml/2006/main" xmlns:r="http://schemas.openxmlformats.org/officeDocument/2006/relationships" xmlns:p="http://schemas.openxmlformats.org/presentationml/2006/main">
   <p:cSld>
     <p:spTree>
@@ -12079,7 +12720,7 @@
 </p:sld>
 </file>
 
-<file path=ppt/slides/slide22.xml><?xml version="1.0" encoding="utf-8"?>
+<file path=ppt/slides/slide26.xml><?xml version="1.0" encoding="utf-8"?>
 <p:sld xmlns:a="http://schemas.openxmlformats.org/drawingml/2006/main" xmlns:r="http://schemas.openxmlformats.org/officeDocument/2006/relationships" xmlns:p="http://schemas.openxmlformats.org/presentationml/2006/main">
   <p:cSld>
     <p:spTree>
@@ -12197,7 +12838,7 @@
 </p:sld>
 </file>
 
-<file path=ppt/slides/slide23.xml><?xml version="1.0" encoding="utf-8"?>
+<file path=ppt/slides/slide27.xml><?xml version="1.0" encoding="utf-8"?>
 <p:sld xmlns:a="http://schemas.openxmlformats.org/drawingml/2006/main" xmlns:r="http://schemas.openxmlformats.org/officeDocument/2006/relationships" xmlns:p="http://schemas.openxmlformats.org/presentationml/2006/main">
   <p:cSld>
     <p:spTree>
@@ -12351,6 +12992,553 @@
       </p:grpSpPr>
       <p:sp>
         <p:nvSpPr>
+          <p:cNvPr id="2" name="Title 1">
+            <a:extLst>
+              <a:ext uri="{FF2B5EF4-FFF2-40B4-BE49-F238E27FC236}">
+                <a16:creationId xmlns:a16="http://schemas.microsoft.com/office/drawing/2014/main" id="{1556E437-4B59-43FC-88EB-ED551D8FE421}"/>
+              </a:ext>
+            </a:extLst>
+          </p:cNvPr>
+          <p:cNvSpPr>
+            <a:spLocks noGrp="1"/>
+          </p:cNvSpPr>
+          <p:nvPr>
+            <p:ph type="title"/>
+          </p:nvPr>
+        </p:nvSpPr>
+        <p:spPr/>
+        <p:txBody>
+          <a:bodyPr/>
+          <a:lstStyle/>
+          <a:p>
+            <a:r>
+              <a:rPr lang="hr-HR" dirty="0"/>
+              <a:t>Open source </a:t>
+            </a:r>
+          </a:p>
+        </p:txBody>
+      </p:sp>
+      <p:sp>
+        <p:nvSpPr>
+          <p:cNvPr id="3" name="Text Placeholder 2">
+            <a:extLst>
+              <a:ext uri="{FF2B5EF4-FFF2-40B4-BE49-F238E27FC236}">
+                <a16:creationId xmlns:a16="http://schemas.microsoft.com/office/drawing/2014/main" id="{8E98801D-8F67-4FB9-B59E-AD6BF6A6CC70}"/>
+              </a:ext>
+            </a:extLst>
+          </p:cNvPr>
+          <p:cNvSpPr>
+            <a:spLocks noGrp="1"/>
+          </p:cNvSpPr>
+          <p:nvPr>
+            <p:ph type="body" sz="quarter" idx="11"/>
+          </p:nvPr>
+        </p:nvSpPr>
+        <p:spPr/>
+        <p:txBody>
+          <a:bodyPr/>
+          <a:lstStyle/>
+          <a:p>
+            <a:pPr marL="285750" indent="-285750">
+              <a:buFont typeface="Arial" panose="020B0604020202020204" pitchFamily="34" charset="0"/>
+              <a:buChar char="•"/>
+            </a:pPr>
+            <a:r>
+              <a:rPr lang="hr-HR" dirty="0"/>
+              <a:t>Softver potpunog pristupa</a:t>
+            </a:r>
+          </a:p>
+          <a:p>
+            <a:pPr marL="285750" indent="-285750">
+              <a:buFont typeface="Arial" panose="020B0604020202020204" pitchFamily="34" charset="0"/>
+              <a:buChar char="•"/>
+            </a:pPr>
+            <a:r>
+              <a:rPr lang="hr-HR" dirty="0"/>
+              <a:t>Svi dijelovi projekata javno dostupni</a:t>
+            </a:r>
+          </a:p>
+          <a:p>
+            <a:pPr marL="285750" indent="-285750">
+              <a:buFont typeface="Arial" panose="020B0604020202020204" pitchFamily="34" charset="0"/>
+              <a:buChar char="•"/>
+            </a:pPr>
+            <a:r>
+              <a:rPr lang="hr-HR" dirty="0"/>
+              <a:t>OS licence dominiraju tržištem</a:t>
+            </a:r>
+          </a:p>
+          <a:p>
+            <a:pPr marL="285750" indent="-285750">
+              <a:buFont typeface="Arial" panose="020B0604020202020204" pitchFamily="34" charset="0"/>
+              <a:buChar char="•"/>
+            </a:pPr>
+            <a:endParaRPr lang="hr-HR" dirty="0"/>
+          </a:p>
+        </p:txBody>
+      </p:sp>
+    </p:spTree>
+    <p:extLst>
+      <p:ext uri="{BB962C8B-B14F-4D97-AF65-F5344CB8AC3E}">
+        <p14:creationId xmlns:p14="http://schemas.microsoft.com/office/powerpoint/2010/main" val="1602608492"/>
+      </p:ext>
+    </p:extLst>
+  </p:cSld>
+  <p:clrMapOvr>
+    <a:masterClrMapping/>
+  </p:clrMapOvr>
+  <mc:AlternateContent xmlns:mc="http://schemas.openxmlformats.org/markup-compatibility/2006">
+    <mc:Choice xmlns:p14="http://schemas.microsoft.com/office/powerpoint/2010/main" Requires="p14">
+      <p:transition spd="med" p14:dur="700">
+        <p:fade/>
+      </p:transition>
+    </mc:Choice>
+    <mc:Fallback>
+      <p:transition spd="med">
+        <p:fade/>
+      </p:transition>
+    </mc:Fallback>
+  </mc:AlternateContent>
+</p:sld>
+</file>
+
+<file path=ppt/slides/slide4.xml><?xml version="1.0" encoding="utf-8"?>
+<p:sld xmlns:a="http://schemas.openxmlformats.org/drawingml/2006/main" xmlns:r="http://schemas.openxmlformats.org/officeDocument/2006/relationships" xmlns:p="http://schemas.openxmlformats.org/presentationml/2006/main">
+  <p:cSld>
+    <p:spTree>
+      <p:nvGrpSpPr>
+        <p:cNvPr id="1" name=""/>
+        <p:cNvGrpSpPr/>
+        <p:nvPr/>
+      </p:nvGrpSpPr>
+      <p:grpSpPr>
+        <a:xfrm>
+          <a:off x="0" y="0"/>
+          <a:ext cx="0" cy="0"/>
+          <a:chOff x="0" y="0"/>
+          <a:chExt cx="0" cy="0"/>
+        </a:xfrm>
+      </p:grpSpPr>
+      <p:sp>
+        <p:nvSpPr>
+          <p:cNvPr id="2" name="Title 1">
+            <a:extLst>
+              <a:ext uri="{FF2B5EF4-FFF2-40B4-BE49-F238E27FC236}">
+                <a16:creationId xmlns:a16="http://schemas.microsoft.com/office/drawing/2014/main" id="{C7768BD7-2B30-4C5D-99AC-112B4A577046}"/>
+              </a:ext>
+            </a:extLst>
+          </p:cNvPr>
+          <p:cNvSpPr>
+            <a:spLocks noGrp="1"/>
+          </p:cNvSpPr>
+          <p:nvPr>
+            <p:ph type="title"/>
+          </p:nvPr>
+        </p:nvSpPr>
+        <p:spPr/>
+        <p:txBody>
+          <a:bodyPr/>
+          <a:lstStyle/>
+          <a:p>
+            <a:r>
+              <a:rPr lang="hr-HR" dirty="0">
+                <a:solidFill>
+                  <a:schemeClr val="accent3">
+                    <a:lumMod val="75000"/>
+                  </a:schemeClr>
+                </a:solidFill>
+              </a:rPr>
+              <a:t>Općenito o OS-u</a:t>
+            </a:r>
+          </a:p>
+        </p:txBody>
+      </p:sp>
+      <p:sp>
+        <p:nvSpPr>
+          <p:cNvPr id="3" name="Text Placeholder 2">
+            <a:extLst>
+              <a:ext uri="{FF2B5EF4-FFF2-40B4-BE49-F238E27FC236}">
+                <a16:creationId xmlns:a16="http://schemas.microsoft.com/office/drawing/2014/main" id="{F7C9384C-2540-480C-A33C-8D69E1DC9884}"/>
+              </a:ext>
+            </a:extLst>
+          </p:cNvPr>
+          <p:cNvSpPr>
+            <a:spLocks noGrp="1"/>
+          </p:cNvSpPr>
+          <p:nvPr>
+            <p:ph type="body" sz="quarter" idx="11"/>
+          </p:nvPr>
+        </p:nvSpPr>
+        <p:spPr/>
+        <p:txBody>
+          <a:bodyPr/>
+          <a:lstStyle/>
+          <a:p>
+            <a:pPr marL="285750" indent="-285750">
+              <a:buFont typeface="Arial" panose="020B0604020202020204" pitchFamily="34" charset="0"/>
+              <a:buChar char="•"/>
+            </a:pPr>
+            <a:r>
+              <a:rPr lang="hr-HR" b="0" dirty="0"/>
+              <a:t>Softver koji mogu svi vidjeti i izmjenjivati</a:t>
+            </a:r>
+          </a:p>
+          <a:p>
+            <a:pPr marL="285750" indent="-285750">
+              <a:buFont typeface="Arial" panose="020B0604020202020204" pitchFamily="34" charset="0"/>
+              <a:buChar char="•"/>
+            </a:pPr>
+            <a:r>
+              <a:rPr lang="hr-HR" b="0" dirty="0"/>
+              <a:t>Bazira se na suradnji i dijeljenju kodova </a:t>
+            </a:r>
+          </a:p>
+          <a:p>
+            <a:pPr marL="285750" indent="-285750">
+              <a:buFont typeface="Arial" panose="020B0604020202020204" pitchFamily="34" charset="0"/>
+              <a:buChar char="•"/>
+            </a:pPr>
+            <a:r>
+              <a:rPr lang="hr-HR" b="0" dirty="0"/>
+              <a:t>Svaka verzija modificiranog koda treba imati istu slobodu pristupa kao i izvorni kod </a:t>
+            </a:r>
+          </a:p>
+          <a:p>
+            <a:pPr marL="285750" indent="-285750">
+              <a:buFont typeface="Arial" panose="020B0604020202020204" pitchFamily="34" charset="0"/>
+              <a:buChar char="•"/>
+            </a:pPr>
+            <a:endParaRPr lang="hr-HR" b="0" dirty="0"/>
+          </a:p>
+        </p:txBody>
+      </p:sp>
+    </p:spTree>
+    <p:extLst>
+      <p:ext uri="{BB962C8B-B14F-4D97-AF65-F5344CB8AC3E}">
+        <p14:creationId xmlns:p14="http://schemas.microsoft.com/office/powerpoint/2010/main" val="2161471198"/>
+      </p:ext>
+    </p:extLst>
+  </p:cSld>
+  <p:clrMapOvr>
+    <a:masterClrMapping/>
+  </p:clrMapOvr>
+  <mc:AlternateContent xmlns:mc="http://schemas.openxmlformats.org/markup-compatibility/2006">
+    <mc:Choice xmlns:p14="http://schemas.microsoft.com/office/powerpoint/2010/main" Requires="p14">
+      <p:transition spd="med" p14:dur="700">
+        <p:fade/>
+      </p:transition>
+    </mc:Choice>
+    <mc:Fallback>
+      <p:transition spd="med">
+        <p:fade/>
+      </p:transition>
+    </mc:Fallback>
+  </mc:AlternateContent>
+</p:sld>
+</file>
+
+<file path=ppt/slides/slide5.xml><?xml version="1.0" encoding="utf-8"?>
+<p:sld xmlns:a="http://schemas.openxmlformats.org/drawingml/2006/main" xmlns:r="http://schemas.openxmlformats.org/officeDocument/2006/relationships" xmlns:p="http://schemas.openxmlformats.org/presentationml/2006/main">
+  <p:cSld>
+    <p:spTree>
+      <p:nvGrpSpPr>
+        <p:cNvPr id="1" name=""/>
+        <p:cNvGrpSpPr/>
+        <p:nvPr/>
+      </p:nvGrpSpPr>
+      <p:grpSpPr>
+        <a:xfrm>
+          <a:off x="0" y="0"/>
+          <a:ext cx="0" cy="0"/>
+          <a:chOff x="0" y="0"/>
+          <a:chExt cx="0" cy="0"/>
+        </a:xfrm>
+      </p:grpSpPr>
+      <p:sp>
+        <p:nvSpPr>
+          <p:cNvPr id="2" name="Title 1">
+            <a:extLst>
+              <a:ext uri="{FF2B5EF4-FFF2-40B4-BE49-F238E27FC236}">
+                <a16:creationId xmlns:a16="http://schemas.microsoft.com/office/drawing/2014/main" id="{05899C7C-5F47-461F-8D75-3BE580E8CDC0}"/>
+              </a:ext>
+            </a:extLst>
+          </p:cNvPr>
+          <p:cNvSpPr>
+            <a:spLocks noGrp="1"/>
+          </p:cNvSpPr>
+          <p:nvPr>
+            <p:ph type="title"/>
+          </p:nvPr>
+        </p:nvSpPr>
+        <p:spPr/>
+        <p:txBody>
+          <a:bodyPr/>
+          <a:lstStyle/>
+          <a:p>
+            <a:r>
+              <a:rPr lang="hr-HR" dirty="0">
+                <a:solidFill>
+                  <a:schemeClr val="accent3">
+                    <a:lumMod val="75000"/>
+                  </a:schemeClr>
+                </a:solidFill>
+              </a:rPr>
+              <a:t>Open source zajednice</a:t>
+            </a:r>
+          </a:p>
+        </p:txBody>
+      </p:sp>
+      <p:sp>
+        <p:nvSpPr>
+          <p:cNvPr id="3" name="Text Placeholder 2">
+            <a:extLst>
+              <a:ext uri="{FF2B5EF4-FFF2-40B4-BE49-F238E27FC236}">
+                <a16:creationId xmlns:a16="http://schemas.microsoft.com/office/drawing/2014/main" id="{7BB07E56-CF88-4316-B726-E61BC0CE00CD}"/>
+              </a:ext>
+            </a:extLst>
+          </p:cNvPr>
+          <p:cNvSpPr>
+            <a:spLocks noGrp="1"/>
+          </p:cNvSpPr>
+          <p:nvPr>
+            <p:ph type="body" sz="quarter" idx="11"/>
+          </p:nvPr>
+        </p:nvSpPr>
+        <p:spPr/>
+        <p:txBody>
+          <a:bodyPr/>
+          <a:lstStyle/>
+          <a:p>
+            <a:pPr marL="285750" indent="-285750">
+              <a:buFont typeface="Arial" panose="020B0604020202020204" pitchFamily="34" charset="0"/>
+              <a:buChar char="•"/>
+            </a:pPr>
+            <a:r>
+              <a:rPr lang="hr-HR" b="0" dirty="0"/>
+              <a:t>Kolekcije pridonositelja projektima</a:t>
+            </a:r>
+          </a:p>
+          <a:p>
+            <a:pPr marL="285750" indent="-285750">
+              <a:buFont typeface="Arial" panose="020B0604020202020204" pitchFamily="34" charset="0"/>
+              <a:buChar char="•"/>
+            </a:pPr>
+            <a:r>
+              <a:rPr lang="hr-HR" b="0" dirty="0"/>
+              <a:t>Služe spajanju ljudi sa sličnim interesima</a:t>
+            </a:r>
+          </a:p>
+          <a:p>
+            <a:pPr marL="285750" indent="-285750">
+              <a:buFont typeface="Arial" panose="020B0604020202020204" pitchFamily="34" charset="0"/>
+              <a:buChar char="•"/>
+            </a:pPr>
+            <a:r>
+              <a:rPr lang="hr-HR" b="0" dirty="0"/>
+              <a:t>Open source platforme </a:t>
+            </a:r>
+          </a:p>
+          <a:p>
+            <a:pPr marL="285750" indent="-285750">
+              <a:buFont typeface="Arial" panose="020B0604020202020204" pitchFamily="34" charset="0"/>
+              <a:buChar char="•"/>
+            </a:pPr>
+            <a:r>
+              <a:rPr lang="hr-HR" b="0" dirty="0"/>
+              <a:t>Organizacije u open sourceu</a:t>
+            </a:r>
+          </a:p>
+          <a:p>
+            <a:pPr marL="285750" indent="-285750">
+              <a:buFont typeface="Arial" panose="020B0604020202020204" pitchFamily="34" charset="0"/>
+              <a:buChar char="•"/>
+            </a:pPr>
+            <a:endParaRPr lang="hr-HR" b="0" dirty="0"/>
+          </a:p>
+        </p:txBody>
+      </p:sp>
+    </p:spTree>
+    <p:extLst>
+      <p:ext uri="{BB962C8B-B14F-4D97-AF65-F5344CB8AC3E}">
+        <p14:creationId xmlns:p14="http://schemas.microsoft.com/office/powerpoint/2010/main" val="1624880287"/>
+      </p:ext>
+    </p:extLst>
+  </p:cSld>
+  <p:clrMapOvr>
+    <a:masterClrMapping/>
+  </p:clrMapOvr>
+  <mc:AlternateContent xmlns:mc="http://schemas.openxmlformats.org/markup-compatibility/2006">
+    <mc:Choice xmlns:p14="http://schemas.microsoft.com/office/powerpoint/2010/main" Requires="p14">
+      <p:transition spd="med" p14:dur="700">
+        <p:fade/>
+      </p:transition>
+    </mc:Choice>
+    <mc:Fallback>
+      <p:transition spd="med">
+        <p:fade/>
+      </p:transition>
+    </mc:Fallback>
+  </mc:AlternateContent>
+</p:sld>
+</file>
+
+<file path=ppt/slides/slide6.xml><?xml version="1.0" encoding="utf-8"?>
+<p:sld xmlns:a="http://schemas.openxmlformats.org/drawingml/2006/main" xmlns:r="http://schemas.openxmlformats.org/officeDocument/2006/relationships" xmlns:p="http://schemas.openxmlformats.org/presentationml/2006/main">
+  <p:cSld>
+    <p:spTree>
+      <p:nvGrpSpPr>
+        <p:cNvPr id="1" name=""/>
+        <p:cNvGrpSpPr/>
+        <p:nvPr/>
+      </p:nvGrpSpPr>
+      <p:grpSpPr>
+        <a:xfrm>
+          <a:off x="0" y="0"/>
+          <a:ext cx="0" cy="0"/>
+          <a:chOff x="0" y="0"/>
+          <a:chExt cx="0" cy="0"/>
+        </a:xfrm>
+      </p:grpSpPr>
+      <p:sp>
+        <p:nvSpPr>
+          <p:cNvPr id="2" name="Title 1">
+            <a:extLst>
+              <a:ext uri="{FF2B5EF4-FFF2-40B4-BE49-F238E27FC236}">
+                <a16:creationId xmlns:a16="http://schemas.microsoft.com/office/drawing/2014/main" id="{75B43F84-832F-4358-B553-67D9B0FA4BEB}"/>
+              </a:ext>
+            </a:extLst>
+          </p:cNvPr>
+          <p:cNvSpPr>
+            <a:spLocks noGrp="1"/>
+          </p:cNvSpPr>
+          <p:nvPr>
+            <p:ph type="title"/>
+          </p:nvPr>
+        </p:nvSpPr>
+        <p:spPr/>
+        <p:txBody>
+          <a:bodyPr/>
+          <a:lstStyle/>
+          <a:p>
+            <a:r>
+              <a:rPr lang="hr-HR" dirty="0">
+                <a:solidFill>
+                  <a:schemeClr val="accent3">
+                    <a:lumMod val="75000"/>
+                  </a:schemeClr>
+                </a:solidFill>
+              </a:rPr>
+              <a:t>Značajnost open sourcea</a:t>
+            </a:r>
+          </a:p>
+        </p:txBody>
+      </p:sp>
+      <p:sp>
+        <p:nvSpPr>
+          <p:cNvPr id="3" name="Text Placeholder 2">
+            <a:extLst>
+              <a:ext uri="{FF2B5EF4-FFF2-40B4-BE49-F238E27FC236}">
+                <a16:creationId xmlns:a16="http://schemas.microsoft.com/office/drawing/2014/main" id="{51A87BC2-E9D7-48AE-B79B-164576757236}"/>
+              </a:ext>
+            </a:extLst>
+          </p:cNvPr>
+          <p:cNvSpPr>
+            <a:spLocks noGrp="1"/>
+          </p:cNvSpPr>
+          <p:nvPr>
+            <p:ph type="body" sz="quarter" idx="11"/>
+          </p:nvPr>
+        </p:nvSpPr>
+        <p:spPr/>
+        <p:txBody>
+          <a:bodyPr/>
+          <a:lstStyle/>
+          <a:p>
+            <a:pPr marL="285750" indent="-285750">
+              <a:buFont typeface="Arial" panose="020B0604020202020204" pitchFamily="34" charset="0"/>
+              <a:buChar char="•"/>
+            </a:pPr>
+            <a:r>
+              <a:rPr lang="hr-HR" b="0" dirty="0"/>
+              <a:t>Istraživanja pokazuju porast open sourcea u tvrtkama</a:t>
+            </a:r>
+          </a:p>
+          <a:p>
+            <a:pPr marL="285750" indent="-285750">
+              <a:buFont typeface="Arial" panose="020B0604020202020204" pitchFamily="34" charset="0"/>
+              <a:buChar char="•"/>
+            </a:pPr>
+            <a:r>
+              <a:rPr lang="hr-HR" b="0" dirty="0"/>
+              <a:t>Red Hat istraživanje ukazuje na porast</a:t>
+            </a:r>
+          </a:p>
+          <a:p>
+            <a:pPr marL="285750" indent="-285750">
+              <a:buFont typeface="Arial" panose="020B0604020202020204" pitchFamily="34" charset="0"/>
+              <a:buChar char="•"/>
+            </a:pPr>
+            <a:r>
+              <a:rPr lang="hr-HR" b="0" dirty="0"/>
+              <a:t>Većina proizvoda koje danas koristimo sadrži OSS</a:t>
+            </a:r>
+          </a:p>
+          <a:p>
+            <a:pPr marL="285750" indent="-285750">
+              <a:buFont typeface="Arial" panose="020B0604020202020204" pitchFamily="34" charset="0"/>
+              <a:buChar char="•"/>
+            </a:pPr>
+            <a:r>
+              <a:rPr lang="hr-HR" b="0" dirty="0"/>
+              <a:t>Nedostatci su rijetki, dok su prednosti mnoge</a:t>
+            </a:r>
+          </a:p>
+        </p:txBody>
+      </p:sp>
+    </p:spTree>
+    <p:extLst>
+      <p:ext uri="{BB962C8B-B14F-4D97-AF65-F5344CB8AC3E}">
+        <p14:creationId xmlns:p14="http://schemas.microsoft.com/office/powerpoint/2010/main" val="4217608538"/>
+      </p:ext>
+    </p:extLst>
+  </p:cSld>
+  <p:clrMapOvr>
+    <a:masterClrMapping/>
+  </p:clrMapOvr>
+  <mc:AlternateContent xmlns:mc="http://schemas.openxmlformats.org/markup-compatibility/2006">
+    <mc:Choice xmlns:p14="http://schemas.microsoft.com/office/powerpoint/2010/main" Requires="p14">
+      <p:transition spd="med" p14:dur="700">
+        <p:fade/>
+      </p:transition>
+    </mc:Choice>
+    <mc:Fallback>
+      <p:transition spd="med">
+        <p:fade/>
+      </p:transition>
+    </mc:Fallback>
+  </mc:AlternateContent>
+</p:sld>
+</file>
+
+<file path=ppt/slides/slide7.xml><?xml version="1.0" encoding="utf-8"?>
+<p:sld xmlns:a="http://schemas.openxmlformats.org/drawingml/2006/main" xmlns:r="http://schemas.openxmlformats.org/officeDocument/2006/relationships" xmlns:p="http://schemas.openxmlformats.org/presentationml/2006/main">
+  <p:cSld>
+    <p:spTree>
+      <p:nvGrpSpPr>
+        <p:cNvPr id="1" name=""/>
+        <p:cNvGrpSpPr/>
+        <p:nvPr/>
+      </p:nvGrpSpPr>
+      <p:grpSpPr>
+        <a:xfrm>
+          <a:off x="0" y="0"/>
+          <a:ext cx="0" cy="0"/>
+          <a:chOff x="0" y="0"/>
+          <a:chExt cx="0" cy="0"/>
+        </a:xfrm>
+      </p:grpSpPr>
+      <p:sp>
+        <p:nvSpPr>
           <p:cNvPr id="5" name="Title 4">
             <a:extLst>
               <a:ext uri="{FF2B5EF4-FFF2-40B4-BE49-F238E27FC236}">
@@ -12515,7 +13703,7 @@
 </p:sld>
 </file>
 
-<file path=ppt/slides/slide4.xml><?xml version="1.0" encoding="utf-8"?>
+<file path=ppt/slides/slide8.xml><?xml version="1.0" encoding="utf-8"?>
 <p:sld xmlns:a="http://schemas.openxmlformats.org/drawingml/2006/main" xmlns:r="http://schemas.openxmlformats.org/officeDocument/2006/relationships" xmlns:p="http://schemas.openxmlformats.org/presentationml/2006/main">
   <p:cSld>
     <p:spTree>
@@ -12685,7 +13873,7 @@
 </p:sld>
 </file>
 
-<file path=ppt/slides/slide5.xml><?xml version="1.0" encoding="utf-8"?>
+<file path=ppt/slides/slide9.xml><?xml version="1.0" encoding="utf-8"?>
 <p:sld xmlns:a="http://schemas.openxmlformats.org/drawingml/2006/main" xmlns:r="http://schemas.openxmlformats.org/officeDocument/2006/relationships" xmlns:p="http://schemas.openxmlformats.org/presentationml/2006/main">
   <p:cSld>
     <p:spTree>
@@ -12807,643 +13995,6 @@
     <p:extLst>
       <p:ext uri="{BB962C8B-B14F-4D97-AF65-F5344CB8AC3E}">
         <p14:creationId xmlns:p14="http://schemas.microsoft.com/office/powerpoint/2010/main" val="4093969661"/>
-      </p:ext>
-    </p:extLst>
-  </p:cSld>
-  <p:clrMapOvr>
-    <a:masterClrMapping/>
-  </p:clrMapOvr>
-  <mc:AlternateContent xmlns:mc="http://schemas.openxmlformats.org/markup-compatibility/2006" xmlns:p14="http://schemas.microsoft.com/office/powerpoint/2010/main">
-    <mc:Choice Requires="p14">
-      <p:transition spd="med" p14:dur="700">
-        <p:fade/>
-      </p:transition>
-    </mc:Choice>
-    <mc:Fallback xmlns="">
-      <p:transition spd="med">
-        <p:fade/>
-      </p:transition>
-    </mc:Fallback>
-  </mc:AlternateContent>
-</p:sld>
-</file>
-
-<file path=ppt/slides/slide6.xml><?xml version="1.0" encoding="utf-8"?>
-<p:sld xmlns:a="http://schemas.openxmlformats.org/drawingml/2006/main" xmlns:r="http://schemas.openxmlformats.org/officeDocument/2006/relationships" xmlns:p="http://schemas.openxmlformats.org/presentationml/2006/main">
-  <p:cSld>
-    <p:spTree>
-      <p:nvGrpSpPr>
-        <p:cNvPr id="1" name=""/>
-        <p:cNvGrpSpPr/>
-        <p:nvPr/>
-      </p:nvGrpSpPr>
-      <p:grpSpPr>
-        <a:xfrm>
-          <a:off x="0" y="0"/>
-          <a:ext cx="0" cy="0"/>
-          <a:chOff x="0" y="0"/>
-          <a:chExt cx="0" cy="0"/>
-        </a:xfrm>
-      </p:grpSpPr>
-      <p:sp>
-        <p:nvSpPr>
-          <p:cNvPr id="2" name="Title 1">
-            <a:extLst>
-              <a:ext uri="{FF2B5EF4-FFF2-40B4-BE49-F238E27FC236}">
-                <a16:creationId xmlns:a16="http://schemas.microsoft.com/office/drawing/2014/main" id="{8636D20F-D3AB-42E1-938C-096C201C810D}"/>
-              </a:ext>
-            </a:extLst>
-          </p:cNvPr>
-          <p:cNvSpPr>
-            <a:spLocks noGrp="1"/>
-          </p:cNvSpPr>
-          <p:nvPr>
-            <p:ph type="title"/>
-          </p:nvPr>
-        </p:nvSpPr>
-        <p:spPr/>
-        <p:txBody>
-          <a:bodyPr/>
-          <a:lstStyle/>
-          <a:p>
-            <a:r>
-              <a:rPr lang="hr-HR" dirty="0"/>
-              <a:t>Linux zajednica</a:t>
-            </a:r>
-          </a:p>
-        </p:txBody>
-      </p:sp>
-      <p:sp>
-        <p:nvSpPr>
-          <p:cNvPr id="3" name="Text Placeholder 2">
-            <a:extLst>
-              <a:ext uri="{FF2B5EF4-FFF2-40B4-BE49-F238E27FC236}">
-                <a16:creationId xmlns:a16="http://schemas.microsoft.com/office/drawing/2014/main" id="{A6950357-2408-4CA6-B920-DC83783FAF61}"/>
-              </a:ext>
-            </a:extLst>
-          </p:cNvPr>
-          <p:cNvSpPr>
-            <a:spLocks noGrp="1"/>
-          </p:cNvSpPr>
-          <p:nvPr>
-            <p:ph type="body" sz="quarter" idx="11"/>
-          </p:nvPr>
-        </p:nvSpPr>
-        <p:spPr/>
-        <p:txBody>
-          <a:bodyPr/>
-          <a:lstStyle/>
-          <a:p>
-            <a:pPr marL="285750" indent="-285750">
-              <a:buFont typeface="Arial" panose="020B0604020202020204" pitchFamily="34" charset="0"/>
-              <a:buChar char="•"/>
-            </a:pPr>
-            <a:r>
-              <a:rPr lang="hr-HR" b="0" dirty="0"/>
-              <a:t>Najveći doprinos razvoju Linuxa od strane njegove zajednice</a:t>
-            </a:r>
-          </a:p>
-          <a:p>
-            <a:pPr marL="285750" indent="-285750">
-              <a:buFont typeface="Arial" panose="020B0604020202020204" pitchFamily="34" charset="0"/>
-              <a:buChar char="•"/>
-            </a:pPr>
-            <a:r>
-              <a:rPr lang="hr-HR" b="0" dirty="0"/>
-              <a:t>Tvrtke koje se bave razvojem Linuxa: </a:t>
-            </a:r>
-            <a:r>
-              <a:rPr lang="hr-HR" b="0" dirty="0" err="1"/>
-              <a:t>Redhat</a:t>
-            </a:r>
-            <a:r>
-              <a:rPr lang="hr-HR" b="0" dirty="0"/>
-              <a:t>, </a:t>
-            </a:r>
-            <a:r>
-              <a:rPr lang="hr-HR" b="0" dirty="0" err="1"/>
-              <a:t>Canonical</a:t>
-            </a:r>
-            <a:r>
-              <a:rPr lang="hr-HR" b="0" dirty="0"/>
-              <a:t>, </a:t>
-            </a:r>
-            <a:r>
-              <a:rPr lang="hr-HR" b="0" dirty="0" err="1"/>
-              <a:t>Slackware</a:t>
-            </a:r>
-            <a:r>
-              <a:rPr lang="hr-HR" b="0" dirty="0"/>
-              <a:t>…</a:t>
-            </a:r>
-          </a:p>
-          <a:p>
-            <a:pPr marL="285750" indent="-285750">
-              <a:buFont typeface="Arial" panose="020B0604020202020204" pitchFamily="34" charset="0"/>
-              <a:buChar char="•"/>
-            </a:pPr>
-            <a:r>
-              <a:rPr lang="hr-HR" b="0" dirty="0"/>
-              <a:t>Neke od distribucija: Ubuntu, </a:t>
-            </a:r>
-            <a:r>
-              <a:rPr lang="hr-HR" b="0" dirty="0" err="1"/>
-              <a:t>Manjaro</a:t>
-            </a:r>
-            <a:r>
-              <a:rPr lang="hr-HR" b="0" dirty="0"/>
-              <a:t>, </a:t>
-            </a:r>
-            <a:r>
-              <a:rPr lang="hr-HR" b="0" dirty="0" err="1"/>
-              <a:t>Debian</a:t>
-            </a:r>
-            <a:r>
-              <a:rPr lang="hr-HR" b="0" dirty="0"/>
-              <a:t>, Fedora…</a:t>
-            </a:r>
-          </a:p>
-          <a:p>
-            <a:pPr marL="285750" indent="-285750">
-              <a:buFont typeface="Arial" panose="020B0604020202020204" pitchFamily="34" charset="0"/>
-              <a:buChar char="•"/>
-            </a:pPr>
-            <a:endParaRPr lang="hr-HR" b="0" dirty="0"/>
-          </a:p>
-          <a:p>
-            <a:pPr marL="285750" indent="-285750">
-              <a:buFont typeface="Arial" panose="020B0604020202020204" pitchFamily="34" charset="0"/>
-              <a:buChar char="•"/>
-            </a:pPr>
-            <a:endParaRPr lang="hr-HR" b="0" dirty="0"/>
-          </a:p>
-        </p:txBody>
-      </p:sp>
-    </p:spTree>
-    <p:extLst>
-      <p:ext uri="{BB962C8B-B14F-4D97-AF65-F5344CB8AC3E}">
-        <p14:creationId xmlns:p14="http://schemas.microsoft.com/office/powerpoint/2010/main" val="2947031392"/>
-      </p:ext>
-    </p:extLst>
-  </p:cSld>
-  <p:clrMapOvr>
-    <a:masterClrMapping/>
-  </p:clrMapOvr>
-  <mc:AlternateContent xmlns:mc="http://schemas.openxmlformats.org/markup-compatibility/2006" xmlns:p14="http://schemas.microsoft.com/office/powerpoint/2010/main">
-    <mc:Choice Requires="p14">
-      <p:transition spd="med" p14:dur="700">
-        <p:fade/>
-      </p:transition>
-    </mc:Choice>
-    <mc:Fallback xmlns="">
-      <p:transition spd="med">
-        <p:fade/>
-      </p:transition>
-    </mc:Fallback>
-  </mc:AlternateContent>
-</p:sld>
-</file>
-
-<file path=ppt/slides/slide7.xml><?xml version="1.0" encoding="utf-8"?>
-<p:sld xmlns:a="http://schemas.openxmlformats.org/drawingml/2006/main" xmlns:r="http://schemas.openxmlformats.org/officeDocument/2006/relationships" xmlns:p="http://schemas.openxmlformats.org/presentationml/2006/main">
-  <p:cSld>
-    <p:spTree>
-      <p:nvGrpSpPr>
-        <p:cNvPr id="1" name=""/>
-        <p:cNvGrpSpPr/>
-        <p:nvPr/>
-      </p:nvGrpSpPr>
-      <p:grpSpPr>
-        <a:xfrm>
-          <a:off x="0" y="0"/>
-          <a:ext cx="0" cy="0"/>
-          <a:chOff x="0" y="0"/>
-          <a:chExt cx="0" cy="0"/>
-        </a:xfrm>
-      </p:grpSpPr>
-      <p:sp>
-        <p:nvSpPr>
-          <p:cNvPr id="2" name="Title 1">
-            <a:extLst>
-              <a:ext uri="{FF2B5EF4-FFF2-40B4-BE49-F238E27FC236}">
-                <a16:creationId xmlns:a16="http://schemas.microsoft.com/office/drawing/2014/main" id="{C5BE30B8-90FF-4074-BFD6-E1B1E50D12B2}"/>
-              </a:ext>
-            </a:extLst>
-          </p:cNvPr>
-          <p:cNvSpPr>
-            <a:spLocks noGrp="1"/>
-          </p:cNvSpPr>
-          <p:nvPr>
-            <p:ph type="title"/>
-          </p:nvPr>
-        </p:nvSpPr>
-        <p:spPr/>
-        <p:txBody>
-          <a:bodyPr/>
-          <a:lstStyle/>
-          <a:p>
-            <a:r>
-              <a:rPr lang="hr-HR" dirty="0"/>
-              <a:t>Vremenski razvoj Linux </a:t>
-            </a:r>
-            <a:r>
-              <a:rPr lang="hr-HR" dirty="0" err="1"/>
-              <a:t>Kernela</a:t>
-            </a:r>
-            <a:endParaRPr lang="hr-HR" dirty="0"/>
-          </a:p>
-        </p:txBody>
-      </p:sp>
-      <p:sp>
-        <p:nvSpPr>
-          <p:cNvPr id="3" name="Text Placeholder 2">
-            <a:extLst>
-              <a:ext uri="{FF2B5EF4-FFF2-40B4-BE49-F238E27FC236}">
-                <a16:creationId xmlns:a16="http://schemas.microsoft.com/office/drawing/2014/main" id="{4CE0D501-3CC9-4BD6-B00F-577C005BCAE1}"/>
-              </a:ext>
-            </a:extLst>
-          </p:cNvPr>
-          <p:cNvSpPr>
-            <a:spLocks noGrp="1"/>
-          </p:cNvSpPr>
-          <p:nvPr>
-            <p:ph type="body" sz="quarter" idx="11"/>
-          </p:nvPr>
-        </p:nvSpPr>
-        <p:spPr/>
-        <p:txBody>
-          <a:bodyPr/>
-          <a:lstStyle/>
-          <a:p>
-            <a:pPr marL="285750" indent="-285750">
-              <a:buFont typeface="Arial" panose="020B0604020202020204" pitchFamily="34" charset="0"/>
-              <a:buChar char="•"/>
-            </a:pPr>
-            <a:r>
-              <a:rPr lang="hr-HR" b="0" dirty="0"/>
-              <a:t>1991. Započet rad na Linuxu</a:t>
-            </a:r>
-          </a:p>
-          <a:p>
-            <a:pPr marL="285750" indent="-285750">
-              <a:buFont typeface="Arial" panose="020B0604020202020204" pitchFamily="34" charset="0"/>
-              <a:buChar char="•"/>
-            </a:pPr>
-            <a:r>
-              <a:rPr lang="hr-HR" b="0" dirty="0"/>
-              <a:t>1994. Linux objavljuje Linux verziju 1.0</a:t>
-            </a:r>
-          </a:p>
-          <a:p>
-            <a:pPr marL="285750" indent="-285750">
-              <a:buFont typeface="Arial" panose="020B0604020202020204" pitchFamily="34" charset="0"/>
-              <a:buChar char="•"/>
-            </a:pPr>
-            <a:r>
-              <a:rPr lang="hr-HR" b="0" dirty="0"/>
-              <a:t>2013. 75% mobilnih telefona koristi Android</a:t>
-            </a:r>
-          </a:p>
-          <a:p>
-            <a:pPr marL="285750" indent="-285750">
-              <a:buFont typeface="Arial" panose="020B0604020202020204" pitchFamily="34" charset="0"/>
-              <a:buChar char="•"/>
-            </a:pPr>
-            <a:r>
-              <a:rPr lang="hr-HR" b="0" dirty="0"/>
-              <a:t>2014. Ubuntu izjavljuje da ima 22 milijuna korisnika</a:t>
-            </a:r>
-          </a:p>
-        </p:txBody>
-      </p:sp>
-    </p:spTree>
-    <p:extLst>
-      <p:ext uri="{BB962C8B-B14F-4D97-AF65-F5344CB8AC3E}">
-        <p14:creationId xmlns:p14="http://schemas.microsoft.com/office/powerpoint/2010/main" val="2282581988"/>
-      </p:ext>
-    </p:extLst>
-  </p:cSld>
-  <p:clrMapOvr>
-    <a:masterClrMapping/>
-  </p:clrMapOvr>
-  <mc:AlternateContent xmlns:mc="http://schemas.openxmlformats.org/markup-compatibility/2006" xmlns:p14="http://schemas.microsoft.com/office/powerpoint/2010/main">
-    <mc:Choice Requires="p14">
-      <p:transition spd="med" p14:dur="700">
-        <p:fade/>
-      </p:transition>
-    </mc:Choice>
-    <mc:Fallback xmlns="">
-      <p:transition spd="med">
-        <p:fade/>
-      </p:transition>
-    </mc:Fallback>
-  </mc:AlternateContent>
-</p:sld>
-</file>
-
-<file path=ppt/slides/slide8.xml><?xml version="1.0" encoding="utf-8"?>
-<p:sld xmlns:a="http://schemas.openxmlformats.org/drawingml/2006/main" xmlns:r="http://schemas.openxmlformats.org/officeDocument/2006/relationships" xmlns:p="http://schemas.openxmlformats.org/presentationml/2006/main">
-  <p:cSld>
-    <p:bg>
-      <p:bgPr>
-        <a:solidFill>
-          <a:schemeClr val="tx1"/>
-        </a:solidFill>
-        <a:effectLst/>
-      </p:bgPr>
-    </p:bg>
-    <p:spTree>
-      <p:nvGrpSpPr>
-        <p:cNvPr id="1" name=""/>
-        <p:cNvGrpSpPr/>
-        <p:nvPr/>
-      </p:nvGrpSpPr>
-      <p:grpSpPr>
-        <a:xfrm>
-          <a:off x="0" y="0"/>
-          <a:ext cx="0" cy="0"/>
-          <a:chOff x="0" y="0"/>
-          <a:chExt cx="0" cy="0"/>
-        </a:xfrm>
-      </p:grpSpPr>
-      <p:sp>
-        <p:nvSpPr>
-          <p:cNvPr id="5" name="Title 4">
-            <a:extLst>
-              <a:ext uri="{FF2B5EF4-FFF2-40B4-BE49-F238E27FC236}">
-                <a16:creationId xmlns:a16="http://schemas.microsoft.com/office/drawing/2014/main" id="{D1262CD5-AD01-42E3-9173-97C12BB0D9B8}"/>
-              </a:ext>
-            </a:extLst>
-          </p:cNvPr>
-          <p:cNvSpPr>
-            <a:spLocks noGrp="1"/>
-          </p:cNvSpPr>
-          <p:nvPr>
-            <p:ph type="title"/>
-          </p:nvPr>
-        </p:nvSpPr>
-        <p:spPr>
-          <a:xfrm>
-            <a:off x="5199742" y="2396480"/>
-            <a:ext cx="6477000" cy="1189037"/>
-          </a:xfrm>
-        </p:spPr>
-        <p:txBody>
-          <a:bodyPr/>
-          <a:lstStyle/>
-          <a:p>
-            <a:r>
-              <a:rPr lang="hr-HR" dirty="0"/>
-              <a:t>Mozilla</a:t>
-            </a:r>
-            <a:br>
-              <a:rPr lang="en-US" dirty="0"/>
-            </a:br>
-            <a:endParaRPr lang="en-US" dirty="0"/>
-          </a:p>
-        </p:txBody>
-      </p:sp>
-      <p:sp>
-        <p:nvSpPr>
-          <p:cNvPr id="3" name="Text Placeholder 2">
-            <a:extLst>
-              <a:ext uri="{FF2B5EF4-FFF2-40B4-BE49-F238E27FC236}">
-                <a16:creationId xmlns:a16="http://schemas.microsoft.com/office/drawing/2014/main" id="{EF99585A-5E1F-40FA-8E64-BB4F04611657}"/>
-              </a:ext>
-            </a:extLst>
-          </p:cNvPr>
-          <p:cNvSpPr>
-            <a:spLocks noGrp="1"/>
-          </p:cNvSpPr>
-          <p:nvPr>
-            <p:ph type="body" sz="quarter" idx="11"/>
-          </p:nvPr>
-        </p:nvSpPr>
-        <p:spPr>
-          <a:xfrm>
-            <a:off x="5199742" y="3947984"/>
-            <a:ext cx="6477000" cy="3276600"/>
-          </a:xfrm>
-        </p:spPr>
-        <p:txBody>
-          <a:bodyPr vert="horz" lIns="91440" tIns="45720" rIns="91440" bIns="45720" rtlCol="0" anchor="t">
-            <a:normAutofit/>
-          </a:bodyPr>
-          <a:lstStyle/>
-          <a:p>
-            <a:pPr lvl="1"/>
-            <a:r>
-              <a:rPr lang="hr-HR" sz="1800" dirty="0">
-                <a:effectLst/>
-                <a:ea typeface="Calibri" panose="020F0502020204030204" pitchFamily="34" charset="0"/>
-              </a:rPr>
-              <a:t>Mozilla je zajednica slobodnog softvera </a:t>
-            </a:r>
-          </a:p>
-          <a:p>
-            <a:pPr lvl="1"/>
-            <a:r>
-              <a:rPr lang="hr-HR" sz="1800" dirty="0">
-                <a:effectLst/>
-                <a:ea typeface="Calibri" panose="020F0502020204030204" pitchFamily="34" charset="0"/>
-              </a:rPr>
-              <a:t>Osnovana 1998. godine</a:t>
-            </a:r>
-          </a:p>
-          <a:p>
-            <a:pPr lvl="1"/>
-            <a:r>
-              <a:rPr lang="hr-HR" dirty="0">
-                <a:ea typeface="Calibri" panose="020F0502020204030204" pitchFamily="34" charset="0"/>
-              </a:rPr>
-              <a:t>Zasnivači: članovi Netscapea</a:t>
-            </a:r>
-            <a:endParaRPr lang="hr-HR" sz="1800" dirty="0">
-              <a:effectLst/>
-              <a:ea typeface="Calibri" panose="020F0502020204030204" pitchFamily="34" charset="0"/>
-            </a:endParaRPr>
-          </a:p>
-          <a:p>
-            <a:pPr lvl="1"/>
-            <a:endParaRPr lang="en-US" dirty="0"/>
-          </a:p>
-        </p:txBody>
-      </p:sp>
-    </p:spTree>
-    <p:extLst>
-      <p:ext uri="{BB962C8B-B14F-4D97-AF65-F5344CB8AC3E}">
-        <p14:creationId xmlns:p14="http://schemas.microsoft.com/office/powerpoint/2010/main" val="394783395"/>
-      </p:ext>
-    </p:extLst>
-  </p:cSld>
-  <p:clrMapOvr>
-    <a:masterClrMapping/>
-  </p:clrMapOvr>
-  <mc:AlternateContent xmlns:mc="http://schemas.openxmlformats.org/markup-compatibility/2006" xmlns:p14="http://schemas.microsoft.com/office/powerpoint/2010/main">
-    <mc:Choice Requires="p14">
-      <p:transition spd="med" p14:dur="700">
-        <p:fade/>
-      </p:transition>
-    </mc:Choice>
-    <mc:Fallback xmlns="">
-      <p:transition spd="med">
-        <p:fade/>
-      </p:transition>
-    </mc:Fallback>
-  </mc:AlternateContent>
-</p:sld>
-</file>
-
-<file path=ppt/slides/slide9.xml><?xml version="1.0" encoding="utf-8"?>
-<p:sld xmlns:a="http://schemas.openxmlformats.org/drawingml/2006/main" xmlns:r="http://schemas.openxmlformats.org/officeDocument/2006/relationships" xmlns:p="http://schemas.openxmlformats.org/presentationml/2006/main">
-  <p:cSld>
-    <p:spTree>
-      <p:nvGrpSpPr>
-        <p:cNvPr id="1" name=""/>
-        <p:cNvGrpSpPr/>
-        <p:nvPr/>
-      </p:nvGrpSpPr>
-      <p:grpSpPr>
-        <a:xfrm>
-          <a:off x="0" y="0"/>
-          <a:ext cx="0" cy="0"/>
-          <a:chOff x="0" y="0"/>
-          <a:chExt cx="0" cy="0"/>
-        </a:xfrm>
-      </p:grpSpPr>
-      <p:sp>
-        <p:nvSpPr>
-          <p:cNvPr id="3" name="Title 2">
-            <a:extLst>
-              <a:ext uri="{FF2B5EF4-FFF2-40B4-BE49-F238E27FC236}">
-                <a16:creationId xmlns:a16="http://schemas.microsoft.com/office/drawing/2014/main" id="{8F18C6B5-87AC-4DA5-94CA-6E092A6A07D3}"/>
-              </a:ext>
-            </a:extLst>
-          </p:cNvPr>
-          <p:cNvSpPr>
-            <a:spLocks noGrp="1"/>
-          </p:cNvSpPr>
-          <p:nvPr>
-            <p:ph type="title"/>
-          </p:nvPr>
-        </p:nvSpPr>
-        <p:spPr/>
-        <p:txBody>
-          <a:bodyPr/>
-          <a:lstStyle/>
-          <a:p>
-            <a:r>
-              <a:rPr lang="hr-HR" dirty="0">
-                <a:solidFill>
-                  <a:schemeClr val="accent3">
-                    <a:lumMod val="75000"/>
-                  </a:schemeClr>
-                </a:solidFill>
-              </a:rPr>
-              <a:t>Općenito o Mozilli</a:t>
-            </a:r>
-            <a:endParaRPr lang="en-US" dirty="0">
-              <a:solidFill>
-                <a:schemeClr val="accent3">
-                  <a:lumMod val="75000"/>
-                </a:schemeClr>
-              </a:solidFill>
-            </a:endParaRPr>
-          </a:p>
-        </p:txBody>
-      </p:sp>
-      <p:sp>
-        <p:nvSpPr>
-          <p:cNvPr id="7" name="Text Placeholder 6">
-            <a:extLst>
-              <a:ext uri="{FF2B5EF4-FFF2-40B4-BE49-F238E27FC236}">
-                <a16:creationId xmlns:a16="http://schemas.microsoft.com/office/drawing/2014/main" id="{C6F52EDA-7F85-46DD-9A9E-95E0E3EC3F84}"/>
-              </a:ext>
-            </a:extLst>
-          </p:cNvPr>
-          <p:cNvSpPr>
-            <a:spLocks noGrp="1"/>
-          </p:cNvSpPr>
-          <p:nvPr>
-            <p:ph type="body" sz="quarter" idx="11"/>
-          </p:nvPr>
-        </p:nvSpPr>
-        <p:spPr/>
-        <p:txBody>
-          <a:bodyPr/>
-          <a:lstStyle/>
-          <a:p>
-            <a:pPr marL="285750" indent="-285750">
-              <a:buFontTx/>
-              <a:buChar char="-"/>
-            </a:pPr>
-            <a:r>
-              <a:rPr lang="hr-HR" sz="1800" b="0" dirty="0">
-                <a:effectLst/>
-                <a:ea typeface="Times New Roman" panose="02020603050405020304" pitchFamily="18" charset="0"/>
-              </a:rPr>
-              <a:t>Zajednica Mozilla koristi, razvija, širi i podržava Mozilla proizvode</a:t>
-            </a:r>
-          </a:p>
-          <a:p>
-            <a:pPr marL="285750" indent="-285750">
-              <a:buFontTx/>
-              <a:buChar char="-"/>
-            </a:pPr>
-            <a:r>
-              <a:rPr lang="hr-HR" sz="1800" b="0" dirty="0">
-                <a:effectLst/>
-                <a:ea typeface="Times New Roman" panose="02020603050405020304" pitchFamily="18" charset="0"/>
-              </a:rPr>
-              <a:t>Zajednicu institucionalno podržava neprofitna Mozilla Foundation i njezina podružnica Mozilla Corporation</a:t>
-            </a:r>
-            <a:r>
-              <a:rPr lang="hr-HR" sz="1800" b="0" dirty="0">
-                <a:effectLst/>
-                <a:latin typeface="Times New Roman" panose="02020603050405020304" pitchFamily="18" charset="0"/>
-                <a:ea typeface="Times New Roman" panose="02020603050405020304" pitchFamily="18" charset="0"/>
-              </a:rPr>
-              <a:t> </a:t>
-            </a:r>
-            <a:endParaRPr lang="en-US" b="0" dirty="0"/>
-          </a:p>
-        </p:txBody>
-      </p:sp>
-      <p:graphicFrame>
-        <p:nvGraphicFramePr>
-          <p:cNvPr id="10" name="Content Placeholder 6" descr="key people SmartArt Graphic">
-            <a:extLst>
-              <a:ext uri="{FF2B5EF4-FFF2-40B4-BE49-F238E27FC236}">
-                <a16:creationId xmlns:a16="http://schemas.microsoft.com/office/drawing/2014/main" id="{5669122F-FDDA-4356-9679-4DD826F9B99C}"/>
-              </a:ext>
-            </a:extLst>
-          </p:cNvPr>
-          <p:cNvGraphicFramePr>
-            <a:graphicFrameLocks noGrp="1"/>
-          </p:cNvGraphicFramePr>
-          <p:nvPr>
-            <p:ph type="pic" sz="quarter" idx="13"/>
-            <p:extLst>
-              <p:ext uri="{D42A27DB-BD31-4B8C-83A1-F6EECF244321}">
-                <p14:modId xmlns:p14="http://schemas.microsoft.com/office/powerpoint/2010/main" val="3117014747"/>
-              </p:ext>
-            </p:extLst>
-          </p:nvPr>
-        </p:nvGraphicFramePr>
-        <p:xfrm>
-          <a:off x="6858000" y="947351"/>
-          <a:ext cx="5144530" cy="4720024"/>
-        </p:xfrm>
-        <a:graphic>
-          <a:graphicData uri="http://schemas.openxmlformats.org/drawingml/2006/diagram">
-            <dgm:relIds xmlns:dgm="http://schemas.openxmlformats.org/drawingml/2006/diagram" xmlns:r="http://schemas.openxmlformats.org/officeDocument/2006/relationships" r:dm="rId2" r:lo="rId3" r:qs="rId4" r:cs="rId5"/>
-          </a:graphicData>
-        </a:graphic>
-      </p:graphicFrame>
-    </p:spTree>
-    <p:extLst>
-      <p:ext uri="{BB962C8B-B14F-4D97-AF65-F5344CB8AC3E}">
-        <p14:creationId xmlns:p14="http://schemas.microsoft.com/office/powerpoint/2010/main" val="1470979386"/>
       </p:ext>
     </p:extLst>
   </p:cSld>
@@ -13959,6 +14510,12 @@
 </file>
 
 <file path=customXml/item2.xml><?xml version="1.0" encoding="utf-8"?>
+<p:properties xmlns:p="http://schemas.microsoft.com/office/2006/metadata/properties" xmlns:xsi="http://www.w3.org/2001/XMLSchema-instance" xmlns:pc="http://schemas.microsoft.com/office/infopath/2007/PartnerControls">
+  <documentManagement/>
+</p:properties>
+</file>
+
+<file path=customXml/item3.xml><?xml version="1.0" encoding="utf-8"?>
 <ct:contentTypeSchema xmlns:ct="http://schemas.microsoft.com/office/2006/metadata/contentType" xmlns:ma="http://schemas.microsoft.com/office/2006/metadata/properties/metaAttributes" ct:_="" ma:_="" ma:contentTypeName="Document" ma:contentTypeID="0x0101008F03E54B797CDE4D91D8827125F9D87A" ma:contentTypeVersion="0" ma:contentTypeDescription="Create a new document." ma:contentTypeScope="" ma:versionID="18adb4cc97980dca1658d4b83a09ab50">
   <xsd:schema xmlns:xsd="http://www.w3.org/2001/XMLSchema" xmlns:xs="http://www.w3.org/2001/XMLSchema" xmlns:p="http://schemas.microsoft.com/office/2006/metadata/properties" targetNamespace="http://schemas.microsoft.com/office/2006/metadata/properties" ma:root="true" ma:fieldsID="017581d6d4d432103422426420c4d249">
     <xsd:element name="properties">
@@ -14072,12 +14629,6 @@
 </ct:contentTypeSchema>
 </file>
 
-<file path=customXml/item3.xml><?xml version="1.0" encoding="utf-8"?>
-<p:properties xmlns:p="http://schemas.microsoft.com/office/2006/metadata/properties" xmlns:xsi="http://www.w3.org/2001/XMLSchema-instance" xmlns:pc="http://schemas.microsoft.com/office/infopath/2007/PartnerControls">
-  <documentManagement/>
-</p:properties>
-</file>
-
 <file path=customXml/itemProps1.xml><?xml version="1.0" encoding="utf-8"?>
 <ds:datastoreItem xmlns:ds="http://schemas.openxmlformats.org/officeDocument/2006/customXml" ds:itemID="{915C1F8C-D27A-4CE7-9DF4-4AFDB2880FA9}">
   <ds:schemaRefs>
@@ -14087,6 +14638,21 @@
 </file>
 
 <file path=customXml/itemProps2.xml><?xml version="1.0" encoding="utf-8"?>
+<ds:datastoreItem xmlns:ds="http://schemas.openxmlformats.org/officeDocument/2006/customXml" ds:itemID="{FDF283A3-AA81-4663-8764-64F64C723FD1}">
+  <ds:schemaRefs>
+    <ds:schemaRef ds:uri="http://purl.org/dc/terms/"/>
+    <ds:schemaRef ds:uri="http://purl.org/dc/elements/1.1/"/>
+    <ds:schemaRef ds:uri="http://schemas.microsoft.com/office/infopath/2007/PartnerControls"/>
+    <ds:schemaRef ds:uri="http://schemas.microsoft.com/office/2006/documentManagement/types"/>
+    <ds:schemaRef ds:uri="http://schemas.openxmlformats.org/package/2006/metadata/core-properties"/>
+    <ds:schemaRef ds:uri="http://schemas.microsoft.com/office/2006/metadata/properties"/>
+    <ds:schemaRef ds:uri="http://www.w3.org/XML/1998/namespace"/>
+    <ds:schemaRef ds:uri="http://purl.org/dc/dcmitype/"/>
+  </ds:schemaRefs>
+</ds:datastoreItem>
+</file>
+
+<file path=customXml/itemProps3.xml><?xml version="1.0" encoding="utf-8"?>
 <ds:datastoreItem xmlns:ds="http://schemas.openxmlformats.org/officeDocument/2006/customXml" ds:itemID="{51673A1C-D129-4B55-9ABB-91F8176200AE}">
   <ds:schemaRefs>
     <ds:schemaRef ds:uri="http://schemas.microsoft.com/office/2006/metadata/contentType"/>
@@ -14102,21 +14668,6 @@
 </ds:datastoreItem>
 </file>
 
-<file path=customXml/itemProps3.xml><?xml version="1.0" encoding="utf-8"?>
-<ds:datastoreItem xmlns:ds="http://schemas.openxmlformats.org/officeDocument/2006/customXml" ds:itemID="{FDF283A3-AA81-4663-8764-64F64C723FD1}">
-  <ds:schemaRefs>
-    <ds:schemaRef ds:uri="http://purl.org/dc/terms/"/>
-    <ds:schemaRef ds:uri="http://purl.org/dc/elements/1.1/"/>
-    <ds:schemaRef ds:uri="http://schemas.microsoft.com/office/infopath/2007/PartnerControls"/>
-    <ds:schemaRef ds:uri="http://schemas.microsoft.com/office/2006/documentManagement/types"/>
-    <ds:schemaRef ds:uri="http://schemas.openxmlformats.org/package/2006/metadata/core-properties"/>
-    <ds:schemaRef ds:uri="http://schemas.microsoft.com/office/2006/metadata/properties"/>
-    <ds:schemaRef ds:uri="http://www.w3.org/XML/1998/namespace"/>
-    <ds:schemaRef ds:uri="http://purl.org/dc/dcmitype/"/>
-  </ds:schemaRefs>
-</ds:datastoreItem>
-</file>
-
 <file path=docMetadata/LabelInfo.xml><?xml version="1.0" encoding="utf-8"?>
 <clbl:labelList xmlns:clbl="http://schemas.microsoft.com/office/2020/mipLabelMetadata">
   <clbl:label id="{72f988bf-86f1-41af-91ab-2d7cd011db47}" enabled="0" method="" siteId="{72f988bf-86f1-41af-91ab-2d7cd011db47}" removed="1"/>

--- a/Open Source Prezentacija.pptx
+++ b/Open Source Prezentacija.pptx
@@ -5,7 +5,7 @@
     <p:sldMasterId id="2147483687" r:id="rId4"/>
   </p:sldMasterIdLst>
   <p:notesMasterIdLst>
-    <p:notesMasterId r:id="rId32"/>
+    <p:notesMasterId r:id="rId39"/>
   </p:notesMasterIdLst>
   <p:sldIdLst>
     <p:sldId id="1864" r:id="rId5"/>
@@ -32,9 +32,16 @@
     <p:sldId id="1880" r:id="rId26"/>
     <p:sldId id="1874" r:id="rId27"/>
     <p:sldId id="1881" r:id="rId28"/>
-    <p:sldId id="1859" r:id="rId29"/>
-    <p:sldId id="1858" r:id="rId30"/>
-    <p:sldId id="1867" r:id="rId31"/>
+    <p:sldId id="1886" r:id="rId29"/>
+    <p:sldId id="1887" r:id="rId30"/>
+    <p:sldId id="1888" r:id="rId31"/>
+    <p:sldId id="1889" r:id="rId32"/>
+    <p:sldId id="1890" r:id="rId33"/>
+    <p:sldId id="1891" r:id="rId34"/>
+    <p:sldId id="1892" r:id="rId35"/>
+    <p:sldId id="1859" r:id="rId36"/>
+    <p:sldId id="1858" r:id="rId37"/>
+    <p:sldId id="1867" r:id="rId38"/>
   </p:sldIdLst>
   <p:sldSz cx="12192000" cy="6858000"/>
   <p:notesSz cx="6858000" cy="9144000"/>
@@ -3963,7 +3970,7 @@
             <a:fld id="{6DEB7EE2-04A2-4FB2-9625-C9C73AC4D32F}" type="slidenum">
               <a:rPr lang="en-US" altLang="en-US" smtClean="0"/>
               <a:pPr/>
-              <a:t>25</a:t>
+              <a:t>32</a:t>
             </a:fld>
             <a:endParaRPr lang="en-US" altLang="en-US" dirty="0"/>
           </a:p>
@@ -9632,14 +9639,14 @@
             <p:ph type="tbl" sz="quarter" idx="12"/>
             <p:extLst>
               <p:ext uri="{D42A27DB-BD31-4B8C-83A1-F6EECF244321}">
-                <p14:modId xmlns:p14="http://schemas.microsoft.com/office/powerpoint/2010/main" val="2967179669"/>
+                <p14:modId xmlns:p14="http://schemas.microsoft.com/office/powerpoint/2010/main" val="2440745253"/>
               </p:ext>
             </p:extLst>
           </p:nvPr>
         </p:nvGraphicFramePr>
         <p:xfrm>
           <a:off x="762000" y="1628560"/>
-          <a:ext cx="10668000" cy="4318572"/>
+          <a:ext cx="10668000" cy="5342700"/>
         </p:xfrm>
         <a:graphic>
           <a:graphicData uri="http://schemas.openxmlformats.org/drawingml/2006/table">
@@ -10662,7 +10669,7 @@
                         <a:tabLst/>
                       </a:pPr>
                       <a:r>
-                        <a:rPr kumimoji="0" lang="hr-HR" sz="1400" b="0" i="0" u="none" strike="noStrike" cap="none" normalizeH="0" baseline="0" dirty="0">
+                        <a:rPr kumimoji="0" lang="hr-HR" sz="1400" b="0" i="0" u="none" strike="noStrike" cap="none" normalizeH="0" baseline="0" dirty="0" err="1">
                           <a:ln>
                             <a:noFill/>
                           </a:ln>
@@ -10674,7 +10681,33 @@
                         </a:rPr>
                         <a:t>LibreOffice</a:t>
                       </a:r>
-                      <a:endParaRPr kumimoji="0" lang="en-US" sz="1400" b="0" i="0" u="none" strike="noStrike" cap="none" normalizeH="0" baseline="0" dirty="0">
+                      <a:r>
+                        <a:rPr kumimoji="0" lang="hr-HR" sz="1400" b="0" i="0" u="none" strike="noStrike" cap="none" normalizeH="0" baseline="0" dirty="0">
+                          <a:ln>
+                            <a:noFill/>
+                          </a:ln>
+                          <a:solidFill>
+                            <a:schemeClr val="accent2"/>
+                          </a:solidFill>
+                          <a:effectLst/>
+                          <a:latin typeface="+mn-lt"/>
+                        </a:rPr>
+                        <a:t> i </a:t>
+                      </a:r>
+                      <a:r>
+                        <a:rPr kumimoji="0" lang="hr-HR" sz="1400" b="0" i="0" u="none" strike="noStrike" cap="none" normalizeH="0" baseline="0" dirty="0" err="1">
+                          <a:ln>
+                            <a:noFill/>
+                          </a:ln>
+                          <a:solidFill>
+                            <a:schemeClr val="accent2"/>
+                          </a:solidFill>
+                          <a:effectLst/>
+                          <a:latin typeface="+mn-lt"/>
+                        </a:rPr>
+                        <a:t>VideoLan</a:t>
+                      </a:r>
+                      <a:endParaRPr kumimoji="0" lang="hr-HR" sz="1400" b="0" i="0" u="none" strike="noStrike" cap="none" normalizeH="0" baseline="0" dirty="0">
                         <a:ln>
                           <a:noFill/>
                         </a:ln>
@@ -11497,7 +11530,50 @@
                           <a:schemeClr val="tx1"/>
                         </a:buClr>
                         <a:buSzTx/>
-                        <a:buFontTx/>
+                        <a:buFont typeface="+mj-lt"/>
+                        <a:buNone/>
+                        <a:tabLst/>
+                      </a:pPr>
+                      <a:r>
+                        <a:rPr kumimoji="0" lang="hr-HR" sz="1400" b="0" i="0" u="sng" strike="noStrike" cap="none" normalizeH="0" baseline="0" dirty="0" err="1">
+                          <a:ln>
+                            <a:noFill/>
+                          </a:ln>
+                          <a:solidFill>
+                            <a:srgbClr val="000000"/>
+                          </a:solidFill>
+                          <a:effectLst/>
+                          <a:latin typeface="+mn-lt"/>
+                        </a:rPr>
+                        <a:t>LibreOffice</a:t>
+                      </a:r>
+                      <a:endParaRPr kumimoji="0" lang="hr-HR" sz="1400" b="0" i="0" u="sng" strike="noStrike" cap="none" normalizeH="0" baseline="0" dirty="0">
+                        <a:ln>
+                          <a:noFill/>
+                        </a:ln>
+                        <a:solidFill>
+                          <a:srgbClr val="000000"/>
+                        </a:solidFill>
+                        <a:effectLst/>
+                        <a:latin typeface="+mn-lt"/>
+                      </a:endParaRPr>
+                    </a:p>
+                    <a:p>
+                      <a:pPr marL="0" marR="0" lvl="0" indent="0" algn="ctr" defTabSz="914400" rtl="0" eaLnBrk="1" fontAlgn="base" latinLnBrk="0" hangingPunct="1">
+                        <a:lnSpc>
+                          <a:spcPct val="100000"/>
+                        </a:lnSpc>
+                        <a:spcBef>
+                          <a:spcPct val="20000"/>
+                        </a:spcBef>
+                        <a:spcAft>
+                          <a:spcPct val="0"/>
+                        </a:spcAft>
+                        <a:buClr>
+                          <a:schemeClr val="tx1"/>
+                        </a:buClr>
+                        <a:buSzTx/>
+                        <a:buFont typeface="+mj-lt"/>
                         <a:buNone/>
                         <a:tabLst/>
                       </a:pPr>
@@ -11512,8 +11588,319 @@
                           <a:effectLst/>
                           <a:latin typeface="+mn-lt"/>
                         </a:rPr>
-                        <a:t>/*dodat glavne naslove*/</a:t>
+                        <a:t>1. Općenito o Libre </a:t>
                       </a:r>
+                      <a:r>
+                        <a:rPr kumimoji="0" lang="hr-HR" sz="1400" b="0" i="0" u="none" strike="noStrike" cap="none" normalizeH="0" baseline="0" dirty="0" err="1">
+                          <a:ln>
+                            <a:noFill/>
+                          </a:ln>
+                          <a:solidFill>
+                            <a:srgbClr val="000000"/>
+                          </a:solidFill>
+                          <a:effectLst/>
+                          <a:latin typeface="+mn-lt"/>
+                        </a:rPr>
+                        <a:t>office</a:t>
+                      </a:r>
+                      <a:r>
+                        <a:rPr kumimoji="0" lang="hr-HR" sz="1400" b="0" i="0" u="none" strike="noStrike" cap="none" normalizeH="0" baseline="0" dirty="0">
+                          <a:ln>
+                            <a:noFill/>
+                          </a:ln>
+                          <a:solidFill>
+                            <a:srgbClr val="000000"/>
+                          </a:solidFill>
+                          <a:effectLst/>
+                          <a:latin typeface="+mn-lt"/>
+                        </a:rPr>
+                        <a:t>-u</a:t>
+                      </a:r>
+                    </a:p>
+                    <a:p>
+                      <a:pPr marL="0" marR="0" lvl="0" indent="0" algn="ctr" defTabSz="914400" rtl="0" eaLnBrk="1" fontAlgn="base" latinLnBrk="0" hangingPunct="1">
+                        <a:lnSpc>
+                          <a:spcPct val="100000"/>
+                        </a:lnSpc>
+                        <a:spcBef>
+                          <a:spcPct val="20000"/>
+                        </a:spcBef>
+                        <a:spcAft>
+                          <a:spcPct val="0"/>
+                        </a:spcAft>
+                        <a:buClr>
+                          <a:schemeClr val="tx1"/>
+                        </a:buClr>
+                        <a:buSzTx/>
+                        <a:buFont typeface="+mj-lt"/>
+                        <a:buNone/>
+                        <a:tabLst/>
+                      </a:pPr>
+                      <a:r>
+                        <a:rPr kumimoji="0" lang="hr-HR" sz="1400" b="0" i="0" u="none" strike="noStrike" cap="none" normalizeH="0" baseline="0" dirty="0">
+                          <a:ln>
+                            <a:noFill/>
+                          </a:ln>
+                          <a:solidFill>
+                            <a:srgbClr val="000000"/>
+                          </a:solidFill>
+                          <a:effectLst/>
+                          <a:latin typeface="+mn-lt"/>
+                        </a:rPr>
+                        <a:t>2. Sadržaj programskog paketa</a:t>
+                      </a:r>
+                    </a:p>
+                    <a:p>
+                      <a:pPr marL="0" marR="0" lvl="0" indent="0" algn="ctr" defTabSz="914400" rtl="0" eaLnBrk="1" fontAlgn="base" latinLnBrk="0" hangingPunct="1">
+                        <a:lnSpc>
+                          <a:spcPct val="100000"/>
+                        </a:lnSpc>
+                        <a:spcBef>
+                          <a:spcPct val="20000"/>
+                        </a:spcBef>
+                        <a:spcAft>
+                          <a:spcPct val="0"/>
+                        </a:spcAft>
+                        <a:buClr>
+                          <a:schemeClr val="tx1"/>
+                        </a:buClr>
+                        <a:buSzTx/>
+                        <a:buFont typeface="+mj-lt"/>
+                        <a:buNone/>
+                        <a:tabLst/>
+                      </a:pPr>
+                      <a:r>
+                        <a:rPr kumimoji="0" lang="hr-HR" sz="1400" b="0" i="0" u="none" strike="noStrike" cap="none" normalizeH="0" baseline="0" dirty="0">
+                          <a:ln>
+                            <a:noFill/>
+                          </a:ln>
+                          <a:solidFill>
+                            <a:srgbClr val="000000"/>
+                          </a:solidFill>
+                          <a:effectLst/>
+                          <a:latin typeface="+mn-lt"/>
+                        </a:rPr>
+                        <a:t>3. Povijest razvoja</a:t>
+                      </a:r>
+                    </a:p>
+                    <a:p>
+                      <a:pPr marL="0" marR="0" lvl="0" indent="0" algn="ctr" defTabSz="914400" rtl="0" eaLnBrk="1" fontAlgn="base" latinLnBrk="0" hangingPunct="1">
+                        <a:lnSpc>
+                          <a:spcPct val="100000"/>
+                        </a:lnSpc>
+                        <a:spcBef>
+                          <a:spcPct val="20000"/>
+                        </a:spcBef>
+                        <a:spcAft>
+                          <a:spcPct val="0"/>
+                        </a:spcAft>
+                        <a:buClr>
+                          <a:schemeClr val="tx1"/>
+                        </a:buClr>
+                        <a:buSzTx/>
+                        <a:buFont typeface="+mj-lt"/>
+                        <a:buNone/>
+                        <a:tabLst/>
+                      </a:pPr>
+                      <a:r>
+                        <a:rPr kumimoji="0" lang="hr-HR" sz="1400" b="0" i="0" u="sng" strike="noStrike" cap="none" normalizeH="0" baseline="0" dirty="0" err="1">
+                          <a:ln>
+                            <a:noFill/>
+                          </a:ln>
+                          <a:solidFill>
+                            <a:srgbClr val="000000"/>
+                          </a:solidFill>
+                          <a:effectLst/>
+                          <a:latin typeface="+mn-lt"/>
+                        </a:rPr>
+                        <a:t>VideoLan</a:t>
+                      </a:r>
+                      <a:endParaRPr kumimoji="0" lang="hr-HR" sz="1400" b="0" i="0" u="sng" strike="noStrike" cap="none" normalizeH="0" baseline="0" dirty="0">
+                        <a:ln>
+                          <a:noFill/>
+                        </a:ln>
+                        <a:solidFill>
+                          <a:srgbClr val="000000"/>
+                        </a:solidFill>
+                        <a:effectLst/>
+                        <a:latin typeface="+mn-lt"/>
+                      </a:endParaRPr>
+                    </a:p>
+                    <a:p>
+                      <a:pPr marL="0" marR="0" lvl="0" indent="0" algn="ctr" defTabSz="914400" rtl="0" eaLnBrk="1" fontAlgn="base" latinLnBrk="0" hangingPunct="1">
+                        <a:lnSpc>
+                          <a:spcPct val="100000"/>
+                        </a:lnSpc>
+                        <a:spcBef>
+                          <a:spcPct val="20000"/>
+                        </a:spcBef>
+                        <a:spcAft>
+                          <a:spcPct val="0"/>
+                        </a:spcAft>
+                        <a:buClr>
+                          <a:schemeClr val="tx1"/>
+                        </a:buClr>
+                        <a:buSzTx/>
+                        <a:buFont typeface="+mj-lt"/>
+                        <a:buNone/>
+                        <a:tabLst/>
+                      </a:pPr>
+                      <a:r>
+                        <a:rPr kumimoji="0" lang="hr-HR" sz="1400" b="0" i="0" u="none" strike="noStrike" cap="none" normalizeH="0" baseline="0" dirty="0">
+                          <a:ln>
+                            <a:noFill/>
+                          </a:ln>
+                          <a:solidFill>
+                            <a:srgbClr val="000000"/>
+                          </a:solidFill>
+                          <a:effectLst/>
+                          <a:latin typeface="+mn-lt"/>
+                        </a:rPr>
+                        <a:t>1. Počeci razvoja</a:t>
+                      </a:r>
+                    </a:p>
+                    <a:p>
+                      <a:pPr marL="0" marR="0" lvl="0" indent="0" algn="ctr" defTabSz="914400" rtl="0" eaLnBrk="1" fontAlgn="base" latinLnBrk="0" hangingPunct="1">
+                        <a:lnSpc>
+                          <a:spcPct val="100000"/>
+                        </a:lnSpc>
+                        <a:spcBef>
+                          <a:spcPct val="20000"/>
+                        </a:spcBef>
+                        <a:spcAft>
+                          <a:spcPct val="0"/>
+                        </a:spcAft>
+                        <a:buClr>
+                          <a:schemeClr val="tx1"/>
+                        </a:buClr>
+                        <a:buSzTx/>
+                        <a:buFont typeface="+mj-lt"/>
+                        <a:buNone/>
+                        <a:tabLst/>
+                      </a:pPr>
+                      <a:r>
+                        <a:rPr kumimoji="0" lang="hr-HR" sz="1400" b="0" i="0" u="none" strike="noStrike" cap="none" normalizeH="0" baseline="0" dirty="0">
+                          <a:ln>
+                            <a:noFill/>
+                          </a:ln>
+                          <a:solidFill>
+                            <a:srgbClr val="000000"/>
+                          </a:solidFill>
+                          <a:effectLst/>
+                          <a:latin typeface="+mn-lt"/>
+                        </a:rPr>
+                        <a:t>2. O samom programu</a:t>
+                      </a:r>
+                    </a:p>
+                    <a:p>
+                      <a:pPr marL="342900" marR="0" lvl="0" indent="-342900" algn="ctr" defTabSz="914400" rtl="0" eaLnBrk="1" fontAlgn="base" latinLnBrk="0" hangingPunct="1">
+                        <a:lnSpc>
+                          <a:spcPct val="100000"/>
+                        </a:lnSpc>
+                        <a:spcBef>
+                          <a:spcPct val="20000"/>
+                        </a:spcBef>
+                        <a:spcAft>
+                          <a:spcPct val="0"/>
+                        </a:spcAft>
+                        <a:buClr>
+                          <a:schemeClr val="tx1"/>
+                        </a:buClr>
+                        <a:buSzTx/>
+                        <a:buFont typeface="+mj-lt"/>
+                        <a:buAutoNum type="arabicPeriod"/>
+                        <a:tabLst/>
+                      </a:pPr>
+                      <a:endParaRPr kumimoji="0" lang="hr-HR" sz="1400" b="0" i="0" u="none" strike="noStrike" cap="none" normalizeH="0" baseline="0" dirty="0">
+                        <a:ln>
+                          <a:noFill/>
+                        </a:ln>
+                        <a:solidFill>
+                          <a:srgbClr val="000000"/>
+                        </a:solidFill>
+                        <a:effectLst/>
+                        <a:latin typeface="+mn-lt"/>
+                      </a:endParaRPr>
+                    </a:p>
+                    <a:p>
+                      <a:pPr marL="342900" marR="0" lvl="0" indent="-342900" algn="ctr" defTabSz="914400" rtl="0" eaLnBrk="1" fontAlgn="base" latinLnBrk="0" hangingPunct="1">
+                        <a:lnSpc>
+                          <a:spcPct val="100000"/>
+                        </a:lnSpc>
+                        <a:spcBef>
+                          <a:spcPct val="20000"/>
+                        </a:spcBef>
+                        <a:spcAft>
+                          <a:spcPct val="0"/>
+                        </a:spcAft>
+                        <a:buClr>
+                          <a:schemeClr val="tx1"/>
+                        </a:buClr>
+                        <a:buSzTx/>
+                        <a:buFontTx/>
+                        <a:buAutoNum type="arabicPeriod"/>
+                        <a:tabLst/>
+                      </a:pPr>
+                      <a:endParaRPr kumimoji="0" lang="hr-HR" sz="1400" b="0" i="0" u="none" strike="noStrike" cap="none" normalizeH="0" baseline="0" dirty="0">
+                        <a:ln>
+                          <a:noFill/>
+                        </a:ln>
+                        <a:solidFill>
+                          <a:srgbClr val="000000"/>
+                        </a:solidFill>
+                        <a:effectLst/>
+                        <a:latin typeface="+mn-lt"/>
+                      </a:endParaRPr>
+                    </a:p>
+                    <a:p>
+                      <a:pPr marL="342900" marR="0" lvl="0" indent="-342900" algn="ctr" defTabSz="914400" rtl="0" eaLnBrk="1" fontAlgn="base" latinLnBrk="0" hangingPunct="1">
+                        <a:lnSpc>
+                          <a:spcPct val="100000"/>
+                        </a:lnSpc>
+                        <a:spcBef>
+                          <a:spcPct val="20000"/>
+                        </a:spcBef>
+                        <a:spcAft>
+                          <a:spcPct val="0"/>
+                        </a:spcAft>
+                        <a:buClr>
+                          <a:schemeClr val="tx1"/>
+                        </a:buClr>
+                        <a:buSzTx/>
+                        <a:buFontTx/>
+                        <a:buAutoNum type="arabicPeriod"/>
+                        <a:tabLst/>
+                      </a:pPr>
+                      <a:endParaRPr kumimoji="0" lang="hr-HR" sz="1400" b="0" i="0" u="none" strike="noStrike" cap="none" normalizeH="0" baseline="0" dirty="0">
+                        <a:ln>
+                          <a:noFill/>
+                        </a:ln>
+                        <a:solidFill>
+                          <a:srgbClr val="000000"/>
+                        </a:solidFill>
+                        <a:effectLst/>
+                        <a:latin typeface="+mn-lt"/>
+                      </a:endParaRPr>
+                    </a:p>
+                    <a:p>
+                      <a:pPr marL="342900" marR="0" lvl="0" indent="-342900" algn="ctr" defTabSz="914400" rtl="0" eaLnBrk="1" fontAlgn="base" latinLnBrk="0" hangingPunct="1">
+                        <a:lnSpc>
+                          <a:spcPct val="100000"/>
+                        </a:lnSpc>
+                        <a:spcBef>
+                          <a:spcPct val="20000"/>
+                        </a:spcBef>
+                        <a:spcAft>
+                          <a:spcPct val="0"/>
+                        </a:spcAft>
+                        <a:buClr>
+                          <a:schemeClr val="tx1"/>
+                        </a:buClr>
+                        <a:buSzTx/>
+                        <a:buFontTx/>
+                        <a:buAutoNum type="arabicPeriod"/>
+                        <a:tabLst/>
+                      </a:pPr>
                       <a:endParaRPr kumimoji="0" lang="en-US" sz="1400" b="0" i="0" u="none" strike="noStrike" cap="none" normalizeH="0" baseline="0" dirty="0">
                         <a:ln>
                           <a:noFill/>
@@ -12616,10 +13003,10 @@
       </p:grpSpPr>
       <p:sp>
         <p:nvSpPr>
-          <p:cNvPr id="4" name="Title 3">
+          <p:cNvPr id="5" name="Title 4">
             <a:extLst>
               <a:ext uri="{FF2B5EF4-FFF2-40B4-BE49-F238E27FC236}">
-                <a16:creationId xmlns:a16="http://schemas.microsoft.com/office/drawing/2014/main" id="{068DF32A-D165-40DA-AAE8-A6E9579E2F79}"/>
+                <a16:creationId xmlns:a16="http://schemas.microsoft.com/office/drawing/2014/main" id="{D1262CD5-AD01-42E3-9173-97C12BB0D9B8}"/>
               </a:ext>
             </a:extLst>
           </p:cNvPr>
@@ -12632,65 +13019,46 @@
         </p:nvSpPr>
         <p:spPr>
           <a:xfrm>
-            <a:off x="1525301" y="1995467"/>
-            <a:ext cx="9141397" cy="615553"/>
+            <a:off x="5199742" y="2396480"/>
+            <a:ext cx="6477000" cy="1189037"/>
           </a:xfrm>
         </p:spPr>
         <p:txBody>
-          <a:bodyPr/>
+          <a:bodyPr>
+            <a:normAutofit fontScale="90000"/>
+          </a:bodyPr>
           <a:lstStyle/>
           <a:p>
             <a:r>
+              <a:rPr lang="hr-HR" dirty="0" err="1"/>
+              <a:t>LibreOffice</a:t>
+            </a:r>
+            <a:br>
+              <a:rPr lang="hr-HR" dirty="0"/>
+            </a:br>
+            <a:r>
+              <a:rPr lang="hr-HR" sz="1700" dirty="0" err="1"/>
+              <a:t>The</a:t>
+            </a:r>
+            <a:r>
+              <a:rPr lang="hr-HR" sz="1700" dirty="0"/>
+              <a:t> </a:t>
+            </a:r>
+            <a:r>
+              <a:rPr lang="hr-HR" sz="1700" dirty="0" err="1"/>
+              <a:t>Document</a:t>
+            </a:r>
+            <a:r>
+              <a:rPr lang="hr-HR" sz="1700" dirty="0"/>
+              <a:t> </a:t>
+            </a:r>
+            <a:r>
+              <a:rPr lang="hr-HR" sz="1700" dirty="0" err="1"/>
+              <a:t>Foundation</a:t>
+            </a:r>
+            <a:br>
               <a:rPr lang="en-US" dirty="0"/>
-              <a:t>Questions </a:t>
-            </a:r>
-            <a:r>
-              <a:rPr lang="en-US" dirty="0">
-                <a:solidFill>
-                  <a:schemeClr val="accent2"/>
-                </a:solidFill>
-              </a:rPr>
-              <a:t>&amp;</a:t>
-            </a:r>
-            <a:r>
-              <a:rPr lang="en-US" dirty="0"/>
-              <a:t> answers</a:t>
-            </a:r>
-          </a:p>
-        </p:txBody>
-      </p:sp>
-      <p:sp>
-        <p:nvSpPr>
-          <p:cNvPr id="7" name="Text Placeholder 6">
-            <a:extLst>
-              <a:ext uri="{FF2B5EF4-FFF2-40B4-BE49-F238E27FC236}">
-                <a16:creationId xmlns:a16="http://schemas.microsoft.com/office/drawing/2014/main" id="{C3BC92DE-1779-4A44-AED9-0261C2497DD9}"/>
-              </a:ext>
-            </a:extLst>
-          </p:cNvPr>
-          <p:cNvSpPr>
-            <a:spLocks noGrp="1"/>
-          </p:cNvSpPr>
-          <p:nvPr>
-            <p:ph type="body" sz="quarter" idx="12"/>
-          </p:nvPr>
-        </p:nvSpPr>
-        <p:spPr>
-          <a:xfrm>
-            <a:off x="2196307" y="3260705"/>
-            <a:ext cx="7799387" cy="1534757"/>
-          </a:xfrm>
-        </p:spPr>
-        <p:txBody>
-          <a:bodyPr/>
-          <a:lstStyle/>
-          <a:p>
-            <a:r>
-              <a:rPr lang="en-US" altLang="en-US" dirty="0"/>
-              <a:t>Invite questions from the audience.</a:t>
-            </a:r>
-          </a:p>
-          <a:p>
+            </a:br>
             <a:endParaRPr lang="en-US" dirty="0"/>
           </a:p>
         </p:txBody>
@@ -12698,7 +13066,7 @@
     </p:spTree>
     <p:extLst>
       <p:ext uri="{BB962C8B-B14F-4D97-AF65-F5344CB8AC3E}">
-        <p14:creationId xmlns:p14="http://schemas.microsoft.com/office/powerpoint/2010/main" val="576716121"/>
+        <p14:creationId xmlns:p14="http://schemas.microsoft.com/office/powerpoint/2010/main" val="488378663"/>
       </p:ext>
     </p:extLst>
   </p:cSld>
@@ -12739,10 +13107,10 @@
       </p:grpSpPr>
       <p:sp>
         <p:nvSpPr>
-          <p:cNvPr id="4" name="Title 3">
+          <p:cNvPr id="2" name="Title 1">
             <a:extLst>
               <a:ext uri="{FF2B5EF4-FFF2-40B4-BE49-F238E27FC236}">
-                <a16:creationId xmlns:a16="http://schemas.microsoft.com/office/drawing/2014/main" id="{FD9E38B3-4686-8247-9625-49018D29F408}"/>
+                <a16:creationId xmlns:a16="http://schemas.microsoft.com/office/drawing/2014/main" id="{C7768BD7-2B30-4C5D-99AC-112B4A577046}"/>
               </a:ext>
             </a:extLst>
           </p:cNvPr>
@@ -12753,21 +13121,35 @@
             <p:ph type="title"/>
           </p:nvPr>
         </p:nvSpPr>
-        <p:spPr>
-          <a:xfrm>
-            <a:off x="1525301" y="1995467"/>
-            <a:ext cx="9141397" cy="615553"/>
-          </a:xfrm>
-        </p:spPr>
+        <p:spPr/>
         <p:txBody>
           <a:bodyPr/>
           <a:lstStyle/>
           <a:p>
             <a:r>
-              <a:rPr lang="hr-HR" dirty="0"/>
-              <a:t>Pitanja za ponavljanje</a:t>
-            </a:r>
-            <a:endParaRPr lang="en-US" dirty="0"/>
+              <a:rPr lang="hr-HR" dirty="0">
+                <a:solidFill>
+                  <a:schemeClr val="accent1"/>
+                </a:solidFill>
+              </a:rPr>
+              <a:t>Općenito o </a:t>
+            </a:r>
+            <a:r>
+              <a:rPr lang="hr-HR" dirty="0" err="1">
+                <a:solidFill>
+                  <a:schemeClr val="accent1"/>
+                </a:solidFill>
+              </a:rPr>
+              <a:t>LibreOffice</a:t>
+            </a:r>
+            <a:r>
+              <a:rPr lang="hr-HR" dirty="0">
+                <a:solidFill>
+                  <a:schemeClr val="accent1"/>
+                </a:solidFill>
+              </a:rPr>
+              <a:t>-u</a:t>
+            </a:r>
           </a:p>
         </p:txBody>
       </p:sp>
@@ -12776,7 +13158,7 @@
           <p:cNvPr id="3" name="Text Placeholder 2">
             <a:extLst>
               <a:ext uri="{FF2B5EF4-FFF2-40B4-BE49-F238E27FC236}">
-                <a16:creationId xmlns:a16="http://schemas.microsoft.com/office/drawing/2014/main" id="{17155E1D-F4AD-41A7-B948-E2D246CCFE8A}"/>
+                <a16:creationId xmlns:a16="http://schemas.microsoft.com/office/drawing/2014/main" id="{F7C9384C-2540-480C-A33C-8D69E1DC9884}"/>
               </a:ext>
             </a:extLst>
           </p:cNvPr>
@@ -12784,39 +13166,146 @@
             <a:spLocks noGrp="1"/>
           </p:cNvSpPr>
           <p:nvPr>
-            <p:ph type="body" sz="quarter" idx="12"/>
+            <p:ph type="body" sz="quarter" idx="11"/>
           </p:nvPr>
         </p:nvSpPr>
         <p:spPr>
           <a:xfrm>
-            <a:off x="2196307" y="3260705"/>
-            <a:ext cx="7799387" cy="1534757"/>
+            <a:off x="762000" y="1627632"/>
+            <a:ext cx="6340929" cy="4956048"/>
           </a:xfrm>
         </p:spPr>
         <p:txBody>
-          <a:bodyPr vert="horz" wrap="square" lIns="0" tIns="0" rIns="0" bIns="0" rtlCol="0" anchor="t">
-            <a:noAutofit/>
-          </a:bodyPr>
+          <a:bodyPr/>
           <a:lstStyle/>
           <a:p>
-            <a:r>
-              <a:rPr lang="hr-HR" altLang="en-US" dirty="0"/>
-              <a:t>/*ubaciti pitanja*/</a:t>
-            </a:r>
-            <a:endParaRPr lang="en-US" altLang="en-US" dirty="0"/>
-          </a:p>
-          <a:p>
-            <a:endParaRPr lang="en-US" dirty="0"/>
-          </a:p>
-          <a:p>
-            <a:endParaRPr lang="en-US" dirty="0"/>
+            <a:pPr marL="285750" indent="-285750">
+              <a:buFont typeface="Arial" panose="020B0604020202020204" pitchFamily="34" charset="0"/>
+              <a:buChar char="•"/>
+            </a:pPr>
+            <a:r>
+              <a:rPr lang="hr-HR" b="0" dirty="0"/>
+              <a:t>programski paket za uredsku obradu podataka</a:t>
+            </a:r>
+          </a:p>
+          <a:p>
+            <a:pPr marL="285750" indent="-285750">
+              <a:buFont typeface="Arial" panose="020B0604020202020204" pitchFamily="34" charset="0"/>
+              <a:buChar char="•"/>
+            </a:pPr>
+            <a:endParaRPr lang="hr-HR" b="0" dirty="0"/>
+          </a:p>
+          <a:p>
+            <a:pPr marL="285750" indent="-285750">
+              <a:buFont typeface="Arial" panose="020B0604020202020204" pitchFamily="34" charset="0"/>
+              <a:buChar char="•"/>
+            </a:pPr>
+            <a:r>
+              <a:rPr lang="hr-HR" b="0" dirty="0" err="1"/>
+              <a:t>The</a:t>
+            </a:r>
+            <a:r>
+              <a:rPr lang="hr-HR" b="0" dirty="0"/>
+              <a:t> </a:t>
+            </a:r>
+            <a:r>
+              <a:rPr lang="hr-HR" b="0" dirty="0" err="1"/>
+              <a:t>Document</a:t>
+            </a:r>
+            <a:r>
+              <a:rPr lang="hr-HR" b="0" dirty="0"/>
+              <a:t> </a:t>
+            </a:r>
+            <a:r>
+              <a:rPr lang="hr-HR" b="0" dirty="0" err="1"/>
+              <a:t>Foundation</a:t>
+            </a:r>
+            <a:r>
+              <a:rPr lang="hr-HR" b="0" dirty="0"/>
+              <a:t> - osnivač</a:t>
+            </a:r>
+          </a:p>
+          <a:p>
+            <a:pPr marL="285750" indent="-285750">
+              <a:buFont typeface="Arial" panose="020B0604020202020204" pitchFamily="34" charset="0"/>
+              <a:buChar char="•"/>
+            </a:pPr>
+            <a:endParaRPr lang="hr-HR" b="0" dirty="0"/>
+          </a:p>
+          <a:p>
+            <a:pPr marL="285750" indent="-285750">
+              <a:buFont typeface="Arial" panose="020B0604020202020204" pitchFamily="34" charset="0"/>
+              <a:buChar char="•"/>
+            </a:pPr>
+            <a:r>
+              <a:rPr lang="hr-HR" b="0" dirty="0"/>
+              <a:t> Sadržan unutar Linux distribucija: Ubuntu, </a:t>
+            </a:r>
+            <a:r>
+              <a:rPr lang="hr-HR" b="0" dirty="0" err="1"/>
+              <a:t>OpenSUSE</a:t>
+            </a:r>
+            <a:r>
+              <a:rPr lang="hr-HR" b="0" dirty="0"/>
+              <a:t>, </a:t>
+            </a:r>
+            <a:r>
+              <a:rPr lang="hr-HR" b="0" dirty="0" err="1"/>
+              <a:t>Mint</a:t>
+            </a:r>
+            <a:r>
+              <a:rPr lang="hr-HR" b="0" dirty="0"/>
+              <a:t> i Fedora</a:t>
+            </a:r>
+          </a:p>
+          <a:p>
+            <a:pPr marL="285750" indent="-285750">
+              <a:buFont typeface="Arial" panose="020B0604020202020204" pitchFamily="34" charset="0"/>
+              <a:buChar char="•"/>
+            </a:pPr>
+            <a:endParaRPr lang="hr-HR" b="0" dirty="0"/>
+          </a:p>
+          <a:p>
+            <a:pPr marL="285750" indent="-285750">
+              <a:buFont typeface="Arial" panose="020B0604020202020204" pitchFamily="34" charset="0"/>
+              <a:buChar char="•"/>
+            </a:pPr>
+            <a:r>
+              <a:rPr lang="hr-HR" b="0" dirty="0"/>
+              <a:t>C++, XML i Java</a:t>
+            </a:r>
+          </a:p>
+          <a:p>
+            <a:pPr marL="285750" indent="-285750">
+              <a:buFont typeface="Arial" panose="020B0604020202020204" pitchFamily="34" charset="0"/>
+              <a:buChar char="•"/>
+            </a:pPr>
+            <a:endParaRPr lang="hr-HR" b="0" dirty="0"/>
+          </a:p>
+          <a:p>
+            <a:pPr marL="285750" indent="-285750">
+              <a:buFont typeface="Arial" panose="020B0604020202020204" pitchFamily="34" charset="0"/>
+              <a:buChar char="•"/>
+            </a:pPr>
+            <a:r>
+              <a:rPr lang="hr-HR" b="0" dirty="0"/>
+              <a:t>Podržan i na Windowsima te uređajima s </a:t>
+            </a:r>
+            <a:r>
+              <a:rPr lang="hr-HR" b="0" dirty="0" err="1"/>
+              <a:t>MacOS</a:t>
+            </a:r>
+            <a:r>
+              <a:rPr lang="hr-HR" b="0" dirty="0"/>
+              <a:t>-om</a:t>
+            </a:r>
           </a:p>
         </p:txBody>
       </p:sp>
     </p:spTree>
     <p:extLst>
       <p:ext uri="{BB962C8B-B14F-4D97-AF65-F5344CB8AC3E}">
-        <p14:creationId xmlns:p14="http://schemas.microsoft.com/office/powerpoint/2010/main" val="4244761525"/>
+        <p14:creationId xmlns:p14="http://schemas.microsoft.com/office/powerpoint/2010/main" val="4267020264"/>
       </p:ext>
     </p:extLst>
   </p:cSld>
@@ -12857,10 +13346,10 @@
       </p:grpSpPr>
       <p:sp>
         <p:nvSpPr>
-          <p:cNvPr id="4" name="Title 3">
+          <p:cNvPr id="3" name="Title 2">
             <a:extLst>
               <a:ext uri="{FF2B5EF4-FFF2-40B4-BE49-F238E27FC236}">
-                <a16:creationId xmlns:a16="http://schemas.microsoft.com/office/drawing/2014/main" id="{9DA36B3A-558B-413E-877B-7275290AB783}"/>
+                <a16:creationId xmlns:a16="http://schemas.microsoft.com/office/drawing/2014/main" id="{8F18C6B5-87AC-4DA5-94CA-6E092A6A07D3}"/>
               </a:ext>
             </a:extLst>
           </p:cNvPr>
@@ -12873,8 +13362,8 @@
         </p:nvSpPr>
         <p:spPr>
           <a:xfrm>
-            <a:off x="5199742" y="715961"/>
-            <a:ext cx="6477000" cy="1189037"/>
+            <a:off x="762000" y="715963"/>
+            <a:ext cx="7065264" cy="1189038"/>
           </a:xfrm>
         </p:spPr>
         <p:txBody>
@@ -12882,18 +13371,27 @@
           <a:lstStyle/>
           <a:p>
             <a:r>
-              <a:rPr lang="en-US" dirty="0"/>
-              <a:t>Resources</a:t>
-            </a:r>
+              <a:rPr lang="hr-HR" dirty="0">
+                <a:solidFill>
+                  <a:schemeClr val="accent1"/>
+                </a:solidFill>
+              </a:rPr>
+              <a:t>Sadržaj programskog paketa</a:t>
+            </a:r>
+            <a:endParaRPr lang="en-US" dirty="0">
+              <a:solidFill>
+                <a:schemeClr val="accent1"/>
+              </a:solidFill>
+            </a:endParaRPr>
           </a:p>
         </p:txBody>
       </p:sp>
       <p:sp>
         <p:nvSpPr>
-          <p:cNvPr id="3" name="Text Placeholder 2">
+          <p:cNvPr id="7" name="Text Placeholder 6">
             <a:extLst>
               <a:ext uri="{FF2B5EF4-FFF2-40B4-BE49-F238E27FC236}">
-                <a16:creationId xmlns:a16="http://schemas.microsoft.com/office/drawing/2014/main" id="{68675CE5-70A2-411D-881E-7B75B82931F4}"/>
+                <a16:creationId xmlns:a16="http://schemas.microsoft.com/office/drawing/2014/main" id="{C6F52EDA-7F85-46DD-9A9E-95E0E3EC3F84}"/>
               </a:ext>
             </a:extLst>
           </p:cNvPr>
@@ -12906,44 +13404,681 @@
         </p:nvSpPr>
         <p:spPr>
           <a:xfrm>
-            <a:off x="5199743" y="1905000"/>
-            <a:ext cx="6477000" cy="3276600"/>
+            <a:off x="762000" y="1905000"/>
+            <a:ext cx="11021568" cy="3898392"/>
           </a:xfrm>
         </p:spPr>
         <p:txBody>
           <a:bodyPr/>
           <a:lstStyle/>
           <a:p>
-            <a:r>
-              <a:rPr lang="en-US" altLang="en-US" dirty="0"/>
-              <a:t>List the resources you used for your research:</a:t>
-            </a:r>
-          </a:p>
-          <a:p>
-            <a:pPr lvl="1"/>
-            <a:r>
-              <a:rPr lang="fr-FR" dirty="0"/>
-              <a:t>Source #1</a:t>
-            </a:r>
-          </a:p>
-          <a:p>
-            <a:pPr lvl="1"/>
-            <a:r>
-              <a:rPr lang="fr-FR" dirty="0"/>
-              <a:t>Source #2</a:t>
-            </a:r>
-          </a:p>
-          <a:p>
-            <a:pPr lvl="1"/>
-            <a:r>
-              <a:rPr lang="fr-FR" dirty="0"/>
-              <a:t>Source #3</a:t>
-            </a:r>
-          </a:p>
-          <a:p>
-            <a:endParaRPr lang="en-US" dirty="0"/>
-          </a:p>
-          <a:p>
+            <a:pPr marL="285750" indent="-285750">
+              <a:lnSpc>
+                <a:spcPct val="200000"/>
+              </a:lnSpc>
+              <a:buFont typeface="Arial" panose="020B0604020202020204" pitchFamily="34" charset="0"/>
+              <a:buChar char="•"/>
+            </a:pPr>
+            <a:r>
+              <a:rPr lang="hr-HR" b="0" dirty="0" err="1"/>
+              <a:t>Writer</a:t>
+            </a:r>
+            <a:r>
+              <a:rPr lang="hr-HR" b="0" dirty="0"/>
+              <a:t> – obrada teksta</a:t>
+            </a:r>
+          </a:p>
+          <a:p>
+            <a:pPr marL="285750" indent="-285750">
+              <a:lnSpc>
+                <a:spcPct val="200000"/>
+              </a:lnSpc>
+              <a:buFont typeface="Arial" panose="020B0604020202020204" pitchFamily="34" charset="0"/>
+              <a:buChar char="•"/>
+            </a:pPr>
+            <a:r>
+              <a:rPr lang="hr-HR" b="0" dirty="0" err="1"/>
+              <a:t>Calc</a:t>
+            </a:r>
+            <a:r>
+              <a:rPr lang="hr-HR" b="0" dirty="0"/>
+              <a:t> – tablična obrada podataka</a:t>
+            </a:r>
+          </a:p>
+          <a:p>
+            <a:pPr marL="285750" indent="-285750">
+              <a:lnSpc>
+                <a:spcPct val="200000"/>
+              </a:lnSpc>
+              <a:buFont typeface="Arial" panose="020B0604020202020204" pitchFamily="34" charset="0"/>
+              <a:buChar char="•"/>
+            </a:pPr>
+            <a:r>
+              <a:rPr lang="hr-HR" b="0" dirty="0" err="1"/>
+              <a:t>Impress</a:t>
+            </a:r>
+            <a:r>
+              <a:rPr lang="hr-HR" b="0" dirty="0"/>
+              <a:t> – prezentacijski program</a:t>
+            </a:r>
+          </a:p>
+          <a:p>
+            <a:pPr marL="285750" indent="-285750">
+              <a:lnSpc>
+                <a:spcPct val="200000"/>
+              </a:lnSpc>
+              <a:buFont typeface="Arial" panose="020B0604020202020204" pitchFamily="34" charset="0"/>
+              <a:buChar char="•"/>
+            </a:pPr>
+            <a:r>
+              <a:rPr lang="hr-HR" b="0" dirty="0"/>
+              <a:t>Base – upravljanje relacijskim bazama podataka</a:t>
+            </a:r>
+          </a:p>
+          <a:p>
+            <a:pPr marL="285750" indent="-285750">
+              <a:lnSpc>
+                <a:spcPct val="200000"/>
+              </a:lnSpc>
+              <a:buFont typeface="Arial" panose="020B0604020202020204" pitchFamily="34" charset="0"/>
+              <a:buChar char="•"/>
+            </a:pPr>
+            <a:r>
+              <a:rPr lang="hr-HR" b="0" dirty="0" err="1"/>
+              <a:t>Draw</a:t>
+            </a:r>
+            <a:r>
+              <a:rPr lang="hr-HR" b="0" dirty="0"/>
+              <a:t> – vektorsko crtanje</a:t>
+            </a:r>
+          </a:p>
+          <a:p>
+            <a:pPr marL="285750" indent="-285750">
+              <a:lnSpc>
+                <a:spcPct val="200000"/>
+              </a:lnSpc>
+              <a:buFont typeface="Arial" panose="020B0604020202020204" pitchFamily="34" charset="0"/>
+              <a:buChar char="•"/>
+            </a:pPr>
+            <a:r>
+              <a:rPr lang="hr-HR" b="0" dirty="0" err="1"/>
+              <a:t>Math</a:t>
+            </a:r>
+            <a:r>
+              <a:rPr lang="hr-HR" b="0" dirty="0"/>
+              <a:t> – kreiranje i uređivanje matematičkih formula</a:t>
+            </a:r>
+            <a:endParaRPr lang="en-US" b="0" dirty="0"/>
+          </a:p>
+        </p:txBody>
+      </p:sp>
+      <p:pic>
+        <p:nvPicPr>
+          <p:cNvPr id="6" name="Slika 5">
+            <a:extLst>
+              <a:ext uri="{FF2B5EF4-FFF2-40B4-BE49-F238E27FC236}">
+                <a16:creationId xmlns:a16="http://schemas.microsoft.com/office/drawing/2014/main" id="{78D35BC4-177B-4AED-98F9-0F905FF285A9}"/>
+              </a:ext>
+            </a:extLst>
+          </p:cNvPr>
+          <p:cNvPicPr>
+            <a:picLocks noChangeAspect="1"/>
+          </p:cNvPicPr>
+          <p:nvPr/>
+        </p:nvPicPr>
+        <p:blipFill>
+          <a:blip r:embed="rId2"/>
+          <a:stretch>
+            <a:fillRect/>
+          </a:stretch>
+        </p:blipFill>
+        <p:spPr>
+          <a:xfrm>
+            <a:off x="3466338" y="1774680"/>
+            <a:ext cx="1473708" cy="982472"/>
+          </a:xfrm>
+          <a:prstGeom prst="rect">
+            <a:avLst/>
+          </a:prstGeom>
+        </p:spPr>
+      </p:pic>
+      <p:pic>
+        <p:nvPicPr>
+          <p:cNvPr id="9" name="Slika 8">
+            <a:extLst>
+              <a:ext uri="{FF2B5EF4-FFF2-40B4-BE49-F238E27FC236}">
+                <a16:creationId xmlns:a16="http://schemas.microsoft.com/office/drawing/2014/main" id="{3D5DA7E4-7F7A-479F-BB3C-0BDFAE3D93F4}"/>
+              </a:ext>
+            </a:extLst>
+          </p:cNvPr>
+          <p:cNvPicPr>
+            <a:picLocks noChangeAspect="1"/>
+          </p:cNvPicPr>
+          <p:nvPr/>
+        </p:nvPicPr>
+        <p:blipFill>
+          <a:blip r:embed="rId3"/>
+          <a:stretch>
+            <a:fillRect/>
+          </a:stretch>
+        </p:blipFill>
+        <p:spPr>
+          <a:xfrm>
+            <a:off x="5001006" y="2632926"/>
+            <a:ext cx="558546" cy="670255"/>
+          </a:xfrm>
+          <a:prstGeom prst="rect">
+            <a:avLst/>
+          </a:prstGeom>
+        </p:spPr>
+      </p:pic>
+      <p:pic>
+        <p:nvPicPr>
+          <p:cNvPr id="12" name="Slika 11">
+            <a:extLst>
+              <a:ext uri="{FF2B5EF4-FFF2-40B4-BE49-F238E27FC236}">
+                <a16:creationId xmlns:a16="http://schemas.microsoft.com/office/drawing/2014/main" id="{0F28BC4D-E758-4EDF-92F2-C3972A198286}"/>
+              </a:ext>
+            </a:extLst>
+          </p:cNvPr>
+          <p:cNvPicPr>
+            <a:picLocks noChangeAspect="1"/>
+          </p:cNvPicPr>
+          <p:nvPr/>
+        </p:nvPicPr>
+        <p:blipFill>
+          <a:blip r:embed="rId4"/>
+          <a:stretch>
+            <a:fillRect/>
+          </a:stretch>
+        </p:blipFill>
+        <p:spPr>
+          <a:xfrm>
+            <a:off x="5820156" y="3303181"/>
+            <a:ext cx="670255" cy="670255"/>
+          </a:xfrm>
+          <a:prstGeom prst="rect">
+            <a:avLst/>
+          </a:prstGeom>
+        </p:spPr>
+      </p:pic>
+      <p:pic>
+        <p:nvPicPr>
+          <p:cNvPr id="14" name="Slika 13">
+            <a:extLst>
+              <a:ext uri="{FF2B5EF4-FFF2-40B4-BE49-F238E27FC236}">
+                <a16:creationId xmlns:a16="http://schemas.microsoft.com/office/drawing/2014/main" id="{43C6BACE-25C7-42F9-BF55-0F7735C52182}"/>
+              </a:ext>
+            </a:extLst>
+          </p:cNvPr>
+          <p:cNvPicPr>
+            <a:picLocks noChangeAspect="1"/>
+          </p:cNvPicPr>
+          <p:nvPr/>
+        </p:nvPicPr>
+        <p:blipFill>
+          <a:blip r:embed="rId5"/>
+          <a:stretch>
+            <a:fillRect/>
+          </a:stretch>
+        </p:blipFill>
+        <p:spPr>
+          <a:xfrm>
+            <a:off x="6194145" y="3794925"/>
+            <a:ext cx="1550670" cy="1033780"/>
+          </a:xfrm>
+          <a:prstGeom prst="rect">
+            <a:avLst/>
+          </a:prstGeom>
+        </p:spPr>
+      </p:pic>
+      <p:pic>
+        <p:nvPicPr>
+          <p:cNvPr id="16" name="Slika 15">
+            <a:extLst>
+              <a:ext uri="{FF2B5EF4-FFF2-40B4-BE49-F238E27FC236}">
+                <a16:creationId xmlns:a16="http://schemas.microsoft.com/office/drawing/2014/main" id="{6B9D2A49-5AB0-41D3-9B29-78D8B8C73181}"/>
+              </a:ext>
+            </a:extLst>
+          </p:cNvPr>
+          <p:cNvPicPr>
+            <a:picLocks noChangeAspect="1"/>
+          </p:cNvPicPr>
+          <p:nvPr/>
+        </p:nvPicPr>
+        <p:blipFill>
+          <a:blip r:embed="rId6"/>
+          <a:stretch>
+            <a:fillRect/>
+          </a:stretch>
+        </p:blipFill>
+        <p:spPr>
+          <a:xfrm>
+            <a:off x="4133852" y="4700556"/>
+            <a:ext cx="670255" cy="670255"/>
+          </a:xfrm>
+          <a:prstGeom prst="rect">
+            <a:avLst/>
+          </a:prstGeom>
+        </p:spPr>
+      </p:pic>
+      <p:pic>
+        <p:nvPicPr>
+          <p:cNvPr id="18" name="Slika 17" descr="Slika na kojoj se prikazuje tekst&#10;&#10;Opis je automatski generiran">
+            <a:extLst>
+              <a:ext uri="{FF2B5EF4-FFF2-40B4-BE49-F238E27FC236}">
+                <a16:creationId xmlns:a16="http://schemas.microsoft.com/office/drawing/2014/main" id="{F22DDD3D-B50F-449F-944B-9CC4E75CCFC5}"/>
+              </a:ext>
+            </a:extLst>
+          </p:cNvPr>
+          <p:cNvPicPr>
+            <a:picLocks noChangeAspect="1"/>
+          </p:cNvPicPr>
+          <p:nvPr/>
+        </p:nvPicPr>
+        <p:blipFill>
+          <a:blip r:embed="rId7"/>
+          <a:stretch>
+            <a:fillRect/>
+          </a:stretch>
+        </p:blipFill>
+        <p:spPr>
+          <a:xfrm>
+            <a:off x="6634352" y="5320449"/>
+            <a:ext cx="670256" cy="670256"/>
+          </a:xfrm>
+          <a:prstGeom prst="rect">
+            <a:avLst/>
+          </a:prstGeom>
+        </p:spPr>
+      </p:pic>
+    </p:spTree>
+    <p:extLst>
+      <p:ext uri="{BB962C8B-B14F-4D97-AF65-F5344CB8AC3E}">
+        <p14:creationId xmlns:p14="http://schemas.microsoft.com/office/powerpoint/2010/main" val="3636794995"/>
+      </p:ext>
+    </p:extLst>
+  </p:cSld>
+  <p:clrMapOvr>
+    <a:masterClrMapping/>
+  </p:clrMapOvr>
+  <mc:AlternateContent xmlns:mc="http://schemas.openxmlformats.org/markup-compatibility/2006" xmlns:p14="http://schemas.microsoft.com/office/powerpoint/2010/main">
+    <mc:Choice Requires="p14">
+      <p:transition spd="med" p14:dur="700">
+        <p:fade/>
+      </p:transition>
+    </mc:Choice>
+    <mc:Fallback xmlns="">
+      <p:transition spd="med">
+        <p:fade/>
+      </p:transition>
+    </mc:Fallback>
+  </mc:AlternateContent>
+</p:sld>
+</file>
+
+<file path=ppt/slides/slide28.xml><?xml version="1.0" encoding="utf-8"?>
+<p:sld xmlns:a="http://schemas.openxmlformats.org/drawingml/2006/main" xmlns:r="http://schemas.openxmlformats.org/officeDocument/2006/relationships" xmlns:p="http://schemas.openxmlformats.org/presentationml/2006/main">
+  <p:cSld>
+    <p:spTree>
+      <p:nvGrpSpPr>
+        <p:cNvPr id="1" name=""/>
+        <p:cNvGrpSpPr/>
+        <p:nvPr/>
+      </p:nvGrpSpPr>
+      <p:grpSpPr>
+        <a:xfrm>
+          <a:off x="0" y="0"/>
+          <a:ext cx="0" cy="0"/>
+          <a:chOff x="0" y="0"/>
+          <a:chExt cx="0" cy="0"/>
+        </a:xfrm>
+      </p:grpSpPr>
+      <p:sp>
+        <p:nvSpPr>
+          <p:cNvPr id="2" name="Title 1">
+            <a:extLst>
+              <a:ext uri="{FF2B5EF4-FFF2-40B4-BE49-F238E27FC236}">
+                <a16:creationId xmlns:a16="http://schemas.microsoft.com/office/drawing/2014/main" id="{C7768BD7-2B30-4C5D-99AC-112B4A577046}"/>
+              </a:ext>
+            </a:extLst>
+          </p:cNvPr>
+          <p:cNvSpPr>
+            <a:spLocks noGrp="1"/>
+          </p:cNvSpPr>
+          <p:nvPr>
+            <p:ph type="title"/>
+          </p:nvPr>
+        </p:nvSpPr>
+        <p:spPr/>
+        <p:txBody>
+          <a:bodyPr/>
+          <a:lstStyle/>
+          <a:p>
+            <a:r>
+              <a:rPr lang="hr-HR" dirty="0">
+                <a:solidFill>
+                  <a:schemeClr val="accent1"/>
+                </a:solidFill>
+              </a:rPr>
+              <a:t>Povijest razvoja</a:t>
+            </a:r>
+          </a:p>
+        </p:txBody>
+      </p:sp>
+      <p:sp>
+        <p:nvSpPr>
+          <p:cNvPr id="3" name="Text Placeholder 2">
+            <a:extLst>
+              <a:ext uri="{FF2B5EF4-FFF2-40B4-BE49-F238E27FC236}">
+                <a16:creationId xmlns:a16="http://schemas.microsoft.com/office/drawing/2014/main" id="{F7C9384C-2540-480C-A33C-8D69E1DC9884}"/>
+              </a:ext>
+            </a:extLst>
+          </p:cNvPr>
+          <p:cNvSpPr>
+            <a:spLocks noGrp="1"/>
+          </p:cNvSpPr>
+          <p:nvPr>
+            <p:ph type="body" sz="quarter" idx="11"/>
+          </p:nvPr>
+        </p:nvSpPr>
+        <p:spPr/>
+        <p:txBody>
+          <a:bodyPr/>
+          <a:lstStyle/>
+          <a:p>
+            <a:pPr marL="285750" indent="-285750">
+              <a:buFont typeface="Arial" panose="020B0604020202020204" pitchFamily="34" charset="0"/>
+              <a:buChar char="•"/>
+            </a:pPr>
+            <a:r>
+              <a:rPr lang="hr-HR" b="0" dirty="0"/>
+              <a:t>Prva inačica predstavljena u siječnju 2011. godine</a:t>
+            </a:r>
+          </a:p>
+          <a:p>
+            <a:pPr marL="285750" indent="-285750">
+              <a:buFont typeface="Arial" panose="020B0604020202020204" pitchFamily="34" charset="0"/>
+              <a:buChar char="•"/>
+            </a:pPr>
+            <a:endParaRPr lang="hr-HR" b="0" dirty="0"/>
+          </a:p>
+          <a:p>
+            <a:pPr marL="285750" indent="-285750">
+              <a:buFont typeface="Arial" panose="020B0604020202020204" pitchFamily="34" charset="0"/>
+              <a:buChar char="•"/>
+            </a:pPr>
+            <a:r>
+              <a:rPr lang="hr-HR" b="0" dirty="0"/>
+              <a:t>Baziran na </a:t>
+            </a:r>
+            <a:r>
+              <a:rPr lang="hr-HR" b="0" dirty="0" err="1"/>
+              <a:t>OpenOffice</a:t>
+            </a:r>
+            <a:r>
+              <a:rPr lang="hr-HR" b="0" dirty="0"/>
+              <a:t>-u, njegovom prethodniku i temelju prve verzije </a:t>
+            </a:r>
+            <a:r>
+              <a:rPr lang="hr-HR" b="0" dirty="0" err="1"/>
+              <a:t>LibreOffice</a:t>
+            </a:r>
+            <a:r>
+              <a:rPr lang="hr-HR" b="0" dirty="0"/>
+              <a:t>-a</a:t>
+            </a:r>
+          </a:p>
+          <a:p>
+            <a:pPr marL="285750" indent="-285750">
+              <a:buFont typeface="Arial" panose="020B0604020202020204" pitchFamily="34" charset="0"/>
+              <a:buChar char="•"/>
+            </a:pPr>
+            <a:endParaRPr lang="hr-HR" b="0" dirty="0"/>
+          </a:p>
+          <a:p>
+            <a:pPr marL="285750" indent="-285750">
+              <a:buFont typeface="Arial" panose="020B0604020202020204" pitchFamily="34" charset="0"/>
+              <a:buChar char="•"/>
+            </a:pPr>
+            <a:r>
+              <a:rPr lang="hr-HR" b="0" dirty="0" err="1"/>
+              <a:t>StarDivision</a:t>
+            </a:r>
+            <a:r>
+              <a:rPr lang="hr-HR" b="0" dirty="0"/>
+              <a:t> &amp; </a:t>
+            </a:r>
+            <a:r>
+              <a:rPr lang="hr-HR" b="0" dirty="0" err="1"/>
+              <a:t>StarOffice</a:t>
+            </a:r>
+            <a:endParaRPr lang="hr-HR" b="0" dirty="0"/>
+          </a:p>
+          <a:p>
+            <a:pPr marL="285750" indent="-285750">
+              <a:buFont typeface="Arial" panose="020B0604020202020204" pitchFamily="34" charset="0"/>
+              <a:buChar char="•"/>
+            </a:pPr>
+            <a:endParaRPr lang="hr-HR" b="0" dirty="0"/>
+          </a:p>
+          <a:p>
+            <a:pPr marL="285750" indent="-285750">
+              <a:buFont typeface="Arial" panose="020B0604020202020204" pitchFamily="34" charset="0"/>
+              <a:buChar char="•"/>
+            </a:pPr>
+            <a:r>
+              <a:rPr lang="hr-HR" b="0" dirty="0"/>
+              <a:t>Kompatibilan s .</a:t>
+            </a:r>
+            <a:r>
+              <a:rPr lang="hr-HR" b="0" dirty="0" err="1"/>
+              <a:t>docx</a:t>
+            </a:r>
+            <a:r>
+              <a:rPr lang="hr-HR" b="0" dirty="0"/>
+              <a:t>, .</a:t>
+            </a:r>
+            <a:r>
+              <a:rPr lang="hr-HR" b="0" dirty="0" err="1"/>
+              <a:t>xlsx</a:t>
+            </a:r>
+            <a:r>
+              <a:rPr lang="hr-HR" b="0" dirty="0"/>
+              <a:t>, .</a:t>
+            </a:r>
+            <a:r>
+              <a:rPr lang="hr-HR" b="0" dirty="0" err="1"/>
+              <a:t>pptx</a:t>
+            </a:r>
+            <a:r>
+              <a:rPr lang="hr-HR" b="0" dirty="0"/>
+              <a:t> i mnogim drugim formatima</a:t>
+            </a:r>
+          </a:p>
+          <a:p>
+            <a:pPr marL="285750" indent="-285750">
+              <a:buFont typeface="Arial" panose="020B0604020202020204" pitchFamily="34" charset="0"/>
+              <a:buChar char="•"/>
+            </a:pPr>
+            <a:r>
+              <a:rPr lang="hr-HR" b="0" dirty="0" err="1"/>
+              <a:t>LibreOffice</a:t>
+            </a:r>
+            <a:r>
+              <a:rPr lang="hr-HR" b="0" dirty="0"/>
+              <a:t> </a:t>
+            </a:r>
+            <a:r>
+              <a:rPr lang="hr-HR" b="0" dirty="0" err="1"/>
+              <a:t>Basic</a:t>
+            </a:r>
+            <a:endParaRPr lang="hr-HR" b="0" dirty="0"/>
+          </a:p>
+          <a:p>
+            <a:pPr marL="285750" indent="-285750">
+              <a:buFont typeface="Arial" panose="020B0604020202020204" pitchFamily="34" charset="0"/>
+              <a:buChar char="•"/>
+            </a:pPr>
+            <a:endParaRPr lang="hr-HR" b="0" dirty="0"/>
+          </a:p>
+          <a:p>
+            <a:pPr marL="285750" indent="-285750">
+              <a:buFont typeface="Arial" panose="020B0604020202020204" pitchFamily="34" charset="0"/>
+              <a:buChar char="•"/>
+            </a:pPr>
+            <a:r>
+              <a:rPr lang="hr-HR" b="0" dirty="0"/>
+              <a:t>Jedan od poznatijih </a:t>
+            </a:r>
+            <a:r>
+              <a:rPr lang="hr-HR" b="0" dirty="0" err="1"/>
+              <a:t>open</a:t>
+            </a:r>
+            <a:r>
+              <a:rPr lang="hr-HR" b="0" dirty="0"/>
+              <a:t> </a:t>
+            </a:r>
+            <a:r>
+              <a:rPr lang="hr-HR" b="0" dirty="0" err="1"/>
+              <a:t>source</a:t>
+            </a:r>
+            <a:r>
+              <a:rPr lang="hr-HR" b="0" dirty="0"/>
+              <a:t> projekata u svijetu</a:t>
+            </a:r>
+          </a:p>
+          <a:p>
+            <a:pPr marL="285750" indent="-285750">
+              <a:buFont typeface="Arial" panose="020B0604020202020204" pitchFamily="34" charset="0"/>
+              <a:buChar char="•"/>
+            </a:pPr>
+            <a:endParaRPr lang="hr-HR" b="0" dirty="0"/>
+          </a:p>
+        </p:txBody>
+      </p:sp>
+      <p:pic>
+        <p:nvPicPr>
+          <p:cNvPr id="5" name="Slika 4">
+            <a:extLst>
+              <a:ext uri="{FF2B5EF4-FFF2-40B4-BE49-F238E27FC236}">
+                <a16:creationId xmlns:a16="http://schemas.microsoft.com/office/drawing/2014/main" id="{187BD702-0726-48AD-A3AF-6401A1B8BA58}"/>
+              </a:ext>
+            </a:extLst>
+          </p:cNvPr>
+          <p:cNvPicPr>
+            <a:picLocks noChangeAspect="1"/>
+          </p:cNvPicPr>
+          <p:nvPr/>
+        </p:nvPicPr>
+        <p:blipFill>
+          <a:blip r:embed="rId2"/>
+          <a:stretch>
+            <a:fillRect/>
+          </a:stretch>
+        </p:blipFill>
+        <p:spPr>
+          <a:xfrm>
+            <a:off x="4842510" y="3325367"/>
+            <a:ext cx="2052066" cy="1026033"/>
+          </a:xfrm>
+          <a:prstGeom prst="rect">
+            <a:avLst/>
+          </a:prstGeom>
+        </p:spPr>
+      </p:pic>
+    </p:spTree>
+    <p:extLst>
+      <p:ext uri="{BB962C8B-B14F-4D97-AF65-F5344CB8AC3E}">
+        <p14:creationId xmlns:p14="http://schemas.microsoft.com/office/powerpoint/2010/main" val="1218137215"/>
+      </p:ext>
+    </p:extLst>
+  </p:cSld>
+  <p:clrMapOvr>
+    <a:masterClrMapping/>
+  </p:clrMapOvr>
+  <mc:AlternateContent xmlns:mc="http://schemas.openxmlformats.org/markup-compatibility/2006" xmlns:p14="http://schemas.microsoft.com/office/powerpoint/2010/main">
+    <mc:Choice Requires="p14">
+      <p:transition spd="med" p14:dur="700">
+        <p:fade/>
+      </p:transition>
+    </mc:Choice>
+    <mc:Fallback xmlns="">
+      <p:transition spd="med">
+        <p:fade/>
+      </p:transition>
+    </mc:Fallback>
+  </mc:AlternateContent>
+</p:sld>
+</file>
+
+<file path=ppt/slides/slide29.xml><?xml version="1.0" encoding="utf-8"?>
+<p:sld xmlns:a="http://schemas.openxmlformats.org/drawingml/2006/main" xmlns:r="http://schemas.openxmlformats.org/officeDocument/2006/relationships" xmlns:p="http://schemas.openxmlformats.org/presentationml/2006/main">
+  <p:cSld>
+    <p:spTree>
+      <p:nvGrpSpPr>
+        <p:cNvPr id="1" name=""/>
+        <p:cNvGrpSpPr/>
+        <p:nvPr/>
+      </p:nvGrpSpPr>
+      <p:grpSpPr>
+        <a:xfrm>
+          <a:off x="0" y="0"/>
+          <a:ext cx="0" cy="0"/>
+          <a:chOff x="0" y="0"/>
+          <a:chExt cx="0" cy="0"/>
+        </a:xfrm>
+      </p:grpSpPr>
+      <p:sp>
+        <p:nvSpPr>
+          <p:cNvPr id="5" name="Title 4">
+            <a:extLst>
+              <a:ext uri="{FF2B5EF4-FFF2-40B4-BE49-F238E27FC236}">
+                <a16:creationId xmlns:a16="http://schemas.microsoft.com/office/drawing/2014/main" id="{D1262CD5-AD01-42E3-9173-97C12BB0D9B8}"/>
+              </a:ext>
+            </a:extLst>
+          </p:cNvPr>
+          <p:cNvSpPr>
+            <a:spLocks noGrp="1"/>
+          </p:cNvSpPr>
+          <p:nvPr>
+            <p:ph type="title"/>
+          </p:nvPr>
+        </p:nvSpPr>
+        <p:spPr>
+          <a:xfrm>
+            <a:off x="5199742" y="2396480"/>
+            <a:ext cx="6477000" cy="1189037"/>
+          </a:xfrm>
+        </p:spPr>
+        <p:txBody>
+          <a:bodyPr>
+            <a:normAutofit fontScale="90000"/>
+          </a:bodyPr>
+          <a:lstStyle/>
+          <a:p>
+            <a:r>
+              <a:rPr lang="hr-HR" dirty="0" err="1"/>
+              <a:t>VideoLan</a:t>
+            </a:r>
+            <a:br>
+              <a:rPr lang="hr-HR" dirty="0"/>
+            </a:br>
+            <a:r>
+              <a:rPr lang="hr-HR" sz="1700" dirty="0" err="1"/>
+              <a:t>VideoLan</a:t>
+            </a:r>
+            <a:r>
+              <a:rPr lang="hr-HR" sz="1700" dirty="0"/>
+              <a:t> </a:t>
+            </a:r>
+            <a:r>
+              <a:rPr lang="hr-HR" sz="1700" dirty="0" err="1"/>
+              <a:t>Organisation</a:t>
+            </a:r>
+            <a:br>
+              <a:rPr lang="en-US" dirty="0"/>
+            </a:br>
             <a:endParaRPr lang="en-US" dirty="0"/>
           </a:p>
         </p:txBody>
@@ -12951,7 +14086,7 @@
     </p:spTree>
     <p:extLst>
       <p:ext uri="{BB962C8B-B14F-4D97-AF65-F5344CB8AC3E}">
-        <p14:creationId xmlns:p14="http://schemas.microsoft.com/office/powerpoint/2010/main" val="3366527757"/>
+        <p14:creationId xmlns:p14="http://schemas.microsoft.com/office/powerpoint/2010/main" val="2729176220"/>
       </p:ext>
     </p:extLst>
   </p:cSld>
@@ -13087,13 +14222,876 @@
   <p:clrMapOvr>
     <a:masterClrMapping/>
   </p:clrMapOvr>
-  <mc:AlternateContent xmlns:mc="http://schemas.openxmlformats.org/markup-compatibility/2006">
-    <mc:Choice xmlns:p14="http://schemas.microsoft.com/office/powerpoint/2010/main" Requires="p14">
+  <mc:AlternateContent xmlns:mc="http://schemas.openxmlformats.org/markup-compatibility/2006" xmlns:p14="http://schemas.microsoft.com/office/powerpoint/2010/main">
+    <mc:Choice Requires="p14">
       <p:transition spd="med" p14:dur="700">
         <p:fade/>
       </p:transition>
     </mc:Choice>
-    <mc:Fallback>
+    <mc:Fallback xmlns="">
+      <p:transition spd="med">
+        <p:fade/>
+      </p:transition>
+    </mc:Fallback>
+  </mc:AlternateContent>
+</p:sld>
+</file>
+
+<file path=ppt/slides/slide30.xml><?xml version="1.0" encoding="utf-8"?>
+<p:sld xmlns:a="http://schemas.openxmlformats.org/drawingml/2006/main" xmlns:r="http://schemas.openxmlformats.org/officeDocument/2006/relationships" xmlns:p="http://schemas.openxmlformats.org/presentationml/2006/main">
+  <p:cSld>
+    <p:spTree>
+      <p:nvGrpSpPr>
+        <p:cNvPr id="1" name=""/>
+        <p:cNvGrpSpPr/>
+        <p:nvPr/>
+      </p:nvGrpSpPr>
+      <p:grpSpPr>
+        <a:xfrm>
+          <a:off x="0" y="0"/>
+          <a:ext cx="0" cy="0"/>
+          <a:chOff x="0" y="0"/>
+          <a:chExt cx="0" cy="0"/>
+        </a:xfrm>
+      </p:grpSpPr>
+      <p:sp>
+        <p:nvSpPr>
+          <p:cNvPr id="2" name="Title 1">
+            <a:extLst>
+              <a:ext uri="{FF2B5EF4-FFF2-40B4-BE49-F238E27FC236}">
+                <a16:creationId xmlns:a16="http://schemas.microsoft.com/office/drawing/2014/main" id="{C7768BD7-2B30-4C5D-99AC-112B4A577046}"/>
+              </a:ext>
+            </a:extLst>
+          </p:cNvPr>
+          <p:cNvSpPr>
+            <a:spLocks noGrp="1"/>
+          </p:cNvSpPr>
+          <p:nvPr>
+            <p:ph type="title"/>
+          </p:nvPr>
+        </p:nvSpPr>
+        <p:spPr/>
+        <p:txBody>
+          <a:bodyPr/>
+          <a:lstStyle/>
+          <a:p>
+            <a:r>
+              <a:rPr lang="hr-HR" dirty="0">
+                <a:solidFill>
+                  <a:schemeClr val="accent1"/>
+                </a:solidFill>
+              </a:rPr>
+              <a:t>Počeci razvoja</a:t>
+            </a:r>
+          </a:p>
+        </p:txBody>
+      </p:sp>
+      <p:sp>
+        <p:nvSpPr>
+          <p:cNvPr id="3" name="Text Placeholder 2">
+            <a:extLst>
+              <a:ext uri="{FF2B5EF4-FFF2-40B4-BE49-F238E27FC236}">
+                <a16:creationId xmlns:a16="http://schemas.microsoft.com/office/drawing/2014/main" id="{F7C9384C-2540-480C-A33C-8D69E1DC9884}"/>
+              </a:ext>
+            </a:extLst>
+          </p:cNvPr>
+          <p:cNvSpPr>
+            <a:spLocks noGrp="1"/>
+          </p:cNvSpPr>
+          <p:nvPr>
+            <p:ph type="body" sz="quarter" idx="11"/>
+          </p:nvPr>
+        </p:nvSpPr>
+        <p:spPr/>
+        <p:txBody>
+          <a:bodyPr/>
+          <a:lstStyle/>
+          <a:p>
+            <a:pPr marL="285750" indent="-285750">
+              <a:buFont typeface="Arial" panose="020B0604020202020204" pitchFamily="34" charset="0"/>
+              <a:buChar char="•"/>
+            </a:pPr>
+            <a:r>
+              <a:rPr lang="hr-HR" b="0" dirty="0"/>
+              <a:t>Projekt studenata tehničkog sveučilišta </a:t>
+            </a:r>
+            <a:r>
+              <a:rPr lang="hr-HR" b="0" dirty="0" err="1"/>
+              <a:t>École</a:t>
+            </a:r>
+            <a:r>
+              <a:rPr lang="hr-HR" b="0" dirty="0"/>
+              <a:t> Centrale u Parizu 1996.godine</a:t>
+            </a:r>
+          </a:p>
+          <a:p>
+            <a:pPr marL="285750" indent="-285750">
+              <a:buFont typeface="Arial" panose="020B0604020202020204" pitchFamily="34" charset="0"/>
+              <a:buChar char="•"/>
+            </a:pPr>
+            <a:endParaRPr lang="hr-HR" b="0" dirty="0"/>
+          </a:p>
+          <a:p>
+            <a:pPr marL="285750" indent="-285750">
+              <a:buFont typeface="Arial" panose="020B0604020202020204" pitchFamily="34" charset="0"/>
+              <a:buChar char="•"/>
+            </a:pPr>
+            <a:r>
+              <a:rPr lang="hr-HR" b="0" dirty="0"/>
+              <a:t>Želja za </a:t>
+            </a:r>
+            <a:r>
+              <a:rPr lang="hr-HR" b="0" dirty="0" err="1"/>
+              <a:t>unaprijeđenjem</a:t>
+            </a:r>
+            <a:r>
+              <a:rPr lang="hr-HR" b="0" dirty="0"/>
+              <a:t> mreže sveučilišta</a:t>
+            </a:r>
+          </a:p>
+          <a:p>
+            <a:pPr marL="285750" indent="-285750">
+              <a:buFont typeface="Arial" panose="020B0604020202020204" pitchFamily="34" charset="0"/>
+              <a:buChar char="•"/>
+            </a:pPr>
+            <a:endParaRPr lang="hr-HR" b="0" dirty="0"/>
+          </a:p>
+          <a:p>
+            <a:pPr marL="285750" indent="-285750">
+              <a:buFont typeface="Arial" panose="020B0604020202020204" pitchFamily="34" charset="0"/>
+              <a:buChar char="•"/>
+            </a:pPr>
+            <a:r>
+              <a:rPr lang="hr-HR" b="0" dirty="0" err="1"/>
+              <a:t>VideoLanServer</a:t>
+            </a:r>
+            <a:r>
+              <a:rPr lang="hr-HR" b="0" dirty="0"/>
+              <a:t>(VLS) i </a:t>
+            </a:r>
+            <a:r>
+              <a:rPr lang="hr-HR" b="0" dirty="0" err="1"/>
+              <a:t>VideoLanClient</a:t>
+            </a:r>
+            <a:r>
+              <a:rPr lang="hr-HR" b="0" dirty="0"/>
+              <a:t>(VLC) – MPEG-2</a:t>
+            </a:r>
+          </a:p>
+          <a:p>
+            <a:pPr marL="285750" indent="-285750">
+              <a:buFont typeface="Arial" panose="020B0604020202020204" pitchFamily="34" charset="0"/>
+              <a:buChar char="•"/>
+            </a:pPr>
+            <a:endParaRPr lang="hr-HR" b="0" dirty="0"/>
+          </a:p>
+          <a:p>
+            <a:pPr marL="285750" indent="-285750">
+              <a:buFont typeface="Arial" panose="020B0604020202020204" pitchFamily="34" charset="0"/>
+              <a:buChar char="•"/>
+            </a:pPr>
+            <a:r>
+              <a:rPr lang="hr-HR" b="0" dirty="0"/>
+              <a:t>1.veljače 2001. programi postaju </a:t>
+            </a:r>
+            <a:r>
+              <a:rPr lang="hr-HR" b="0" dirty="0" err="1"/>
+              <a:t>open</a:t>
+            </a:r>
+            <a:r>
+              <a:rPr lang="hr-HR" b="0" dirty="0"/>
+              <a:t> </a:t>
+            </a:r>
+            <a:r>
+              <a:rPr lang="hr-HR" b="0" dirty="0" err="1"/>
+              <a:t>source</a:t>
+            </a:r>
+            <a:endParaRPr lang="hr-HR" b="0" dirty="0"/>
+          </a:p>
+        </p:txBody>
+      </p:sp>
+    </p:spTree>
+    <p:extLst>
+      <p:ext uri="{BB962C8B-B14F-4D97-AF65-F5344CB8AC3E}">
+        <p14:creationId xmlns:p14="http://schemas.microsoft.com/office/powerpoint/2010/main" val="2030096904"/>
+      </p:ext>
+    </p:extLst>
+  </p:cSld>
+  <p:clrMapOvr>
+    <a:masterClrMapping/>
+  </p:clrMapOvr>
+  <mc:AlternateContent xmlns:mc="http://schemas.openxmlformats.org/markup-compatibility/2006" xmlns:p14="http://schemas.microsoft.com/office/powerpoint/2010/main">
+    <mc:Choice Requires="p14">
+      <p:transition spd="med" p14:dur="700">
+        <p:fade/>
+      </p:transition>
+    </mc:Choice>
+    <mc:Fallback xmlns="">
+      <p:transition spd="med">
+        <p:fade/>
+      </p:transition>
+    </mc:Fallback>
+  </mc:AlternateContent>
+</p:sld>
+</file>
+
+<file path=ppt/slides/slide31.xml><?xml version="1.0" encoding="utf-8"?>
+<p:sld xmlns:a="http://schemas.openxmlformats.org/drawingml/2006/main" xmlns:r="http://schemas.openxmlformats.org/officeDocument/2006/relationships" xmlns:p="http://schemas.openxmlformats.org/presentationml/2006/main">
+  <p:cSld>
+    <p:spTree>
+      <p:nvGrpSpPr>
+        <p:cNvPr id="1" name=""/>
+        <p:cNvGrpSpPr/>
+        <p:nvPr/>
+      </p:nvGrpSpPr>
+      <p:grpSpPr>
+        <a:xfrm>
+          <a:off x="0" y="0"/>
+          <a:ext cx="0" cy="0"/>
+          <a:chOff x="0" y="0"/>
+          <a:chExt cx="0" cy="0"/>
+        </a:xfrm>
+      </p:grpSpPr>
+      <p:sp>
+        <p:nvSpPr>
+          <p:cNvPr id="2" name="Title 1">
+            <a:extLst>
+              <a:ext uri="{FF2B5EF4-FFF2-40B4-BE49-F238E27FC236}">
+                <a16:creationId xmlns:a16="http://schemas.microsoft.com/office/drawing/2014/main" id="{C7768BD7-2B30-4C5D-99AC-112B4A577046}"/>
+              </a:ext>
+            </a:extLst>
+          </p:cNvPr>
+          <p:cNvSpPr>
+            <a:spLocks noGrp="1"/>
+          </p:cNvSpPr>
+          <p:nvPr>
+            <p:ph type="title"/>
+          </p:nvPr>
+        </p:nvSpPr>
+        <p:spPr/>
+        <p:txBody>
+          <a:bodyPr/>
+          <a:lstStyle/>
+          <a:p>
+            <a:r>
+              <a:rPr lang="hr-HR" dirty="0">
+                <a:solidFill>
+                  <a:schemeClr val="accent1"/>
+                </a:solidFill>
+              </a:rPr>
+              <a:t>O samom programu</a:t>
+            </a:r>
+          </a:p>
+        </p:txBody>
+      </p:sp>
+      <p:sp>
+        <p:nvSpPr>
+          <p:cNvPr id="3" name="Text Placeholder 2">
+            <a:extLst>
+              <a:ext uri="{FF2B5EF4-FFF2-40B4-BE49-F238E27FC236}">
+                <a16:creationId xmlns:a16="http://schemas.microsoft.com/office/drawing/2014/main" id="{F7C9384C-2540-480C-A33C-8D69E1DC9884}"/>
+              </a:ext>
+            </a:extLst>
+          </p:cNvPr>
+          <p:cNvSpPr>
+            <a:spLocks noGrp="1"/>
+          </p:cNvSpPr>
+          <p:nvPr>
+            <p:ph type="body" sz="quarter" idx="11"/>
+          </p:nvPr>
+        </p:nvSpPr>
+        <p:spPr>
+          <a:xfrm>
+            <a:off x="762000" y="1905000"/>
+            <a:ext cx="6340929" cy="3276600"/>
+          </a:xfrm>
+        </p:spPr>
+        <p:txBody>
+          <a:bodyPr/>
+          <a:lstStyle/>
+          <a:p>
+            <a:pPr marL="285750" indent="-285750">
+              <a:buFont typeface="Arial" panose="020B0604020202020204" pitchFamily="34" charset="0"/>
+              <a:buChar char="•"/>
+            </a:pPr>
+            <a:r>
+              <a:rPr lang="hr-HR" b="0" dirty="0"/>
+              <a:t>Najpoznatija VLC Media </a:t>
+            </a:r>
+            <a:r>
+              <a:rPr lang="hr-HR" b="0" dirty="0" err="1"/>
+              <a:t>player</a:t>
+            </a:r>
+            <a:endParaRPr lang="hr-HR" b="0" dirty="0"/>
+          </a:p>
+          <a:p>
+            <a:pPr marL="285750" indent="-285750">
+              <a:buFont typeface="Arial" panose="020B0604020202020204" pitchFamily="34" charset="0"/>
+              <a:buChar char="•"/>
+            </a:pPr>
+            <a:endParaRPr lang="hr-HR" b="0" dirty="0"/>
+          </a:p>
+          <a:p>
+            <a:pPr marL="285750" indent="-285750">
+              <a:buFont typeface="Arial" panose="020B0604020202020204" pitchFamily="34" charset="0"/>
+              <a:buChar char="•"/>
+            </a:pPr>
+            <a:r>
+              <a:rPr lang="hr-HR" b="0" dirty="0"/>
+              <a:t>Linux, Windows, </a:t>
+            </a:r>
+            <a:r>
+              <a:rPr lang="hr-HR" b="0" dirty="0" err="1"/>
+              <a:t>MacOS</a:t>
+            </a:r>
+            <a:r>
+              <a:rPr lang="hr-HR" b="0" dirty="0"/>
+              <a:t>, Android, </a:t>
+            </a:r>
+            <a:r>
+              <a:rPr lang="hr-HR" b="0" dirty="0" err="1"/>
+              <a:t>iOS</a:t>
+            </a:r>
+            <a:endParaRPr lang="hr-HR" b="0" dirty="0"/>
+          </a:p>
+          <a:p>
+            <a:pPr marL="285750" indent="-285750">
+              <a:buFont typeface="Arial" panose="020B0604020202020204" pitchFamily="34" charset="0"/>
+              <a:buChar char="•"/>
+            </a:pPr>
+            <a:endParaRPr lang="hr-HR" b="0" dirty="0"/>
+          </a:p>
+          <a:p>
+            <a:pPr marL="285750" indent="-285750">
+              <a:buFont typeface="Arial" panose="020B0604020202020204" pitchFamily="34" charset="0"/>
+              <a:buChar char="•"/>
+            </a:pPr>
+            <a:r>
+              <a:rPr lang="hr-HR" b="0" dirty="0"/>
+              <a:t>Formati: MPEG-1/2/4, h264, </a:t>
+            </a:r>
+            <a:r>
+              <a:rPr lang="hr-HR" b="0" dirty="0" err="1"/>
+              <a:t>webm</a:t>
+            </a:r>
+            <a:r>
+              <a:rPr lang="hr-HR" b="0" dirty="0"/>
+              <a:t>, </a:t>
+            </a:r>
+            <a:r>
+              <a:rPr lang="hr-HR" b="0" dirty="0" err="1"/>
+              <a:t>mkv</a:t>
+            </a:r>
+            <a:r>
+              <a:rPr lang="hr-HR" b="0" dirty="0"/>
+              <a:t>, DVD, CD</a:t>
+            </a:r>
+          </a:p>
+          <a:p>
+            <a:pPr marL="285750" indent="-285750">
+              <a:buFont typeface="Arial" panose="020B0604020202020204" pitchFamily="34" charset="0"/>
+              <a:buChar char="•"/>
+            </a:pPr>
+            <a:endParaRPr lang="hr-HR" b="0" dirty="0"/>
+          </a:p>
+          <a:p>
+            <a:pPr marL="285750" indent="-285750">
+              <a:buFont typeface="Arial" panose="020B0604020202020204" pitchFamily="34" charset="0"/>
+              <a:buChar char="•"/>
+            </a:pPr>
+            <a:r>
+              <a:rPr lang="hr-HR" b="0" dirty="0"/>
+              <a:t>Čitanje prijenosa iz raznih izvora(Satelitski, kabelski izvor, TV kartice)</a:t>
+            </a:r>
+          </a:p>
+          <a:p>
+            <a:pPr marL="285750" indent="-285750">
+              <a:buFont typeface="Arial" panose="020B0604020202020204" pitchFamily="34" charset="0"/>
+              <a:buChar char="•"/>
+            </a:pPr>
+            <a:r>
+              <a:rPr lang="hr-HR" b="0" dirty="0"/>
+              <a:t>Podržava različite tipove mrežnih </a:t>
+            </a:r>
+            <a:r>
+              <a:rPr lang="hr-HR" b="0" dirty="0" err="1"/>
+              <a:t>streamova</a:t>
+            </a:r>
+            <a:endParaRPr lang="hr-HR" b="0" dirty="0"/>
+          </a:p>
+          <a:p>
+            <a:r>
+              <a:rPr lang="hr-HR" b="0" dirty="0"/>
+              <a:t>	-UDP/RTP </a:t>
+            </a:r>
+            <a:r>
+              <a:rPr lang="hr-HR" b="0" dirty="0" err="1"/>
+              <a:t>Unicast</a:t>
+            </a:r>
+            <a:r>
+              <a:rPr lang="hr-HR" b="0" dirty="0"/>
+              <a:t> i </a:t>
+            </a:r>
+            <a:r>
+              <a:rPr lang="hr-HR" b="0" dirty="0" err="1"/>
+              <a:t>Multicast</a:t>
+            </a:r>
+            <a:r>
+              <a:rPr lang="hr-HR" b="0" dirty="0"/>
+              <a:t>, HTTP, RTSP…</a:t>
+            </a:r>
+          </a:p>
+          <a:p>
+            <a:pPr marL="285750" indent="-285750">
+              <a:buFont typeface="Arial" panose="020B0604020202020204" pitchFamily="34" charset="0"/>
+              <a:buChar char="•"/>
+            </a:pPr>
+            <a:r>
+              <a:rPr lang="hr-HR" b="0" dirty="0"/>
+              <a:t>C, C++, </a:t>
+            </a:r>
+            <a:r>
+              <a:rPr lang="hr-HR" b="0" dirty="0" err="1"/>
+              <a:t>Cocoa</a:t>
+            </a:r>
+            <a:r>
+              <a:rPr lang="hr-HR" b="0" dirty="0"/>
+              <a:t>, </a:t>
+            </a:r>
+            <a:r>
+              <a:rPr lang="hr-HR" b="0" dirty="0" err="1"/>
+              <a:t>Objective</a:t>
+            </a:r>
+            <a:r>
+              <a:rPr lang="hr-HR" b="0" dirty="0"/>
+              <a:t> C</a:t>
+            </a:r>
+          </a:p>
+        </p:txBody>
+      </p:sp>
+      <p:pic>
+        <p:nvPicPr>
+          <p:cNvPr id="5" name="Slika 4">
+            <a:extLst>
+              <a:ext uri="{FF2B5EF4-FFF2-40B4-BE49-F238E27FC236}">
+                <a16:creationId xmlns:a16="http://schemas.microsoft.com/office/drawing/2014/main" id="{49182AF4-08E5-40CF-87F8-786B09A1E06E}"/>
+              </a:ext>
+            </a:extLst>
+          </p:cNvPr>
+          <p:cNvPicPr>
+            <a:picLocks noChangeAspect="1"/>
+          </p:cNvPicPr>
+          <p:nvPr/>
+        </p:nvPicPr>
+        <p:blipFill>
+          <a:blip r:embed="rId2"/>
+          <a:stretch>
+            <a:fillRect/>
+          </a:stretch>
+        </p:blipFill>
+        <p:spPr>
+          <a:xfrm>
+            <a:off x="4667250" y="1247648"/>
+            <a:ext cx="3272028" cy="2181352"/>
+          </a:xfrm>
+          <a:prstGeom prst="rect">
+            <a:avLst/>
+          </a:prstGeom>
+        </p:spPr>
+      </p:pic>
+    </p:spTree>
+    <p:extLst>
+      <p:ext uri="{BB962C8B-B14F-4D97-AF65-F5344CB8AC3E}">
+        <p14:creationId xmlns:p14="http://schemas.microsoft.com/office/powerpoint/2010/main" val="2940234463"/>
+      </p:ext>
+    </p:extLst>
+  </p:cSld>
+  <p:clrMapOvr>
+    <a:masterClrMapping/>
+  </p:clrMapOvr>
+  <mc:AlternateContent xmlns:mc="http://schemas.openxmlformats.org/markup-compatibility/2006" xmlns:p14="http://schemas.microsoft.com/office/powerpoint/2010/main">
+    <mc:Choice Requires="p14">
+      <p:transition spd="med" p14:dur="700">
+        <p:fade/>
+      </p:transition>
+    </mc:Choice>
+    <mc:Fallback xmlns="">
+      <p:transition spd="med">
+        <p:fade/>
+      </p:transition>
+    </mc:Fallback>
+  </mc:AlternateContent>
+</p:sld>
+</file>
+
+<file path=ppt/slides/slide32.xml><?xml version="1.0" encoding="utf-8"?>
+<p:sld xmlns:a="http://schemas.openxmlformats.org/drawingml/2006/main" xmlns:r="http://schemas.openxmlformats.org/officeDocument/2006/relationships" xmlns:p="http://schemas.openxmlformats.org/presentationml/2006/main">
+  <p:cSld>
+    <p:spTree>
+      <p:nvGrpSpPr>
+        <p:cNvPr id="1" name=""/>
+        <p:cNvGrpSpPr/>
+        <p:nvPr/>
+      </p:nvGrpSpPr>
+      <p:grpSpPr>
+        <a:xfrm>
+          <a:off x="0" y="0"/>
+          <a:ext cx="0" cy="0"/>
+          <a:chOff x="0" y="0"/>
+          <a:chExt cx="0" cy="0"/>
+        </a:xfrm>
+      </p:grpSpPr>
+      <p:sp>
+        <p:nvSpPr>
+          <p:cNvPr id="4" name="Title 3">
+            <a:extLst>
+              <a:ext uri="{FF2B5EF4-FFF2-40B4-BE49-F238E27FC236}">
+                <a16:creationId xmlns:a16="http://schemas.microsoft.com/office/drawing/2014/main" id="{068DF32A-D165-40DA-AAE8-A6E9579E2F79}"/>
+              </a:ext>
+            </a:extLst>
+          </p:cNvPr>
+          <p:cNvSpPr>
+            <a:spLocks noGrp="1"/>
+          </p:cNvSpPr>
+          <p:nvPr>
+            <p:ph type="title"/>
+          </p:nvPr>
+        </p:nvSpPr>
+        <p:spPr>
+          <a:xfrm>
+            <a:off x="1525301" y="1995467"/>
+            <a:ext cx="9141397" cy="615553"/>
+          </a:xfrm>
+        </p:spPr>
+        <p:txBody>
+          <a:bodyPr/>
+          <a:lstStyle/>
+          <a:p>
+            <a:r>
+              <a:rPr lang="en-US" dirty="0"/>
+              <a:t>Questions </a:t>
+            </a:r>
+            <a:r>
+              <a:rPr lang="en-US" dirty="0">
+                <a:solidFill>
+                  <a:schemeClr val="accent2"/>
+                </a:solidFill>
+              </a:rPr>
+              <a:t>&amp;</a:t>
+            </a:r>
+            <a:r>
+              <a:rPr lang="en-US" dirty="0"/>
+              <a:t> answers</a:t>
+            </a:r>
+          </a:p>
+        </p:txBody>
+      </p:sp>
+      <p:sp>
+        <p:nvSpPr>
+          <p:cNvPr id="7" name="Text Placeholder 6">
+            <a:extLst>
+              <a:ext uri="{FF2B5EF4-FFF2-40B4-BE49-F238E27FC236}">
+                <a16:creationId xmlns:a16="http://schemas.microsoft.com/office/drawing/2014/main" id="{C3BC92DE-1779-4A44-AED9-0261C2497DD9}"/>
+              </a:ext>
+            </a:extLst>
+          </p:cNvPr>
+          <p:cNvSpPr>
+            <a:spLocks noGrp="1"/>
+          </p:cNvSpPr>
+          <p:nvPr>
+            <p:ph type="body" sz="quarter" idx="12"/>
+          </p:nvPr>
+        </p:nvSpPr>
+        <p:spPr>
+          <a:xfrm>
+            <a:off x="2196307" y="3260705"/>
+            <a:ext cx="7799387" cy="1534757"/>
+          </a:xfrm>
+        </p:spPr>
+        <p:txBody>
+          <a:bodyPr/>
+          <a:lstStyle/>
+          <a:p>
+            <a:r>
+              <a:rPr lang="en-US" altLang="en-US" dirty="0"/>
+              <a:t>Invite questions from the audience.</a:t>
+            </a:r>
+          </a:p>
+          <a:p>
+            <a:endParaRPr lang="en-US" dirty="0"/>
+          </a:p>
+        </p:txBody>
+      </p:sp>
+    </p:spTree>
+    <p:extLst>
+      <p:ext uri="{BB962C8B-B14F-4D97-AF65-F5344CB8AC3E}">
+        <p14:creationId xmlns:p14="http://schemas.microsoft.com/office/powerpoint/2010/main" val="576716121"/>
+      </p:ext>
+    </p:extLst>
+  </p:cSld>
+  <p:clrMapOvr>
+    <a:masterClrMapping/>
+  </p:clrMapOvr>
+  <mc:AlternateContent xmlns:mc="http://schemas.openxmlformats.org/markup-compatibility/2006" xmlns:p14="http://schemas.microsoft.com/office/powerpoint/2010/main">
+    <mc:Choice Requires="p14">
+      <p:transition spd="med" p14:dur="700">
+        <p:fade/>
+      </p:transition>
+    </mc:Choice>
+    <mc:Fallback xmlns="">
+      <p:transition spd="med">
+        <p:fade/>
+      </p:transition>
+    </mc:Fallback>
+  </mc:AlternateContent>
+</p:sld>
+</file>
+
+<file path=ppt/slides/slide33.xml><?xml version="1.0" encoding="utf-8"?>
+<p:sld xmlns:a="http://schemas.openxmlformats.org/drawingml/2006/main" xmlns:r="http://schemas.openxmlformats.org/officeDocument/2006/relationships" xmlns:p="http://schemas.openxmlformats.org/presentationml/2006/main">
+  <p:cSld>
+    <p:spTree>
+      <p:nvGrpSpPr>
+        <p:cNvPr id="1" name=""/>
+        <p:cNvGrpSpPr/>
+        <p:nvPr/>
+      </p:nvGrpSpPr>
+      <p:grpSpPr>
+        <a:xfrm>
+          <a:off x="0" y="0"/>
+          <a:ext cx="0" cy="0"/>
+          <a:chOff x="0" y="0"/>
+          <a:chExt cx="0" cy="0"/>
+        </a:xfrm>
+      </p:grpSpPr>
+      <p:sp>
+        <p:nvSpPr>
+          <p:cNvPr id="4" name="Title 3">
+            <a:extLst>
+              <a:ext uri="{FF2B5EF4-FFF2-40B4-BE49-F238E27FC236}">
+                <a16:creationId xmlns:a16="http://schemas.microsoft.com/office/drawing/2014/main" id="{FD9E38B3-4686-8247-9625-49018D29F408}"/>
+              </a:ext>
+            </a:extLst>
+          </p:cNvPr>
+          <p:cNvSpPr>
+            <a:spLocks noGrp="1"/>
+          </p:cNvSpPr>
+          <p:nvPr>
+            <p:ph type="title"/>
+          </p:nvPr>
+        </p:nvSpPr>
+        <p:spPr>
+          <a:xfrm>
+            <a:off x="1525301" y="1995467"/>
+            <a:ext cx="9141397" cy="615553"/>
+          </a:xfrm>
+        </p:spPr>
+        <p:txBody>
+          <a:bodyPr/>
+          <a:lstStyle/>
+          <a:p>
+            <a:r>
+              <a:rPr lang="hr-HR" dirty="0"/>
+              <a:t>Pitanja za ponavljanje</a:t>
+            </a:r>
+            <a:endParaRPr lang="en-US" dirty="0"/>
+          </a:p>
+        </p:txBody>
+      </p:sp>
+      <p:sp>
+        <p:nvSpPr>
+          <p:cNvPr id="3" name="Text Placeholder 2">
+            <a:extLst>
+              <a:ext uri="{FF2B5EF4-FFF2-40B4-BE49-F238E27FC236}">
+                <a16:creationId xmlns:a16="http://schemas.microsoft.com/office/drawing/2014/main" id="{17155E1D-F4AD-41A7-B948-E2D246CCFE8A}"/>
+              </a:ext>
+            </a:extLst>
+          </p:cNvPr>
+          <p:cNvSpPr>
+            <a:spLocks noGrp="1"/>
+          </p:cNvSpPr>
+          <p:nvPr>
+            <p:ph type="body" sz="quarter" idx="12"/>
+          </p:nvPr>
+        </p:nvSpPr>
+        <p:spPr>
+          <a:xfrm>
+            <a:off x="2196307" y="3260705"/>
+            <a:ext cx="7799387" cy="1534757"/>
+          </a:xfrm>
+        </p:spPr>
+        <p:txBody>
+          <a:bodyPr vert="horz" wrap="square" lIns="0" tIns="0" rIns="0" bIns="0" rtlCol="0" anchor="t">
+            <a:noAutofit/>
+          </a:bodyPr>
+          <a:lstStyle/>
+          <a:p>
+            <a:r>
+              <a:rPr lang="hr-HR" altLang="en-US" dirty="0"/>
+              <a:t>/*ubaciti pitanja*/</a:t>
+            </a:r>
+            <a:endParaRPr lang="en-US" altLang="en-US" dirty="0"/>
+          </a:p>
+          <a:p>
+            <a:endParaRPr lang="en-US" dirty="0"/>
+          </a:p>
+          <a:p>
+            <a:endParaRPr lang="en-US" dirty="0"/>
+          </a:p>
+        </p:txBody>
+      </p:sp>
+    </p:spTree>
+    <p:extLst>
+      <p:ext uri="{BB962C8B-B14F-4D97-AF65-F5344CB8AC3E}">
+        <p14:creationId xmlns:p14="http://schemas.microsoft.com/office/powerpoint/2010/main" val="4244761525"/>
+      </p:ext>
+    </p:extLst>
+  </p:cSld>
+  <p:clrMapOvr>
+    <a:masterClrMapping/>
+  </p:clrMapOvr>
+  <mc:AlternateContent xmlns:mc="http://schemas.openxmlformats.org/markup-compatibility/2006" xmlns:p14="http://schemas.microsoft.com/office/powerpoint/2010/main">
+    <mc:Choice Requires="p14">
+      <p:transition spd="med" p14:dur="700">
+        <p:fade/>
+      </p:transition>
+    </mc:Choice>
+    <mc:Fallback xmlns="">
+      <p:transition spd="med">
+        <p:fade/>
+      </p:transition>
+    </mc:Fallback>
+  </mc:AlternateContent>
+</p:sld>
+</file>
+
+<file path=ppt/slides/slide34.xml><?xml version="1.0" encoding="utf-8"?>
+<p:sld xmlns:a="http://schemas.openxmlformats.org/drawingml/2006/main" xmlns:r="http://schemas.openxmlformats.org/officeDocument/2006/relationships" xmlns:p="http://schemas.openxmlformats.org/presentationml/2006/main">
+  <p:cSld>
+    <p:spTree>
+      <p:nvGrpSpPr>
+        <p:cNvPr id="1" name=""/>
+        <p:cNvGrpSpPr/>
+        <p:nvPr/>
+      </p:nvGrpSpPr>
+      <p:grpSpPr>
+        <a:xfrm>
+          <a:off x="0" y="0"/>
+          <a:ext cx="0" cy="0"/>
+          <a:chOff x="0" y="0"/>
+          <a:chExt cx="0" cy="0"/>
+        </a:xfrm>
+      </p:grpSpPr>
+      <p:sp>
+        <p:nvSpPr>
+          <p:cNvPr id="4" name="Title 3">
+            <a:extLst>
+              <a:ext uri="{FF2B5EF4-FFF2-40B4-BE49-F238E27FC236}">
+                <a16:creationId xmlns:a16="http://schemas.microsoft.com/office/drawing/2014/main" id="{9DA36B3A-558B-413E-877B-7275290AB783}"/>
+              </a:ext>
+            </a:extLst>
+          </p:cNvPr>
+          <p:cNvSpPr>
+            <a:spLocks noGrp="1"/>
+          </p:cNvSpPr>
+          <p:nvPr>
+            <p:ph type="title"/>
+          </p:nvPr>
+        </p:nvSpPr>
+        <p:spPr>
+          <a:xfrm>
+            <a:off x="5199742" y="715961"/>
+            <a:ext cx="6477000" cy="1189037"/>
+          </a:xfrm>
+        </p:spPr>
+        <p:txBody>
+          <a:bodyPr/>
+          <a:lstStyle/>
+          <a:p>
+            <a:r>
+              <a:rPr lang="en-US" dirty="0"/>
+              <a:t>Resources</a:t>
+            </a:r>
+          </a:p>
+        </p:txBody>
+      </p:sp>
+      <p:sp>
+        <p:nvSpPr>
+          <p:cNvPr id="3" name="Text Placeholder 2">
+            <a:extLst>
+              <a:ext uri="{FF2B5EF4-FFF2-40B4-BE49-F238E27FC236}">
+                <a16:creationId xmlns:a16="http://schemas.microsoft.com/office/drawing/2014/main" id="{68675CE5-70A2-411D-881E-7B75B82931F4}"/>
+              </a:ext>
+            </a:extLst>
+          </p:cNvPr>
+          <p:cNvSpPr>
+            <a:spLocks noGrp="1"/>
+          </p:cNvSpPr>
+          <p:nvPr>
+            <p:ph type="body" sz="quarter" idx="11"/>
+          </p:nvPr>
+        </p:nvSpPr>
+        <p:spPr>
+          <a:xfrm>
+            <a:off x="5199743" y="1905000"/>
+            <a:ext cx="6477000" cy="3276600"/>
+          </a:xfrm>
+        </p:spPr>
+        <p:txBody>
+          <a:bodyPr/>
+          <a:lstStyle/>
+          <a:p>
+            <a:r>
+              <a:rPr lang="en-US" altLang="en-US" dirty="0"/>
+              <a:t>List the resources you used for your research:</a:t>
+            </a:r>
+          </a:p>
+          <a:p>
+            <a:pPr lvl="1"/>
+            <a:r>
+              <a:rPr lang="fr-FR" dirty="0"/>
+              <a:t>Source #1</a:t>
+            </a:r>
+          </a:p>
+          <a:p>
+            <a:pPr lvl="1"/>
+            <a:r>
+              <a:rPr lang="fr-FR" dirty="0"/>
+              <a:t>Source #2</a:t>
+            </a:r>
+          </a:p>
+          <a:p>
+            <a:pPr lvl="1"/>
+            <a:r>
+              <a:rPr lang="fr-FR" dirty="0"/>
+              <a:t>Source #3</a:t>
+            </a:r>
+          </a:p>
+          <a:p>
+            <a:endParaRPr lang="en-US" dirty="0"/>
+          </a:p>
+          <a:p>
+            <a:endParaRPr lang="en-US" dirty="0"/>
+          </a:p>
+        </p:txBody>
+      </p:sp>
+    </p:spTree>
+    <p:extLst>
+      <p:ext uri="{BB962C8B-B14F-4D97-AF65-F5344CB8AC3E}">
+        <p14:creationId xmlns:p14="http://schemas.microsoft.com/office/powerpoint/2010/main" val="3366527757"/>
+      </p:ext>
+    </p:extLst>
+  </p:cSld>
+  <p:clrMapOvr>
+    <a:masterClrMapping/>
+  </p:clrMapOvr>
+  <mc:AlternateContent xmlns:mc="http://schemas.openxmlformats.org/markup-compatibility/2006" xmlns:p14="http://schemas.microsoft.com/office/powerpoint/2010/main">
+    <mc:Choice Requires="p14">
+      <p:transition spd="med" p14:dur="700">
+        <p:fade/>
+      </p:transition>
+    </mc:Choice>
+    <mc:Fallback xmlns="">
       <p:transition spd="med">
         <p:fade/>
       </p:transition>
@@ -13222,13 +15220,13 @@
   <p:clrMapOvr>
     <a:masterClrMapping/>
   </p:clrMapOvr>
-  <mc:AlternateContent xmlns:mc="http://schemas.openxmlformats.org/markup-compatibility/2006">
-    <mc:Choice xmlns:p14="http://schemas.microsoft.com/office/powerpoint/2010/main" Requires="p14">
+  <mc:AlternateContent xmlns:mc="http://schemas.openxmlformats.org/markup-compatibility/2006" xmlns:p14="http://schemas.microsoft.com/office/powerpoint/2010/main">
+    <mc:Choice Requires="p14">
       <p:transition spd="med" p14:dur="700">
         <p:fade/>
       </p:transition>
     </mc:Choice>
-    <mc:Fallback>
+    <mc:Fallback xmlns="">
       <p:transition spd="med">
         <p:fade/>
       </p:transition>
@@ -13367,13 +15365,13 @@
   <p:clrMapOvr>
     <a:masterClrMapping/>
   </p:clrMapOvr>
-  <mc:AlternateContent xmlns:mc="http://schemas.openxmlformats.org/markup-compatibility/2006">
-    <mc:Choice xmlns:p14="http://schemas.microsoft.com/office/powerpoint/2010/main" Requires="p14">
+  <mc:AlternateContent xmlns:mc="http://schemas.openxmlformats.org/markup-compatibility/2006" xmlns:p14="http://schemas.microsoft.com/office/powerpoint/2010/main">
+    <mc:Choice Requires="p14">
       <p:transition spd="med" p14:dur="700">
         <p:fade/>
       </p:transition>
     </mc:Choice>
-    <mc:Fallback>
+    <mc:Fallback xmlns="">
       <p:transition spd="med">
         <p:fade/>
       </p:transition>
@@ -13505,13 +15503,13 @@
   <p:clrMapOvr>
     <a:masterClrMapping/>
   </p:clrMapOvr>
-  <mc:AlternateContent xmlns:mc="http://schemas.openxmlformats.org/markup-compatibility/2006">
-    <mc:Choice xmlns:p14="http://schemas.microsoft.com/office/powerpoint/2010/main" Requires="p14">
+  <mc:AlternateContent xmlns:mc="http://schemas.openxmlformats.org/markup-compatibility/2006" xmlns:p14="http://schemas.microsoft.com/office/powerpoint/2010/main">
+    <mc:Choice Requires="p14">
       <p:transition spd="med" p14:dur="700">
         <p:fade/>
       </p:transition>
     </mc:Choice>
-    <mc:Fallback>
+    <mc:Fallback xmlns="">
       <p:transition spd="med">
         <p:fade/>
       </p:transition>
@@ -14501,18 +16499,18 @@
 </file>
 
 <file path=customXml/item1.xml><?xml version="1.0" encoding="utf-8"?>
+<p:properties xmlns:p="http://schemas.microsoft.com/office/2006/metadata/properties" xmlns:xsi="http://www.w3.org/2001/XMLSchema-instance" xmlns:pc="http://schemas.microsoft.com/office/infopath/2007/PartnerControls">
+  <documentManagement/>
+</p:properties>
+</file>
+
+<file path=customXml/item2.xml><?xml version="1.0" encoding="utf-8"?>
 <?mso-contentType ?>
 <FormTemplates xmlns="http://schemas.microsoft.com/sharepoint/v3/contenttype/forms">
   <Display>DocumentLibraryForm</Display>
   <Edit>DocumentLibraryForm</Edit>
   <New>DocumentLibraryForm</New>
 </FormTemplates>
-</file>
-
-<file path=customXml/item2.xml><?xml version="1.0" encoding="utf-8"?>
-<p:properties xmlns:p="http://schemas.microsoft.com/office/2006/metadata/properties" xmlns:xsi="http://www.w3.org/2001/XMLSchema-instance" xmlns:pc="http://schemas.microsoft.com/office/infopath/2007/PartnerControls">
-  <documentManagement/>
-</p:properties>
 </file>
 
 <file path=customXml/item3.xml><?xml version="1.0" encoding="utf-8"?>
@@ -14630,14 +16628,6 @@
 </file>
 
 <file path=customXml/itemProps1.xml><?xml version="1.0" encoding="utf-8"?>
-<ds:datastoreItem xmlns:ds="http://schemas.openxmlformats.org/officeDocument/2006/customXml" ds:itemID="{915C1F8C-D27A-4CE7-9DF4-4AFDB2880FA9}">
-  <ds:schemaRefs>
-    <ds:schemaRef ds:uri="http://schemas.microsoft.com/sharepoint/v3/contenttype/forms"/>
-  </ds:schemaRefs>
-</ds:datastoreItem>
-</file>
-
-<file path=customXml/itemProps2.xml><?xml version="1.0" encoding="utf-8"?>
 <ds:datastoreItem xmlns:ds="http://schemas.openxmlformats.org/officeDocument/2006/customXml" ds:itemID="{FDF283A3-AA81-4663-8764-64F64C723FD1}">
   <ds:schemaRefs>
     <ds:schemaRef ds:uri="http://purl.org/dc/terms/"/>
@@ -14648,6 +16638,14 @@
     <ds:schemaRef ds:uri="http://schemas.microsoft.com/office/2006/metadata/properties"/>
     <ds:schemaRef ds:uri="http://www.w3.org/XML/1998/namespace"/>
     <ds:schemaRef ds:uri="http://purl.org/dc/dcmitype/"/>
+  </ds:schemaRefs>
+</ds:datastoreItem>
+</file>
+
+<file path=customXml/itemProps2.xml><?xml version="1.0" encoding="utf-8"?>
+<ds:datastoreItem xmlns:ds="http://schemas.openxmlformats.org/officeDocument/2006/customXml" ds:itemID="{915C1F8C-D27A-4CE7-9DF4-4AFDB2880FA9}">
+  <ds:schemaRefs>
+    <ds:schemaRef ds:uri="http://schemas.microsoft.com/sharepoint/v3/contenttype/forms"/>
   </ds:schemaRefs>
 </ds:datastoreItem>
 </file>

--- a/Open Source Prezentacija.pptx
+++ b/Open Source Prezentacija.pptx
@@ -5,7 +5,7 @@
     <p:sldMasterId id="2147483687" r:id="rId4"/>
   </p:sldMasterIdLst>
   <p:notesMasterIdLst>
-    <p:notesMasterId r:id="rId39"/>
+    <p:notesMasterId r:id="rId38"/>
   </p:notesMasterIdLst>
   <p:sldIdLst>
     <p:sldId id="1864" r:id="rId5"/>
@@ -41,7 +41,6 @@
     <p:sldId id="1892" r:id="rId35"/>
     <p:sldId id="1859" r:id="rId36"/>
     <p:sldId id="1858" r:id="rId37"/>
-    <p:sldId id="1867" r:id="rId38"/>
   </p:sldIdLst>
   <p:sldSz cx="12192000" cy="6858000"/>
   <p:notesSz cx="6858000" cy="9144000"/>
@@ -1010,7 +1009,31 @@
                 <a:schemeClr val="bg1"/>
               </a:solidFill>
             </a:rPr>
-            <a:t>Executive Chairwoman and CEO of the Mozilla Foundation and of Mozilla Corporation</a:t>
+            <a:t>E</a:t>
+          </a:r>
+          <a:r>
+            <a:rPr lang="hr-HR" sz="1400" b="0" i="0" dirty="0">
+              <a:solidFill>
+                <a:schemeClr val="bg1"/>
+              </a:solidFill>
+            </a:rPr>
+            <a:t>x</a:t>
+          </a:r>
+          <a:r>
+            <a:rPr lang="en-US" sz="1400" b="0" i="0" dirty="0" err="1">
+              <a:solidFill>
+                <a:schemeClr val="bg1"/>
+              </a:solidFill>
+            </a:rPr>
+            <a:t>ecutive</a:t>
+          </a:r>
+          <a:r>
+            <a:rPr lang="en-US" sz="1400" b="0" i="0" dirty="0">
+              <a:solidFill>
+                <a:schemeClr val="bg1"/>
+              </a:solidFill>
+            </a:rPr>
+            <a:t> Chairwoman and CEO of the Mozilla Foundation and of Mozilla Corporation</a:t>
           </a:r>
           <a:endParaRPr lang="en-US" sz="1400" dirty="0">
             <a:solidFill>
@@ -1528,7 +1551,31 @@
                 <a:schemeClr val="bg1"/>
               </a:solidFill>
             </a:rPr>
-            <a:t>Executive Chairwoman and CEO of the Mozilla Foundation and of Mozilla Corporation</a:t>
+            <a:t>E</a:t>
+          </a:r>
+          <a:r>
+            <a:rPr lang="hr-HR" sz="1400" b="0" i="0" kern="1200" dirty="0">
+              <a:solidFill>
+                <a:schemeClr val="bg1"/>
+              </a:solidFill>
+            </a:rPr>
+            <a:t>x</a:t>
+          </a:r>
+          <a:r>
+            <a:rPr lang="en-US" sz="1400" b="0" i="0" kern="1200" dirty="0" err="1">
+              <a:solidFill>
+                <a:schemeClr val="bg1"/>
+              </a:solidFill>
+            </a:rPr>
+            <a:t>ecutive</a:t>
+          </a:r>
+          <a:r>
+            <a:rPr lang="en-US" sz="1400" b="0" i="0" kern="1200" dirty="0">
+              <a:solidFill>
+                <a:schemeClr val="bg1"/>
+              </a:solidFill>
+            </a:rPr>
+            <a:t> Chairwoman and CEO of the Mozilla Foundation and of Mozilla Corporation</a:t>
           </a:r>
           <a:endParaRPr lang="en-US" sz="1400" kern="1200" dirty="0">
             <a:solidFill>
@@ -6977,7 +7024,15 @@
             </a:r>
             <a:r>
               <a:rPr lang="hr-HR" b="0" dirty="0"/>
-              <a:t>, Fedora…</a:t>
+              <a:t>, Fedora, </a:t>
+            </a:r>
+            <a:r>
+              <a:rPr lang="hr-HR" b="0" dirty="0" err="1"/>
+              <a:t>Mint</a:t>
+            </a:r>
+            <a:r>
+              <a:rPr lang="hr-HR" b="0" dirty="0"/>
+              <a:t>…</a:t>
             </a:r>
           </a:p>
           <a:p>
@@ -7254,7 +7309,7 @@
                 <a:effectLst/>
                 <a:ea typeface="Calibri" panose="020F0502020204030204" pitchFamily="34" charset="0"/>
               </a:rPr>
-              <a:t>Mozilla je zajednica slobodnog softvera </a:t>
+              <a:t>Mozilla je zajednica slobodnog software-a</a:t>
             </a:r>
           </a:p>
           <a:p>
@@ -7273,7 +7328,7 @@
               <a:rPr lang="hr-HR" dirty="0">
                 <a:ea typeface="Calibri" panose="020F0502020204030204" pitchFamily="34" charset="0"/>
               </a:rPr>
-              <a:t>Zasnivači: članovi Netscapea</a:t>
+              <a:t>Zasnivači: članovi Netscape-a</a:t>
             </a:r>
             <a:endParaRPr lang="hr-HR" sz="1800" dirty="0">
               <a:effectLst/>
@@ -7391,8 +7446,8 @@
           <a:lstStyle/>
           <a:p>
             <a:pPr marL="285750" indent="-285750">
-              <a:buFontTx/>
-              <a:buChar char="-"/>
+              <a:buFont typeface="Arial" panose="020B0604020202020204" pitchFamily="34" charset="0"/>
+              <a:buChar char="•"/>
             </a:pPr>
             <a:r>
               <a:rPr lang="hr-HR" sz="1800" b="0" dirty="0">
@@ -7404,23 +7459,15 @@
           </a:p>
           <a:p>
             <a:pPr marL="285750" indent="-285750">
-              <a:buFontTx/>
-              <a:buChar char="-"/>
+              <a:buFont typeface="Arial" panose="020B0604020202020204" pitchFamily="34" charset="0"/>
+              <a:buChar char="•"/>
             </a:pPr>
             <a:r>
               <a:rPr lang="hr-HR" sz="1800" b="0" dirty="0">
                 <a:effectLst/>
                 <a:ea typeface="Times New Roman" panose="02020603050405020304" pitchFamily="18" charset="0"/>
               </a:rPr>
-              <a:t>Zajednicu institucionalno podržava neprofitna Mozilla Foundation i njezina podružnica Mozilla Corporation</a:t>
-            </a:r>
-            <a:r>
-              <a:rPr lang="hr-HR" sz="1800" b="0" dirty="0">
-                <a:effectLst/>
-                <a:latin typeface="Times New Roman" panose="02020603050405020304" pitchFamily="18" charset="0"/>
-                <a:ea typeface="Times New Roman" panose="02020603050405020304" pitchFamily="18" charset="0"/>
-              </a:rPr>
-              <a:t> </a:t>
+              <a:t>Zajednicu institucionalno podržava neprofitna organizacija Mozilla Foundation i njezina podružnica Mozilla Corporation</a:t>
             </a:r>
             <a:endParaRPr lang="en-US" b="0" dirty="0"/>
           </a:p>
@@ -7442,7 +7489,7 @@
             <p:ph type="pic" sz="quarter" idx="13"/>
             <p:extLst>
               <p:ext uri="{D42A27DB-BD31-4B8C-83A1-F6EECF244321}">
-                <p14:modId xmlns:p14="http://schemas.microsoft.com/office/powerpoint/2010/main" val="3117014747"/>
+                <p14:modId xmlns:p14="http://schemas.microsoft.com/office/powerpoint/2010/main" val="1376886839"/>
               </p:ext>
             </p:extLst>
           </p:nvPr>
@@ -7542,7 +7589,7 @@
                 <a:effectLst/>
                 <a:ea typeface="Times New Roman" panose="02020603050405020304" pitchFamily="18" charset="0"/>
               </a:rPr>
-              <a:t>Opisuje Mozilline ciljeve i načela.</a:t>
+              <a:t>Opisuje Mozilline ciljeve i načela</a:t>
             </a:r>
           </a:p>
           <a:p>
@@ -7567,7 +7614,7 @@
                 <a:effectLst/>
                 <a:ea typeface="Times New Roman" panose="02020603050405020304" pitchFamily="18" charset="0"/>
               </a:rPr>
-              <a:t>crtava ono što Mozilla vidi kao svoje mjesto u razvoju interneta.</a:t>
+              <a:t>crtava ono što Mozilla vidi kao svoje mjesto u razvoju interneta</a:t>
             </a:r>
           </a:p>
           <a:p>
@@ -7578,7 +7625,7 @@
             <a:pPr lvl="1"/>
             <a:r>
               <a:rPr lang="hr-HR" altLang="en-US" dirty="0"/>
-              <a:t>Izlaže 10 njihovih principa.</a:t>
+              <a:t>Izlaže 10 principa</a:t>
             </a:r>
             <a:endParaRPr lang="en-US" altLang="en-US" dirty="0"/>
           </a:p>
@@ -7603,7 +7650,7 @@
         <p:spPr>
           <a:xfrm>
             <a:off x="762000" y="600634"/>
-            <a:ext cx="4320746" cy="379668"/>
+            <a:ext cx="4328160" cy="1124534"/>
           </a:xfrm>
         </p:spPr>
         <p:txBody>
@@ -7810,7 +7857,7 @@
         <p:spPr>
           <a:xfrm>
             <a:off x="762000" y="1374390"/>
-            <a:ext cx="3060357" cy="4767649"/>
+            <a:ext cx="3060357" cy="5130042"/>
           </a:xfrm>
         </p:spPr>
         <p:txBody>
@@ -7982,7 +8029,7 @@
         <p:spPr>
           <a:xfrm>
             <a:off x="4178643" y="1814383"/>
-            <a:ext cx="3060357" cy="4767649"/>
+            <a:ext cx="2203869" cy="4507169"/>
           </a:xfrm>
           <a:prstGeom prst="rect">
             <a:avLst/>
@@ -8741,7 +8788,39 @@
                   <a:schemeClr val="bg1"/>
                 </a:solidFill>
               </a:rPr>
-              <a:t>Besplatan i open-source paket</a:t>
+              <a:t>Besplatan i </a:t>
+            </a:r>
+            <a:r>
+              <a:rPr lang="hr-HR" dirty="0" err="1">
+                <a:solidFill>
+                  <a:schemeClr val="bg1"/>
+                </a:solidFill>
+              </a:rPr>
+              <a:t>open</a:t>
+            </a:r>
+            <a:r>
+              <a:rPr lang="hr-HR" dirty="0">
+                <a:solidFill>
+                  <a:schemeClr val="bg1"/>
+                </a:solidFill>
+              </a:rPr>
+              <a:t> </a:t>
+            </a:r>
+            <a:r>
+              <a:rPr lang="hr-HR" dirty="0" err="1">
+                <a:solidFill>
+                  <a:schemeClr val="bg1"/>
+                </a:solidFill>
+              </a:rPr>
+              <a:t>source</a:t>
+            </a:r>
+            <a:r>
+              <a:rPr lang="hr-HR" dirty="0">
+                <a:solidFill>
+                  <a:schemeClr val="bg1"/>
+                </a:solidFill>
+              </a:rPr>
+              <a:t> paket</a:t>
             </a:r>
           </a:p>
           <a:p>
@@ -8805,7 +8884,7 @@
                   <a:schemeClr val="bg1"/>
                 </a:solidFill>
               </a:rPr>
-              <a:t>Mozila Composer </a:t>
+              <a:t>Mozilla Composer </a:t>
             </a:r>
             <a:r>
               <a:rPr lang="hr-HR" dirty="0">
@@ -9001,8 +9080,13 @@
             </a:pPr>
             <a:r>
               <a:rPr lang="hr-HR" b="0" dirty="0"/>
-              <a:t>Koristi za praćenje bugova</a:t>
-            </a:r>
+              <a:t>Koristi se za praćenje </a:t>
+            </a:r>
+            <a:r>
+              <a:rPr lang="hr-HR" b="0" dirty="0" err="1"/>
+              <a:t>bugova</a:t>
+            </a:r>
+            <a:endParaRPr lang="hr-HR" b="0" dirty="0"/>
           </a:p>
           <a:p>
             <a:pPr marL="285750" indent="-285750">
@@ -9018,7 +9102,7 @@
             </a:pPr>
             <a:r>
               <a:rPr lang="hr-HR" b="0" dirty="0"/>
-              <a:t>Netscape izdao ga 1998. godine</a:t>
+              <a:t>Izdao ga Netscape 1998. godine</a:t>
             </a:r>
           </a:p>
           <a:p>
@@ -9248,6 +9332,10 @@
           <a:bodyPr/>
           <a:lstStyle/>
           <a:p>
+            <a:pPr marL="285750" indent="-285750">
+              <a:buFont typeface="Arial" panose="020B0604020202020204" pitchFamily="34" charset="0"/>
+              <a:buChar char="•"/>
+            </a:pPr>
             <a:r>
               <a:rPr lang="hr-HR" b="0" dirty="0">
                 <a:ea typeface="Times New Roman" panose="02020603050405020304" pitchFamily="18" charset="0"/>
@@ -9259,13 +9347,21 @@
                 <a:effectLst/>
                 <a:ea typeface="Times New Roman" panose="02020603050405020304" pitchFamily="18" charset="0"/>
               </a:rPr>
-              <a:t>buhvaćaju skup knjižnica dizajniranih da podrže razvoj na više platformi klijentskih i poslužiteljskih aplikacija s sigurnošću.</a:t>
-            </a:r>
-          </a:p>
-          <a:p>
+              <a:t>buhvaćaju skup knjižnica dizajniranih da podrže razvoj na više platformi klijentskih i poslužiteljskih aplikacija sa sigurnošću</a:t>
+            </a:r>
+          </a:p>
+          <a:p>
+            <a:pPr marL="285750" indent="-285750">
+              <a:buFont typeface="Arial" panose="020B0604020202020204" pitchFamily="34" charset="0"/>
+              <a:buChar char="•"/>
+            </a:pPr>
             <a:endParaRPr lang="hr-HR" b="0" dirty="0"/>
           </a:p>
           <a:p>
+            <a:pPr marL="285750" indent="-285750">
+              <a:buFont typeface="Arial" panose="020B0604020202020204" pitchFamily="34" charset="0"/>
+              <a:buChar char="•"/>
+            </a:pPr>
             <a:r>
               <a:rPr lang="hr-HR" b="0" dirty="0"/>
               <a:t>Tvrtke koje uz Mozillu razvijaju NSS:</a:t>
@@ -9493,53 +9589,76 @@
           <a:bodyPr/>
           <a:lstStyle/>
           <a:p>
+            <a:pPr marL="285750" indent="-285750">
+              <a:buFont typeface="Arial" panose="020B0604020202020204" pitchFamily="34" charset="0"/>
+              <a:buChar char="•"/>
+            </a:pPr>
             <a:r>
               <a:rPr lang="hr-HR" sz="1800" dirty="0">
                 <a:effectLst/>
                 <a:ea typeface="Times New Roman" panose="02020603050405020304" pitchFamily="18" charset="0"/>
               </a:rPr>
-              <a:t>Mozilla zajednica sastoji se od preko 40.000 aktivnih suradnika iz cijelog svijeta.</a:t>
-            </a:r>
-            <a:r>
-              <a:rPr lang="hr-HR" sz="1800" dirty="0">
-                <a:effectLst/>
-                <a:latin typeface="Times New Roman" panose="02020603050405020304" pitchFamily="18" charset="0"/>
-                <a:ea typeface="Times New Roman" panose="02020603050405020304" pitchFamily="18" charset="0"/>
-              </a:rPr>
-              <a:t> </a:t>
-            </a:r>
-          </a:p>
-          <a:p>
+              <a:t>Mozilla zajednica sastoji se od preko 40.000 aktivnih suradnika iz cijelog svijeta</a:t>
+            </a:r>
+          </a:p>
+          <a:p>
+            <a:endParaRPr lang="hr-HR" sz="1800" dirty="0">
+              <a:effectLst/>
+              <a:latin typeface="Times New Roman" panose="02020603050405020304" pitchFamily="18" charset="0"/>
+              <a:ea typeface="Times New Roman" panose="02020603050405020304" pitchFamily="18" charset="0"/>
+            </a:endParaRPr>
+          </a:p>
+          <a:p>
+            <a:pPr marL="285750" indent="-285750">
+              <a:buFont typeface="Arial" panose="020B0604020202020204" pitchFamily="34" charset="0"/>
+              <a:buChar char="•"/>
+            </a:pPr>
             <a:r>
               <a:rPr lang="hr-HR" sz="1800" dirty="0">
                 <a:effectLst/>
                 <a:ea typeface="Times New Roman" panose="02020603050405020304" pitchFamily="18" charset="0"/>
               </a:rPr>
-              <a:t>Postoji niz podzajednica na temelju njihove geografske lokacije.</a:t>
-            </a:r>
-          </a:p>
-          <a:p>
+              <a:t>Postoji niz podzajednica na temelju njihove geografske lokacije</a:t>
+            </a:r>
+          </a:p>
+          <a:p>
+            <a:pPr marL="285750" indent="-285750">
+              <a:buFont typeface="Arial" panose="020B0604020202020204" pitchFamily="34" charset="0"/>
+              <a:buChar char="•"/>
+            </a:pPr>
             <a:endParaRPr lang="hr-HR" dirty="0"/>
           </a:p>
           <a:p>
+            <a:pPr marL="285750" indent="-285750">
+              <a:buFont typeface="Arial" panose="020B0604020202020204" pitchFamily="34" charset="0"/>
+              <a:buChar char="•"/>
+            </a:pPr>
             <a:r>
               <a:rPr lang="hr-HR" sz="1800" dirty="0">
                 <a:effectLst/>
                 <a:ea typeface="Times New Roman" panose="02020603050405020304" pitchFamily="18" charset="0"/>
               </a:rPr>
-              <a:t>Program Mozilla Reps je volonterski program - volonteri moraju imati 18 godina ili više. </a:t>
-            </a:r>
-          </a:p>
-          <a:p>
+              <a:t>Program Mozilla Reps je volonterski program - volonteri moraju imati 18 godina ili više</a:t>
+            </a:r>
+          </a:p>
+          <a:p>
+            <a:pPr marL="285750" indent="-285750">
+              <a:buFont typeface="Arial" panose="020B0604020202020204" pitchFamily="34" charset="0"/>
+              <a:buChar char="•"/>
+            </a:pPr>
             <a:endParaRPr lang="hr-HR" dirty="0"/>
           </a:p>
           <a:p>
+            <a:pPr marL="285750" indent="-285750">
+              <a:buFont typeface="Arial" panose="020B0604020202020204" pitchFamily="34" charset="0"/>
+              <a:buChar char="•"/>
+            </a:pPr>
             <a:r>
               <a:rPr lang="hr-HR" sz="1800" dirty="0">
                 <a:effectLst/>
                 <a:ea typeface="Times New Roman" panose="02020603050405020304" pitchFamily="18" charset="0"/>
               </a:rPr>
-              <a:t>Mozilla festival (MozFest) je jedinstvena hibridna aktivnost (sudionici iz više od 87 zemalja).</a:t>
+              <a:t>Mozilla festival (MozFest) je jedinstvena hibridna aktivnost (sudionici iz više od 87 zemalja)</a:t>
             </a:r>
           </a:p>
           <a:p>
@@ -9639,7 +9758,7 @@
             <p:ph type="tbl" sz="quarter" idx="12"/>
             <p:extLst>
               <p:ext uri="{D42A27DB-BD31-4B8C-83A1-F6EECF244321}">
-                <p14:modId xmlns:p14="http://schemas.microsoft.com/office/powerpoint/2010/main" val="2440745253"/>
+                <p14:modId xmlns:p14="http://schemas.microsoft.com/office/powerpoint/2010/main" val="728678711"/>
               </p:ext>
             </p:extLst>
           </p:nvPr>
@@ -10896,8 +11015,221 @@
                           <a:effectLst/>
                           <a:latin typeface="+mn-lt"/>
                         </a:rPr>
-                        <a:t>/*dodat glavne naslove*/</a:t>
+                        <a:t>1. Općenito o </a:t>
                       </a:r>
+                      <a:r>
+                        <a:rPr kumimoji="0" lang="hr-HR" sz="1400" b="0" i="0" u="none" strike="noStrike" cap="none" normalizeH="0" baseline="0" dirty="0" err="1">
+                          <a:ln>
+                            <a:noFill/>
+                          </a:ln>
+                          <a:solidFill>
+                            <a:srgbClr val="000000"/>
+                          </a:solidFill>
+                          <a:effectLst/>
+                          <a:latin typeface="+mn-lt"/>
+                        </a:rPr>
+                        <a:t>open</a:t>
+                      </a:r>
+                      <a:r>
+                        <a:rPr kumimoji="0" lang="hr-HR" sz="1400" b="0" i="0" u="none" strike="noStrike" cap="none" normalizeH="0" baseline="0" dirty="0">
+                          <a:ln>
+                            <a:noFill/>
+                          </a:ln>
+                          <a:solidFill>
+                            <a:srgbClr val="000000"/>
+                          </a:solidFill>
+                          <a:effectLst/>
+                          <a:latin typeface="+mn-lt"/>
+                        </a:rPr>
+                        <a:t> </a:t>
+                      </a:r>
+                      <a:r>
+                        <a:rPr kumimoji="0" lang="hr-HR" sz="1400" b="0" i="0" u="none" strike="noStrike" cap="none" normalizeH="0" baseline="0" dirty="0" err="1">
+                          <a:ln>
+                            <a:noFill/>
+                          </a:ln>
+                          <a:solidFill>
+                            <a:srgbClr val="000000"/>
+                          </a:solidFill>
+                          <a:effectLst/>
+                          <a:latin typeface="+mn-lt"/>
+                        </a:rPr>
+                        <a:t>source</a:t>
+                      </a:r>
+                      <a:r>
+                        <a:rPr kumimoji="0" lang="hr-HR" sz="1400" b="0" i="0" u="none" strike="noStrike" cap="none" normalizeH="0" baseline="0" dirty="0">
+                          <a:ln>
+                            <a:noFill/>
+                          </a:ln>
+                          <a:solidFill>
+                            <a:srgbClr val="000000"/>
+                          </a:solidFill>
+                          <a:effectLst/>
+                          <a:latin typeface="+mn-lt"/>
+                        </a:rPr>
+                        <a:t>-u</a:t>
+                      </a:r>
+                    </a:p>
+                    <a:p>
+                      <a:pPr marL="0" marR="0" lvl="0" indent="0" algn="ctr" defTabSz="914400" rtl="0" eaLnBrk="1" fontAlgn="base" latinLnBrk="0" hangingPunct="1">
+                        <a:lnSpc>
+                          <a:spcPct val="100000"/>
+                        </a:lnSpc>
+                        <a:spcBef>
+                          <a:spcPct val="20000"/>
+                        </a:spcBef>
+                        <a:spcAft>
+                          <a:spcPct val="0"/>
+                        </a:spcAft>
+                        <a:buClr>
+                          <a:schemeClr val="tx1"/>
+                        </a:buClr>
+                        <a:buSzTx/>
+                        <a:buFontTx/>
+                        <a:buNone/>
+                        <a:tabLst/>
+                      </a:pPr>
+                      <a:r>
+                        <a:rPr kumimoji="0" lang="hr-HR" sz="1400" b="0" i="0" u="none" strike="noStrike" cap="none" normalizeH="0" baseline="0" dirty="0">
+                          <a:ln>
+                            <a:noFill/>
+                          </a:ln>
+                          <a:solidFill>
+                            <a:srgbClr val="000000"/>
+                          </a:solidFill>
+                          <a:effectLst/>
+                          <a:latin typeface="+mn-lt"/>
+                        </a:rPr>
+                        <a:t>2. Open </a:t>
+                      </a:r>
+                      <a:r>
+                        <a:rPr kumimoji="0" lang="hr-HR" sz="1400" b="0" i="0" u="none" strike="noStrike" cap="none" normalizeH="0" baseline="0" dirty="0" err="1">
+                          <a:ln>
+                            <a:noFill/>
+                          </a:ln>
+                          <a:solidFill>
+                            <a:srgbClr val="000000"/>
+                          </a:solidFill>
+                          <a:effectLst/>
+                          <a:latin typeface="+mn-lt"/>
+                        </a:rPr>
+                        <a:t>source</a:t>
+                      </a:r>
+                      <a:r>
+                        <a:rPr kumimoji="0" lang="hr-HR" sz="1400" b="0" i="0" u="none" strike="noStrike" cap="none" normalizeH="0" baseline="0" dirty="0">
+                          <a:ln>
+                            <a:noFill/>
+                          </a:ln>
+                          <a:solidFill>
+                            <a:srgbClr val="000000"/>
+                          </a:solidFill>
+                          <a:effectLst/>
+                          <a:latin typeface="+mn-lt"/>
+                        </a:rPr>
+                        <a:t> zajednice</a:t>
+                      </a:r>
+                    </a:p>
+                    <a:p>
+                      <a:pPr marL="0" marR="0" lvl="0" indent="0" algn="ctr" defTabSz="914400" rtl="0" eaLnBrk="1" fontAlgn="base" latinLnBrk="0" hangingPunct="1">
+                        <a:lnSpc>
+                          <a:spcPct val="100000"/>
+                        </a:lnSpc>
+                        <a:spcBef>
+                          <a:spcPct val="20000"/>
+                        </a:spcBef>
+                        <a:spcAft>
+                          <a:spcPct val="0"/>
+                        </a:spcAft>
+                        <a:buClr>
+                          <a:schemeClr val="tx1"/>
+                        </a:buClr>
+                        <a:buSzTx/>
+                        <a:buFontTx/>
+                        <a:buNone/>
+                        <a:tabLst/>
+                      </a:pPr>
+                      <a:r>
+                        <a:rPr kumimoji="0" lang="hr-HR" sz="1400" b="0" i="0" u="none" strike="noStrike" cap="none" normalizeH="0" baseline="0" dirty="0">
+                          <a:ln>
+                            <a:noFill/>
+                          </a:ln>
+                          <a:solidFill>
+                            <a:srgbClr val="000000"/>
+                          </a:solidFill>
+                          <a:effectLst/>
+                          <a:latin typeface="+mn-lt"/>
+                        </a:rPr>
+                        <a:t>3. Značajnost </a:t>
+                      </a:r>
+                      <a:r>
+                        <a:rPr kumimoji="0" lang="hr-HR" sz="1400" b="0" i="0" u="none" strike="noStrike" cap="none" normalizeH="0" baseline="0" dirty="0" err="1">
+                          <a:ln>
+                            <a:noFill/>
+                          </a:ln>
+                          <a:solidFill>
+                            <a:srgbClr val="000000"/>
+                          </a:solidFill>
+                          <a:effectLst/>
+                          <a:latin typeface="+mn-lt"/>
+                        </a:rPr>
+                        <a:t>open</a:t>
+                      </a:r>
+                      <a:r>
+                        <a:rPr kumimoji="0" lang="hr-HR" sz="1400" b="0" i="0" u="none" strike="noStrike" cap="none" normalizeH="0" baseline="0" dirty="0">
+                          <a:ln>
+                            <a:noFill/>
+                          </a:ln>
+                          <a:solidFill>
+                            <a:srgbClr val="000000"/>
+                          </a:solidFill>
+                          <a:effectLst/>
+                          <a:latin typeface="+mn-lt"/>
+                        </a:rPr>
+                        <a:t> </a:t>
+                      </a:r>
+                      <a:r>
+                        <a:rPr kumimoji="0" lang="hr-HR" sz="1400" b="0" i="0" u="none" strike="noStrike" cap="none" normalizeH="0" baseline="0" dirty="0" err="1">
+                          <a:ln>
+                            <a:noFill/>
+                          </a:ln>
+                          <a:solidFill>
+                            <a:srgbClr val="000000"/>
+                          </a:solidFill>
+                          <a:effectLst/>
+                          <a:latin typeface="+mn-lt"/>
+                        </a:rPr>
+                        <a:t>sourcea</a:t>
+                      </a:r>
+                      <a:endParaRPr kumimoji="0" lang="hr-HR" sz="1400" b="0" i="0" u="none" strike="noStrike" cap="none" normalizeH="0" baseline="0" dirty="0">
+                        <a:ln>
+                          <a:noFill/>
+                        </a:ln>
+                        <a:solidFill>
+                          <a:srgbClr val="000000"/>
+                        </a:solidFill>
+                        <a:effectLst/>
+                        <a:latin typeface="+mn-lt"/>
+                      </a:endParaRPr>
+                    </a:p>
+                    <a:p>
+                      <a:pPr marL="342900" marR="0" lvl="0" indent="-342900" algn="ctr" defTabSz="914400" rtl="0" eaLnBrk="1" fontAlgn="base" latinLnBrk="0" hangingPunct="1">
+                        <a:lnSpc>
+                          <a:spcPct val="100000"/>
+                        </a:lnSpc>
+                        <a:spcBef>
+                          <a:spcPct val="20000"/>
+                        </a:spcBef>
+                        <a:spcAft>
+                          <a:spcPct val="0"/>
+                        </a:spcAft>
+                        <a:buClr>
+                          <a:schemeClr val="tx1"/>
+                        </a:buClr>
+                        <a:buSzTx/>
+                        <a:buFontTx/>
+                        <a:buAutoNum type="arabicPeriod"/>
+                        <a:tabLst/>
+                      </a:pPr>
                       <a:endParaRPr kumimoji="0" lang="en-US" sz="1400" b="0" i="0" u="none" strike="noStrike" cap="none" normalizeH="0" baseline="0" dirty="0">
                         <a:ln>
                           <a:noFill/>
@@ -10986,9 +11318,121 @@
                           <a:effectLst/>
                           <a:latin typeface="+mn-lt"/>
                         </a:rPr>
-                        <a:t>/*dodat glavne naslove*/</a:t>
+                        <a:t>1.Kratko o Linuxu</a:t>
                       </a:r>
-                      <a:endParaRPr kumimoji="0" lang="en-US" sz="1400" b="0" i="0" u="none" strike="noStrike" cap="none" normalizeH="0" baseline="0" dirty="0">
+                    </a:p>
+                    <a:p>
+                      <a:pPr marL="0" marR="0" lvl="0" indent="0" algn="ctr" defTabSz="914400" rtl="0" eaLnBrk="1" fontAlgn="base" latinLnBrk="0" hangingPunct="1">
+                        <a:lnSpc>
+                          <a:spcPct val="100000"/>
+                        </a:lnSpc>
+                        <a:spcBef>
+                          <a:spcPct val="20000"/>
+                        </a:spcBef>
+                        <a:spcAft>
+                          <a:spcPct val="0"/>
+                        </a:spcAft>
+                        <a:buClr>
+                          <a:schemeClr val="tx1"/>
+                        </a:buClr>
+                        <a:buSzTx/>
+                        <a:buFontTx/>
+                        <a:buNone/>
+                        <a:tabLst/>
+                      </a:pPr>
+                      <a:r>
+                        <a:rPr kumimoji="0" lang="hr-HR" sz="1400" b="0" i="0" u="none" strike="noStrike" cap="none" normalizeH="0" baseline="0" dirty="0">
+                          <a:ln>
+                            <a:noFill/>
+                          </a:ln>
+                          <a:solidFill>
+                            <a:srgbClr val="000000"/>
+                          </a:solidFill>
+                          <a:effectLst/>
+                          <a:latin typeface="+mn-lt"/>
+                        </a:rPr>
+                        <a:t>2. Povijest razvoja</a:t>
+                      </a:r>
+                    </a:p>
+                    <a:p>
+                      <a:pPr marL="0" marR="0" lvl="0" indent="0" algn="ctr" defTabSz="914400" rtl="0" eaLnBrk="1" fontAlgn="base" latinLnBrk="0" hangingPunct="1">
+                        <a:lnSpc>
+                          <a:spcPct val="100000"/>
+                        </a:lnSpc>
+                        <a:spcBef>
+                          <a:spcPct val="20000"/>
+                        </a:spcBef>
+                        <a:spcAft>
+                          <a:spcPct val="0"/>
+                        </a:spcAft>
+                        <a:buClr>
+                          <a:schemeClr val="tx1"/>
+                        </a:buClr>
+                        <a:buSzTx/>
+                        <a:buFontTx/>
+                        <a:buNone/>
+                        <a:tabLst/>
+                      </a:pPr>
+                      <a:r>
+                        <a:rPr kumimoji="0" lang="hr-HR" sz="1400" b="0" i="0" u="none" strike="noStrike" cap="none" normalizeH="0" baseline="0" dirty="0">
+                          <a:ln>
+                            <a:noFill/>
+                          </a:ln>
+                          <a:solidFill>
+                            <a:srgbClr val="000000"/>
+                          </a:solidFill>
+                          <a:effectLst/>
+                          <a:latin typeface="+mn-lt"/>
+                        </a:rPr>
+                        <a:t>3. Linux zajednica</a:t>
+                      </a:r>
+                    </a:p>
+                    <a:p>
+                      <a:pPr marL="0" marR="0" lvl="0" indent="0" algn="ctr" defTabSz="914400" rtl="0" eaLnBrk="1" fontAlgn="base" latinLnBrk="0" hangingPunct="1">
+                        <a:lnSpc>
+                          <a:spcPct val="100000"/>
+                        </a:lnSpc>
+                        <a:spcBef>
+                          <a:spcPct val="20000"/>
+                        </a:spcBef>
+                        <a:spcAft>
+                          <a:spcPct val="0"/>
+                        </a:spcAft>
+                        <a:buClr>
+                          <a:schemeClr val="tx1"/>
+                        </a:buClr>
+                        <a:buSzTx/>
+                        <a:buFontTx/>
+                        <a:buNone/>
+                        <a:tabLst/>
+                      </a:pPr>
+                      <a:r>
+                        <a:rPr kumimoji="0" lang="hr-HR" sz="1400" b="0" i="0" u="none" strike="noStrike" cap="none" normalizeH="0" baseline="0" dirty="0">
+                          <a:ln>
+                            <a:noFill/>
+                          </a:ln>
+                          <a:solidFill>
+                            <a:srgbClr val="000000"/>
+                          </a:solidFill>
+                          <a:effectLst/>
+                          <a:latin typeface="+mn-lt"/>
+                        </a:rPr>
+                        <a:t>4. Vremenski razvoj Linux </a:t>
+                      </a:r>
+                      <a:r>
+                        <a:rPr kumimoji="0" lang="hr-HR" sz="1400" b="0" i="0" u="none" strike="noStrike" cap="none" normalizeH="0" baseline="0" dirty="0" err="1">
+                          <a:ln>
+                            <a:noFill/>
+                          </a:ln>
+                          <a:solidFill>
+                            <a:srgbClr val="000000"/>
+                          </a:solidFill>
+                          <a:effectLst/>
+                          <a:latin typeface="+mn-lt"/>
+                        </a:rPr>
+                        <a:t>Kernela</a:t>
+                      </a:r>
+                      <a:endParaRPr kumimoji="0" lang="hr-HR" sz="1400" b="0" i="0" u="none" strike="noStrike" cap="none" normalizeH="0" baseline="0" dirty="0">
                         <a:ln>
                           <a:noFill/>
                         </a:ln>
@@ -11993,7 +12437,7 @@
                           <a:effectLst/>
                           <a:latin typeface="+mn-lt"/>
                         </a:rPr>
-                        <a:t>Par kratih pitanja za ponavljaje vezana za obrađenu temu</a:t>
+                        <a:t>Nekoliko kratkih pitanja za ponavljaje vezana za obrađenu temu</a:t>
                       </a:r>
                       <a:endParaRPr kumimoji="0" lang="en-US" sz="1400" b="0" i="0" u="none" strike="noStrike" cap="none" normalizeH="0" baseline="0" dirty="0">
                         <a:ln>
@@ -12170,7 +12614,15 @@
             </a:r>
             <a:r>
               <a:rPr lang="hr-HR" b="0" dirty="0" err="1"/>
-              <a:t>open-source</a:t>
+              <a:t>open</a:t>
+            </a:r>
+            <a:r>
+              <a:rPr lang="hr-HR" b="0" dirty="0"/>
+              <a:t> </a:t>
+            </a:r>
+            <a:r>
+              <a:rPr lang="hr-HR" b="0" dirty="0" err="1"/>
+              <a:t>source</a:t>
             </a:r>
             <a:r>
               <a:rPr lang="hr-HR" b="0" dirty="0"/>
@@ -12350,7 +12802,7 @@
         </p:nvSpPr>
         <p:spPr>
           <a:xfrm>
-            <a:off x="5199742" y="1904998"/>
+            <a:off x="5199742" y="2179318"/>
             <a:ext cx="6477000" cy="3276600"/>
           </a:xfrm>
         </p:spPr>
@@ -12399,7 +12851,7 @@
             <a:pPr marL="1428750" lvl="2" indent="-285750"/>
             <a:r>
               <a:rPr lang="hr-HR" sz="1800" dirty="0"/>
-              <a:t>Donese odluke</a:t>
+              <a:t>Donose odluke</a:t>
             </a:r>
           </a:p>
           <a:p>
@@ -12569,7 +13021,12 @@
             <p:ph type="body" sz="quarter" idx="11"/>
           </p:nvPr>
         </p:nvSpPr>
-        <p:spPr/>
+        <p:spPr>
+          <a:xfrm>
+            <a:off x="5199742" y="2270760"/>
+            <a:ext cx="6477000" cy="3276600"/>
+          </a:xfrm>
+        </p:spPr>
         <p:txBody>
           <a:bodyPr/>
           <a:lstStyle/>
@@ -13030,7 +13487,7 @@
           <a:lstStyle/>
           <a:p>
             <a:r>
-              <a:rPr lang="hr-HR" dirty="0" err="1"/>
+              <a:rPr lang="hr-HR" sz="4400" dirty="0" err="1"/>
               <a:t>LibreOffice</a:t>
             </a:r>
             <a:br>
@@ -13185,7 +13642,7 @@
             </a:pPr>
             <a:r>
               <a:rPr lang="hr-HR" b="0" dirty="0"/>
-              <a:t>programski paket za uredsku obradu podataka</a:t>
+              <a:t>Programski paket za uredsku obradu podataka</a:t>
             </a:r>
           </a:p>
           <a:p>
@@ -13239,7 +13696,7 @@
             </a:pPr>
             <a:r>
               <a:rPr lang="hr-HR" b="0" dirty="0"/>
-              <a:t> Sadržan unutar Linux distribucija: Ubuntu, </a:t>
+              <a:t>Sadržan unutar Linux distribucija: Ubuntu, </a:t>
             </a:r>
             <a:r>
               <a:rPr lang="hr-HR" b="0" dirty="0" err="1"/>
@@ -13247,7 +13704,7 @@
             </a:r>
             <a:r>
               <a:rPr lang="hr-HR" b="0" dirty="0"/>
-              <a:t>, </a:t>
+              <a:t>,                    </a:t>
             </a:r>
             <a:r>
               <a:rPr lang="hr-HR" b="0" dirty="0" err="1"/>
@@ -13534,7 +13991,7 @@
         </p:blipFill>
         <p:spPr>
           <a:xfrm>
-            <a:off x="3466338" y="1774680"/>
+            <a:off x="3557778" y="1717687"/>
             <a:ext cx="1473708" cy="982472"/>
           </a:xfrm>
           <a:prstGeom prst="rect">
@@ -14058,7 +14515,7 @@
           <a:lstStyle/>
           <a:p>
             <a:r>
-              <a:rPr lang="hr-HR" dirty="0" err="1"/>
+              <a:rPr lang="hr-HR" sz="4400" dirty="0" err="1"/>
               <a:t>VideoLan</a:t>
             </a:r>
             <a:br>
@@ -14180,7 +14637,7 @@
             </a:pPr>
             <a:r>
               <a:rPr lang="hr-HR" dirty="0"/>
-              <a:t>Softver potpunog pristupa</a:t>
+              <a:t>Software potpunog pristupa</a:t>
             </a:r>
           </a:p>
           <a:p>
@@ -14200,7 +14657,15 @@
             </a:pPr>
             <a:r>
               <a:rPr lang="hr-HR" dirty="0"/>
-              <a:t>OS licence dominiraju tržištem</a:t>
+              <a:t>Open </a:t>
+            </a:r>
+            <a:r>
+              <a:rPr lang="hr-HR" dirty="0" err="1"/>
+              <a:t>source</a:t>
+            </a:r>
+            <a:r>
+              <a:rPr lang="hr-HR" dirty="0"/>
+              <a:t> licence dominiraju tržištem</a:t>
             </a:r>
           </a:p>
           <a:p>
@@ -14321,7 +14786,7 @@
             </a:r>
             <a:r>
               <a:rPr lang="hr-HR" b="0" dirty="0"/>
-              <a:t> Centrale u Parizu 1996.godine</a:t>
+              <a:t> Centrale u Parizu 1996. godine</a:t>
             </a:r>
           </a:p>
           <a:p>
@@ -14338,15 +14803,7 @@
             </a:pPr>
             <a:r>
               <a:rPr lang="hr-HR" b="0" dirty="0"/>
-              <a:t>Želja za </a:t>
-            </a:r>
-            <a:r>
-              <a:rPr lang="hr-HR" b="0" dirty="0" err="1"/>
-              <a:t>unaprijeđenjem</a:t>
-            </a:r>
-            <a:r>
-              <a:rPr lang="hr-HR" b="0" dirty="0"/>
-              <a:t> mreže sveučilišta</a:t>
+              <a:t>Želja za unapređenjem mreže sveučilišta</a:t>
             </a:r>
           </a:p>
           <a:p>
@@ -14392,7 +14849,7 @@
             </a:pPr>
             <a:r>
               <a:rPr lang="hr-HR" b="0" dirty="0"/>
-              <a:t>1.veljače 2001. programi postaju </a:t>
+              <a:t>1. veljače 2001. programi postaju </a:t>
             </a:r>
             <a:r>
               <a:rPr lang="hr-HR" b="0" dirty="0" err="1"/>
@@ -14503,7 +14960,7 @@
         <p:spPr>
           <a:xfrm>
             <a:off x="762000" y="1905000"/>
-            <a:ext cx="6340929" cy="3276600"/>
+            <a:ext cx="6340929" cy="4538472"/>
           </a:xfrm>
         </p:spPr>
         <p:txBody>
@@ -14601,7 +15058,7 @@
             </a:pPr>
             <a:r>
               <a:rPr lang="hr-HR" b="0" dirty="0"/>
-              <a:t>Čitanje prijenosa iz raznih izvora(Satelitski, kabelski izvor, TV kartice)</a:t>
+              <a:t>Čitanje prijenosa iz raznih izvora(satelitski, kabelski izvor, TV kartice)</a:t>
             </a:r>
           </a:p>
           <a:p>
@@ -14812,16 +15269,121 @@
           <a:bodyPr/>
           <a:lstStyle/>
           <a:p>
-            <a:r>
-              <a:rPr lang="en-US" altLang="en-US" dirty="0"/>
-              <a:t>Invite questions from the audience.</a:t>
-            </a:r>
+            <a:endParaRPr lang="en-US" altLang="en-US" dirty="0"/>
           </a:p>
           <a:p>
             <a:endParaRPr lang="en-US" dirty="0"/>
           </a:p>
         </p:txBody>
       </p:sp>
+      <p:sp>
+        <p:nvSpPr>
+          <p:cNvPr id="2" name="Nasmiješeno lice 1">
+            <a:extLst>
+              <a:ext uri="{FF2B5EF4-FFF2-40B4-BE49-F238E27FC236}">
+                <a16:creationId xmlns:a16="http://schemas.microsoft.com/office/drawing/2014/main" id="{F32B7D3D-4454-41CA-8D1E-5538AFAE7AF9}"/>
+              </a:ext>
+            </a:extLst>
+          </p:cNvPr>
+          <p:cNvSpPr/>
+          <p:nvPr/>
+        </p:nvSpPr>
+        <p:spPr>
+          <a:xfrm>
+            <a:off x="0" y="3602736"/>
+            <a:ext cx="12131039" cy="1322832"/>
+          </a:xfrm>
+          <a:prstGeom prst="smileyFace">
+            <a:avLst>
+              <a:gd name="adj" fmla="val 4653"/>
+            </a:avLst>
+          </a:prstGeom>
+        </p:spPr>
+        <p:style>
+          <a:lnRef idx="2">
+            <a:schemeClr val="accent1">
+              <a:shade val="50000"/>
+            </a:schemeClr>
+          </a:lnRef>
+          <a:fillRef idx="1">
+            <a:schemeClr val="accent1"/>
+          </a:fillRef>
+          <a:effectRef idx="0">
+            <a:schemeClr val="accent1"/>
+          </a:effectRef>
+          <a:fontRef idx="minor">
+            <a:schemeClr val="lt1"/>
+          </a:fontRef>
+        </p:style>
+        <p:txBody>
+          <a:bodyPr rtlCol="0" anchor="ctr"/>
+          <a:lstStyle/>
+          <a:p>
+            <a:pPr algn="ctr"/>
+            <a:endParaRPr lang="en-US"/>
+          </a:p>
+        </p:txBody>
+      </p:sp>
+      <p:pic>
+        <p:nvPicPr>
+          <p:cNvPr id="5" name="Slika 4" descr="Slika na kojoj se prikazuje nož, oružje&#10;&#10;Opis je automatski generiran">
+            <a:extLst>
+              <a:ext uri="{FF2B5EF4-FFF2-40B4-BE49-F238E27FC236}">
+                <a16:creationId xmlns:a16="http://schemas.microsoft.com/office/drawing/2014/main" id="{2AE64BC9-5EA7-4BBF-B859-AD0828F490FB}"/>
+              </a:ext>
+            </a:extLst>
+          </p:cNvPr>
+          <p:cNvPicPr>
+            <a:picLocks noChangeAspect="1"/>
+          </p:cNvPicPr>
+          <p:nvPr/>
+        </p:nvPicPr>
+        <p:blipFill>
+          <a:blip r:embed="rId3"/>
+          <a:stretch>
+            <a:fillRect/>
+          </a:stretch>
+        </p:blipFill>
+        <p:spPr>
+          <a:xfrm rot="2400759">
+            <a:off x="5838354" y="4410843"/>
+            <a:ext cx="1998657" cy="2043864"/>
+          </a:xfrm>
+          <a:prstGeom prst="rect">
+            <a:avLst/>
+          </a:prstGeom>
+        </p:spPr>
+      </p:pic>
+      <p:pic>
+        <p:nvPicPr>
+          <p:cNvPr id="10" name="Slika 9" descr="Slika na kojoj se prikazuje člankonožac, beskralješnjak&#10;&#10;Opis je automatski generiran">
+            <a:extLst>
+              <a:ext uri="{FF2B5EF4-FFF2-40B4-BE49-F238E27FC236}">
+                <a16:creationId xmlns:a16="http://schemas.microsoft.com/office/drawing/2014/main" id="{97EEF9BD-AC47-4C21-9CF3-9451B8440C13}"/>
+              </a:ext>
+            </a:extLst>
+          </p:cNvPr>
+          <p:cNvPicPr>
+            <a:picLocks noChangeAspect="1"/>
+          </p:cNvPicPr>
+          <p:nvPr/>
+        </p:nvPicPr>
+        <p:blipFill>
+          <a:blip r:embed="rId4"/>
+          <a:stretch>
+            <a:fillRect/>
+          </a:stretch>
+        </p:blipFill>
+        <p:spPr>
+          <a:xfrm>
+            <a:off x="7299159" y="4891619"/>
+            <a:ext cx="751959" cy="751959"/>
+          </a:xfrm>
+          <a:prstGeom prst="rect">
+            <a:avLst/>
+          </a:prstGeom>
+        </p:spPr>
+      </p:pic>
     </p:spTree>
     <p:extLst>
       <p:ext uri="{BB962C8B-B14F-4D97-AF65-F5344CB8AC3E}">
@@ -14965,141 +15527,6 @@
 </p:sld>
 </file>
 
-<file path=ppt/slides/slide34.xml><?xml version="1.0" encoding="utf-8"?>
-<p:sld xmlns:a="http://schemas.openxmlformats.org/drawingml/2006/main" xmlns:r="http://schemas.openxmlformats.org/officeDocument/2006/relationships" xmlns:p="http://schemas.openxmlformats.org/presentationml/2006/main">
-  <p:cSld>
-    <p:spTree>
-      <p:nvGrpSpPr>
-        <p:cNvPr id="1" name=""/>
-        <p:cNvGrpSpPr/>
-        <p:nvPr/>
-      </p:nvGrpSpPr>
-      <p:grpSpPr>
-        <a:xfrm>
-          <a:off x="0" y="0"/>
-          <a:ext cx="0" cy="0"/>
-          <a:chOff x="0" y="0"/>
-          <a:chExt cx="0" cy="0"/>
-        </a:xfrm>
-      </p:grpSpPr>
-      <p:sp>
-        <p:nvSpPr>
-          <p:cNvPr id="4" name="Title 3">
-            <a:extLst>
-              <a:ext uri="{FF2B5EF4-FFF2-40B4-BE49-F238E27FC236}">
-                <a16:creationId xmlns:a16="http://schemas.microsoft.com/office/drawing/2014/main" id="{9DA36B3A-558B-413E-877B-7275290AB783}"/>
-              </a:ext>
-            </a:extLst>
-          </p:cNvPr>
-          <p:cNvSpPr>
-            <a:spLocks noGrp="1"/>
-          </p:cNvSpPr>
-          <p:nvPr>
-            <p:ph type="title"/>
-          </p:nvPr>
-        </p:nvSpPr>
-        <p:spPr>
-          <a:xfrm>
-            <a:off x="5199742" y="715961"/>
-            <a:ext cx="6477000" cy="1189037"/>
-          </a:xfrm>
-        </p:spPr>
-        <p:txBody>
-          <a:bodyPr/>
-          <a:lstStyle/>
-          <a:p>
-            <a:r>
-              <a:rPr lang="en-US" dirty="0"/>
-              <a:t>Resources</a:t>
-            </a:r>
-          </a:p>
-        </p:txBody>
-      </p:sp>
-      <p:sp>
-        <p:nvSpPr>
-          <p:cNvPr id="3" name="Text Placeholder 2">
-            <a:extLst>
-              <a:ext uri="{FF2B5EF4-FFF2-40B4-BE49-F238E27FC236}">
-                <a16:creationId xmlns:a16="http://schemas.microsoft.com/office/drawing/2014/main" id="{68675CE5-70A2-411D-881E-7B75B82931F4}"/>
-              </a:ext>
-            </a:extLst>
-          </p:cNvPr>
-          <p:cNvSpPr>
-            <a:spLocks noGrp="1"/>
-          </p:cNvSpPr>
-          <p:nvPr>
-            <p:ph type="body" sz="quarter" idx="11"/>
-          </p:nvPr>
-        </p:nvSpPr>
-        <p:spPr>
-          <a:xfrm>
-            <a:off x="5199743" y="1905000"/>
-            <a:ext cx="6477000" cy="3276600"/>
-          </a:xfrm>
-        </p:spPr>
-        <p:txBody>
-          <a:bodyPr/>
-          <a:lstStyle/>
-          <a:p>
-            <a:r>
-              <a:rPr lang="en-US" altLang="en-US" dirty="0"/>
-              <a:t>List the resources you used for your research:</a:t>
-            </a:r>
-          </a:p>
-          <a:p>
-            <a:pPr lvl="1"/>
-            <a:r>
-              <a:rPr lang="fr-FR" dirty="0"/>
-              <a:t>Source #1</a:t>
-            </a:r>
-          </a:p>
-          <a:p>
-            <a:pPr lvl="1"/>
-            <a:r>
-              <a:rPr lang="fr-FR" dirty="0"/>
-              <a:t>Source #2</a:t>
-            </a:r>
-          </a:p>
-          <a:p>
-            <a:pPr lvl="1"/>
-            <a:r>
-              <a:rPr lang="fr-FR" dirty="0"/>
-              <a:t>Source #3</a:t>
-            </a:r>
-          </a:p>
-          <a:p>
-            <a:endParaRPr lang="en-US" dirty="0"/>
-          </a:p>
-          <a:p>
-            <a:endParaRPr lang="en-US" dirty="0"/>
-          </a:p>
-        </p:txBody>
-      </p:sp>
-    </p:spTree>
-    <p:extLst>
-      <p:ext uri="{BB962C8B-B14F-4D97-AF65-F5344CB8AC3E}">
-        <p14:creationId xmlns:p14="http://schemas.microsoft.com/office/powerpoint/2010/main" val="3366527757"/>
-      </p:ext>
-    </p:extLst>
-  </p:cSld>
-  <p:clrMapOvr>
-    <a:masterClrMapping/>
-  </p:clrMapOvr>
-  <mc:AlternateContent xmlns:mc="http://schemas.openxmlformats.org/markup-compatibility/2006" xmlns:p14="http://schemas.microsoft.com/office/powerpoint/2010/main">
-    <mc:Choice Requires="p14">
-      <p:transition spd="med" p14:dur="700">
-        <p:fade/>
-      </p:transition>
-    </mc:Choice>
-    <mc:Fallback xmlns="">
-      <p:transition spd="med">
-        <p:fade/>
-      </p:transition>
-    </mc:Fallback>
-  </mc:AlternateContent>
-</p:sld>
-</file>
-
 <file path=ppt/slides/slide4.xml><?xml version="1.0" encoding="utf-8"?>
 <p:sld xmlns:a="http://schemas.openxmlformats.org/drawingml/2006/main" xmlns:r="http://schemas.openxmlformats.org/officeDocument/2006/relationships" xmlns:p="http://schemas.openxmlformats.org/presentationml/2006/main">
   <p:cSld>
@@ -15146,7 +15573,47 @@
                   </a:schemeClr>
                 </a:solidFill>
               </a:rPr>
-              <a:t>Općenito o OS-u</a:t>
+              <a:t>Općenito o </a:t>
+            </a:r>
+            <a:r>
+              <a:rPr lang="hr-HR" dirty="0" err="1">
+                <a:solidFill>
+                  <a:schemeClr val="accent3">
+                    <a:lumMod val="75000"/>
+                  </a:schemeClr>
+                </a:solidFill>
+              </a:rPr>
+              <a:t>open</a:t>
+            </a:r>
+            <a:r>
+              <a:rPr lang="hr-HR" dirty="0">
+                <a:solidFill>
+                  <a:schemeClr val="accent3">
+                    <a:lumMod val="75000"/>
+                  </a:schemeClr>
+                </a:solidFill>
+              </a:rPr>
+              <a:t> </a:t>
+            </a:r>
+            <a:r>
+              <a:rPr lang="hr-HR" dirty="0" err="1">
+                <a:solidFill>
+                  <a:schemeClr val="accent3">
+                    <a:lumMod val="75000"/>
+                  </a:schemeClr>
+                </a:solidFill>
+              </a:rPr>
+              <a:t>source</a:t>
+            </a:r>
+            <a:r>
+              <a:rPr lang="hr-HR" dirty="0">
+                <a:solidFill>
+                  <a:schemeClr val="accent3">
+                    <a:lumMod val="75000"/>
+                  </a:schemeClr>
+                </a:solidFill>
+              </a:rPr>
+              <a:t>-u</a:t>
             </a:r>
           </a:p>
         </p:txBody>
@@ -15178,7 +15645,7 @@
             </a:pPr>
             <a:r>
               <a:rPr lang="hr-HR" b="0" dirty="0"/>
-              <a:t>Softver koji mogu svi vidjeti i izmjenjivati</a:t>
+              <a:t>Software kojeg mogu svi vidjeti i izmjenjivati</a:t>
             </a:r>
           </a:p>
           <a:p>
@@ -15313,7 +15780,7 @@
             </a:pPr>
             <a:r>
               <a:rPr lang="hr-HR" b="0" dirty="0"/>
-              <a:t>Kolekcije pridonositelja projektima</a:t>
+              <a:t>Skupine pridonositelja projektima</a:t>
             </a:r>
           </a:p>
           <a:p>
@@ -15343,7 +15810,23 @@
             </a:pPr>
             <a:r>
               <a:rPr lang="hr-HR" b="0" dirty="0"/>
-              <a:t>Organizacije u open sourceu</a:t>
+              <a:t>Organizacije u </a:t>
+            </a:r>
+            <a:r>
+              <a:rPr lang="hr-HR" b="0" dirty="0" err="1"/>
+              <a:t>open</a:t>
+            </a:r>
+            <a:r>
+              <a:rPr lang="hr-HR" b="0" dirty="0"/>
+              <a:t> </a:t>
+            </a:r>
+            <a:r>
+              <a:rPr lang="hr-HR" b="0" dirty="0" err="1"/>
+              <a:t>source</a:t>
+            </a:r>
+            <a:r>
+              <a:rPr lang="hr-HR" b="0" dirty="0"/>
+              <a:t>-u</a:t>
             </a:r>
           </a:p>
           <a:p>
@@ -15458,7 +15941,23 @@
             </a:pPr>
             <a:r>
               <a:rPr lang="hr-HR" b="0" dirty="0"/>
-              <a:t>Istraživanja pokazuju porast open sourcea u tvrtkama</a:t>
+              <a:t>Istraživanja pokazuju porast </a:t>
+            </a:r>
+            <a:r>
+              <a:rPr lang="hr-HR" b="0" dirty="0" err="1"/>
+              <a:t>open</a:t>
+            </a:r>
+            <a:r>
+              <a:rPr lang="hr-HR" b="0" dirty="0"/>
+              <a:t> </a:t>
+            </a:r>
+            <a:r>
+              <a:rPr lang="hr-HR" b="0" dirty="0" err="1"/>
+              <a:t>source</a:t>
+            </a:r>
+            <a:r>
+              <a:rPr lang="hr-HR" b="0" dirty="0"/>
+              <a:t>-a u tvrtkama</a:t>
             </a:r>
           </a:p>
           <a:p>
@@ -15478,7 +15977,23 @@
             </a:pPr>
             <a:r>
               <a:rPr lang="hr-HR" b="0" dirty="0"/>
-              <a:t>Većina proizvoda koje danas koristimo sadrži OSS</a:t>
+              <a:t>Većina proizvoda koje danas koristimo sadrži </a:t>
+            </a:r>
+            <a:r>
+              <a:rPr lang="hr-HR" b="0" dirty="0" err="1"/>
+              <a:t>open</a:t>
+            </a:r>
+            <a:r>
+              <a:rPr lang="hr-HR" b="0" dirty="0"/>
+              <a:t> </a:t>
+            </a:r>
+            <a:r>
+              <a:rPr lang="hr-HR" b="0" dirty="0" err="1"/>
+              <a:t>source</a:t>
+            </a:r>
+            <a:r>
+              <a:rPr lang="hr-HR" b="0" dirty="0"/>
+              <a:t> software(OSS)</a:t>
             </a:r>
           </a:p>
           <a:p>
@@ -15943,16 +16458,21 @@
             </a:pPr>
             <a:r>
               <a:rPr lang="hr-HR" b="0" dirty="0"/>
-              <a:t>Započet kao </a:t>
+              <a:t>Započet kao osobni projekt </a:t>
             </a:r>
             <a:r>
               <a:rPr lang="hr-HR" b="0" dirty="0" err="1"/>
-              <a:t>Linusov</a:t>
+              <a:t>Linusa</a:t>
             </a:r>
             <a:r>
               <a:rPr lang="hr-HR" b="0" dirty="0"/>
-              <a:t> osobni projekt </a:t>
-            </a:r>
+              <a:t> </a:t>
+            </a:r>
+            <a:r>
+              <a:rPr lang="hr-HR" b="0" dirty="0" err="1"/>
+              <a:t>Torvaldsa</a:t>
+            </a:r>
+            <a:endParaRPr lang="hr-HR" b="0" dirty="0"/>
           </a:p>
           <a:p>
             <a:pPr marL="285750" indent="-285750">
@@ -15961,7 +16481,7 @@
             </a:pPr>
             <a:r>
               <a:rPr lang="hr-HR" b="0" dirty="0"/>
-              <a:t>Cilj je izraditi novi besplatni OS </a:t>
+              <a:t>Cilj je bio izraditi novi besplatni OS </a:t>
             </a:r>
             <a:r>
               <a:rPr lang="hr-HR" b="0" dirty="0" err="1"/>

--- a/Open Source Prezentacija.pptx
+++ b/Open Source Prezentacija.pptx
@@ -6787,8 +6787,8 @@
         </p:nvSpPr>
         <p:spPr>
           <a:xfrm>
-            <a:off x="5425536" y="2766218"/>
-            <a:ext cx="6220101" cy="1325563"/>
+            <a:off x="4634631" y="2116900"/>
+            <a:ext cx="5523977" cy="1974882"/>
           </a:xfrm>
         </p:spPr>
         <p:txBody>
@@ -6803,7 +6803,47 @@
                   <a:schemeClr val="accent2"/>
                 </a:solidFill>
               </a:rPr>
-              <a:t>Open </a:t>
+              <a:t>Development </a:t>
+            </a:r>
+            <a:r>
+              <a:rPr lang="hr-HR" altLang="en-US" dirty="0" err="1">
+                <a:solidFill>
+                  <a:schemeClr val="accent2"/>
+                </a:solidFill>
+              </a:rPr>
+              <a:t>in</a:t>
+            </a:r>
+            <a:r>
+              <a:rPr lang="hr-HR" altLang="en-US" dirty="0">
+                <a:solidFill>
+                  <a:schemeClr val="accent2"/>
+                </a:solidFill>
+              </a:rPr>
+              <a:t> </a:t>
+            </a:r>
+            <a:r>
+              <a:rPr lang="hr-HR" altLang="en-US" dirty="0" err="1">
+                <a:solidFill>
+                  <a:schemeClr val="accent2"/>
+                </a:solidFill>
+              </a:rPr>
+              <a:t>an</a:t>
+            </a:r>
+            <a:r>
+              <a:rPr lang="hr-HR" altLang="en-US" dirty="0">
+                <a:solidFill>
+                  <a:schemeClr val="accent2"/>
+                </a:solidFill>
+              </a:rPr>
+              <a:t> </a:t>
+            </a:r>
+            <a:r>
+              <a:rPr lang="hr-HR" altLang="en-US" dirty="0" err="1">
+                <a:solidFill>
+                  <a:srgbClr val="FF0000"/>
+                </a:solidFill>
+              </a:rPr>
+              <a:t>open</a:t>
             </a:r>
             <a:r>
               <a:rPr lang="hr-HR" altLang="en-US" dirty="0">
@@ -6811,7 +6851,15 @@
                   <a:srgbClr val="FF0000"/>
                 </a:solidFill>
               </a:rPr>
-              <a:t>Source</a:t>
+              <a:t> </a:t>
+            </a:r>
+            <a:r>
+              <a:rPr lang="hr-HR" altLang="en-US" dirty="0" err="1">
+                <a:solidFill>
+                  <a:srgbClr val="FF0000"/>
+                </a:solidFill>
+              </a:rPr>
+              <a:t>source</a:t>
             </a:r>
             <a:br>
               <a:rPr lang="hr-HR" altLang="en-US" dirty="0">
@@ -6821,8 +6869,8 @@
               </a:rPr>
             </a:br>
             <a:r>
-              <a:rPr lang="hr-HR" altLang="en-US" dirty="0"/>
-              <a:t>Community</a:t>
+              <a:rPr lang="hr-HR" altLang="en-US" dirty="0" err="1"/>
+              <a:t>community</a:t>
             </a:r>
             <a:endParaRPr lang="en-US" altLang="en-US" dirty="0"/>
           </a:p>
@@ -17019,18 +17067,18 @@
 </file>
 
 <file path=customXml/item1.xml><?xml version="1.0" encoding="utf-8"?>
-<p:properties xmlns:p="http://schemas.microsoft.com/office/2006/metadata/properties" xmlns:xsi="http://www.w3.org/2001/XMLSchema-instance" xmlns:pc="http://schemas.microsoft.com/office/infopath/2007/PartnerControls">
-  <documentManagement/>
-</p:properties>
-</file>
-
-<file path=customXml/item2.xml><?xml version="1.0" encoding="utf-8"?>
 <?mso-contentType ?>
 <FormTemplates xmlns="http://schemas.microsoft.com/sharepoint/v3/contenttype/forms">
   <Display>DocumentLibraryForm</Display>
   <Edit>DocumentLibraryForm</Edit>
   <New>DocumentLibraryForm</New>
 </FormTemplates>
+</file>
+
+<file path=customXml/item2.xml><?xml version="1.0" encoding="utf-8"?>
+<p:properties xmlns:p="http://schemas.microsoft.com/office/2006/metadata/properties" xmlns:xsi="http://www.w3.org/2001/XMLSchema-instance" xmlns:pc="http://schemas.microsoft.com/office/infopath/2007/PartnerControls">
+  <documentManagement/>
+</p:properties>
 </file>
 
 <file path=customXml/item3.xml><?xml version="1.0" encoding="utf-8"?>
@@ -17148,6 +17196,14 @@
 </file>
 
 <file path=customXml/itemProps1.xml><?xml version="1.0" encoding="utf-8"?>
+<ds:datastoreItem xmlns:ds="http://schemas.openxmlformats.org/officeDocument/2006/customXml" ds:itemID="{915C1F8C-D27A-4CE7-9DF4-4AFDB2880FA9}">
+  <ds:schemaRefs>
+    <ds:schemaRef ds:uri="http://schemas.microsoft.com/sharepoint/v3/contenttype/forms"/>
+  </ds:schemaRefs>
+</ds:datastoreItem>
+</file>
+
+<file path=customXml/itemProps2.xml><?xml version="1.0" encoding="utf-8"?>
 <ds:datastoreItem xmlns:ds="http://schemas.openxmlformats.org/officeDocument/2006/customXml" ds:itemID="{FDF283A3-AA81-4663-8764-64F64C723FD1}">
   <ds:schemaRefs>
     <ds:schemaRef ds:uri="http://purl.org/dc/terms/"/>
@@ -17158,14 +17214,6 @@
     <ds:schemaRef ds:uri="http://schemas.microsoft.com/office/2006/metadata/properties"/>
     <ds:schemaRef ds:uri="http://www.w3.org/XML/1998/namespace"/>
     <ds:schemaRef ds:uri="http://purl.org/dc/dcmitype/"/>
-  </ds:schemaRefs>
-</ds:datastoreItem>
-</file>
-
-<file path=customXml/itemProps2.xml><?xml version="1.0" encoding="utf-8"?>
-<ds:datastoreItem xmlns:ds="http://schemas.openxmlformats.org/officeDocument/2006/customXml" ds:itemID="{915C1F8C-D27A-4CE7-9DF4-4AFDB2880FA9}">
-  <ds:schemaRefs>
-    <ds:schemaRef ds:uri="http://schemas.microsoft.com/sharepoint/v3/contenttype/forms"/>
   </ds:schemaRefs>
 </ds:datastoreItem>
 </file>

--- a/Open Source Prezentacija.pptx
+++ b/Open Source Prezentacija.pptx
@@ -12692,16 +12692,6 @@
             </a:pPr>
             <a:r>
               <a:rPr lang="hr-HR" b="0" dirty="0"/>
-              <a:t>Najpopularniji HTTP server u svijetu</a:t>
-            </a:r>
-          </a:p>
-          <a:p>
-            <a:pPr marL="285750" indent="-285750">
-              <a:buFont typeface="Arial" panose="020B0604020202020204" pitchFamily="34" charset="0"/>
-              <a:buChar char="•"/>
-            </a:pPr>
-            <a:r>
-              <a:rPr lang="hr-HR" b="0" dirty="0"/>
               <a:t>Omogućuje komunikaciju između klijenta i servera preko mreže</a:t>
             </a:r>
           </a:p>
@@ -12874,24 +12864,6 @@
             </a:pPr>
             <a:r>
               <a:rPr lang="hr-HR" b="0" dirty="0"/>
-              <a:t>U siječnju 1996. nastaje prva  službena verzija Apache servera (Apache </a:t>
-            </a:r>
-            <a:r>
-              <a:rPr lang="hr-HR" b="0" dirty="0" err="1"/>
-              <a:t>httpd</a:t>
-            </a:r>
-            <a:r>
-              <a:rPr lang="hr-HR" b="0" dirty="0"/>
-              <a:t> 1.0)</a:t>
-            </a:r>
-          </a:p>
-          <a:p>
-            <a:pPr marL="285750" indent="-285750">
-              <a:buFont typeface="Arial" panose="020B0604020202020204" pitchFamily="34" charset="0"/>
-              <a:buChar char="•"/>
-            </a:pPr>
-            <a:r>
-              <a:rPr lang="hr-HR" b="0" dirty="0"/>
               <a:t>Članovi Apache grupe:</a:t>
             </a:r>
           </a:p>
@@ -13096,16 +13068,6 @@
             <a:r>
               <a:rPr lang="hr-HR" b="0" dirty="0"/>
               <a:t>Testiranje provodi pojedini developer</a:t>
-            </a:r>
-          </a:p>
-          <a:p>
-            <a:pPr marL="285750" indent="-285750">
-              <a:buFont typeface="Arial" panose="020B0604020202020204" pitchFamily="34" charset="0"/>
-              <a:buChar char="•"/>
-            </a:pPr>
-            <a:r>
-              <a:rPr lang="hr-HR" b="0" dirty="0"/>
-              <a:t>Glavne odluke donosi cijela Apache grupa zajedno</a:t>
             </a:r>
           </a:p>
           <a:p>
@@ -15324,114 +15286,6 @@
           </a:p>
         </p:txBody>
       </p:sp>
-      <p:sp>
-        <p:nvSpPr>
-          <p:cNvPr id="2" name="Nasmiješeno lice 1">
-            <a:extLst>
-              <a:ext uri="{FF2B5EF4-FFF2-40B4-BE49-F238E27FC236}">
-                <a16:creationId xmlns:a16="http://schemas.microsoft.com/office/drawing/2014/main" id="{F32B7D3D-4454-41CA-8D1E-5538AFAE7AF9}"/>
-              </a:ext>
-            </a:extLst>
-          </p:cNvPr>
-          <p:cNvSpPr/>
-          <p:nvPr/>
-        </p:nvSpPr>
-        <p:spPr>
-          <a:xfrm>
-            <a:off x="0" y="3602736"/>
-            <a:ext cx="12131039" cy="1322832"/>
-          </a:xfrm>
-          <a:prstGeom prst="smileyFace">
-            <a:avLst>
-              <a:gd name="adj" fmla="val 4653"/>
-            </a:avLst>
-          </a:prstGeom>
-        </p:spPr>
-        <p:style>
-          <a:lnRef idx="2">
-            <a:schemeClr val="accent1">
-              <a:shade val="50000"/>
-            </a:schemeClr>
-          </a:lnRef>
-          <a:fillRef idx="1">
-            <a:schemeClr val="accent1"/>
-          </a:fillRef>
-          <a:effectRef idx="0">
-            <a:schemeClr val="accent1"/>
-          </a:effectRef>
-          <a:fontRef idx="minor">
-            <a:schemeClr val="lt1"/>
-          </a:fontRef>
-        </p:style>
-        <p:txBody>
-          <a:bodyPr rtlCol="0" anchor="ctr"/>
-          <a:lstStyle/>
-          <a:p>
-            <a:pPr algn="ctr"/>
-            <a:endParaRPr lang="en-US"/>
-          </a:p>
-        </p:txBody>
-      </p:sp>
-      <p:pic>
-        <p:nvPicPr>
-          <p:cNvPr id="5" name="Slika 4" descr="Slika na kojoj se prikazuje nož, oružje&#10;&#10;Opis je automatski generiran">
-            <a:extLst>
-              <a:ext uri="{FF2B5EF4-FFF2-40B4-BE49-F238E27FC236}">
-                <a16:creationId xmlns:a16="http://schemas.microsoft.com/office/drawing/2014/main" id="{2AE64BC9-5EA7-4BBF-B859-AD0828F490FB}"/>
-              </a:ext>
-            </a:extLst>
-          </p:cNvPr>
-          <p:cNvPicPr>
-            <a:picLocks noChangeAspect="1"/>
-          </p:cNvPicPr>
-          <p:nvPr/>
-        </p:nvPicPr>
-        <p:blipFill>
-          <a:blip r:embed="rId3"/>
-          <a:stretch>
-            <a:fillRect/>
-          </a:stretch>
-        </p:blipFill>
-        <p:spPr>
-          <a:xfrm rot="2400759">
-            <a:off x="5838354" y="4410843"/>
-            <a:ext cx="1998657" cy="2043864"/>
-          </a:xfrm>
-          <a:prstGeom prst="rect">
-            <a:avLst/>
-          </a:prstGeom>
-        </p:spPr>
-      </p:pic>
-      <p:pic>
-        <p:nvPicPr>
-          <p:cNvPr id="10" name="Slika 9" descr="Slika na kojoj se prikazuje člankonožac, beskralješnjak&#10;&#10;Opis je automatski generiran">
-            <a:extLst>
-              <a:ext uri="{FF2B5EF4-FFF2-40B4-BE49-F238E27FC236}">
-                <a16:creationId xmlns:a16="http://schemas.microsoft.com/office/drawing/2014/main" id="{97EEF9BD-AC47-4C21-9CF3-9451B8440C13}"/>
-              </a:ext>
-            </a:extLst>
-          </p:cNvPr>
-          <p:cNvPicPr>
-            <a:picLocks noChangeAspect="1"/>
-          </p:cNvPicPr>
-          <p:nvPr/>
-        </p:nvPicPr>
-        <p:blipFill>
-          <a:blip r:embed="rId4"/>
-          <a:stretch>
-            <a:fillRect/>
-          </a:stretch>
-        </p:blipFill>
-        <p:spPr>
-          <a:xfrm>
-            <a:off x="7299159" y="4891619"/>
-            <a:ext cx="751959" cy="751959"/>
-          </a:xfrm>
-          <a:prstGeom prst="rect">
-            <a:avLst/>
-          </a:prstGeom>
-        </p:spPr>
-      </p:pic>
     </p:spTree>
     <p:extLst>
       <p:ext uri="{BB962C8B-B14F-4D97-AF65-F5344CB8AC3E}">
@@ -17067,21 +16921,6 @@
 </file>
 
 <file path=customXml/item1.xml><?xml version="1.0" encoding="utf-8"?>
-<?mso-contentType ?>
-<FormTemplates xmlns="http://schemas.microsoft.com/sharepoint/v3/contenttype/forms">
-  <Display>DocumentLibraryForm</Display>
-  <Edit>DocumentLibraryForm</Edit>
-  <New>DocumentLibraryForm</New>
-</FormTemplates>
-</file>
-
-<file path=customXml/item2.xml><?xml version="1.0" encoding="utf-8"?>
-<p:properties xmlns:p="http://schemas.microsoft.com/office/2006/metadata/properties" xmlns:xsi="http://www.w3.org/2001/XMLSchema-instance" xmlns:pc="http://schemas.microsoft.com/office/infopath/2007/PartnerControls">
-  <documentManagement/>
-</p:properties>
-</file>
-
-<file path=customXml/item3.xml><?xml version="1.0" encoding="utf-8"?>
 <ct:contentTypeSchema xmlns:ct="http://schemas.microsoft.com/office/2006/metadata/contentType" xmlns:ma="http://schemas.microsoft.com/office/2006/metadata/properties/metaAttributes" ct:_="" ma:_="" ma:contentTypeName="Document" ma:contentTypeID="0x0101008F03E54B797CDE4D91D8827125F9D87A" ma:contentTypeVersion="0" ma:contentTypeDescription="Create a new document." ma:contentTypeScope="" ma:versionID="18adb4cc97980dca1658d4b83a09ab50">
   <xsd:schema xmlns:xsd="http://www.w3.org/2001/XMLSchema" xmlns:xs="http://www.w3.org/2001/XMLSchema" xmlns:p="http://schemas.microsoft.com/office/2006/metadata/properties" targetNamespace="http://schemas.microsoft.com/office/2006/metadata/properties" ma:root="true" ma:fieldsID="017581d6d4d432103422426420c4d249">
     <xsd:element name="properties">
@@ -17195,10 +17034,33 @@
 </ct:contentTypeSchema>
 </file>
 
+<file path=customXml/item2.xml><?xml version="1.0" encoding="utf-8"?>
+<p:properties xmlns:p="http://schemas.microsoft.com/office/2006/metadata/properties" xmlns:xsi="http://www.w3.org/2001/XMLSchema-instance" xmlns:pc="http://schemas.microsoft.com/office/infopath/2007/PartnerControls">
+  <documentManagement/>
+</p:properties>
+</file>
+
+<file path=customXml/item3.xml><?xml version="1.0" encoding="utf-8"?>
+<?mso-contentType ?>
+<FormTemplates xmlns="http://schemas.microsoft.com/sharepoint/v3/contenttype/forms">
+  <Display>DocumentLibraryForm</Display>
+  <Edit>DocumentLibraryForm</Edit>
+  <New>DocumentLibraryForm</New>
+</FormTemplates>
+</file>
+
 <file path=customXml/itemProps1.xml><?xml version="1.0" encoding="utf-8"?>
-<ds:datastoreItem xmlns:ds="http://schemas.openxmlformats.org/officeDocument/2006/customXml" ds:itemID="{915C1F8C-D27A-4CE7-9DF4-4AFDB2880FA9}">
+<ds:datastoreItem xmlns:ds="http://schemas.openxmlformats.org/officeDocument/2006/customXml" ds:itemID="{51673A1C-D129-4B55-9ABB-91F8176200AE}">
   <ds:schemaRefs>
-    <ds:schemaRef ds:uri="http://schemas.microsoft.com/sharepoint/v3/contenttype/forms"/>
+    <ds:schemaRef ds:uri="http://schemas.microsoft.com/office/2006/metadata/contentType"/>
+    <ds:schemaRef ds:uri="http://schemas.microsoft.com/office/2006/metadata/properties/metaAttributes"/>
+    <ds:schemaRef ds:uri="http://www.w3.org/2001/XMLSchema"/>
+    <ds:schemaRef ds:uri="http://schemas.microsoft.com/office/2006/metadata/properties"/>
+    <ds:schemaRef ds:uri="http://schemas.openxmlformats.org/package/2006/metadata/core-properties"/>
+    <ds:schemaRef ds:uri="http://purl.org/dc/elements/1.1/"/>
+    <ds:schemaRef ds:uri="http://purl.org/dc/terms/"/>
+    <ds:schemaRef ds:uri="http://schemas.microsoft.com/internal/obd"/>
+    <ds:schemaRef ds:uri="http://schemas.microsoft.com/office/infopath/2007/PartnerControls"/>
   </ds:schemaRefs>
 </ds:datastoreItem>
 </file>
@@ -17219,17 +17081,9 @@
 </file>
 
 <file path=customXml/itemProps3.xml><?xml version="1.0" encoding="utf-8"?>
-<ds:datastoreItem xmlns:ds="http://schemas.openxmlformats.org/officeDocument/2006/customXml" ds:itemID="{51673A1C-D129-4B55-9ABB-91F8176200AE}">
+<ds:datastoreItem xmlns:ds="http://schemas.openxmlformats.org/officeDocument/2006/customXml" ds:itemID="{915C1F8C-D27A-4CE7-9DF4-4AFDB2880FA9}">
   <ds:schemaRefs>
-    <ds:schemaRef ds:uri="http://schemas.microsoft.com/office/2006/metadata/contentType"/>
-    <ds:schemaRef ds:uri="http://schemas.microsoft.com/office/2006/metadata/properties/metaAttributes"/>
-    <ds:schemaRef ds:uri="http://www.w3.org/2001/XMLSchema"/>
-    <ds:schemaRef ds:uri="http://schemas.microsoft.com/office/2006/metadata/properties"/>
-    <ds:schemaRef ds:uri="http://schemas.openxmlformats.org/package/2006/metadata/core-properties"/>
-    <ds:schemaRef ds:uri="http://purl.org/dc/elements/1.1/"/>
-    <ds:schemaRef ds:uri="http://purl.org/dc/terms/"/>
-    <ds:schemaRef ds:uri="http://schemas.microsoft.com/internal/obd"/>
-    <ds:schemaRef ds:uri="http://schemas.microsoft.com/office/infopath/2007/PartnerControls"/>
+    <ds:schemaRef ds:uri="http://schemas.microsoft.com/sharepoint/v3/contenttype/forms"/>
   </ds:schemaRefs>
 </ds:datastoreItem>
 </file>

--- a/Open Source Prezentacija.pptx
+++ b/Open Source Prezentacija.pptx
@@ -15381,7 +15381,7 @@
         <p:spPr>
           <a:xfrm>
             <a:off x="2196307" y="3260705"/>
-            <a:ext cx="7799387" cy="1534757"/>
+            <a:ext cx="7962677" cy="1534757"/>
           </a:xfrm>
         </p:spPr>
         <p:txBody>
@@ -15390,9 +15390,78 @@
           </a:bodyPr>
           <a:lstStyle/>
           <a:p>
+            <a:pPr marL="342900" indent="-342900">
+              <a:buAutoNum type="arabicPeriod"/>
+            </a:pPr>
             <a:r>
               <a:rPr lang="hr-HR" altLang="en-US" dirty="0"/>
-              <a:t>/*ubaciti pitanja*/</a:t>
+              <a:t>Što je </a:t>
+            </a:r>
+            <a:r>
+              <a:rPr lang="hr-HR" altLang="en-US" dirty="0" err="1"/>
+              <a:t>open</a:t>
+            </a:r>
+            <a:r>
+              <a:rPr lang="hr-HR" altLang="en-US" dirty="0"/>
+              <a:t> </a:t>
+            </a:r>
+            <a:r>
+              <a:rPr lang="hr-HR" altLang="en-US" dirty="0" err="1"/>
+              <a:t>source</a:t>
+            </a:r>
+            <a:r>
+              <a:rPr lang="hr-HR" altLang="en-US" dirty="0"/>
+              <a:t> software?</a:t>
+            </a:r>
+          </a:p>
+          <a:p>
+            <a:pPr marL="342900" indent="-342900">
+              <a:buAutoNum type="arabicPeriod"/>
+            </a:pPr>
+            <a:r>
+              <a:rPr lang="hr-HR" altLang="en-US" dirty="0"/>
+              <a:t>Navedi neke karakteristike </a:t>
+            </a:r>
+            <a:r>
+              <a:rPr lang="hr-HR" altLang="en-US" dirty="0" err="1"/>
+              <a:t>open</a:t>
+            </a:r>
+            <a:r>
+              <a:rPr lang="hr-HR" altLang="en-US" dirty="0"/>
+              <a:t> </a:t>
+            </a:r>
+            <a:r>
+              <a:rPr lang="hr-HR" altLang="en-US" dirty="0" err="1"/>
+              <a:t>source</a:t>
+            </a:r>
+            <a:r>
+              <a:rPr lang="hr-HR" altLang="en-US" dirty="0"/>
+              <a:t> zajednica?</a:t>
+            </a:r>
+          </a:p>
+          <a:p>
+            <a:pPr marL="342900" indent="-342900">
+              <a:buAutoNum type="arabicPeriod"/>
+            </a:pPr>
+            <a:r>
+              <a:rPr lang="hr-HR" altLang="en-US" dirty="0"/>
+              <a:t>Objasni prednosti </a:t>
+            </a:r>
+            <a:r>
+              <a:rPr lang="hr-HR" altLang="en-US" dirty="0" err="1"/>
+              <a:t>open</a:t>
+            </a:r>
+            <a:r>
+              <a:rPr lang="hr-HR" altLang="en-US" dirty="0"/>
+              <a:t> </a:t>
+            </a:r>
+            <a:r>
+              <a:rPr lang="hr-HR" altLang="en-US" dirty="0" err="1"/>
+              <a:t>source</a:t>
+            </a:r>
+            <a:r>
+              <a:rPr lang="hr-HR" altLang="en-US" dirty="0"/>
+              <a:t> software-a nad komercijalnim software-om?</a:t>
             </a:r>
             <a:endParaRPr lang="en-US" altLang="en-US" dirty="0"/>
           </a:p>
@@ -16921,6 +16990,12 @@
 </file>
 
 <file path=customXml/item1.xml><?xml version="1.0" encoding="utf-8"?>
+<p:properties xmlns:p="http://schemas.microsoft.com/office/2006/metadata/properties" xmlns:xsi="http://www.w3.org/2001/XMLSchema-instance" xmlns:pc="http://schemas.microsoft.com/office/infopath/2007/PartnerControls">
+  <documentManagement/>
+</p:properties>
+</file>
+
+<file path=customXml/item2.xml><?xml version="1.0" encoding="utf-8"?>
 <ct:contentTypeSchema xmlns:ct="http://schemas.microsoft.com/office/2006/metadata/contentType" xmlns:ma="http://schemas.microsoft.com/office/2006/metadata/properties/metaAttributes" ct:_="" ma:_="" ma:contentTypeName="Document" ma:contentTypeID="0x0101008F03E54B797CDE4D91D8827125F9D87A" ma:contentTypeVersion="0" ma:contentTypeDescription="Create a new document." ma:contentTypeScope="" ma:versionID="18adb4cc97980dca1658d4b83a09ab50">
   <xsd:schema xmlns:xsd="http://www.w3.org/2001/XMLSchema" xmlns:xs="http://www.w3.org/2001/XMLSchema" xmlns:p="http://schemas.microsoft.com/office/2006/metadata/properties" targetNamespace="http://schemas.microsoft.com/office/2006/metadata/properties" ma:root="true" ma:fieldsID="017581d6d4d432103422426420c4d249">
     <xsd:element name="properties">
@@ -17034,12 +17109,6 @@
 </ct:contentTypeSchema>
 </file>
 
-<file path=customXml/item2.xml><?xml version="1.0" encoding="utf-8"?>
-<p:properties xmlns:p="http://schemas.microsoft.com/office/2006/metadata/properties" xmlns:xsi="http://www.w3.org/2001/XMLSchema-instance" xmlns:pc="http://schemas.microsoft.com/office/infopath/2007/PartnerControls">
-  <documentManagement/>
-</p:properties>
-</file>
-
 <file path=customXml/item3.xml><?xml version="1.0" encoding="utf-8"?>
 <?mso-contentType ?>
 <FormTemplates xmlns="http://schemas.microsoft.com/sharepoint/v3/contenttype/forms">
@@ -17050,6 +17119,21 @@
 </file>
 
 <file path=customXml/itemProps1.xml><?xml version="1.0" encoding="utf-8"?>
+<ds:datastoreItem xmlns:ds="http://schemas.openxmlformats.org/officeDocument/2006/customXml" ds:itemID="{FDF283A3-AA81-4663-8764-64F64C723FD1}">
+  <ds:schemaRefs>
+    <ds:schemaRef ds:uri="http://purl.org/dc/terms/"/>
+    <ds:schemaRef ds:uri="http://purl.org/dc/elements/1.1/"/>
+    <ds:schemaRef ds:uri="http://schemas.microsoft.com/office/infopath/2007/PartnerControls"/>
+    <ds:schemaRef ds:uri="http://schemas.microsoft.com/office/2006/documentManagement/types"/>
+    <ds:schemaRef ds:uri="http://schemas.openxmlformats.org/package/2006/metadata/core-properties"/>
+    <ds:schemaRef ds:uri="http://schemas.microsoft.com/office/2006/metadata/properties"/>
+    <ds:schemaRef ds:uri="http://www.w3.org/XML/1998/namespace"/>
+    <ds:schemaRef ds:uri="http://purl.org/dc/dcmitype/"/>
+  </ds:schemaRefs>
+</ds:datastoreItem>
+</file>
+
+<file path=customXml/itemProps2.xml><?xml version="1.0" encoding="utf-8"?>
 <ds:datastoreItem xmlns:ds="http://schemas.openxmlformats.org/officeDocument/2006/customXml" ds:itemID="{51673A1C-D129-4B55-9ABB-91F8176200AE}">
   <ds:schemaRefs>
     <ds:schemaRef ds:uri="http://schemas.microsoft.com/office/2006/metadata/contentType"/>
@@ -17061,21 +17145,6 @@
     <ds:schemaRef ds:uri="http://purl.org/dc/terms/"/>
     <ds:schemaRef ds:uri="http://schemas.microsoft.com/internal/obd"/>
     <ds:schemaRef ds:uri="http://schemas.microsoft.com/office/infopath/2007/PartnerControls"/>
-  </ds:schemaRefs>
-</ds:datastoreItem>
-</file>
-
-<file path=customXml/itemProps2.xml><?xml version="1.0" encoding="utf-8"?>
-<ds:datastoreItem xmlns:ds="http://schemas.openxmlformats.org/officeDocument/2006/customXml" ds:itemID="{FDF283A3-AA81-4663-8764-64F64C723FD1}">
-  <ds:schemaRefs>
-    <ds:schemaRef ds:uri="http://purl.org/dc/terms/"/>
-    <ds:schemaRef ds:uri="http://purl.org/dc/elements/1.1/"/>
-    <ds:schemaRef ds:uri="http://schemas.microsoft.com/office/infopath/2007/PartnerControls"/>
-    <ds:schemaRef ds:uri="http://schemas.microsoft.com/office/2006/documentManagement/types"/>
-    <ds:schemaRef ds:uri="http://schemas.openxmlformats.org/package/2006/metadata/core-properties"/>
-    <ds:schemaRef ds:uri="http://schemas.microsoft.com/office/2006/metadata/properties"/>
-    <ds:schemaRef ds:uri="http://www.w3.org/XML/1998/namespace"/>
-    <ds:schemaRef ds:uri="http://purl.org/dc/dcmitype/"/>
   </ds:schemaRefs>
 </ds:datastoreItem>
 </file>
